--- a/프로젝트 발표 보고서.pptx
+++ b/프로젝트 발표 보고서.pptx
@@ -251,7 +251,7 @@
           <a:p>
             <a:fld id="{BA639F62-6D77-47D9-8BCF-A2FB957B0FDE}" type="datetimeFigureOut">
               <a:rPr lang="ko-KR" altLang="en-US" smtClean="0"/>
-              <a:t>2023-03-30</a:t>
+              <a:t>2023-05-08</a:t>
             </a:fld>
             <a:endParaRPr lang="ko-KR" altLang="en-US"/>
           </a:p>
@@ -421,7 +421,7 @@
           <a:p>
             <a:fld id="{BA639F62-6D77-47D9-8BCF-A2FB957B0FDE}" type="datetimeFigureOut">
               <a:rPr lang="ko-KR" altLang="en-US" smtClean="0"/>
-              <a:t>2023-03-30</a:t>
+              <a:t>2023-05-08</a:t>
             </a:fld>
             <a:endParaRPr lang="ko-KR" altLang="en-US"/>
           </a:p>
@@ -601,7 +601,7 @@
           <a:p>
             <a:fld id="{BA639F62-6D77-47D9-8BCF-A2FB957B0FDE}" type="datetimeFigureOut">
               <a:rPr lang="ko-KR" altLang="en-US" smtClean="0"/>
-              <a:t>2023-03-30</a:t>
+              <a:t>2023-05-08</a:t>
             </a:fld>
             <a:endParaRPr lang="ko-KR" altLang="en-US"/>
           </a:p>
@@ -771,7 +771,7 @@
           <a:p>
             <a:fld id="{BA639F62-6D77-47D9-8BCF-A2FB957B0FDE}" type="datetimeFigureOut">
               <a:rPr lang="ko-KR" altLang="en-US" smtClean="0"/>
-              <a:t>2023-03-30</a:t>
+              <a:t>2023-05-08</a:t>
             </a:fld>
             <a:endParaRPr lang="ko-KR" altLang="en-US"/>
           </a:p>
@@ -1017,7 +1017,7 @@
           <a:p>
             <a:fld id="{BA639F62-6D77-47D9-8BCF-A2FB957B0FDE}" type="datetimeFigureOut">
               <a:rPr lang="ko-KR" altLang="en-US" smtClean="0"/>
-              <a:t>2023-03-30</a:t>
+              <a:t>2023-05-08</a:t>
             </a:fld>
             <a:endParaRPr lang="ko-KR" altLang="en-US"/>
           </a:p>
@@ -1249,7 +1249,7 @@
           <a:p>
             <a:fld id="{BA639F62-6D77-47D9-8BCF-A2FB957B0FDE}" type="datetimeFigureOut">
               <a:rPr lang="ko-KR" altLang="en-US" smtClean="0"/>
-              <a:t>2023-03-30</a:t>
+              <a:t>2023-05-08</a:t>
             </a:fld>
             <a:endParaRPr lang="ko-KR" altLang="en-US"/>
           </a:p>
@@ -1616,7 +1616,7 @@
           <a:p>
             <a:fld id="{BA639F62-6D77-47D9-8BCF-A2FB957B0FDE}" type="datetimeFigureOut">
               <a:rPr lang="ko-KR" altLang="en-US" smtClean="0"/>
-              <a:t>2023-03-30</a:t>
+              <a:t>2023-05-08</a:t>
             </a:fld>
             <a:endParaRPr lang="ko-KR" altLang="en-US"/>
           </a:p>
@@ -1734,7 +1734,7 @@
           <a:p>
             <a:fld id="{BA639F62-6D77-47D9-8BCF-A2FB957B0FDE}" type="datetimeFigureOut">
               <a:rPr lang="ko-KR" altLang="en-US" smtClean="0"/>
-              <a:t>2023-03-30</a:t>
+              <a:t>2023-05-08</a:t>
             </a:fld>
             <a:endParaRPr lang="ko-KR" altLang="en-US"/>
           </a:p>
@@ -1829,7 +1829,7 @@
           <a:p>
             <a:fld id="{BA639F62-6D77-47D9-8BCF-A2FB957B0FDE}" type="datetimeFigureOut">
               <a:rPr lang="ko-KR" altLang="en-US" smtClean="0"/>
-              <a:t>2023-03-30</a:t>
+              <a:t>2023-05-08</a:t>
             </a:fld>
             <a:endParaRPr lang="ko-KR" altLang="en-US"/>
           </a:p>
@@ -2106,7 +2106,7 @@
           <a:p>
             <a:fld id="{BA639F62-6D77-47D9-8BCF-A2FB957B0FDE}" type="datetimeFigureOut">
               <a:rPr lang="ko-KR" altLang="en-US" smtClean="0"/>
-              <a:t>2023-03-30</a:t>
+              <a:t>2023-05-08</a:t>
             </a:fld>
             <a:endParaRPr lang="ko-KR" altLang="en-US"/>
           </a:p>
@@ -2359,7 +2359,7 @@
           <a:p>
             <a:fld id="{BA639F62-6D77-47D9-8BCF-A2FB957B0FDE}" type="datetimeFigureOut">
               <a:rPr lang="ko-KR" altLang="en-US" smtClean="0"/>
-              <a:t>2023-03-30</a:t>
+              <a:t>2023-05-08</a:t>
             </a:fld>
             <a:endParaRPr lang="ko-KR" altLang="en-US"/>
           </a:p>
@@ -2572,7 +2572,7 @@
           <a:p>
             <a:fld id="{BA639F62-6D77-47D9-8BCF-A2FB957B0FDE}" type="datetimeFigureOut">
               <a:rPr lang="ko-KR" altLang="en-US" smtClean="0"/>
-              <a:t>2023-03-30</a:t>
+              <a:t>2023-05-08</a:t>
             </a:fld>
             <a:endParaRPr lang="ko-KR" altLang="en-US"/>
           </a:p>
@@ -3928,15 +3928,7 @@
                 <a:ea typeface="한컴 고딕" panose="02000500000000000000" pitchFamily="2" charset="-127"/>
                 <a:cs typeface="함초롬바탕" panose="02030604000101010101" pitchFamily="18" charset="-127"/>
               </a:rPr>
-              <a:t>발표 </a:t>
-            </a:r>
-            <a:r>
-              <a:rPr lang="ko-KR" altLang="en-US" sz="4400" b="1" dirty="0" smtClean="0">
-                <a:latin typeface="한컴 고딕" panose="02000500000000000000" pitchFamily="2" charset="-127"/>
-                <a:ea typeface="한컴 고딕" panose="02000500000000000000" pitchFamily="2" charset="-127"/>
-                <a:cs typeface="함초롬바탕" panose="02030604000101010101" pitchFamily="18" charset="-127"/>
-              </a:rPr>
-              <a:t>보고서</a:t>
+              <a:t>발표 보고서</a:t>
             </a:r>
             <a:endParaRPr lang="ko-KR" altLang="en-US" sz="4400" b="1" dirty="0">
               <a:latin typeface="한컴 고딕" panose="02000500000000000000" pitchFamily="2" charset="-127"/>
@@ -5265,14 +5257,14 @@
           <p:nvPr>
             <p:extLst>
               <p:ext uri="{D42A27DB-BD31-4B8C-83A1-F6EECF244321}">
-                <p14:modId xmlns:p14="http://schemas.microsoft.com/office/powerpoint/2010/main" val="3255277443"/>
+                <p14:modId xmlns:p14="http://schemas.microsoft.com/office/powerpoint/2010/main" val="1584089064"/>
               </p:ext>
             </p:extLst>
           </p:nvPr>
         </p:nvGraphicFramePr>
         <p:xfrm>
           <a:off x="633615" y="1408451"/>
-          <a:ext cx="9495180" cy="1736152"/>
+          <a:ext cx="9495180" cy="1881234"/>
         </p:xfrm>
         <a:graphic>
           <a:graphicData uri="http://schemas.openxmlformats.org/drawingml/2006/table">
@@ -5600,9 +5592,16 @@
                           <a:ea typeface="한컴산뜻돋움" panose="02000000000000000000" pitchFamily="2" charset="-127"/>
                           <a:hlinkClick r:id="rId3"/>
                         </a:rPr>
-                        <a:t>http://43.200.2.115:8383/Photostagram/</a:t>
+                        <a:t>http://15.164.225.180:8080/Photostagram/member/login</a:t>
                       </a:r>
-                      <a:endParaRPr lang="ko-KR" altLang="en-US" sz="1600" dirty="0">
+                      <a:r>
+                        <a:rPr lang="ko-KR" altLang="en-US" sz="1600" baseline="0" dirty="0" smtClean="0">
+                          <a:latin typeface="한컴산뜻돋움" panose="02000000000000000000" pitchFamily="2" charset="-127"/>
+                          <a:ea typeface="한컴산뜻돋움" panose="02000000000000000000" pitchFamily="2" charset="-127"/>
+                        </a:rPr>
+                        <a:t> </a:t>
+                      </a:r>
+                      <a:endParaRPr lang="en-US" altLang="ko-KR" sz="1600" dirty="0" smtClean="0">
                         <a:latin typeface="한컴산뜻돋움" panose="02000000000000000000" pitchFamily="2" charset="-127"/>
                         <a:ea typeface="한컴산뜻돋움" panose="02000000000000000000" pitchFamily="2" charset="-127"/>
                       </a:endParaRPr>
@@ -7808,7 +7807,7 @@
           <p:spPr>
             <a:xfrm>
               <a:off x="4185313" y="1653524"/>
-              <a:ext cx="3507474" cy="1323439"/>
+              <a:ext cx="3507474" cy="1077218"/>
             </a:xfrm>
             <a:prstGeom prst="rect">
               <a:avLst/>
@@ -7850,30 +7849,28 @@
                   <a:latin typeface="한컴산뜻돋움" panose="02000000000000000000" pitchFamily="2" charset="-127"/>
                   <a:ea typeface="한컴산뜻돋움" panose="02000000000000000000" pitchFamily="2" charset="-127"/>
                 </a:rPr>
-                <a:t>- main</a:t>
-              </a:r>
-            </a:p>
-            <a:p>
-              <a:r>
-                <a:rPr lang="ko-KR" altLang="en-US" sz="1600" dirty="0" smtClean="0">
-                  <a:latin typeface="한컴산뜻돋움" panose="02000000000000000000" pitchFamily="2" charset="-127"/>
-                  <a:ea typeface="한컴산뜻돋움" panose="02000000000000000000" pitchFamily="2" charset="-127"/>
-                </a:rPr>
-                <a:t>화면 구현 </a:t>
+                <a:t>- </a:t>
               </a:r>
               <a:r>
                 <a:rPr lang="en-US" altLang="ko-KR" sz="1600" dirty="0" smtClean="0">
                   <a:latin typeface="한컴산뜻돋움" panose="02000000000000000000" pitchFamily="2" charset="-127"/>
                   <a:ea typeface="한컴산뜻돋움" panose="02000000000000000000" pitchFamily="2" charset="-127"/>
                 </a:rPr>
-                <a:t>/ </a:t>
+                <a:t>main</a:t>
               </a:r>
               <a:r>
                 <a:rPr lang="ko-KR" altLang="en-US" sz="1600" dirty="0" smtClean="0">
                   <a:latin typeface="한컴산뜻돋움" panose="02000000000000000000" pitchFamily="2" charset="-127"/>
                   <a:ea typeface="한컴산뜻돋움" panose="02000000000000000000" pitchFamily="2" charset="-127"/>
                 </a:rPr>
-                <a:t>기능 구현</a:t>
+                <a:t>화면 및 기능 </a:t>
+              </a:r>
+              <a:r>
+                <a:rPr lang="ko-KR" altLang="en-US" sz="1600" dirty="0" smtClean="0">
+                  <a:latin typeface="한컴산뜻돋움" panose="02000000000000000000" pitchFamily="2" charset="-127"/>
+                  <a:ea typeface="한컴산뜻돋움" panose="02000000000000000000" pitchFamily="2" charset="-127"/>
+                </a:rPr>
+                <a:t>구현</a:t>
               </a:r>
               <a:endParaRPr lang="en-US" altLang="ko-KR" sz="1600" dirty="0" smtClean="0">
                 <a:latin typeface="한컴산뜻돋움" panose="02000000000000000000" pitchFamily="2" charset="-127"/>
@@ -7886,14 +7883,28 @@
                   <a:latin typeface="한컴산뜻돋움" panose="02000000000000000000" pitchFamily="2" charset="-127"/>
                   <a:ea typeface="한컴산뜻돋움" panose="02000000000000000000" pitchFamily="2" charset="-127"/>
                 </a:rPr>
-                <a:t>- main</a:t>
+                <a:t>- </a:t>
+              </a:r>
+              <a:r>
+                <a:rPr lang="en-US" altLang="ko-KR" sz="1600" dirty="0" smtClean="0">
+                  <a:latin typeface="한컴산뜻돋움" panose="02000000000000000000" pitchFamily="2" charset="-127"/>
+                  <a:ea typeface="한컴산뜻돋움" panose="02000000000000000000" pitchFamily="2" charset="-127"/>
+                </a:rPr>
+                <a:t>Main</a:t>
               </a:r>
               <a:r>
                 <a:rPr lang="ko-KR" altLang="en-US" sz="1600" dirty="0" smtClean="0">
                   <a:latin typeface="한컴산뜻돋움" panose="02000000000000000000" pitchFamily="2" charset="-127"/>
                   <a:ea typeface="한컴산뜻돋움" panose="02000000000000000000" pitchFamily="2" charset="-127"/>
                 </a:rPr>
-                <a:t> 게시글 </a:t>
+                <a:t> </a:t>
+              </a:r>
+              <a:r>
+                <a:rPr lang="ko-KR" altLang="en-US" sz="1600" dirty="0" smtClean="0">
+                  <a:latin typeface="한컴산뜻돋움" panose="02000000000000000000" pitchFamily="2" charset="-127"/>
+                  <a:ea typeface="한컴산뜻돋움" panose="02000000000000000000" pitchFamily="2" charset="-127"/>
+                </a:rPr>
+                <a:t>게시글 </a:t>
               </a:r>
               <a:r>
                 <a:rPr lang="en-US" altLang="ko-KR" sz="1600" dirty="0" smtClean="0">
@@ -11210,11 +11221,7 @@
           <a:p>
             <a:r>
               <a:rPr lang="en-US" altLang="ko-KR" sz="2400" b="1" dirty="0" smtClean="0"/>
-              <a:t>Information </a:t>
-            </a:r>
-            <a:r>
-              <a:rPr lang="en-US" altLang="ko-KR" sz="2400" b="1" dirty="0" smtClean="0"/>
-              <a:t>Architecture &amp; View</a:t>
+              <a:t>Information Architecture &amp; View</a:t>
             </a:r>
             <a:endParaRPr lang="ko-KR" altLang="en-US" sz="2400" b="1" dirty="0"/>
           </a:p>

--- a/프로젝트 발표 보고서.pptx
+++ b/프로젝트 발표 보고서.pptx
@@ -13,7 +13,12 @@
     <p:sldId id="260" r:id="rId7"/>
     <p:sldId id="265" r:id="rId8"/>
     <p:sldId id="263" r:id="rId9"/>
-    <p:sldId id="264" r:id="rId10"/>
+    <p:sldId id="267" r:id="rId10"/>
+    <p:sldId id="268" r:id="rId11"/>
+    <p:sldId id="269" r:id="rId12"/>
+    <p:sldId id="270" r:id="rId13"/>
+    <p:sldId id="271" r:id="rId14"/>
+    <p:sldId id="264" r:id="rId15"/>
   </p:sldIdLst>
   <p:sldSz cx="12192000" cy="6858000"/>
   <p:notesSz cx="6858000" cy="9144000"/>
@@ -4046,6 +4051,789 @@
 </p:sld>
 </file>
 
+<file path=ppt/slides/slide10.xml><?xml version="1.0" encoding="utf-8"?>
+<p:sld xmlns:a="http://schemas.openxmlformats.org/drawingml/2006/main" xmlns:r="http://schemas.openxmlformats.org/officeDocument/2006/relationships" xmlns:p="http://schemas.openxmlformats.org/presentationml/2006/main">
+  <p:cSld>
+    <p:spTree>
+      <p:nvGrpSpPr>
+        <p:cNvPr id="1" name=""/>
+        <p:cNvGrpSpPr/>
+        <p:nvPr/>
+      </p:nvGrpSpPr>
+      <p:grpSpPr>
+        <a:xfrm>
+          <a:off x="0" y="0"/>
+          <a:ext cx="0" cy="0"/>
+          <a:chOff x="0" y="0"/>
+          <a:chExt cx="0" cy="0"/>
+        </a:xfrm>
+      </p:grpSpPr>
+      <p:sp>
+        <p:nvSpPr>
+          <p:cNvPr id="11" name="직사각형 10"/>
+          <p:cNvSpPr/>
+          <p:nvPr/>
+        </p:nvSpPr>
+        <p:spPr>
+          <a:xfrm>
+            <a:off x="0" y="0"/>
+            <a:ext cx="12192000" cy="729574"/>
+          </a:xfrm>
+          <a:prstGeom prst="rect">
+            <a:avLst/>
+          </a:prstGeom>
+          <a:solidFill>
+            <a:srgbClr val="F9F9F9"/>
+          </a:solidFill>
+          <a:ln>
+            <a:noFill/>
+          </a:ln>
+        </p:spPr>
+        <p:style>
+          <a:lnRef idx="2">
+            <a:schemeClr val="accent1">
+              <a:shade val="50000"/>
+            </a:schemeClr>
+          </a:lnRef>
+          <a:fillRef idx="1">
+            <a:schemeClr val="accent1"/>
+          </a:fillRef>
+          <a:effectRef idx="0">
+            <a:schemeClr val="accent1"/>
+          </a:effectRef>
+          <a:fontRef idx="minor">
+            <a:schemeClr val="lt1"/>
+          </a:fontRef>
+        </p:style>
+        <p:txBody>
+          <a:bodyPr rtlCol="0" anchor="ctr"/>
+          <a:lstStyle/>
+          <a:p>
+            <a:pPr algn="ctr"/>
+            <a:endParaRPr lang="ko-KR" altLang="en-US"/>
+          </a:p>
+        </p:txBody>
+      </p:sp>
+      <p:pic>
+        <p:nvPicPr>
+          <p:cNvPr id="3" name="그림 2"/>
+          <p:cNvPicPr>
+            <a:picLocks noChangeAspect="1"/>
+          </p:cNvPicPr>
+          <p:nvPr/>
+        </p:nvPicPr>
+        <p:blipFill>
+          <a:blip r:embed="rId2" cstate="print">
+            <a:extLst>
+              <a:ext uri="{28A0092B-C50C-407E-A947-70E740481C1C}">
+                <a14:useLocalDpi xmlns:a14="http://schemas.microsoft.com/office/drawing/2010/main" val="0"/>
+              </a:ext>
+            </a:extLst>
+          </a:blip>
+          <a:stretch>
+            <a:fillRect/>
+          </a:stretch>
+        </p:blipFill>
+        <p:spPr>
+          <a:xfrm flipH="1">
+            <a:off x="149630" y="132249"/>
+            <a:ext cx="409170" cy="408888"/>
+          </a:xfrm>
+          <a:prstGeom prst="rect">
+            <a:avLst/>
+          </a:prstGeom>
+        </p:spPr>
+      </p:pic>
+      <p:sp>
+        <p:nvSpPr>
+          <p:cNvPr id="12" name="TextBox 11"/>
+          <p:cNvSpPr txBox="1"/>
+          <p:nvPr/>
+        </p:nvSpPr>
+        <p:spPr>
+          <a:xfrm>
+            <a:off x="708430" y="105860"/>
+            <a:ext cx="11227408" cy="461665"/>
+          </a:xfrm>
+          <a:prstGeom prst="rect">
+            <a:avLst/>
+          </a:prstGeom>
+          <a:noFill/>
+        </p:spPr>
+        <p:txBody>
+          <a:bodyPr wrap="square" rtlCol="0">
+            <a:spAutoFit/>
+          </a:bodyPr>
+          <a:lstStyle/>
+          <a:p>
+            <a:r>
+              <a:rPr lang="ko-KR" altLang="en-US" sz="2400" b="1" dirty="0" smtClean="0"/>
+              <a:t>기능 소개</a:t>
+            </a:r>
+            <a:r>
+              <a:rPr lang="en-US" altLang="ko-KR" sz="2400" b="1" dirty="0" smtClean="0"/>
+              <a:t>(</a:t>
+            </a:r>
+            <a:r>
+              <a:rPr lang="ko-KR" altLang="en-US" sz="2400" b="1" dirty="0" smtClean="0"/>
+              <a:t>로그인</a:t>
+            </a:r>
+            <a:r>
+              <a:rPr lang="en-US" altLang="ko-KR" sz="2400" b="1" dirty="0" smtClean="0"/>
+              <a:t>/</a:t>
+            </a:r>
+            <a:r>
+              <a:rPr lang="ko-KR" altLang="en-US" sz="2400" b="1" dirty="0" smtClean="0"/>
+              <a:t>회원가입</a:t>
+            </a:r>
+            <a:r>
+              <a:rPr lang="en-US" altLang="ko-KR" sz="2400" b="1" dirty="0" smtClean="0"/>
+              <a:t>)</a:t>
+            </a:r>
+            <a:endParaRPr lang="ko-KR" altLang="en-US" sz="2400" b="1" dirty="0"/>
+          </a:p>
+        </p:txBody>
+      </p:sp>
+    </p:spTree>
+    <p:extLst>
+      <p:ext uri="{BB962C8B-B14F-4D97-AF65-F5344CB8AC3E}">
+        <p14:creationId xmlns:p14="http://schemas.microsoft.com/office/powerpoint/2010/main" val="2584986639"/>
+      </p:ext>
+    </p:extLst>
+  </p:cSld>
+  <p:clrMapOvr>
+    <a:masterClrMapping/>
+  </p:clrMapOvr>
+</p:sld>
+</file>
+
+<file path=ppt/slides/slide11.xml><?xml version="1.0" encoding="utf-8"?>
+<p:sld xmlns:a="http://schemas.openxmlformats.org/drawingml/2006/main" xmlns:r="http://schemas.openxmlformats.org/officeDocument/2006/relationships" xmlns:p="http://schemas.openxmlformats.org/presentationml/2006/main">
+  <p:cSld>
+    <p:spTree>
+      <p:nvGrpSpPr>
+        <p:cNvPr id="1" name=""/>
+        <p:cNvGrpSpPr/>
+        <p:nvPr/>
+      </p:nvGrpSpPr>
+      <p:grpSpPr>
+        <a:xfrm>
+          <a:off x="0" y="0"/>
+          <a:ext cx="0" cy="0"/>
+          <a:chOff x="0" y="0"/>
+          <a:chExt cx="0" cy="0"/>
+        </a:xfrm>
+      </p:grpSpPr>
+      <p:sp>
+        <p:nvSpPr>
+          <p:cNvPr id="11" name="직사각형 10"/>
+          <p:cNvSpPr/>
+          <p:nvPr/>
+        </p:nvSpPr>
+        <p:spPr>
+          <a:xfrm>
+            <a:off x="0" y="0"/>
+            <a:ext cx="12192000" cy="729574"/>
+          </a:xfrm>
+          <a:prstGeom prst="rect">
+            <a:avLst/>
+          </a:prstGeom>
+          <a:solidFill>
+            <a:srgbClr val="F9F9F9"/>
+          </a:solidFill>
+          <a:ln>
+            <a:noFill/>
+          </a:ln>
+        </p:spPr>
+        <p:style>
+          <a:lnRef idx="2">
+            <a:schemeClr val="accent1">
+              <a:shade val="50000"/>
+            </a:schemeClr>
+          </a:lnRef>
+          <a:fillRef idx="1">
+            <a:schemeClr val="accent1"/>
+          </a:fillRef>
+          <a:effectRef idx="0">
+            <a:schemeClr val="accent1"/>
+          </a:effectRef>
+          <a:fontRef idx="minor">
+            <a:schemeClr val="lt1"/>
+          </a:fontRef>
+        </p:style>
+        <p:txBody>
+          <a:bodyPr rtlCol="0" anchor="ctr"/>
+          <a:lstStyle/>
+          <a:p>
+            <a:pPr algn="ctr"/>
+            <a:endParaRPr lang="ko-KR" altLang="en-US"/>
+          </a:p>
+        </p:txBody>
+      </p:sp>
+      <p:pic>
+        <p:nvPicPr>
+          <p:cNvPr id="3" name="그림 2"/>
+          <p:cNvPicPr>
+            <a:picLocks noChangeAspect="1"/>
+          </p:cNvPicPr>
+          <p:nvPr/>
+        </p:nvPicPr>
+        <p:blipFill>
+          <a:blip r:embed="rId2" cstate="print">
+            <a:extLst>
+              <a:ext uri="{28A0092B-C50C-407E-A947-70E740481C1C}">
+                <a14:useLocalDpi xmlns:a14="http://schemas.microsoft.com/office/drawing/2010/main" val="0"/>
+              </a:ext>
+            </a:extLst>
+          </a:blip>
+          <a:stretch>
+            <a:fillRect/>
+          </a:stretch>
+        </p:blipFill>
+        <p:spPr>
+          <a:xfrm flipH="1">
+            <a:off x="149630" y="132249"/>
+            <a:ext cx="409170" cy="408888"/>
+          </a:xfrm>
+          <a:prstGeom prst="rect">
+            <a:avLst/>
+          </a:prstGeom>
+        </p:spPr>
+      </p:pic>
+      <p:sp>
+        <p:nvSpPr>
+          <p:cNvPr id="12" name="TextBox 11"/>
+          <p:cNvSpPr txBox="1"/>
+          <p:nvPr/>
+        </p:nvSpPr>
+        <p:spPr>
+          <a:xfrm>
+            <a:off x="708430" y="105860"/>
+            <a:ext cx="11227408" cy="461665"/>
+          </a:xfrm>
+          <a:prstGeom prst="rect">
+            <a:avLst/>
+          </a:prstGeom>
+          <a:noFill/>
+        </p:spPr>
+        <p:txBody>
+          <a:bodyPr wrap="square" rtlCol="0">
+            <a:spAutoFit/>
+          </a:bodyPr>
+          <a:lstStyle/>
+          <a:p>
+            <a:r>
+              <a:rPr lang="ko-KR" altLang="en-US" sz="2400" b="1" dirty="0" smtClean="0"/>
+              <a:t>기능 소개</a:t>
+            </a:r>
+            <a:r>
+              <a:rPr lang="en-US" altLang="ko-KR" sz="2400" b="1" dirty="0" smtClean="0"/>
+              <a:t>(</a:t>
+            </a:r>
+            <a:r>
+              <a:rPr lang="ko-KR" altLang="en-US" sz="2400" b="1" dirty="0" smtClean="0"/>
+              <a:t>로그인</a:t>
+            </a:r>
+            <a:r>
+              <a:rPr lang="en-US" altLang="ko-KR" sz="2400" b="1" dirty="0" smtClean="0"/>
+              <a:t>/</a:t>
+            </a:r>
+            <a:r>
+              <a:rPr lang="ko-KR" altLang="en-US" sz="2400" b="1" dirty="0" smtClean="0"/>
+              <a:t>회원가입</a:t>
+            </a:r>
+            <a:r>
+              <a:rPr lang="en-US" altLang="ko-KR" sz="2400" b="1" dirty="0" smtClean="0"/>
+              <a:t>)</a:t>
+            </a:r>
+            <a:endParaRPr lang="ko-KR" altLang="en-US" sz="2400" b="1" dirty="0"/>
+          </a:p>
+        </p:txBody>
+      </p:sp>
+    </p:spTree>
+    <p:extLst>
+      <p:ext uri="{BB962C8B-B14F-4D97-AF65-F5344CB8AC3E}">
+        <p14:creationId xmlns:p14="http://schemas.microsoft.com/office/powerpoint/2010/main" val="1816562471"/>
+      </p:ext>
+    </p:extLst>
+  </p:cSld>
+  <p:clrMapOvr>
+    <a:masterClrMapping/>
+  </p:clrMapOvr>
+</p:sld>
+</file>
+
+<file path=ppt/slides/slide12.xml><?xml version="1.0" encoding="utf-8"?>
+<p:sld xmlns:a="http://schemas.openxmlformats.org/drawingml/2006/main" xmlns:r="http://schemas.openxmlformats.org/officeDocument/2006/relationships" xmlns:p="http://schemas.openxmlformats.org/presentationml/2006/main">
+  <p:cSld>
+    <p:spTree>
+      <p:nvGrpSpPr>
+        <p:cNvPr id="1" name=""/>
+        <p:cNvGrpSpPr/>
+        <p:nvPr/>
+      </p:nvGrpSpPr>
+      <p:grpSpPr>
+        <a:xfrm>
+          <a:off x="0" y="0"/>
+          <a:ext cx="0" cy="0"/>
+          <a:chOff x="0" y="0"/>
+          <a:chExt cx="0" cy="0"/>
+        </a:xfrm>
+      </p:grpSpPr>
+      <p:sp>
+        <p:nvSpPr>
+          <p:cNvPr id="11" name="직사각형 10"/>
+          <p:cNvSpPr/>
+          <p:nvPr/>
+        </p:nvSpPr>
+        <p:spPr>
+          <a:xfrm>
+            <a:off x="0" y="0"/>
+            <a:ext cx="12192000" cy="729574"/>
+          </a:xfrm>
+          <a:prstGeom prst="rect">
+            <a:avLst/>
+          </a:prstGeom>
+          <a:solidFill>
+            <a:srgbClr val="F9F9F9"/>
+          </a:solidFill>
+          <a:ln>
+            <a:noFill/>
+          </a:ln>
+        </p:spPr>
+        <p:style>
+          <a:lnRef idx="2">
+            <a:schemeClr val="accent1">
+              <a:shade val="50000"/>
+            </a:schemeClr>
+          </a:lnRef>
+          <a:fillRef idx="1">
+            <a:schemeClr val="accent1"/>
+          </a:fillRef>
+          <a:effectRef idx="0">
+            <a:schemeClr val="accent1"/>
+          </a:effectRef>
+          <a:fontRef idx="minor">
+            <a:schemeClr val="lt1"/>
+          </a:fontRef>
+        </p:style>
+        <p:txBody>
+          <a:bodyPr rtlCol="0" anchor="ctr"/>
+          <a:lstStyle/>
+          <a:p>
+            <a:pPr algn="ctr"/>
+            <a:endParaRPr lang="ko-KR" altLang="en-US"/>
+          </a:p>
+        </p:txBody>
+      </p:sp>
+      <p:pic>
+        <p:nvPicPr>
+          <p:cNvPr id="3" name="그림 2"/>
+          <p:cNvPicPr>
+            <a:picLocks noChangeAspect="1"/>
+          </p:cNvPicPr>
+          <p:nvPr/>
+        </p:nvPicPr>
+        <p:blipFill>
+          <a:blip r:embed="rId2" cstate="print">
+            <a:extLst>
+              <a:ext uri="{28A0092B-C50C-407E-A947-70E740481C1C}">
+                <a14:useLocalDpi xmlns:a14="http://schemas.microsoft.com/office/drawing/2010/main" val="0"/>
+              </a:ext>
+            </a:extLst>
+          </a:blip>
+          <a:stretch>
+            <a:fillRect/>
+          </a:stretch>
+        </p:blipFill>
+        <p:spPr>
+          <a:xfrm flipH="1">
+            <a:off x="149630" y="132249"/>
+            <a:ext cx="409170" cy="408888"/>
+          </a:xfrm>
+          <a:prstGeom prst="rect">
+            <a:avLst/>
+          </a:prstGeom>
+        </p:spPr>
+      </p:pic>
+      <p:sp>
+        <p:nvSpPr>
+          <p:cNvPr id="12" name="TextBox 11"/>
+          <p:cNvSpPr txBox="1"/>
+          <p:nvPr/>
+        </p:nvSpPr>
+        <p:spPr>
+          <a:xfrm>
+            <a:off x="708430" y="105860"/>
+            <a:ext cx="11227408" cy="461665"/>
+          </a:xfrm>
+          <a:prstGeom prst="rect">
+            <a:avLst/>
+          </a:prstGeom>
+          <a:noFill/>
+        </p:spPr>
+        <p:txBody>
+          <a:bodyPr wrap="square" rtlCol="0">
+            <a:spAutoFit/>
+          </a:bodyPr>
+          <a:lstStyle/>
+          <a:p>
+            <a:r>
+              <a:rPr lang="ko-KR" altLang="en-US" sz="2400" b="1" dirty="0" smtClean="0"/>
+              <a:t>기능 소개</a:t>
+            </a:r>
+            <a:r>
+              <a:rPr lang="en-US" altLang="ko-KR" sz="2400" b="1" dirty="0" smtClean="0"/>
+              <a:t>(</a:t>
+            </a:r>
+            <a:r>
+              <a:rPr lang="ko-KR" altLang="en-US" sz="2400" b="1" dirty="0" smtClean="0"/>
+              <a:t>로그인</a:t>
+            </a:r>
+            <a:r>
+              <a:rPr lang="en-US" altLang="ko-KR" sz="2400" b="1" dirty="0" smtClean="0"/>
+              <a:t>/</a:t>
+            </a:r>
+            <a:r>
+              <a:rPr lang="ko-KR" altLang="en-US" sz="2400" b="1" dirty="0" smtClean="0"/>
+              <a:t>회원가입</a:t>
+            </a:r>
+            <a:r>
+              <a:rPr lang="en-US" altLang="ko-KR" sz="2400" b="1" dirty="0" smtClean="0"/>
+              <a:t>)</a:t>
+            </a:r>
+            <a:endParaRPr lang="ko-KR" altLang="en-US" sz="2400" b="1" dirty="0"/>
+          </a:p>
+        </p:txBody>
+      </p:sp>
+    </p:spTree>
+    <p:extLst>
+      <p:ext uri="{BB962C8B-B14F-4D97-AF65-F5344CB8AC3E}">
+        <p14:creationId xmlns:p14="http://schemas.microsoft.com/office/powerpoint/2010/main" val="621292575"/>
+      </p:ext>
+    </p:extLst>
+  </p:cSld>
+  <p:clrMapOvr>
+    <a:masterClrMapping/>
+  </p:clrMapOvr>
+</p:sld>
+</file>
+
+<file path=ppt/slides/slide13.xml><?xml version="1.0" encoding="utf-8"?>
+<p:sld xmlns:a="http://schemas.openxmlformats.org/drawingml/2006/main" xmlns:r="http://schemas.openxmlformats.org/officeDocument/2006/relationships" xmlns:p="http://schemas.openxmlformats.org/presentationml/2006/main">
+  <p:cSld>
+    <p:spTree>
+      <p:nvGrpSpPr>
+        <p:cNvPr id="1" name=""/>
+        <p:cNvGrpSpPr/>
+        <p:nvPr/>
+      </p:nvGrpSpPr>
+      <p:grpSpPr>
+        <a:xfrm>
+          <a:off x="0" y="0"/>
+          <a:ext cx="0" cy="0"/>
+          <a:chOff x="0" y="0"/>
+          <a:chExt cx="0" cy="0"/>
+        </a:xfrm>
+      </p:grpSpPr>
+      <p:sp>
+        <p:nvSpPr>
+          <p:cNvPr id="11" name="직사각형 10"/>
+          <p:cNvSpPr/>
+          <p:nvPr/>
+        </p:nvSpPr>
+        <p:spPr>
+          <a:xfrm>
+            <a:off x="0" y="0"/>
+            <a:ext cx="12192000" cy="729574"/>
+          </a:xfrm>
+          <a:prstGeom prst="rect">
+            <a:avLst/>
+          </a:prstGeom>
+          <a:solidFill>
+            <a:srgbClr val="F9F9F9"/>
+          </a:solidFill>
+          <a:ln>
+            <a:noFill/>
+          </a:ln>
+        </p:spPr>
+        <p:style>
+          <a:lnRef idx="2">
+            <a:schemeClr val="accent1">
+              <a:shade val="50000"/>
+            </a:schemeClr>
+          </a:lnRef>
+          <a:fillRef idx="1">
+            <a:schemeClr val="accent1"/>
+          </a:fillRef>
+          <a:effectRef idx="0">
+            <a:schemeClr val="accent1"/>
+          </a:effectRef>
+          <a:fontRef idx="minor">
+            <a:schemeClr val="lt1"/>
+          </a:fontRef>
+        </p:style>
+        <p:txBody>
+          <a:bodyPr rtlCol="0" anchor="ctr"/>
+          <a:lstStyle/>
+          <a:p>
+            <a:pPr algn="ctr"/>
+            <a:endParaRPr lang="ko-KR" altLang="en-US"/>
+          </a:p>
+        </p:txBody>
+      </p:sp>
+      <p:pic>
+        <p:nvPicPr>
+          <p:cNvPr id="3" name="그림 2"/>
+          <p:cNvPicPr>
+            <a:picLocks noChangeAspect="1"/>
+          </p:cNvPicPr>
+          <p:nvPr/>
+        </p:nvPicPr>
+        <p:blipFill>
+          <a:blip r:embed="rId2" cstate="print">
+            <a:extLst>
+              <a:ext uri="{28A0092B-C50C-407E-A947-70E740481C1C}">
+                <a14:useLocalDpi xmlns:a14="http://schemas.microsoft.com/office/drawing/2010/main" val="0"/>
+              </a:ext>
+            </a:extLst>
+          </a:blip>
+          <a:stretch>
+            <a:fillRect/>
+          </a:stretch>
+        </p:blipFill>
+        <p:spPr>
+          <a:xfrm flipH="1">
+            <a:off x="149630" y="132249"/>
+            <a:ext cx="409170" cy="408888"/>
+          </a:xfrm>
+          <a:prstGeom prst="rect">
+            <a:avLst/>
+          </a:prstGeom>
+        </p:spPr>
+      </p:pic>
+      <p:sp>
+        <p:nvSpPr>
+          <p:cNvPr id="12" name="TextBox 11"/>
+          <p:cNvSpPr txBox="1"/>
+          <p:nvPr/>
+        </p:nvSpPr>
+        <p:spPr>
+          <a:xfrm>
+            <a:off x="708430" y="105860"/>
+            <a:ext cx="11227408" cy="461665"/>
+          </a:xfrm>
+          <a:prstGeom prst="rect">
+            <a:avLst/>
+          </a:prstGeom>
+          <a:noFill/>
+        </p:spPr>
+        <p:txBody>
+          <a:bodyPr wrap="square" rtlCol="0">
+            <a:spAutoFit/>
+          </a:bodyPr>
+          <a:lstStyle/>
+          <a:p>
+            <a:r>
+              <a:rPr lang="ko-KR" altLang="en-US" sz="2400" b="1" dirty="0" smtClean="0"/>
+              <a:t>소감</a:t>
+            </a:r>
+            <a:endParaRPr lang="ko-KR" altLang="en-US" sz="2400" b="1" dirty="0"/>
+          </a:p>
+        </p:txBody>
+      </p:sp>
+    </p:spTree>
+    <p:extLst>
+      <p:ext uri="{BB962C8B-B14F-4D97-AF65-F5344CB8AC3E}">
+        <p14:creationId xmlns:p14="http://schemas.microsoft.com/office/powerpoint/2010/main" val="2522415261"/>
+      </p:ext>
+    </p:extLst>
+  </p:cSld>
+  <p:clrMapOvr>
+    <a:masterClrMapping/>
+  </p:clrMapOvr>
+</p:sld>
+</file>
+
+<file path=ppt/slides/slide14.xml><?xml version="1.0" encoding="utf-8"?>
+<p:sld xmlns:a="http://schemas.openxmlformats.org/drawingml/2006/main" xmlns:r="http://schemas.openxmlformats.org/officeDocument/2006/relationships" xmlns:p="http://schemas.openxmlformats.org/presentationml/2006/main">
+  <p:cSld>
+    <p:spTree>
+      <p:nvGrpSpPr>
+        <p:cNvPr id="1" name=""/>
+        <p:cNvGrpSpPr/>
+        <p:nvPr/>
+      </p:nvGrpSpPr>
+      <p:grpSpPr>
+        <a:xfrm>
+          <a:off x="0" y="0"/>
+          <a:ext cx="0" cy="0"/>
+          <a:chOff x="0" y="0"/>
+          <a:chExt cx="0" cy="0"/>
+        </a:xfrm>
+      </p:grpSpPr>
+      <p:sp>
+        <p:nvSpPr>
+          <p:cNvPr id="11" name="직사각형 10"/>
+          <p:cNvSpPr/>
+          <p:nvPr/>
+        </p:nvSpPr>
+        <p:spPr>
+          <a:xfrm>
+            <a:off x="0" y="0"/>
+            <a:ext cx="12192000" cy="729574"/>
+          </a:xfrm>
+          <a:prstGeom prst="rect">
+            <a:avLst/>
+          </a:prstGeom>
+          <a:solidFill>
+            <a:srgbClr val="F9F9F9"/>
+          </a:solidFill>
+          <a:ln>
+            <a:noFill/>
+          </a:ln>
+        </p:spPr>
+        <p:style>
+          <a:lnRef idx="2">
+            <a:schemeClr val="accent1">
+              <a:shade val="50000"/>
+            </a:schemeClr>
+          </a:lnRef>
+          <a:fillRef idx="1">
+            <a:schemeClr val="accent1"/>
+          </a:fillRef>
+          <a:effectRef idx="0">
+            <a:schemeClr val="accent1"/>
+          </a:effectRef>
+          <a:fontRef idx="minor">
+            <a:schemeClr val="lt1"/>
+          </a:fontRef>
+        </p:style>
+        <p:txBody>
+          <a:bodyPr rtlCol="0" anchor="ctr"/>
+          <a:lstStyle/>
+          <a:p>
+            <a:pPr algn="ctr"/>
+            <a:endParaRPr lang="ko-KR" altLang="en-US"/>
+          </a:p>
+        </p:txBody>
+      </p:sp>
+      <p:pic>
+        <p:nvPicPr>
+          <p:cNvPr id="3" name="그림 2"/>
+          <p:cNvPicPr>
+            <a:picLocks noChangeAspect="1"/>
+          </p:cNvPicPr>
+          <p:nvPr/>
+        </p:nvPicPr>
+        <p:blipFill>
+          <a:blip r:embed="rId2" cstate="print">
+            <a:extLst>
+              <a:ext uri="{28A0092B-C50C-407E-A947-70E740481C1C}">
+                <a14:useLocalDpi xmlns:a14="http://schemas.microsoft.com/office/drawing/2010/main" val="0"/>
+              </a:ext>
+            </a:extLst>
+          </a:blip>
+          <a:stretch>
+            <a:fillRect/>
+          </a:stretch>
+        </p:blipFill>
+        <p:spPr>
+          <a:xfrm flipH="1">
+            <a:off x="149630" y="132249"/>
+            <a:ext cx="409170" cy="408888"/>
+          </a:xfrm>
+          <a:prstGeom prst="rect">
+            <a:avLst/>
+          </a:prstGeom>
+        </p:spPr>
+      </p:pic>
+      <p:sp>
+        <p:nvSpPr>
+          <p:cNvPr id="12" name="TextBox 11"/>
+          <p:cNvSpPr txBox="1"/>
+          <p:nvPr/>
+        </p:nvSpPr>
+        <p:spPr>
+          <a:xfrm>
+            <a:off x="708430" y="105860"/>
+            <a:ext cx="11227408" cy="461665"/>
+          </a:xfrm>
+          <a:prstGeom prst="rect">
+            <a:avLst/>
+          </a:prstGeom>
+          <a:noFill/>
+        </p:spPr>
+        <p:txBody>
+          <a:bodyPr wrap="square" rtlCol="0">
+            <a:spAutoFit/>
+          </a:bodyPr>
+          <a:lstStyle/>
+          <a:p>
+            <a:r>
+              <a:rPr lang="en-US" altLang="ko-KR" sz="2400" b="1" dirty="0" smtClean="0"/>
+              <a:t>Thank you</a:t>
+            </a:r>
+            <a:endParaRPr lang="ko-KR" altLang="en-US" sz="2400" b="1" dirty="0"/>
+          </a:p>
+        </p:txBody>
+      </p:sp>
+      <p:sp>
+        <p:nvSpPr>
+          <p:cNvPr id="5" name="TextBox 4"/>
+          <p:cNvSpPr txBox="1"/>
+          <p:nvPr/>
+        </p:nvSpPr>
+        <p:spPr>
+          <a:xfrm>
+            <a:off x="3047539" y="2848565"/>
+            <a:ext cx="6337530" cy="1569660"/>
+          </a:xfrm>
+          <a:prstGeom prst="rect">
+            <a:avLst/>
+          </a:prstGeom>
+          <a:noFill/>
+        </p:spPr>
+        <p:txBody>
+          <a:bodyPr wrap="square" rtlCol="0">
+            <a:spAutoFit/>
+          </a:bodyPr>
+          <a:lstStyle/>
+          <a:p>
+            <a:r>
+              <a:rPr lang="ko-KR" altLang="en-US" sz="9600" dirty="0" smtClean="0">
+                <a:latin typeface="한컴산뜻돋움" panose="02000000000000000000" pitchFamily="2" charset="-127"/>
+                <a:ea typeface="한컴산뜻돋움" panose="02000000000000000000" pitchFamily="2" charset="-127"/>
+              </a:rPr>
+              <a:t>감사합니다</a:t>
+            </a:r>
+            <a:r>
+              <a:rPr lang="en-US" altLang="ko-KR" sz="9600" dirty="0" smtClean="0">
+                <a:latin typeface="한컴산뜻돋움" panose="02000000000000000000" pitchFamily="2" charset="-127"/>
+                <a:ea typeface="한컴산뜻돋움" panose="02000000000000000000" pitchFamily="2" charset="-127"/>
+              </a:rPr>
+              <a:t>.</a:t>
+            </a:r>
+            <a:endParaRPr lang="ko-KR" altLang="en-US" sz="9600" dirty="0">
+              <a:latin typeface="한컴산뜻돋움" panose="02000000000000000000" pitchFamily="2" charset="-127"/>
+              <a:ea typeface="한컴산뜻돋움" panose="02000000000000000000" pitchFamily="2" charset="-127"/>
+            </a:endParaRPr>
+          </a:p>
+        </p:txBody>
+      </p:sp>
+    </p:spTree>
+    <p:extLst>
+      <p:ext uri="{BB962C8B-B14F-4D97-AF65-F5344CB8AC3E}">
+        <p14:creationId xmlns:p14="http://schemas.microsoft.com/office/powerpoint/2010/main" val="2640116960"/>
+      </p:ext>
+    </p:extLst>
+  </p:cSld>
+  <p:clrMapOvr>
+    <a:masterClrMapping/>
+  </p:clrMapOvr>
+</p:sld>
+</file>
+
 <file path=ppt/slides/slide2.xml><?xml version="1.0" encoding="utf-8"?>
 <p:sld xmlns:a="http://schemas.openxmlformats.org/drawingml/2006/main" xmlns:r="http://schemas.openxmlformats.org/officeDocument/2006/relationships" xmlns:p="http://schemas.openxmlformats.org/presentationml/2006/main">
   <p:cSld>
@@ -4177,7 +4965,7 @@
         </p:nvGrpSpPr>
         <p:grpSpPr>
           <a:xfrm flipV="1">
-            <a:off x="954375" y="2074684"/>
+            <a:off x="558800" y="1656394"/>
             <a:ext cx="8210145" cy="45719"/>
             <a:chOff x="448542" y="212841"/>
             <a:chExt cx="11301939" cy="116627"/>
@@ -4332,7 +5120,7 @@
         </p:nvSpPr>
         <p:spPr>
           <a:xfrm>
-            <a:off x="1096818" y="1525741"/>
+            <a:off x="701243" y="1107451"/>
             <a:ext cx="7925261" cy="461665"/>
           </a:xfrm>
           <a:prstGeom prst="rect">
@@ -4366,7 +5154,7 @@
         </p:nvGrpSpPr>
         <p:grpSpPr>
           <a:xfrm flipV="1">
-            <a:off x="954375" y="2912058"/>
+            <a:off x="558800" y="2493768"/>
             <a:ext cx="8210145" cy="45719"/>
             <a:chOff x="448542" y="212841"/>
             <a:chExt cx="11301939" cy="116627"/>
@@ -4521,7 +5309,7 @@
         </p:nvSpPr>
         <p:spPr>
           <a:xfrm>
-            <a:off x="1096818" y="2363115"/>
+            <a:off x="701243" y="1944825"/>
             <a:ext cx="7925261" cy="461665"/>
           </a:xfrm>
           <a:prstGeom prst="rect">
@@ -4555,7 +5343,7 @@
         </p:nvGrpSpPr>
         <p:grpSpPr>
           <a:xfrm flipV="1">
-            <a:off x="954375" y="3747683"/>
+            <a:off x="558800" y="3329393"/>
             <a:ext cx="8210145" cy="45719"/>
             <a:chOff x="448542" y="212841"/>
             <a:chExt cx="11301939" cy="116627"/>
@@ -4710,7 +5498,7 @@
         </p:nvSpPr>
         <p:spPr>
           <a:xfrm>
-            <a:off x="1096818" y="3198740"/>
+            <a:off x="701243" y="2780450"/>
             <a:ext cx="7925261" cy="461665"/>
           </a:xfrm>
           <a:prstGeom prst="rect">
@@ -4744,7 +5532,7 @@
         </p:nvGrpSpPr>
         <p:grpSpPr>
           <a:xfrm flipV="1">
-            <a:off x="954375" y="4670586"/>
+            <a:off x="558800" y="4252296"/>
             <a:ext cx="8210145" cy="45719"/>
             <a:chOff x="448542" y="212841"/>
             <a:chExt cx="11301939" cy="116627"/>
@@ -4899,7 +5687,7 @@
         </p:nvSpPr>
         <p:spPr>
           <a:xfrm>
-            <a:off x="1096818" y="4121643"/>
+            <a:off x="701243" y="3703353"/>
             <a:ext cx="7925261" cy="461665"/>
           </a:xfrm>
           <a:prstGeom prst="rect">
@@ -4929,7 +5717,7 @@
         </p:nvGrpSpPr>
         <p:grpSpPr>
           <a:xfrm flipV="1">
-            <a:off x="954375" y="5593489"/>
+            <a:off x="558800" y="5175199"/>
             <a:ext cx="8210145" cy="45719"/>
             <a:chOff x="448542" y="212841"/>
             <a:chExt cx="11301939" cy="116627"/>
@@ -5084,7 +5872,7 @@
         </p:nvSpPr>
         <p:spPr>
           <a:xfrm>
-            <a:off x="1096818" y="5044546"/>
+            <a:off x="701243" y="4626256"/>
             <a:ext cx="7925261" cy="461665"/>
           </a:xfrm>
           <a:prstGeom prst="rect">
@@ -5101,6 +5889,199 @@
             <a:r>
               <a:rPr lang="en-US" altLang="ko-KR" sz="2400" b="1" dirty="0" smtClean="0"/>
               <a:t>5    ERD &amp; Table</a:t>
+            </a:r>
+            <a:endParaRPr lang="ko-KR" altLang="en-US" sz="2400" b="1" dirty="0"/>
+          </a:p>
+        </p:txBody>
+      </p:sp>
+      <p:grpSp>
+        <p:nvGrpSpPr>
+          <p:cNvPr id="31" name="그룹 30"/>
+          <p:cNvGrpSpPr/>
+          <p:nvPr/>
+        </p:nvGrpSpPr>
+        <p:grpSpPr>
+          <a:xfrm flipV="1">
+            <a:off x="558800" y="6185380"/>
+            <a:ext cx="8210145" cy="45719"/>
+            <a:chOff x="448542" y="212841"/>
+            <a:chExt cx="11301939" cy="116627"/>
+          </a:xfrm>
+        </p:grpSpPr>
+        <p:sp>
+          <p:nvSpPr>
+            <p:cNvPr id="32" name="직사각형 31"/>
+            <p:cNvSpPr/>
+            <p:nvPr/>
+          </p:nvSpPr>
+          <p:spPr>
+            <a:xfrm>
+              <a:off x="5848482" y="212841"/>
+              <a:ext cx="5901999" cy="116627"/>
+            </a:xfrm>
+            <a:prstGeom prst="rect">
+              <a:avLst/>
+            </a:prstGeom>
+            <a:gradFill flip="none" rotWithShape="1">
+              <a:gsLst>
+                <a:gs pos="0">
+                  <a:srgbClr val="CBA9E5"/>
+                </a:gs>
+                <a:gs pos="32000">
+                  <a:srgbClr val="C53FFB"/>
+                </a:gs>
+                <a:gs pos="60000">
+                  <a:schemeClr val="accent4"/>
+                </a:gs>
+                <a:gs pos="83000">
+                  <a:srgbClr val="F7F9A9"/>
+                </a:gs>
+                <a:gs pos="100000">
+                  <a:schemeClr val="bg1">
+                    <a:lumMod val="72000"/>
+                    <a:lumOff val="28000"/>
+                  </a:schemeClr>
+                </a:gs>
+              </a:gsLst>
+              <a:lin ang="10800000" scaled="1"/>
+              <a:tileRect/>
+            </a:gradFill>
+            <a:ln>
+              <a:noFill/>
+            </a:ln>
+          </p:spPr>
+          <p:style>
+            <a:lnRef idx="2">
+              <a:schemeClr val="accent1">
+                <a:shade val="50000"/>
+              </a:schemeClr>
+            </a:lnRef>
+            <a:fillRef idx="1">
+              <a:schemeClr val="accent1"/>
+            </a:fillRef>
+            <a:effectRef idx="0">
+              <a:schemeClr val="accent1"/>
+            </a:effectRef>
+            <a:fontRef idx="minor">
+              <a:schemeClr val="lt1"/>
+            </a:fontRef>
+          </p:style>
+          <p:txBody>
+            <a:bodyPr rtlCol="0" anchor="ctr"/>
+            <a:lstStyle/>
+            <a:p>
+              <a:pPr algn="ctr"/>
+              <a:endParaRPr lang="ko-KR" altLang="en-US"/>
+            </a:p>
+          </p:txBody>
+        </p:sp>
+        <p:sp>
+          <p:nvSpPr>
+            <p:cNvPr id="33" name="직사각형 32"/>
+            <p:cNvSpPr/>
+            <p:nvPr/>
+          </p:nvSpPr>
+          <p:spPr>
+            <a:xfrm>
+              <a:off x="448542" y="212841"/>
+              <a:ext cx="5901999" cy="116627"/>
+            </a:xfrm>
+            <a:prstGeom prst="rect">
+              <a:avLst/>
+            </a:prstGeom>
+            <a:gradFill flip="none" rotWithShape="1">
+              <a:gsLst>
+                <a:gs pos="0">
+                  <a:schemeClr val="accent4">
+                    <a:lumMod val="20000"/>
+                    <a:lumOff val="80000"/>
+                  </a:schemeClr>
+                </a:gs>
+                <a:gs pos="22000">
+                  <a:srgbClr val="CBA9E5"/>
+                </a:gs>
+                <a:gs pos="43000">
+                  <a:srgbClr val="C53FFB"/>
+                </a:gs>
+                <a:gs pos="60000">
+                  <a:schemeClr val="accent4"/>
+                </a:gs>
+                <a:gs pos="83000">
+                  <a:srgbClr val="F7F9A9"/>
+                </a:gs>
+                <a:gs pos="100000">
+                  <a:schemeClr val="bg1">
+                    <a:lumMod val="72000"/>
+                    <a:lumOff val="28000"/>
+                  </a:schemeClr>
+                </a:gs>
+              </a:gsLst>
+              <a:lin ang="10800000" scaled="1"/>
+              <a:tileRect/>
+            </a:gradFill>
+            <a:ln>
+              <a:noFill/>
+            </a:ln>
+          </p:spPr>
+          <p:style>
+            <a:lnRef idx="2">
+              <a:schemeClr val="accent1">
+                <a:shade val="50000"/>
+              </a:schemeClr>
+            </a:lnRef>
+            <a:fillRef idx="1">
+              <a:schemeClr val="accent1"/>
+            </a:fillRef>
+            <a:effectRef idx="0">
+              <a:schemeClr val="accent1"/>
+            </a:effectRef>
+            <a:fontRef idx="minor">
+              <a:schemeClr val="lt1"/>
+            </a:fontRef>
+          </p:style>
+          <p:txBody>
+            <a:bodyPr rtlCol="0" anchor="ctr"/>
+            <a:lstStyle/>
+            <a:p>
+              <a:pPr algn="ctr"/>
+              <a:endParaRPr lang="ko-KR" altLang="en-US"/>
+            </a:p>
+          </p:txBody>
+        </p:sp>
+      </p:grpSp>
+      <p:sp>
+        <p:nvSpPr>
+          <p:cNvPr id="34" name="TextBox 33"/>
+          <p:cNvSpPr txBox="1"/>
+          <p:nvPr/>
+        </p:nvSpPr>
+        <p:spPr>
+          <a:xfrm>
+            <a:off x="701243" y="5636437"/>
+            <a:ext cx="7925261" cy="461665"/>
+          </a:xfrm>
+          <a:prstGeom prst="rect">
+            <a:avLst/>
+          </a:prstGeom>
+          <a:noFill/>
+        </p:spPr>
+        <p:txBody>
+          <a:bodyPr wrap="square" rtlCol="0">
+            <a:spAutoFit/>
+          </a:bodyPr>
+          <a:lstStyle/>
+          <a:p>
+            <a:r>
+              <a:rPr lang="en-US" altLang="ko-KR" sz="2400" b="1" dirty="0"/>
+              <a:t>6</a:t>
+            </a:r>
+            <a:r>
+              <a:rPr lang="en-US" altLang="ko-KR" sz="2400" b="1" dirty="0" smtClean="0"/>
+              <a:t>    </a:t>
+            </a:r>
+            <a:r>
+              <a:rPr lang="ko-KR" altLang="en-US" sz="2400" b="1" dirty="0" smtClean="0"/>
+              <a:t>기능 소개</a:t>
             </a:r>
             <a:endParaRPr lang="ko-KR" altLang="en-US" sz="2400" b="1" dirty="0"/>
           </a:p>
@@ -5257,14 +6238,14 @@
           <p:nvPr>
             <p:extLst>
               <p:ext uri="{D42A27DB-BD31-4B8C-83A1-F6EECF244321}">
-                <p14:modId xmlns:p14="http://schemas.microsoft.com/office/powerpoint/2010/main" val="1584089064"/>
+                <p14:modId xmlns:p14="http://schemas.microsoft.com/office/powerpoint/2010/main" val="3423435568"/>
               </p:ext>
             </p:extLst>
           </p:nvPr>
         </p:nvGraphicFramePr>
         <p:xfrm>
           <a:off x="633615" y="1408451"/>
-          <a:ext cx="9495180" cy="1881234"/>
+          <a:ext cx="9495180" cy="1736152"/>
         </p:xfrm>
         <a:graphic>
           <a:graphicData uri="http://schemas.openxmlformats.org/drawingml/2006/table">
@@ -5592,10 +6573,10 @@
                           <a:ea typeface="한컴산뜻돋움" panose="02000000000000000000" pitchFamily="2" charset="-127"/>
                           <a:hlinkClick r:id="rId3"/>
                         </a:rPr>
-                        <a:t>http://15.164.225.180:8080/Photostagram/member/login</a:t>
+                        <a:t>http://15.164.225.180:8081/Photostagram</a:t>
                       </a:r>
                       <a:r>
-                        <a:rPr lang="ko-KR" altLang="en-US" sz="1600" baseline="0" dirty="0" smtClean="0">
+                        <a:rPr lang="en-US" altLang="ko-KR" sz="1600" baseline="0" dirty="0" smtClean="0">
                           <a:latin typeface="한컴산뜻돋움" panose="02000000000000000000" pitchFamily="2" charset="-127"/>
                           <a:ea typeface="한컴산뜻돋움" panose="02000000000000000000" pitchFamily="2" charset="-127"/>
                         </a:rPr>
@@ -5905,7 +6886,7 @@
         <p:spPr>
           <a:xfrm>
             <a:off x="708430" y="3903887"/>
-            <a:ext cx="9495181" cy="646331"/>
+            <a:ext cx="9495181" cy="923330"/>
           </a:xfrm>
           <a:prstGeom prst="rect">
             <a:avLst/>
@@ -5932,12 +6913,45 @@
               </a:rPr>
               <a:t>, </a:t>
             </a:r>
+            <a:endParaRPr lang="en-US" altLang="ko-KR" dirty="0" smtClean="0">
+              <a:latin typeface="한컴산뜻돋움" panose="02000000000000000000" pitchFamily="2" charset="-127"/>
+              <a:ea typeface="한컴산뜻돋움" panose="02000000000000000000" pitchFamily="2" charset="-127"/>
+            </a:endParaRPr>
+          </a:p>
+          <a:p>
+            <a:endParaRPr lang="en-US" altLang="ko-KR" dirty="0" smtClean="0">
+              <a:latin typeface="한컴산뜻돋움" panose="02000000000000000000" pitchFamily="2" charset="-127"/>
+              <a:ea typeface="한컴산뜻돋움" panose="02000000000000000000" pitchFamily="2" charset="-127"/>
+            </a:endParaRPr>
+          </a:p>
+          <a:p>
             <a:r>
               <a:rPr lang="ko-KR" altLang="en-US" dirty="0" smtClean="0">
                 <a:latin typeface="한컴산뜻돋움" panose="02000000000000000000" pitchFamily="2" charset="-127"/>
                 <a:ea typeface="한컴산뜻돋움" panose="02000000000000000000" pitchFamily="2" charset="-127"/>
               </a:rPr>
-              <a:t>유저 간 채팅을 통해 소통할 수 있는 소셜 미디어 플랫폼</a:t>
+              <a:t>유저 </a:t>
+            </a:r>
+            <a:r>
+              <a:rPr lang="ko-KR" altLang="en-US" dirty="0" smtClean="0">
+                <a:latin typeface="한컴산뜻돋움" panose="02000000000000000000" pitchFamily="2" charset="-127"/>
+                <a:ea typeface="한컴산뜻돋움" panose="02000000000000000000" pitchFamily="2" charset="-127"/>
+              </a:rPr>
+              <a:t>간 채팅을 통해 소통할 수 있는 </a:t>
+            </a:r>
+            <a:r>
+              <a:rPr lang="ko-KR" altLang="en-US" dirty="0" smtClean="0">
+                <a:latin typeface="한컴산뜻돋움" panose="02000000000000000000" pitchFamily="2" charset="-127"/>
+                <a:ea typeface="한컴산뜻돋움" panose="02000000000000000000" pitchFamily="2" charset="-127"/>
+              </a:rPr>
+              <a:t>소셜 미디어 </a:t>
+            </a:r>
+            <a:r>
+              <a:rPr lang="ko-KR" altLang="en-US" dirty="0" smtClean="0">
+                <a:latin typeface="한컴산뜻돋움" panose="02000000000000000000" pitchFamily="2" charset="-127"/>
+                <a:ea typeface="한컴산뜻돋움" panose="02000000000000000000" pitchFamily="2" charset="-127"/>
+              </a:rPr>
+              <a:t>플랫폼</a:t>
             </a:r>
             <a:endParaRPr lang="ko-KR" altLang="en-US" dirty="0">
               <a:latin typeface="한컴산뜻돋움" panose="02000000000000000000" pitchFamily="2" charset="-127"/>
@@ -5955,7 +6969,7 @@
         <p:spPr>
           <a:xfrm>
             <a:off x="633615" y="5438289"/>
-            <a:ext cx="9495181" cy="646331"/>
+            <a:ext cx="9495181" cy="923330"/>
           </a:xfrm>
           <a:prstGeom prst="rect">
             <a:avLst/>
@@ -5980,14 +6994,32 @@
                 <a:latin typeface="한컴산뜻돋움" panose="02000000000000000000" pitchFamily="2" charset="-127"/>
                 <a:ea typeface="한컴산뜻돋움" panose="02000000000000000000" pitchFamily="2" charset="-127"/>
               </a:rPr>
-              <a:t>, </a:t>
-            </a:r>
+              <a:t>,</a:t>
+            </a:r>
+          </a:p>
+          <a:p>
+            <a:r>
+              <a:rPr lang="en-US" altLang="ko-KR" dirty="0" smtClean="0">
+                <a:latin typeface="한컴산뜻돋움" panose="02000000000000000000" pitchFamily="2" charset="-127"/>
+                <a:ea typeface="한컴산뜻돋움" panose="02000000000000000000" pitchFamily="2" charset="-127"/>
+              </a:rPr>
+              <a:t> </a:t>
+            </a:r>
+          </a:p>
+          <a:p>
             <a:r>
               <a:rPr lang="ko-KR" altLang="en-US" dirty="0" smtClean="0">
                 <a:latin typeface="한컴산뜻돋움" panose="02000000000000000000" pitchFamily="2" charset="-127"/>
                 <a:ea typeface="한컴산뜻돋움" panose="02000000000000000000" pitchFamily="2" charset="-127"/>
               </a:rPr>
-              <a:t>콘텐츠를 공유하는 플랫폼으로서 소셜 네트워크를 형성할 수 있다</a:t>
+              <a:t>콘텐츠를 </a:t>
+            </a:r>
+            <a:r>
+              <a:rPr lang="ko-KR" altLang="en-US" dirty="0" smtClean="0">
+                <a:latin typeface="한컴산뜻돋움" panose="02000000000000000000" pitchFamily="2" charset="-127"/>
+                <a:ea typeface="한컴산뜻돋움" panose="02000000000000000000" pitchFamily="2" charset="-127"/>
+              </a:rPr>
+              <a:t>공유하는 플랫폼으로서 소셜 네트워크를 형성할 수 있다</a:t>
             </a:r>
             <a:r>
               <a:rPr lang="en-US" altLang="ko-KR" dirty="0" smtClean="0">
@@ -6197,7 +7229,7 @@
         <p:spPr>
           <a:xfrm>
             <a:off x="354214" y="2604505"/>
-            <a:ext cx="2114665" cy="400110"/>
+            <a:ext cx="2114665" cy="707886"/>
           </a:xfrm>
           <a:prstGeom prst="rect">
             <a:avLst/>
@@ -6210,12 +7242,25 @@
           </a:bodyPr>
           <a:lstStyle/>
           <a:p>
+            <a:endParaRPr lang="en-US" altLang="ko-KR" sz="2000" dirty="0" smtClean="0">
+              <a:latin typeface="한컴산뜻돋움" panose="02000000000000000000" pitchFamily="2" charset="-127"/>
+              <a:ea typeface="한컴산뜻돋움" panose="02000000000000000000" pitchFamily="2" charset="-127"/>
+            </a:endParaRPr>
+          </a:p>
+          <a:p>
             <a:r>
               <a:rPr lang="en-US" altLang="ko-KR" sz="2000" dirty="0" smtClean="0">
                 <a:latin typeface="한컴산뜻돋움" panose="02000000000000000000" pitchFamily="2" charset="-127"/>
                 <a:ea typeface="한컴산뜻돋움" panose="02000000000000000000" pitchFamily="2" charset="-127"/>
               </a:rPr>
-              <a:t>5) </a:t>
+              <a:t>5</a:t>
+            </a:r>
+            <a:r>
+              <a:rPr lang="en-US" altLang="ko-KR" sz="2000" dirty="0" smtClean="0">
+                <a:latin typeface="한컴산뜻돋움" panose="02000000000000000000" pitchFamily="2" charset="-127"/>
+                <a:ea typeface="한컴산뜻돋움" panose="02000000000000000000" pitchFamily="2" charset="-127"/>
+              </a:rPr>
+              <a:t>) </a:t>
             </a:r>
             <a:r>
               <a:rPr lang="ko-KR" altLang="en-US" sz="2000" dirty="0" smtClean="0">
@@ -6283,7 +7328,7 @@
         <p:spPr>
           <a:xfrm>
             <a:off x="708429" y="3085022"/>
-            <a:ext cx="9495181" cy="369332"/>
+            <a:ext cx="9495181" cy="646331"/>
           </a:xfrm>
           <a:prstGeom prst="rect">
             <a:avLst/>
@@ -6295,6 +7340,12 @@
             <a:spAutoFit/>
           </a:bodyPr>
           <a:lstStyle/>
+          <a:p>
+            <a:endParaRPr lang="en-US" altLang="ko-KR" dirty="0" smtClean="0">
+              <a:latin typeface="한컴산뜻돋움" panose="02000000000000000000" pitchFamily="2" charset="-127"/>
+              <a:ea typeface="한컴산뜻돋움" panose="02000000000000000000" pitchFamily="2" charset="-127"/>
+            </a:endParaRPr>
+          </a:p>
           <a:p>
             <a:r>
               <a:rPr lang="en-US" altLang="ko-KR" dirty="0" smtClean="0">
@@ -6386,7 +7437,27 @@
                 <a:latin typeface="한컴산뜻돋움" panose="02000000000000000000" pitchFamily="2" charset="-127"/>
                 <a:ea typeface="한컴산뜻돋움" panose="02000000000000000000" pitchFamily="2" charset="-127"/>
               </a:rPr>
-              <a:t>시험의 단계를 반복적으로 수행하여 개발을 진행하는 </a:t>
+              <a:t>시험의 단계를 </a:t>
+            </a:r>
+            <a:endParaRPr lang="en-US" altLang="ko-KR" dirty="0" smtClean="0">
+              <a:latin typeface="한컴산뜻돋움" panose="02000000000000000000" pitchFamily="2" charset="-127"/>
+              <a:ea typeface="한컴산뜻돋움" panose="02000000000000000000" pitchFamily="2" charset="-127"/>
+            </a:endParaRPr>
+          </a:p>
+          <a:p>
+            <a:r>
+              <a:rPr lang="ko-KR" altLang="en-US" dirty="0" smtClean="0">
+                <a:latin typeface="한컴산뜻돋움" panose="02000000000000000000" pitchFamily="2" charset="-127"/>
+                <a:ea typeface="한컴산뜻돋움" panose="02000000000000000000" pitchFamily="2" charset="-127"/>
+              </a:rPr>
+              <a:t>반복적으로 </a:t>
+            </a:r>
+            <a:r>
+              <a:rPr lang="ko-KR" altLang="en-US" dirty="0" smtClean="0">
+                <a:latin typeface="한컴산뜻돋움" panose="02000000000000000000" pitchFamily="2" charset="-127"/>
+                <a:ea typeface="한컴산뜻돋움" panose="02000000000000000000" pitchFamily="2" charset="-127"/>
+              </a:rPr>
+              <a:t>수행하여 개발을 진행하는 </a:t>
             </a:r>
             <a:r>
               <a:rPr lang="en-US" altLang="ko-KR" dirty="0" smtClean="0">
@@ -6418,7 +7489,7 @@
         <p:spPr>
           <a:xfrm>
             <a:off x="633614" y="1617645"/>
-            <a:ext cx="9495181" cy="646331"/>
+            <a:ext cx="9495181" cy="923330"/>
           </a:xfrm>
           <a:prstGeom prst="rect">
             <a:avLst/>
@@ -6454,7 +7525,24 @@
                 <a:latin typeface="한컴산뜻돋움" panose="02000000000000000000" pitchFamily="2" charset="-127"/>
                 <a:ea typeface="한컴산뜻돋움" panose="02000000000000000000" pitchFamily="2" charset="-127"/>
               </a:rPr>
-              <a:t>로그인 </a:t>
+              <a:t>로그인</a:t>
+            </a:r>
+            <a:endParaRPr lang="en-US" altLang="ko-KR" dirty="0" smtClean="0">
+              <a:latin typeface="한컴산뜻돋움" panose="02000000000000000000" pitchFamily="2" charset="-127"/>
+              <a:ea typeface="한컴산뜻돋움" panose="02000000000000000000" pitchFamily="2" charset="-127"/>
+            </a:endParaRPr>
+          </a:p>
+          <a:p>
+            <a:pPr marL="285750" indent="-285750">
+              <a:buFontTx/>
+              <a:buChar char="-"/>
+            </a:pPr>
+            <a:r>
+              <a:rPr lang="ko-KR" altLang="en-US" dirty="0" smtClean="0">
+                <a:latin typeface="한컴산뜻돋움" panose="02000000000000000000" pitchFamily="2" charset="-127"/>
+                <a:ea typeface="한컴산뜻돋움" panose="02000000000000000000" pitchFamily="2" charset="-127"/>
+              </a:rPr>
+              <a:t>콘텐츠 보기 </a:t>
             </a:r>
             <a:r>
               <a:rPr lang="en-US" altLang="ko-KR" dirty="0" smtClean="0">
@@ -6468,7 +7556,21 @@
                 <a:latin typeface="한컴산뜻돋움" panose="02000000000000000000" pitchFamily="2" charset="-127"/>
                 <a:ea typeface="한컴산뜻돋움" panose="02000000000000000000" pitchFamily="2" charset="-127"/>
               </a:rPr>
-              <a:t>아이디 찾기 </a:t>
+              <a:t>사진</a:t>
+            </a:r>
+            <a:r>
+              <a:rPr lang="en-US" altLang="ko-KR" dirty="0" smtClean="0">
+                <a:latin typeface="한컴산뜻돋움" panose="02000000000000000000" pitchFamily="2" charset="-127"/>
+                <a:ea typeface="한컴산뜻돋움" panose="02000000000000000000" pitchFamily="2" charset="-127"/>
+              </a:rPr>
+              <a:t>, </a:t>
+            </a:r>
+            <a:r>
+              <a:rPr lang="ko-KR" altLang="en-US" dirty="0" smtClean="0">
+                <a:latin typeface="한컴산뜻돋움" panose="02000000000000000000" pitchFamily="2" charset="-127"/>
+                <a:ea typeface="한컴산뜻돋움" panose="02000000000000000000" pitchFamily="2" charset="-127"/>
+              </a:rPr>
+              <a:t>동영상 업로드 </a:t>
             </a:r>
             <a:r>
               <a:rPr lang="en-US" altLang="ko-KR" dirty="0" smtClean="0">
@@ -6482,7 +7584,14 @@
                 <a:latin typeface="한컴산뜻돋움" panose="02000000000000000000" pitchFamily="2" charset="-127"/>
                 <a:ea typeface="한컴산뜻돋움" panose="02000000000000000000" pitchFamily="2" charset="-127"/>
               </a:rPr>
-              <a:t>비밀번호 찾기</a:t>
+              <a:t>실시간 </a:t>
+            </a:r>
+            <a:r>
+              <a:rPr lang="ko-KR" altLang="en-US" dirty="0" smtClean="0">
+                <a:latin typeface="한컴산뜻돋움" panose="02000000000000000000" pitchFamily="2" charset="-127"/>
+                <a:ea typeface="한컴산뜻돋움" panose="02000000000000000000" pitchFamily="2" charset="-127"/>
+              </a:rPr>
+              <a:t>채팅</a:t>
             </a:r>
             <a:endParaRPr lang="en-US" altLang="ko-KR" dirty="0" smtClean="0">
               <a:latin typeface="한컴산뜻돋움" panose="02000000000000000000" pitchFamily="2" charset="-127"/>
@@ -6499,82 +7608,29 @@
                 <a:latin typeface="한컴산뜻돋움" panose="02000000000000000000" pitchFamily="2" charset="-127"/>
                 <a:ea typeface="한컴산뜻돋움" panose="02000000000000000000" pitchFamily="2" charset="-127"/>
               </a:rPr>
-              <a:t>콘텐츠 보기 </a:t>
+              <a:t>커뮤니티 활동 </a:t>
             </a:r>
             <a:r>
               <a:rPr lang="en-US" altLang="ko-KR" dirty="0" smtClean="0">
                 <a:latin typeface="한컴산뜻돋움" panose="02000000000000000000" pitchFamily="2" charset="-127"/>
                 <a:ea typeface="한컴산뜻돋움" panose="02000000000000000000" pitchFamily="2" charset="-127"/>
               </a:rPr>
-              <a:t>/ </a:t>
+              <a:t>(</a:t>
             </a:r>
             <a:r>
               <a:rPr lang="ko-KR" altLang="en-US" dirty="0" smtClean="0">
                 <a:latin typeface="한컴산뜻돋움" panose="02000000000000000000" pitchFamily="2" charset="-127"/>
                 <a:ea typeface="한컴산뜻돋움" panose="02000000000000000000" pitchFamily="2" charset="-127"/>
               </a:rPr>
-              <a:t>사진</a:t>
+              <a:t>댓글 남기기</a:t>
             </a:r>
             <a:r>
               <a:rPr lang="en-US" altLang="ko-KR" dirty="0" smtClean="0">
                 <a:latin typeface="한컴산뜻돋움" panose="02000000000000000000" pitchFamily="2" charset="-127"/>
                 <a:ea typeface="한컴산뜻돋움" panose="02000000000000000000" pitchFamily="2" charset="-127"/>
               </a:rPr>
-              <a:t>, </a:t>
-            </a:r>
-            <a:r>
-              <a:rPr lang="ko-KR" altLang="en-US" dirty="0" smtClean="0">
-                <a:latin typeface="한컴산뜻돋움" panose="02000000000000000000" pitchFamily="2" charset="-127"/>
-                <a:ea typeface="한컴산뜻돋움" panose="02000000000000000000" pitchFamily="2" charset="-127"/>
-              </a:rPr>
-              <a:t>동영상 업로드 </a:t>
-            </a:r>
-            <a:r>
-              <a:rPr lang="en-US" altLang="ko-KR" dirty="0" smtClean="0">
-                <a:latin typeface="한컴산뜻돋움" panose="02000000000000000000" pitchFamily="2" charset="-127"/>
-                <a:ea typeface="한컴산뜻돋움" panose="02000000000000000000" pitchFamily="2" charset="-127"/>
-              </a:rPr>
-              <a:t>/ </a:t>
-            </a:r>
-            <a:r>
-              <a:rPr lang="ko-KR" altLang="en-US" dirty="0" smtClean="0">
-                <a:latin typeface="한컴산뜻돋움" panose="02000000000000000000" pitchFamily="2" charset="-127"/>
-                <a:ea typeface="한컴산뜻돋움" panose="02000000000000000000" pitchFamily="2" charset="-127"/>
-              </a:rPr>
-              <a:t>실시간 채팅 </a:t>
-            </a:r>
-            <a:r>
-              <a:rPr lang="en-US" altLang="ko-KR" dirty="0" smtClean="0">
-                <a:latin typeface="한컴산뜻돋움" panose="02000000000000000000" pitchFamily="2" charset="-127"/>
-                <a:ea typeface="한컴산뜻돋움" panose="02000000000000000000" pitchFamily="2" charset="-127"/>
-              </a:rPr>
-              <a:t>/ </a:t>
-            </a:r>
-            <a:r>
-              <a:rPr lang="ko-KR" altLang="en-US" dirty="0" smtClean="0">
-                <a:latin typeface="한컴산뜻돋움" panose="02000000000000000000" pitchFamily="2" charset="-127"/>
-                <a:ea typeface="한컴산뜻돋움" panose="02000000000000000000" pitchFamily="2" charset="-127"/>
-              </a:rPr>
-              <a:t>해시태그 검색  </a:t>
-            </a:r>
-            <a:r>
-              <a:rPr lang="en-US" altLang="ko-KR" dirty="0" smtClean="0">
-                <a:latin typeface="한컴산뜻돋움" panose="02000000000000000000" pitchFamily="2" charset="-127"/>
-                <a:ea typeface="한컴산뜻돋움" panose="02000000000000000000" pitchFamily="2" charset="-127"/>
-              </a:rPr>
-              <a:t>/ </a:t>
-            </a:r>
-            <a:r>
-              <a:rPr lang="ko-KR" altLang="en-US" dirty="0" smtClean="0">
-                <a:latin typeface="한컴산뜻돋움" panose="02000000000000000000" pitchFamily="2" charset="-127"/>
-                <a:ea typeface="한컴산뜻돋움" panose="02000000000000000000" pitchFamily="2" charset="-127"/>
-              </a:rPr>
-              <a:t>게시물 좋아요</a:t>
-            </a:r>
-            <a:endParaRPr lang="ko-KR" altLang="en-US" dirty="0">
-              <a:latin typeface="한컴산뜻돋움" panose="02000000000000000000" pitchFamily="2" charset="-127"/>
-              <a:ea typeface="한컴산뜻돋움" panose="02000000000000000000" pitchFamily="2" charset="-127"/>
-            </a:endParaRPr>
+              <a:t>)</a:t>
+            </a:r>
           </a:p>
         </p:txBody>
       </p:sp>
@@ -6924,7 +7980,7 @@
           <p:spPr>
             <a:xfrm>
               <a:off x="4185313" y="1546167"/>
-              <a:ext cx="3507474" cy="1600438"/>
+              <a:ext cx="3507474" cy="1354217"/>
             </a:xfrm>
             <a:prstGeom prst="rect">
               <a:avLst/>
@@ -6946,7 +8002,14 @@
                   <a:latin typeface="한컴산뜻돋움" panose="02000000000000000000" pitchFamily="2" charset="-127"/>
                   <a:ea typeface="한컴산뜻돋움" panose="02000000000000000000" pitchFamily="2" charset="-127"/>
                 </a:rPr>
-                <a:t>데이터베이스 설계</a:t>
+                <a:t>데이터베이스 </a:t>
+              </a:r>
+              <a:r>
+                <a:rPr lang="ko-KR" altLang="en-US" sz="1600" dirty="0" smtClean="0">
+                  <a:latin typeface="한컴산뜻돋움" panose="02000000000000000000" pitchFamily="2" charset="-127"/>
+                  <a:ea typeface="한컴산뜻돋움" panose="02000000000000000000" pitchFamily="2" charset="-127"/>
+                </a:rPr>
+                <a:t>설계</a:t>
               </a:r>
               <a:endParaRPr lang="en-US" altLang="ko-KR" sz="1600" dirty="0" smtClean="0">
                 <a:latin typeface="한컴산뜻돋움" panose="02000000000000000000" pitchFamily="2" charset="-127"/>
@@ -6966,7 +8029,21 @@
                   <a:latin typeface="한컴산뜻돋움" panose="02000000000000000000" pitchFamily="2" charset="-127"/>
                   <a:ea typeface="한컴산뜻돋움" panose="02000000000000000000" pitchFamily="2" charset="-127"/>
                 </a:rPr>
-                <a:t>일정 관리</a:t>
+                <a:t>파일 업로드</a:t>
+              </a:r>
+              <a:r>
+                <a:rPr lang="en-US" altLang="ko-KR" sz="1600" dirty="0" smtClean="0">
+                  <a:latin typeface="한컴산뜻돋움" panose="02000000000000000000" pitchFamily="2" charset="-127"/>
+                  <a:ea typeface="한컴산뜻돋움" panose="02000000000000000000" pitchFamily="2" charset="-127"/>
+                </a:rPr>
+                <a:t>/</a:t>
+              </a:r>
+              <a:r>
+                <a:rPr lang="ko-KR" altLang="en-US" sz="1600" dirty="0" smtClean="0">
+                  <a:latin typeface="한컴산뜻돋움" panose="02000000000000000000" pitchFamily="2" charset="-127"/>
+                  <a:ea typeface="한컴산뜻돋움" panose="02000000000000000000" pitchFamily="2" charset="-127"/>
+                </a:rPr>
+                <a:t>해시태그 기능 구현</a:t>
               </a:r>
               <a:endParaRPr lang="en-US" altLang="ko-KR" sz="1600" dirty="0" smtClean="0">
                 <a:latin typeface="한컴산뜻돋움" panose="02000000000000000000" pitchFamily="2" charset="-127"/>
@@ -6979,21 +8056,21 @@
                   <a:latin typeface="한컴산뜻돋움" panose="02000000000000000000" pitchFamily="2" charset="-127"/>
                   <a:ea typeface="한컴산뜻돋움" panose="02000000000000000000" pitchFamily="2" charset="-127"/>
                 </a:rPr>
-                <a:t>- aside </a:t>
+                <a:t>- </a:t>
               </a:r>
               <a:r>
                 <a:rPr lang="ko-KR" altLang="en-US" sz="1600" dirty="0" smtClean="0">
                   <a:latin typeface="한컴산뜻돋움" panose="02000000000000000000" pitchFamily="2" charset="-127"/>
                   <a:ea typeface="한컴산뜻돋움" panose="02000000000000000000" pitchFamily="2" charset="-127"/>
                 </a:rPr>
-                <a:t>화면 구현 </a:t>
+                <a:t>검색</a:t>
               </a:r>
               <a:r>
                 <a:rPr lang="en-US" altLang="ko-KR" sz="1600" dirty="0" smtClean="0">
                   <a:latin typeface="한컴산뜻돋움" panose="02000000000000000000" pitchFamily="2" charset="-127"/>
                   <a:ea typeface="한컴산뜻돋움" panose="02000000000000000000" pitchFamily="2" charset="-127"/>
                 </a:rPr>
-                <a:t>/ </a:t>
+                <a:t> </a:t>
               </a:r>
               <a:r>
                 <a:rPr lang="ko-KR" altLang="en-US" sz="1600" dirty="0" smtClean="0">
@@ -7013,14 +8090,14 @@
                   <a:latin typeface="한컴산뜻돋움" panose="02000000000000000000" pitchFamily="2" charset="-127"/>
                   <a:ea typeface="한컴산뜻돋움" panose="02000000000000000000" pitchFamily="2" charset="-127"/>
                 </a:rPr>
-                <a:t>- search </a:t>
+                <a:t>- </a:t>
               </a:r>
               <a:r>
                 <a:rPr lang="ko-KR" altLang="en-US" sz="1600" dirty="0" smtClean="0">
                   <a:latin typeface="한컴산뜻돋움" panose="02000000000000000000" pitchFamily="2" charset="-127"/>
                   <a:ea typeface="한컴산뜻돋움" panose="02000000000000000000" pitchFamily="2" charset="-127"/>
                 </a:rPr>
-                <a:t>기능 구현</a:t>
+                <a:t>채팅 기능 구현</a:t>
               </a:r>
               <a:endParaRPr lang="en-US" altLang="ko-KR" sz="1600" dirty="0" smtClean="0">
                 <a:latin typeface="한컴산뜻돋움" panose="02000000000000000000" pitchFamily="2" charset="-127"/>
@@ -7033,34 +8110,14 @@
                   <a:latin typeface="한컴산뜻돋움" panose="02000000000000000000" pitchFamily="2" charset="-127"/>
                   <a:ea typeface="한컴산뜻돋움" panose="02000000000000000000" pitchFamily="2" charset="-127"/>
                 </a:rPr>
-                <a:t>- chat </a:t>
+                <a:t>- </a:t>
               </a:r>
               <a:r>
                 <a:rPr lang="ko-KR" altLang="en-US" sz="1600" dirty="0" smtClean="0">
                   <a:latin typeface="한컴산뜻돋움" panose="02000000000000000000" pitchFamily="2" charset="-127"/>
                   <a:ea typeface="한컴산뜻돋움" panose="02000000000000000000" pitchFamily="2" charset="-127"/>
                 </a:rPr>
-                <a:t>기능 구현</a:t>
-              </a:r>
-              <a:endParaRPr lang="en-US" altLang="ko-KR" sz="1600" dirty="0" smtClean="0">
-                <a:latin typeface="한컴산뜻돋움" panose="02000000000000000000" pitchFamily="2" charset="-127"/>
-                <a:ea typeface="한컴산뜻돋움" panose="02000000000000000000" pitchFamily="2" charset="-127"/>
-              </a:endParaRPr>
-            </a:p>
-            <a:p>
-              <a:r>
-                <a:rPr lang="en-US" altLang="ko-KR" sz="1600" dirty="0" smtClean="0">
-                  <a:latin typeface="한컴산뜻돋움" panose="02000000000000000000" pitchFamily="2" charset="-127"/>
-                  <a:ea typeface="한컴산뜻돋움" panose="02000000000000000000" pitchFamily="2" charset="-127"/>
-                </a:rPr>
-                <a:t>- chat(websocket) </a:t>
-              </a:r>
-              <a:r>
-                <a:rPr lang="ko-KR" altLang="en-US" sz="1600" dirty="0" smtClean="0">
-                  <a:latin typeface="한컴산뜻돋움" panose="02000000000000000000" pitchFamily="2" charset="-127"/>
-                  <a:ea typeface="한컴산뜻돋움" panose="02000000000000000000" pitchFamily="2" charset="-127"/>
-                </a:rPr>
-                <a:t>기능 구현</a:t>
+                <a:t>통합 및 형상관리</a:t>
               </a:r>
               <a:endParaRPr lang="ko-KR" altLang="en-US" sz="1600" dirty="0">
                 <a:latin typeface="한컴산뜻돋움" panose="02000000000000000000" pitchFamily="2" charset="-127"/>
@@ -7285,62 +8342,57 @@
             <a:lstStyle/>
             <a:p>
               <a:r>
-                <a:rPr lang="en-US" altLang="ko-KR" sz="1600" dirty="0" smtClean="0"/>
+                <a:rPr lang="en-US" altLang="ko-KR" sz="1600" dirty="0" smtClean="0">
+                  <a:latin typeface="+mn-ea"/>
+                </a:rPr>
                 <a:t>- </a:t>
               </a:r>
               <a:r>
-                <a:rPr lang="en-US" altLang="ko-KR" sz="1600" dirty="0" smtClean="0">
-                  <a:latin typeface="한컴산뜻돋움" panose="02000000000000000000" pitchFamily="2" charset="-127"/>
-                  <a:ea typeface="한컴산뜻돋움" panose="02000000000000000000" pitchFamily="2" charset="-127"/>
+                <a:rPr lang="ko-KR" altLang="en-US" sz="1600" dirty="0" smtClean="0">
+                  <a:latin typeface="+mn-ea"/>
                 </a:rPr>
-                <a:t>member</a:t>
-              </a:r>
-            </a:p>
-            <a:p>
-              <a:r>
-                <a:rPr lang="ko-KR" altLang="en-US" sz="1600" dirty="0" smtClean="0">
-                  <a:latin typeface="한컴산뜻돋움" panose="02000000000000000000" pitchFamily="2" charset="-127"/>
-                  <a:ea typeface="한컴산뜻돋움" panose="02000000000000000000" pitchFamily="2" charset="-127"/>
-                </a:rPr>
-                <a:t>화면 구현 </a:t>
+                <a:t>로그인</a:t>
               </a:r>
               <a:r>
                 <a:rPr lang="en-US" altLang="ko-KR" sz="1600" dirty="0" smtClean="0">
-                  <a:latin typeface="한컴산뜻돋움" panose="02000000000000000000" pitchFamily="2" charset="-127"/>
-                  <a:ea typeface="한컴산뜻돋움" panose="02000000000000000000" pitchFamily="2" charset="-127"/>
+                  <a:latin typeface="+mn-ea"/>
                 </a:rPr>
-                <a:t>/ </a:t>
+                <a:t>/</a:t>
               </a:r>
               <a:r>
                 <a:rPr lang="ko-KR" altLang="en-US" sz="1600" dirty="0" smtClean="0">
-                  <a:latin typeface="한컴산뜻돋움" panose="02000000000000000000" pitchFamily="2" charset="-127"/>
-                  <a:ea typeface="한컴산뜻돋움" panose="02000000000000000000" pitchFamily="2" charset="-127"/>
+                  <a:latin typeface="+mn-ea"/>
                 </a:rPr>
-                <a:t>기능 구현</a:t>
+                <a:t>회원가입 구현</a:t>
               </a:r>
               <a:endParaRPr lang="en-US" altLang="ko-KR" sz="1600" dirty="0" smtClean="0">
-                <a:latin typeface="한컴산뜻돋움" panose="02000000000000000000" pitchFamily="2" charset="-127"/>
-                <a:ea typeface="한컴산뜻돋움" panose="02000000000000000000" pitchFamily="2" charset="-127"/>
+                <a:latin typeface="+mn-ea"/>
+              </a:endParaRPr>
+            </a:p>
+            <a:p>
+              <a:pPr marL="285750" indent="-285750">
+                <a:buFontTx/>
+                <a:buChar char="-"/>
+              </a:pPr>
+              <a:endParaRPr lang="en-US" altLang="ko-KR" sz="1600" dirty="0" smtClean="0">
+                <a:latin typeface="+mn-ea"/>
               </a:endParaRPr>
             </a:p>
             <a:p>
               <a:r>
                 <a:rPr lang="en-US" altLang="ko-KR" sz="1600" dirty="0" smtClean="0">
-                  <a:latin typeface="한컴산뜻돋움" panose="02000000000000000000" pitchFamily="2" charset="-127"/>
-                  <a:ea typeface="한컴산뜻돋움" panose="02000000000000000000" pitchFamily="2" charset="-127"/>
+                  <a:latin typeface="+mn-ea"/>
                 </a:rPr>
                 <a:t>- chat(websocket) </a:t>
               </a:r>
               <a:r>
                 <a:rPr lang="ko-KR" altLang="en-US" sz="1600" dirty="0" smtClean="0">
-                  <a:latin typeface="한컴산뜻돋움" panose="02000000000000000000" pitchFamily="2" charset="-127"/>
-                  <a:ea typeface="한컴산뜻돋움" panose="02000000000000000000" pitchFamily="2" charset="-127"/>
+                  <a:latin typeface="+mn-ea"/>
                 </a:rPr>
                 <a:t>기능 구현</a:t>
               </a:r>
               <a:endParaRPr lang="ko-KR" altLang="en-US" sz="1600" dirty="0">
-                <a:latin typeface="한컴산뜻돋움" panose="02000000000000000000" pitchFamily="2" charset="-127"/>
-                <a:ea typeface="한컴산뜻돋움" panose="02000000000000000000" pitchFamily="2" charset="-127"/>
+                <a:latin typeface="+mn-ea"/>
               </a:endParaRPr>
             </a:p>
           </p:txBody>
@@ -7547,7 +8599,7 @@
           <p:spPr>
             <a:xfrm>
               <a:off x="4185313" y="1653524"/>
-              <a:ext cx="3507474" cy="584775"/>
+              <a:ext cx="3507474" cy="830997"/>
             </a:xfrm>
             <a:prstGeom prst="rect">
               <a:avLst/>
@@ -7561,46 +8613,57 @@
             <a:lstStyle/>
             <a:p>
               <a:r>
-                <a:rPr lang="en-US" altLang="ko-KR" sz="1600" dirty="0" smtClean="0"/>
-                <a:t>- </a:t>
-              </a:r>
-              <a:r>
                 <a:rPr lang="en-US" altLang="ko-KR" sz="1600" dirty="0" smtClean="0">
-                  <a:latin typeface="한컴산뜻돋움" panose="02000000000000000000" pitchFamily="2" charset="-127"/>
-                  <a:ea typeface="한컴산뜻돋움" panose="02000000000000000000" pitchFamily="2" charset="-127"/>
+                  <a:latin typeface="+mn-ea"/>
                 </a:rPr>
-                <a:t>chat</a:t>
+                <a:t>- chat</a:t>
               </a:r>
               <a:r>
                 <a:rPr lang="ko-KR" altLang="en-US" sz="1600" dirty="0" smtClean="0">
-                  <a:latin typeface="한컴산뜻돋움" panose="02000000000000000000" pitchFamily="2" charset="-127"/>
-                  <a:ea typeface="한컴산뜻돋움" panose="02000000000000000000" pitchFamily="2" charset="-127"/>
+                  <a:latin typeface="+mn-ea"/>
                 </a:rPr>
-                <a:t> 화면 구현</a:t>
+                <a:t> </a:t>
+              </a:r>
+              <a:r>
+                <a:rPr lang="ko-KR" altLang="en-US" sz="1600" dirty="0" smtClean="0">
+                  <a:latin typeface="+mn-ea"/>
+                </a:rPr>
+                <a:t>화면 </a:t>
+              </a:r>
+              <a:r>
+                <a:rPr lang="ko-KR" altLang="en-US" sz="1600" dirty="0" smtClean="0">
+                  <a:latin typeface="+mn-ea"/>
+                </a:rPr>
+                <a:t>구현</a:t>
               </a:r>
               <a:endParaRPr lang="en-US" altLang="ko-KR" sz="1600" dirty="0" smtClean="0">
-                <a:latin typeface="한컴산뜻돋움" panose="02000000000000000000" pitchFamily="2" charset="-127"/>
-                <a:ea typeface="한컴산뜻돋움" panose="02000000000000000000" pitchFamily="2" charset="-127"/>
+                <a:latin typeface="+mn-ea"/>
+              </a:endParaRPr>
+            </a:p>
+            <a:p>
+              <a:pPr marL="285750" indent="-285750">
+                <a:buFontTx/>
+                <a:buChar char="-"/>
+              </a:pPr>
+              <a:endParaRPr lang="en-US" altLang="ko-KR" sz="1600" dirty="0" smtClean="0">
+                <a:latin typeface="+mn-ea"/>
               </a:endParaRPr>
             </a:p>
             <a:p>
               <a:r>
                 <a:rPr lang="en-US" altLang="ko-KR" sz="1600" dirty="0" smtClean="0">
-                  <a:latin typeface="한컴산뜻돋움" panose="02000000000000000000" pitchFamily="2" charset="-127"/>
-                  <a:ea typeface="한컴산뜻돋움" panose="02000000000000000000" pitchFamily="2" charset="-127"/>
+                  <a:latin typeface="+mn-ea"/>
                 </a:rPr>
                 <a:t>- post </a:t>
               </a:r>
               <a:r>
                 <a:rPr lang="ko-KR" altLang="en-US" sz="1600" dirty="0" smtClean="0">
-                  <a:latin typeface="한컴산뜻돋움" panose="02000000000000000000" pitchFamily="2" charset="-127"/>
-                  <a:ea typeface="한컴산뜻돋움" panose="02000000000000000000" pitchFamily="2" charset="-127"/>
+                  <a:latin typeface="+mn-ea"/>
                 </a:rPr>
                 <a:t>기능 구현</a:t>
               </a:r>
               <a:endParaRPr lang="ko-KR" altLang="en-US" sz="1600" dirty="0">
-                <a:latin typeface="한컴산뜻돋움" panose="02000000000000000000" pitchFamily="2" charset="-127"/>
-                <a:ea typeface="한컴산뜻돋움" panose="02000000000000000000" pitchFamily="2" charset="-127"/>
+                <a:latin typeface="+mn-ea"/>
               </a:endParaRPr>
             </a:p>
           </p:txBody>
@@ -7807,7 +8870,7 @@
           <p:spPr>
             <a:xfrm>
               <a:off x="4185313" y="1653524"/>
-              <a:ext cx="3507474" cy="1077218"/>
+              <a:ext cx="3507474" cy="1323439"/>
             </a:xfrm>
             <a:prstGeom prst="rect">
               <a:avLst/>
@@ -7821,124 +8884,71 @@
             <a:lstStyle/>
             <a:p>
               <a:r>
-                <a:rPr lang="en-US" altLang="ko-KR" sz="1600" dirty="0" smtClean="0"/>
+                <a:rPr lang="en-US" altLang="ko-KR" sz="1600" dirty="0" smtClean="0">
+                  <a:latin typeface="+mn-ea"/>
+                </a:rPr>
                 <a:t>- </a:t>
               </a:r>
               <a:r>
-                <a:rPr lang="en-US" altLang="ko-KR" sz="1600" dirty="0" smtClean="0">
-                  <a:latin typeface="한컴산뜻돋움" panose="02000000000000000000" pitchFamily="2" charset="-127"/>
-                  <a:ea typeface="한컴산뜻돋움" panose="02000000000000000000" pitchFamily="2" charset="-127"/>
+                <a:rPr lang="ko-KR" altLang="en-US" sz="1600" dirty="0" smtClean="0">
+                  <a:latin typeface="+mn-ea"/>
                 </a:rPr>
-                <a:t>search </a:t>
-              </a:r>
-              <a:r>
-                <a:rPr lang="ko-KR" altLang="en-US" sz="1600" dirty="0" smtClean="0">
-                  <a:latin typeface="한컴산뜻돋움" panose="02000000000000000000" pitchFamily="2" charset="-127"/>
-                  <a:ea typeface="한컴산뜻돋움" panose="02000000000000000000" pitchFamily="2" charset="-127"/>
-                </a:rPr>
-                <a:t>화면 구현</a:t>
+                <a:t>메인 페이지 기능 구현</a:t>
               </a:r>
               <a:endParaRPr lang="en-US" altLang="ko-KR" sz="1600" dirty="0" smtClean="0">
-                <a:latin typeface="한컴산뜻돋움" panose="02000000000000000000" pitchFamily="2" charset="-127"/>
-                <a:ea typeface="한컴산뜻돋움" panose="02000000000000000000" pitchFamily="2" charset="-127"/>
+                <a:latin typeface="+mn-ea"/>
+              </a:endParaRPr>
+            </a:p>
+            <a:p>
+              <a:pPr marL="285750" indent="-285750">
+                <a:buFontTx/>
+                <a:buChar char="-"/>
+              </a:pPr>
+              <a:endParaRPr lang="en-US" altLang="ko-KR" sz="1600" dirty="0">
+                <a:latin typeface="+mn-ea"/>
               </a:endParaRPr>
             </a:p>
             <a:p>
               <a:r>
                 <a:rPr lang="en-US" altLang="ko-KR" sz="1600" dirty="0" smtClean="0">
-                  <a:latin typeface="한컴산뜻돋움" panose="02000000000000000000" pitchFamily="2" charset="-127"/>
-                  <a:ea typeface="한컴산뜻돋움" panose="02000000000000000000" pitchFamily="2" charset="-127"/>
+                  <a:latin typeface="+mn-ea"/>
                 </a:rPr>
                 <a:t>- </a:t>
               </a:r>
               <a:r>
-                <a:rPr lang="en-US" altLang="ko-KR" sz="1600" dirty="0" smtClean="0">
-                  <a:latin typeface="한컴산뜻돋움" panose="02000000000000000000" pitchFamily="2" charset="-127"/>
-                  <a:ea typeface="한컴산뜻돋움" panose="02000000000000000000" pitchFamily="2" charset="-127"/>
+                <a:rPr lang="ko-KR" altLang="en-US" sz="1600" dirty="0" smtClean="0">
+                  <a:latin typeface="+mn-ea"/>
                 </a:rPr>
-                <a:t>main</a:t>
-              </a:r>
-              <a:r>
-                <a:rPr lang="ko-KR" altLang="en-US" sz="1600" dirty="0" smtClean="0">
-                  <a:latin typeface="한컴산뜻돋움" panose="02000000000000000000" pitchFamily="2" charset="-127"/>
-                  <a:ea typeface="한컴산뜻돋움" panose="02000000000000000000" pitchFamily="2" charset="-127"/>
-                </a:rPr>
-                <a:t>화면 및 기능 </a:t>
-              </a:r>
-              <a:r>
-                <a:rPr lang="ko-KR" altLang="en-US" sz="1600" dirty="0" smtClean="0">
-                  <a:latin typeface="한컴산뜻돋움" panose="02000000000000000000" pitchFamily="2" charset="-127"/>
-                  <a:ea typeface="한컴산뜻돋움" panose="02000000000000000000" pitchFamily="2" charset="-127"/>
-                </a:rPr>
-                <a:t>구현</a:t>
+                <a:t>유저 추천 기능 구현</a:t>
               </a:r>
               <a:endParaRPr lang="en-US" altLang="ko-KR" sz="1600" dirty="0" smtClean="0">
-                <a:latin typeface="한컴산뜻돋움" panose="02000000000000000000" pitchFamily="2" charset="-127"/>
-                <a:ea typeface="한컴산뜻돋움" panose="02000000000000000000" pitchFamily="2" charset="-127"/>
+                <a:latin typeface="+mn-ea"/>
+              </a:endParaRPr>
+            </a:p>
+            <a:p>
+              <a:pPr marL="285750" indent="-285750">
+                <a:buFontTx/>
+                <a:buChar char="-"/>
+              </a:pPr>
+              <a:endParaRPr lang="en-US" altLang="ko-KR" sz="1600" dirty="0" smtClean="0">
+                <a:latin typeface="+mn-ea"/>
               </a:endParaRPr>
             </a:p>
             <a:p>
               <a:r>
                 <a:rPr lang="en-US" altLang="ko-KR" sz="1600" dirty="0" smtClean="0">
-                  <a:latin typeface="한컴산뜻돋움" panose="02000000000000000000" pitchFamily="2" charset="-127"/>
-                  <a:ea typeface="한컴산뜻돋움" panose="02000000000000000000" pitchFamily="2" charset="-127"/>
+                  <a:latin typeface="+mn-ea"/>
                 </a:rPr>
                 <a:t>- </a:t>
               </a:r>
               <a:r>
-                <a:rPr lang="en-US" altLang="ko-KR" sz="1600" dirty="0" smtClean="0">
-                  <a:latin typeface="한컴산뜻돋움" panose="02000000000000000000" pitchFamily="2" charset="-127"/>
-                  <a:ea typeface="한컴산뜻돋움" panose="02000000000000000000" pitchFamily="2" charset="-127"/>
+                <a:rPr lang="ko-KR" altLang="en-US" sz="1600" dirty="0" smtClean="0">
+                  <a:latin typeface="+mn-ea"/>
                 </a:rPr>
-                <a:t>Main</a:t>
-              </a:r>
-              <a:r>
-                <a:rPr lang="ko-KR" altLang="en-US" sz="1600" dirty="0" smtClean="0">
-                  <a:latin typeface="한컴산뜻돋움" panose="02000000000000000000" pitchFamily="2" charset="-127"/>
-                  <a:ea typeface="한컴산뜻돋움" panose="02000000000000000000" pitchFamily="2" charset="-127"/>
-                </a:rPr>
-                <a:t> </a:t>
-              </a:r>
-              <a:r>
-                <a:rPr lang="ko-KR" altLang="en-US" sz="1600" dirty="0" smtClean="0">
-                  <a:latin typeface="한컴산뜻돋움" panose="02000000000000000000" pitchFamily="2" charset="-127"/>
-                  <a:ea typeface="한컴산뜻돋움" panose="02000000000000000000" pitchFamily="2" charset="-127"/>
-                </a:rPr>
-                <a:t>게시글 </a:t>
-              </a:r>
-              <a:r>
-                <a:rPr lang="en-US" altLang="ko-KR" sz="1600" dirty="0" smtClean="0">
-                  <a:latin typeface="한컴산뜻돋움" panose="02000000000000000000" pitchFamily="2" charset="-127"/>
-                  <a:ea typeface="한컴산뜻돋움" panose="02000000000000000000" pitchFamily="2" charset="-127"/>
-                </a:rPr>
-                <a:t>modal</a:t>
-              </a:r>
-            </a:p>
-            <a:p>
-              <a:r>
-                <a:rPr lang="ko-KR" altLang="en-US" sz="1600" dirty="0" smtClean="0">
-                  <a:latin typeface="한컴산뜻돋움" panose="02000000000000000000" pitchFamily="2" charset="-127"/>
-                  <a:ea typeface="한컴산뜻돋움" panose="02000000000000000000" pitchFamily="2" charset="-127"/>
-                </a:rPr>
-                <a:t>화면 구현 </a:t>
-              </a:r>
-              <a:r>
-                <a:rPr lang="en-US" altLang="ko-KR" sz="1600" dirty="0" smtClean="0">
-                  <a:latin typeface="한컴산뜻돋움" panose="02000000000000000000" pitchFamily="2" charset="-127"/>
-                  <a:ea typeface="한컴산뜻돋움" panose="02000000000000000000" pitchFamily="2" charset="-127"/>
-                </a:rPr>
-                <a:t>/ </a:t>
-              </a:r>
-              <a:r>
-                <a:rPr lang="ko-KR" altLang="en-US" sz="1600" dirty="0" smtClean="0">
-                  <a:latin typeface="한컴산뜻돋움" panose="02000000000000000000" pitchFamily="2" charset="-127"/>
-                  <a:ea typeface="한컴산뜻돋움" panose="02000000000000000000" pitchFamily="2" charset="-127"/>
-                </a:rPr>
-                <a:t>기능 구현</a:t>
+                <a:t>통합 및 형상관리</a:t>
               </a:r>
               <a:endParaRPr lang="en-US" altLang="ko-KR" sz="1600" dirty="0" smtClean="0">
-                <a:latin typeface="한컴산뜻돋움" panose="02000000000000000000" pitchFamily="2" charset="-127"/>
-                <a:ea typeface="한컴산뜻돋움" panose="02000000000000000000" pitchFamily="2" charset="-127"/>
+                <a:latin typeface="+mn-ea"/>
               </a:endParaRPr>
             </a:p>
           </p:txBody>
@@ -8145,7 +9155,7 @@
           <p:spPr>
             <a:xfrm>
               <a:off x="4185313" y="1653524"/>
-              <a:ext cx="3821373" cy="1077218"/>
+              <a:ext cx="3821373" cy="1323439"/>
             </a:xfrm>
             <a:prstGeom prst="rect">
               <a:avLst/>
@@ -8159,82 +9169,105 @@
             <a:lstStyle/>
             <a:p>
               <a:r>
-                <a:rPr lang="en-US" altLang="ko-KR" sz="1600" dirty="0" smtClean="0"/>
+                <a:rPr lang="en-US" altLang="ko-KR" sz="1600" dirty="0" smtClean="0">
+                  <a:latin typeface="+mn-ea"/>
+                </a:rPr>
                 <a:t>- </a:t>
               </a:r>
               <a:r>
-                <a:rPr lang="en-US" altLang="ko-KR" sz="1600" dirty="0" smtClean="0">
-                  <a:latin typeface="한컴산뜻돋움" panose="02000000000000000000" pitchFamily="2" charset="-127"/>
-                  <a:ea typeface="한컴산뜻돋움" panose="02000000000000000000" pitchFamily="2" charset="-127"/>
+                <a:rPr lang="ko-KR" altLang="en-US" sz="1600" dirty="0" smtClean="0">
+                  <a:latin typeface="+mn-ea"/>
                 </a:rPr>
-                <a:t>profile</a:t>
-              </a:r>
-            </a:p>
-            <a:p>
-              <a:r>
-                <a:rPr lang="ko-KR" altLang="en-US" sz="1600" dirty="0" smtClean="0">
-                  <a:latin typeface="한컴산뜻돋움" panose="02000000000000000000" pitchFamily="2" charset="-127"/>
-                  <a:ea typeface="한컴산뜻돋움" panose="02000000000000000000" pitchFamily="2" charset="-127"/>
-                </a:rPr>
-                <a:t>화면 구현 </a:t>
+                <a:t>프로필 화면 </a:t>
               </a:r>
               <a:r>
                 <a:rPr lang="en-US" altLang="ko-KR" sz="1600" dirty="0" smtClean="0">
-                  <a:latin typeface="한컴산뜻돋움" panose="02000000000000000000" pitchFamily="2" charset="-127"/>
-                  <a:ea typeface="한컴산뜻돋움" panose="02000000000000000000" pitchFamily="2" charset="-127"/>
+                  <a:latin typeface="+mn-ea"/>
                 </a:rPr>
                 <a:t>/ </a:t>
               </a:r>
               <a:r>
                 <a:rPr lang="ko-KR" altLang="en-US" sz="1600" dirty="0" smtClean="0">
-                  <a:latin typeface="한컴산뜻돋움" panose="02000000000000000000" pitchFamily="2" charset="-127"/>
-                  <a:ea typeface="한컴산뜻돋움" panose="02000000000000000000" pitchFamily="2" charset="-127"/>
+                  <a:latin typeface="+mn-ea"/>
                 </a:rPr>
-                <a:t>기능 구현</a:t>
+                <a:t>기능 </a:t>
+              </a:r>
+              <a:r>
+                <a:rPr lang="ko-KR" altLang="en-US" sz="1600" dirty="0" smtClean="0">
+                  <a:latin typeface="+mn-ea"/>
+                </a:rPr>
+                <a:t>구현</a:t>
               </a:r>
               <a:endParaRPr lang="en-US" altLang="ko-KR" sz="1600" dirty="0" smtClean="0">
-                <a:latin typeface="한컴산뜻돋움" panose="02000000000000000000" pitchFamily="2" charset="-127"/>
-                <a:ea typeface="한컴산뜻돋움" panose="02000000000000000000" pitchFamily="2" charset="-127"/>
+                <a:latin typeface="+mn-ea"/>
+              </a:endParaRPr>
+            </a:p>
+            <a:p>
+              <a:endParaRPr lang="en-US" altLang="ko-KR" sz="1600" dirty="0" smtClean="0">
+                <a:latin typeface="+mn-ea"/>
               </a:endParaRPr>
             </a:p>
             <a:p>
               <a:r>
                 <a:rPr lang="en-US" altLang="ko-KR" sz="1600" dirty="0" smtClean="0">
-                  <a:latin typeface="한컴산뜻돋움" panose="02000000000000000000" pitchFamily="2" charset="-127"/>
-                  <a:ea typeface="한컴산뜻돋움" panose="02000000000000000000" pitchFamily="2" charset="-127"/>
+                  <a:latin typeface="+mn-ea"/>
                 </a:rPr>
-                <a:t>- post </a:t>
+                <a:t>- </a:t>
+              </a:r>
+              <a:r>
+                <a:rPr lang="ko-KR" altLang="en-US" sz="1600" dirty="0" err="1" smtClean="0">
+                  <a:latin typeface="+mn-ea"/>
+                </a:rPr>
+                <a:t>게시글</a:t>
               </a:r>
               <a:r>
                 <a:rPr lang="ko-KR" altLang="en-US" sz="1600" dirty="0" smtClean="0">
-                  <a:latin typeface="한컴산뜻돋움" panose="02000000000000000000" pitchFamily="2" charset="-127"/>
-                  <a:ea typeface="한컴산뜻돋움" panose="02000000000000000000" pitchFamily="2" charset="-127"/>
+                  <a:latin typeface="+mn-ea"/>
                 </a:rPr>
-                <a:t>화면 구현</a:t>
+                <a:t> 상세보기</a:t>
               </a:r>
+              <a:r>
+                <a:rPr lang="en-US" altLang="ko-KR" sz="1600" dirty="0" smtClean="0">
+                  <a:latin typeface="+mn-ea"/>
+                </a:rPr>
+                <a:t> </a:t>
+              </a:r>
+              <a:r>
+                <a:rPr lang="ko-KR" altLang="en-US" sz="1600" dirty="0" smtClean="0">
+                  <a:latin typeface="+mn-ea"/>
+                </a:rPr>
+                <a:t>화면 </a:t>
+              </a:r>
+              <a:r>
+                <a:rPr lang="ko-KR" altLang="en-US" sz="1600" dirty="0" smtClean="0">
+                  <a:latin typeface="+mn-ea"/>
+                </a:rPr>
+                <a:t>구현</a:t>
+              </a:r>
+              <a:endParaRPr lang="en-US" altLang="ko-KR" sz="1600" dirty="0" smtClean="0">
+                <a:latin typeface="+mn-ea"/>
+              </a:endParaRPr>
+            </a:p>
+            <a:p>
               <a:endParaRPr lang="en-US" altLang="ko-KR" sz="1600" dirty="0">
-                <a:latin typeface="한컴산뜻돋움" panose="02000000000000000000" pitchFamily="2" charset="-127"/>
-                <a:ea typeface="한컴산뜻돋움" panose="02000000000000000000" pitchFamily="2" charset="-127"/>
+                <a:latin typeface="+mn-ea"/>
               </a:endParaRPr>
             </a:p>
             <a:p>
               <a:r>
                 <a:rPr lang="en-US" altLang="ko-KR" sz="1600" dirty="0" smtClean="0">
-                  <a:latin typeface="한컴산뜻돋움" panose="02000000000000000000" pitchFamily="2" charset="-127"/>
-                  <a:ea typeface="한컴산뜻돋움" panose="02000000000000000000" pitchFamily="2" charset="-127"/>
+                  <a:latin typeface="+mn-ea"/>
                 </a:rPr>
                 <a:t>- search follow </a:t>
               </a:r>
               <a:r>
                 <a:rPr lang="ko-KR" altLang="en-US" sz="1600" dirty="0" smtClean="0">
-                  <a:latin typeface="한컴산뜻돋움" panose="02000000000000000000" pitchFamily="2" charset="-127"/>
-                  <a:ea typeface="한컴산뜻돋움" panose="02000000000000000000" pitchFamily="2" charset="-127"/>
+                  <a:latin typeface="+mn-ea"/>
                 </a:rPr>
                 <a:t>기능 구현</a:t>
               </a:r>
               <a:endParaRPr lang="ko-KR" altLang="en-US" sz="1600" dirty="0">
-                <a:latin typeface="한컴산뜻돋움" panose="02000000000000000000" pitchFamily="2" charset="-127"/>
-                <a:ea typeface="한컴산뜻돋움" panose="02000000000000000000" pitchFamily="2" charset="-127"/>
+                <a:latin typeface="+mn-ea"/>
               </a:endParaRPr>
             </a:p>
           </p:txBody>
@@ -8629,14 +9662,14 @@
           <p:nvPr>
             <p:extLst>
               <p:ext uri="{D42A27DB-BD31-4B8C-83A1-F6EECF244321}">
-                <p14:modId xmlns:p14="http://schemas.microsoft.com/office/powerpoint/2010/main" val="3575912513"/>
+                <p14:modId xmlns:p14="http://schemas.microsoft.com/office/powerpoint/2010/main" val="4259831262"/>
               </p:ext>
             </p:extLst>
           </p:nvPr>
         </p:nvGraphicFramePr>
         <p:xfrm>
-          <a:off x="305187" y="861823"/>
-          <a:ext cx="11581626" cy="5656369"/>
+          <a:off x="4601183" y="1"/>
+          <a:ext cx="7590814" cy="6810553"/>
         </p:xfrm>
         <a:graphic>
           <a:graphicData uri="http://schemas.openxmlformats.org/drawingml/2006/table">
@@ -8645,35 +9678,35 @@
                 <a:tableStyleId>{7DF18680-E054-41AD-8BC1-D1AEF772440D}</a:tableStyleId>
               </a:tblPr>
               <a:tblGrid>
-                <a:gridCol w="1035778">
+                <a:gridCol w="678867">
                   <a:extLst>
                     <a:ext uri="{9D8B030D-6E8A-4147-A177-3AD203B41FA5}">
                       <a16:colId xmlns:a16="http://schemas.microsoft.com/office/drawing/2014/main" val="2805894095"/>
                     </a:ext>
                   </a:extLst>
                 </a:gridCol>
-                <a:gridCol w="1879328">
+                <a:gridCol w="1231748">
                   <a:extLst>
                     <a:ext uri="{9D8B030D-6E8A-4147-A177-3AD203B41FA5}">
                       <a16:colId xmlns:a16="http://schemas.microsoft.com/office/drawing/2014/main" val="2142628285"/>
                     </a:ext>
                   </a:extLst>
                 </a:gridCol>
-                <a:gridCol w="2031168">
+                <a:gridCol w="1331266">
                   <a:extLst>
                     <a:ext uri="{9D8B030D-6E8A-4147-A177-3AD203B41FA5}">
                       <a16:colId xmlns:a16="http://schemas.microsoft.com/office/drawing/2014/main" val="1839578127"/>
                     </a:ext>
                   </a:extLst>
                 </a:gridCol>
-                <a:gridCol w="2031168">
+                <a:gridCol w="1331266">
                   <a:extLst>
                     <a:ext uri="{9D8B030D-6E8A-4147-A177-3AD203B41FA5}">
                       <a16:colId xmlns:a16="http://schemas.microsoft.com/office/drawing/2014/main" val="2367983306"/>
                     </a:ext>
                   </a:extLst>
                 </a:gridCol>
-                <a:gridCol w="4604184">
+                <a:gridCol w="3017667">
                   <a:extLst>
                     <a:ext uri="{9D8B030D-6E8A-4147-A177-3AD203B41FA5}">
                       <a16:colId xmlns:a16="http://schemas.microsoft.com/office/drawing/2014/main" val="2311106137"/>
@@ -8681,7 +9714,7 @@
                   </a:extLst>
                 </a:gridCol>
               </a:tblGrid>
-              <a:tr h="358507">
+              <a:tr h="456857">
                 <a:tc>
                   <a:txBody>
                     <a:bodyPr/>
@@ -8885,7 +9918,7 @@
                   </a:ext>
                 </a:extLst>
               </a:tr>
-              <a:tr h="253848">
+              <a:tr h="270687">
                 <a:tc rowSpan="8">
                   <a:txBody>
                     <a:bodyPr/>
@@ -9134,7 +10167,7 @@
                   </a:ext>
                 </a:extLst>
               </a:tr>
-              <a:tr h="278786">
+              <a:tr h="270687">
                 <a:tc vMerge="1">
                   <a:txBody>
                     <a:bodyPr/>
@@ -9387,7 +10420,7 @@
                   </a:ext>
                 </a:extLst>
               </a:tr>
-              <a:tr h="266007">
+              <a:tr h="408766">
                 <a:tc vMerge="1">
                   <a:txBody>
                     <a:bodyPr/>
@@ -9640,7 +10673,7 @@
                   </a:ext>
                 </a:extLst>
               </a:tr>
-              <a:tr h="465513">
+              <a:tr h="745398">
                 <a:tc vMerge="1">
                   <a:txBody>
                     <a:bodyPr/>
@@ -9958,7 +10991,7 @@
                   </a:ext>
                 </a:extLst>
               </a:tr>
-              <a:tr h="603942">
+              <a:tr h="913714">
                 <a:tc vMerge="1">
                   <a:txBody>
                     <a:bodyPr/>
@@ -10282,7 +11315,7 @@
                   </a:ext>
                 </a:extLst>
               </a:tr>
-              <a:tr h="603942">
+              <a:tr h="1755292">
                 <a:tc vMerge="1">
                   <a:txBody>
                     <a:bodyPr/>
@@ -10418,17 +11451,42 @@
                           <a:latin typeface="한컴산뜻돋움" panose="02000000000000000000" pitchFamily="2" charset="-127"/>
                           <a:ea typeface="한컴산뜻돋움" panose="02000000000000000000" pitchFamily="2" charset="-127"/>
                         </a:rPr>
-                        <a:t>MySQL Driver / Spring Data JPA /</a:t>
+                        <a:t>MySQL Driver / Spring Data JPA </a:t>
                       </a:r>
-                    </a:p>
-                    <a:p>
-                      <a:pPr algn="l" latinLnBrk="1"/>
                       <a:r>
                         <a:rPr lang="en-US" altLang="ko-KR" sz="1400" dirty="0" smtClean="0">
                           <a:latin typeface="한컴산뜻돋움" panose="02000000000000000000" pitchFamily="2" charset="-127"/>
                           <a:ea typeface="한컴산뜻돋움" panose="02000000000000000000" pitchFamily="2" charset="-127"/>
                         </a:rPr>
-                        <a:t>Spring Security / Thymeleaf</a:t>
+                        <a:t>/</a:t>
+                      </a:r>
+                      <a:r>
+                        <a:rPr lang="en-US" altLang="ko-KR" sz="1400" baseline="0" dirty="0" smtClean="0">
+                          <a:latin typeface="한컴산뜻돋움" panose="02000000000000000000" pitchFamily="2" charset="-127"/>
+                          <a:ea typeface="한컴산뜻돋움" panose="02000000000000000000" pitchFamily="2" charset="-127"/>
+                        </a:rPr>
+                        <a:t> </a:t>
+                      </a:r>
+                      <a:r>
+                        <a:rPr lang="en-US" altLang="ko-KR" sz="1400" dirty="0" smtClean="0">
+                          <a:latin typeface="한컴산뜻돋움" panose="02000000000000000000" pitchFamily="2" charset="-127"/>
+                          <a:ea typeface="한컴산뜻돋움" panose="02000000000000000000" pitchFamily="2" charset="-127"/>
+                        </a:rPr>
+                        <a:t>Spring </a:t>
+                      </a:r>
+                      <a:r>
+                        <a:rPr lang="en-US" altLang="ko-KR" sz="1400" dirty="0" smtClean="0">
+                          <a:latin typeface="한컴산뜻돋움" panose="02000000000000000000" pitchFamily="2" charset="-127"/>
+                          <a:ea typeface="한컴산뜻돋움" panose="02000000000000000000" pitchFamily="2" charset="-127"/>
+                        </a:rPr>
+                        <a:t>Security / </a:t>
+                      </a:r>
+                      <a:r>
+                        <a:rPr lang="en-US" altLang="ko-KR" sz="1400" dirty="0" err="1" smtClean="0">
+                          <a:latin typeface="한컴산뜻돋움" panose="02000000000000000000" pitchFamily="2" charset="-127"/>
+                          <a:ea typeface="한컴산뜻돋움" panose="02000000000000000000" pitchFamily="2" charset="-127"/>
+                        </a:rPr>
+                        <a:t>Thymeleaf</a:t>
                       </a:r>
                       <a:r>
                         <a:rPr lang="en-US" altLang="ko-KR" sz="1400" baseline="0" dirty="0" smtClean="0">
@@ -10444,26 +11502,38 @@
                         </a:rPr>
                         <a:t>/</a:t>
                       </a:r>
-                    </a:p>
-                    <a:p>
-                      <a:pPr algn="l" latinLnBrk="1"/>
+                      <a:r>
+                        <a:rPr lang="en-US" altLang="ko-KR" sz="1400" baseline="0" dirty="0" smtClean="0">
+                          <a:latin typeface="한컴산뜻돋움" panose="02000000000000000000" pitchFamily="2" charset="-127"/>
+                          <a:ea typeface="한컴산뜻돋움" panose="02000000000000000000" pitchFamily="2" charset="-127"/>
+                        </a:rPr>
+                        <a:t> </a:t>
+                      </a:r>
                       <a:r>
                         <a:rPr lang="en-US" altLang="ko-KR" sz="1400" dirty="0" smtClean="0">
                           <a:latin typeface="한컴산뜻돋움" panose="02000000000000000000" pitchFamily="2" charset="-127"/>
                           <a:ea typeface="한컴산뜻돋움" panose="02000000000000000000" pitchFamily="2" charset="-127"/>
                         </a:rPr>
-                        <a:t>Java Mail Sender / Validation / </a:t>
+                        <a:t>Java </a:t>
                       </a:r>
-                    </a:p>
-                    <a:p>
-                      <a:pPr algn="l" latinLnBrk="1"/>
                       <a:r>
                         <a:rPr lang="en-US" altLang="ko-KR" sz="1400" dirty="0" smtClean="0">
                           <a:latin typeface="한컴산뜻돋움" panose="02000000000000000000" pitchFamily="2" charset="-127"/>
                           <a:ea typeface="한컴산뜻돋움" panose="02000000000000000000" pitchFamily="2" charset="-127"/>
                         </a:rPr>
-                        <a:t>Web Socket / jjwt / Gson</a:t>
+                        <a:t>Mail Sender / Validation / </a:t>
                       </a:r>
+                      <a:r>
+                        <a:rPr lang="en-US" altLang="ko-KR" sz="1400" dirty="0" smtClean="0">
+                          <a:latin typeface="한컴산뜻돋움" panose="02000000000000000000" pitchFamily="2" charset="-127"/>
+                          <a:ea typeface="한컴산뜻돋움" panose="02000000000000000000" pitchFamily="2" charset="-127"/>
+                        </a:rPr>
+                        <a:t>Web Socket</a:t>
+                      </a:r>
+                      <a:endParaRPr lang="en-US" altLang="ko-KR" sz="1400" dirty="0" smtClean="0">
+                        <a:latin typeface="한컴산뜻돋움" panose="02000000000000000000" pitchFamily="2" charset="-127"/>
+                        <a:ea typeface="한컴산뜻돋움" panose="02000000000000000000" pitchFamily="2" charset="-127"/>
+                      </a:endParaRPr>
                     </a:p>
                   </a:txBody>
                   <a:tcPr anchor="ctr">
@@ -10585,7 +11655,7 @@
                   </a:ext>
                 </a:extLst>
               </a:tr>
-              <a:tr h="603942">
+              <a:tr h="270687">
                 <a:tc vMerge="1">
                   <a:txBody>
                     <a:bodyPr/>
@@ -10838,7 +11908,7 @@
                   </a:ext>
                 </a:extLst>
               </a:tr>
-              <a:tr h="603942">
+              <a:tr h="1250345">
                 <a:tc vMerge="1">
                   <a:txBody>
                     <a:bodyPr/>
@@ -11091,6 +12161,30 @@
           </a:graphicData>
         </a:graphic>
       </p:graphicFrame>
+      <p:pic>
+        <p:nvPicPr>
+          <p:cNvPr id="2" name="그림 1"/>
+          <p:cNvPicPr>
+            <a:picLocks noChangeAspect="1"/>
+          </p:cNvPicPr>
+          <p:nvPr/>
+        </p:nvPicPr>
+        <p:blipFill>
+          <a:blip r:embed="rId3"/>
+          <a:stretch>
+            <a:fillRect/>
+          </a:stretch>
+        </p:blipFill>
+        <p:spPr>
+          <a:xfrm>
+            <a:off x="0" y="1834778"/>
+            <a:ext cx="4539600" cy="2923027"/>
+          </a:xfrm>
+          <a:prstGeom prst="rect">
+            <a:avLst/>
+          </a:prstGeom>
+        </p:spPr>
+      </p:pic>
     </p:spTree>
     <p:extLst>
       <p:ext uri="{BB962C8B-B14F-4D97-AF65-F5344CB8AC3E}">
@@ -11331,7 +12425,7 @@
           <a:p>
             <a:pPr algn="ctr"/>
             <a:r>
-              <a:rPr lang="ko-KR" altLang="en-US" sz="1400" dirty="0" smtClean="0">
+              <a:rPr lang="ko-KR" altLang="en-US" sz="1300" dirty="0" smtClean="0">
                 <a:solidFill>
                   <a:schemeClr val="tx1"/>
                 </a:solidFill>
@@ -11339,14 +12433,14 @@
               <a:t>메인 </a:t>
             </a:r>
             <a:r>
-              <a:rPr lang="en-US" altLang="ko-KR" sz="1400" dirty="0" smtClean="0">
+              <a:rPr lang="en-US" altLang="ko-KR" sz="1300" dirty="0" smtClean="0">
                 <a:solidFill>
                   <a:schemeClr val="tx1"/>
                 </a:solidFill>
               </a:rPr>
               <a:t>(index)</a:t>
             </a:r>
-            <a:endParaRPr lang="ko-KR" altLang="en-US" sz="1400" dirty="0">
+            <a:endParaRPr lang="ko-KR" altLang="en-US" sz="1300" dirty="0">
               <a:solidFill>
                 <a:schemeClr val="tx1"/>
               </a:solidFill>
@@ -11400,7 +12494,7 @@
           <a:p>
             <a:pPr algn="ctr"/>
             <a:r>
-              <a:rPr lang="ko-KR" altLang="en-US" sz="1400" dirty="0" smtClean="0">
+              <a:rPr lang="ko-KR" altLang="en-US" sz="1300" dirty="0" smtClean="0">
                 <a:solidFill>
                   <a:schemeClr val="tx1"/>
                 </a:solidFill>
@@ -11408,14 +12502,14 @@
               <a:t>회원 </a:t>
             </a:r>
             <a:r>
-              <a:rPr lang="en-US" altLang="ko-KR" sz="1400" dirty="0" smtClean="0">
+              <a:rPr lang="en-US" altLang="ko-KR" sz="1300" dirty="0" smtClean="0">
                 <a:solidFill>
                   <a:schemeClr val="tx1"/>
                 </a:solidFill>
               </a:rPr>
               <a:t>(member)</a:t>
             </a:r>
-            <a:endParaRPr lang="ko-KR" altLang="en-US" sz="1400" dirty="0">
+            <a:endParaRPr lang="ko-KR" altLang="en-US" sz="1300" dirty="0">
               <a:solidFill>
                 <a:schemeClr val="tx1"/>
               </a:solidFill>
@@ -11469,7 +12563,7 @@
           <a:p>
             <a:pPr algn="ctr"/>
             <a:r>
-              <a:rPr lang="ko-KR" altLang="en-US" sz="1400" dirty="0" smtClean="0">
+              <a:rPr lang="ko-KR" altLang="en-US" sz="1300" dirty="0" smtClean="0">
                 <a:solidFill>
                   <a:schemeClr val="tx1"/>
                 </a:solidFill>
@@ -11477,14 +12571,14 @@
               <a:t>프로필 </a:t>
             </a:r>
             <a:r>
-              <a:rPr lang="en-US" altLang="ko-KR" sz="1400" dirty="0" smtClean="0">
+              <a:rPr lang="en-US" altLang="ko-KR" sz="1300" dirty="0" smtClean="0">
                 <a:solidFill>
                   <a:schemeClr val="tx1"/>
                 </a:solidFill>
               </a:rPr>
               <a:t>(profile)</a:t>
             </a:r>
-            <a:endParaRPr lang="ko-KR" altLang="en-US" sz="1400" dirty="0">
+            <a:endParaRPr lang="ko-KR" altLang="en-US" sz="1300" dirty="0">
               <a:solidFill>
                 <a:schemeClr val="tx1"/>
               </a:solidFill>
@@ -11538,7 +12632,7 @@
           <a:p>
             <a:pPr algn="ctr"/>
             <a:r>
-              <a:rPr lang="ko-KR" altLang="en-US" sz="1400" dirty="0" smtClean="0">
+              <a:rPr lang="ko-KR" altLang="en-US" sz="1300" dirty="0" smtClean="0">
                 <a:solidFill>
                   <a:schemeClr val="tx1"/>
                 </a:solidFill>
@@ -11546,14 +12640,14 @@
               <a:t>채팅 </a:t>
             </a:r>
             <a:r>
-              <a:rPr lang="en-US" altLang="ko-KR" sz="1400" dirty="0" smtClean="0">
+              <a:rPr lang="en-US" altLang="ko-KR" sz="1300" dirty="0" smtClean="0">
                 <a:solidFill>
                   <a:schemeClr val="tx1"/>
                 </a:solidFill>
               </a:rPr>
               <a:t>(chat)</a:t>
             </a:r>
-            <a:endParaRPr lang="ko-KR" altLang="en-US" sz="1400" dirty="0">
+            <a:endParaRPr lang="ko-KR" altLang="en-US" sz="1300" dirty="0">
               <a:solidFill>
                 <a:schemeClr val="tx1"/>
               </a:solidFill>
@@ -11607,12 +12701,20 @@
           <a:p>
             <a:pPr algn="ctr"/>
             <a:r>
-              <a:rPr lang="ko-KR" altLang="en-US" sz="1400" smtClean="0">
+              <a:rPr lang="ko-KR" altLang="en-US" sz="1300" dirty="0" smtClean="0">
                 <a:solidFill>
                   <a:schemeClr val="tx1"/>
                 </a:solidFill>
               </a:rPr>
-              <a:t>게시물 </a:t>
+              <a:t>게시물</a:t>
+            </a:r>
+            <a:r>
+              <a:rPr lang="ko-KR" altLang="en-US" sz="1400" dirty="0" smtClean="0">
+                <a:solidFill>
+                  <a:schemeClr val="tx1"/>
+                </a:solidFill>
+              </a:rPr>
+              <a:t> </a:t>
             </a:r>
             <a:r>
               <a:rPr lang="en-US" altLang="ko-KR" sz="1400" dirty="0" smtClean="0">
@@ -11676,7 +12778,7 @@
           <a:p>
             <a:pPr algn="ctr"/>
             <a:r>
-              <a:rPr lang="ko-KR" altLang="en-US" sz="1400" dirty="0" smtClean="0">
+              <a:rPr lang="ko-KR" altLang="en-US" sz="1300" dirty="0" smtClean="0">
                 <a:solidFill>
                   <a:schemeClr val="tx1"/>
                 </a:solidFill>
@@ -11684,14 +12786,14 @@
               <a:t>검색 </a:t>
             </a:r>
             <a:r>
-              <a:rPr lang="en-US" altLang="ko-KR" sz="1400" dirty="0" smtClean="0">
+              <a:rPr lang="en-US" altLang="ko-KR" sz="1300" dirty="0" smtClean="0">
                 <a:solidFill>
                   <a:schemeClr val="tx1"/>
                 </a:solidFill>
               </a:rPr>
               <a:t>(search)</a:t>
             </a:r>
-            <a:endParaRPr lang="ko-KR" altLang="en-US" sz="1400" dirty="0">
+            <a:endParaRPr lang="ko-KR" altLang="en-US" sz="1300" dirty="0">
               <a:solidFill>
                 <a:schemeClr val="tx1"/>
               </a:solidFill>
@@ -11745,25 +12847,19 @@
           <a:p>
             <a:pPr algn="ctr"/>
             <a:r>
-              <a:rPr lang="ko-KR" altLang="en-US" sz="1400" dirty="0" smtClean="0">
+              <a:rPr lang="ko-KR" altLang="en-US" sz="1100" b="1" dirty="0" smtClean="0">
                 <a:solidFill>
                   <a:schemeClr val="tx1"/>
                 </a:solidFill>
+                <a:latin typeface="+mn-ea"/>
               </a:rPr>
-              <a:t>로그인 </a:t>
-            </a:r>
-            <a:r>
-              <a:rPr lang="en-US" altLang="ko-KR" sz="1400" dirty="0" smtClean="0">
-                <a:solidFill>
-                  <a:schemeClr val="tx1"/>
-                </a:solidFill>
-              </a:rPr>
-              <a:t>(login)</a:t>
-            </a:r>
-            <a:endParaRPr lang="ko-KR" altLang="en-US" sz="1400" dirty="0">
+              <a:t>로그인</a:t>
+            </a:r>
+            <a:endParaRPr lang="ko-KR" altLang="en-US" sz="1100" b="1" dirty="0">
               <a:solidFill>
                 <a:schemeClr val="tx1"/>
               </a:solidFill>
+              <a:latin typeface="+mn-ea"/>
             </a:endParaRPr>
           </a:p>
         </p:txBody>
@@ -11814,25 +12910,19 @@
           <a:p>
             <a:pPr algn="ctr"/>
             <a:r>
-              <a:rPr lang="ko-KR" altLang="en-US" sz="1400" dirty="0" smtClean="0">
+              <a:rPr lang="ko-KR" altLang="en-US" sz="1100" b="1" dirty="0" smtClean="0">
                 <a:solidFill>
                   <a:schemeClr val="tx1"/>
                 </a:solidFill>
+                <a:latin typeface="+mn-ea"/>
               </a:rPr>
-              <a:t>가입 </a:t>
-            </a:r>
-            <a:r>
-              <a:rPr lang="en-US" altLang="ko-KR" sz="1400" dirty="0" smtClean="0">
-                <a:solidFill>
-                  <a:schemeClr val="tx1"/>
-                </a:solidFill>
-              </a:rPr>
-              <a:t>(register)</a:t>
-            </a:r>
-            <a:endParaRPr lang="ko-KR" altLang="en-US" sz="1400" dirty="0">
+              <a:t>가입</a:t>
+            </a:r>
+            <a:endParaRPr lang="ko-KR" altLang="en-US" sz="1100" b="1" dirty="0">
               <a:solidFill>
                 <a:schemeClr val="tx1"/>
               </a:solidFill>
+              <a:latin typeface="+mn-ea"/>
             </a:endParaRPr>
           </a:p>
         </p:txBody>
@@ -11883,25 +12973,19 @@
           <a:p>
             <a:pPr algn="ctr"/>
             <a:r>
-              <a:rPr lang="ko-KR" altLang="en-US" sz="1400" dirty="0" smtClean="0">
+              <a:rPr lang="ko-KR" altLang="en-US" sz="1100" b="1" dirty="0" smtClean="0">
                 <a:solidFill>
                   <a:schemeClr val="tx1"/>
                 </a:solidFill>
+                <a:latin typeface="+mn-ea"/>
               </a:rPr>
-              <a:t>약관 </a:t>
-            </a:r>
-            <a:r>
-              <a:rPr lang="en-US" altLang="ko-KR" sz="1400" dirty="0" smtClean="0">
-                <a:solidFill>
-                  <a:schemeClr val="tx1"/>
-                </a:solidFill>
-              </a:rPr>
-              <a:t>(terms)</a:t>
-            </a:r>
-            <a:endParaRPr lang="ko-KR" altLang="en-US" sz="1400" dirty="0">
+              <a:t>약관</a:t>
+            </a:r>
+            <a:endParaRPr lang="ko-KR" altLang="en-US" sz="1100" b="1" dirty="0">
               <a:solidFill>
                 <a:schemeClr val="tx1"/>
               </a:solidFill>
+              <a:latin typeface="+mn-ea"/>
             </a:endParaRPr>
           </a:p>
         </p:txBody>
@@ -11952,25 +13036,28 @@
           <a:p>
             <a:pPr algn="ctr"/>
             <a:r>
-              <a:rPr lang="ko-KR" altLang="en-US" sz="1400" dirty="0" smtClean="0">
+              <a:rPr lang="ko-KR" altLang="en-US" sz="1100" b="1" dirty="0" smtClean="0">
                 <a:solidFill>
                   <a:schemeClr val="tx1"/>
                 </a:solidFill>
+                <a:latin typeface="+mn-ea"/>
               </a:rPr>
-              <a:t>생일 입력 </a:t>
-            </a:r>
-            <a:r>
-              <a:rPr lang="en-US" altLang="ko-KR" sz="1400" dirty="0" smtClean="0">
+              <a:t>생일 </a:t>
+            </a:r>
+            <a:r>
+              <a:rPr lang="ko-KR" altLang="en-US" sz="1100" b="1" dirty="0" smtClean="0">
                 <a:solidFill>
                   <a:schemeClr val="tx1"/>
                 </a:solidFill>
+                <a:latin typeface="+mn-ea"/>
               </a:rPr>
-              <a:t>(birth)</a:t>
-            </a:r>
-            <a:endParaRPr lang="ko-KR" altLang="en-US" sz="1400" dirty="0">
+              <a:t>입력</a:t>
+            </a:r>
+            <a:endParaRPr lang="ko-KR" altLang="en-US" sz="1100" b="1" dirty="0">
               <a:solidFill>
                 <a:schemeClr val="tx1"/>
               </a:solidFill>
+              <a:latin typeface="+mn-ea"/>
             </a:endParaRPr>
           </a:p>
         </p:txBody>
@@ -12021,25 +13108,28 @@
           <a:p>
             <a:pPr algn="ctr"/>
             <a:r>
-              <a:rPr lang="ko-KR" altLang="en-US" sz="1400" dirty="0" smtClean="0">
+              <a:rPr lang="ko-KR" altLang="en-US" sz="1100" b="1" dirty="0" smtClean="0">
                 <a:solidFill>
                   <a:schemeClr val="tx1"/>
                 </a:solidFill>
+                <a:latin typeface="+mn-ea"/>
               </a:rPr>
-              <a:t>메일 인증 </a:t>
-            </a:r>
-            <a:r>
-              <a:rPr lang="en-US" altLang="ko-KR" sz="1400" dirty="0" smtClean="0">
+              <a:t>메일 </a:t>
+            </a:r>
+            <a:r>
+              <a:rPr lang="ko-KR" altLang="en-US" sz="1100" b="1" dirty="0" smtClean="0">
                 <a:solidFill>
                   <a:schemeClr val="tx1"/>
                 </a:solidFill>
+                <a:latin typeface="+mn-ea"/>
               </a:rPr>
-              <a:t>(email)</a:t>
-            </a:r>
-            <a:endParaRPr lang="ko-KR" altLang="en-US" sz="1400" dirty="0">
+              <a:t>인증</a:t>
+            </a:r>
+            <a:endParaRPr lang="ko-KR" altLang="en-US" sz="1100" b="1" dirty="0">
               <a:solidFill>
                 <a:schemeClr val="tx1"/>
               </a:solidFill>
+              <a:latin typeface="+mn-ea"/>
             </a:endParaRPr>
           </a:p>
         </p:txBody>
@@ -12090,33 +13180,19 @@
           <a:p>
             <a:pPr algn="ctr"/>
             <a:r>
-              <a:rPr lang="en-US" altLang="ko-KR" sz="1400" dirty="0" smtClean="0">
+              <a:rPr lang="ko-KR" altLang="en-US" sz="1100" b="1" dirty="0" smtClean="0">
                 <a:solidFill>
                   <a:schemeClr val="tx1"/>
                 </a:solidFill>
+                <a:latin typeface="+mn-ea"/>
               </a:rPr>
-              <a:t>ID</a:t>
-            </a:r>
-            <a:r>
-              <a:rPr lang="ko-KR" altLang="en-US" sz="1400" dirty="0" smtClean="0">
-                <a:solidFill>
-                  <a:schemeClr val="tx1"/>
-                </a:solidFill>
-              </a:rPr>
-              <a:t>찾기 </a:t>
-            </a:r>
-            <a:r>
-              <a:rPr lang="en-US" altLang="ko-KR" sz="1400" dirty="0" smtClean="0">
-                <a:solidFill>
-                  <a:schemeClr val="tx1"/>
-                </a:solidFill>
-              </a:rPr>
-              <a:t>(checkId)</a:t>
-            </a:r>
-            <a:endParaRPr lang="ko-KR" altLang="en-US" sz="1400" dirty="0">
+              <a:t>아이디 찾기</a:t>
+            </a:r>
+            <a:endParaRPr lang="ko-KR" altLang="en-US" sz="1100" b="1" dirty="0">
               <a:solidFill>
                 <a:schemeClr val="tx1"/>
               </a:solidFill>
+              <a:latin typeface="+mn-ea"/>
             </a:endParaRPr>
           </a:p>
         </p:txBody>
@@ -12167,33 +13243,19 @@
           <a:p>
             <a:pPr algn="ctr"/>
             <a:r>
-              <a:rPr lang="en-US" altLang="ko-KR" sz="1200" dirty="0" smtClean="0">
+              <a:rPr lang="ko-KR" altLang="en-US" sz="1100" b="1" dirty="0" smtClean="0">
                 <a:solidFill>
                   <a:schemeClr val="tx1"/>
                 </a:solidFill>
+                <a:latin typeface="+mn-ea"/>
               </a:rPr>
-              <a:t>pw</a:t>
-            </a:r>
-            <a:r>
-              <a:rPr lang="ko-KR" altLang="en-US" sz="1200" dirty="0" smtClean="0">
-                <a:solidFill>
-                  <a:schemeClr val="tx1"/>
-                </a:solidFill>
-              </a:rPr>
-              <a:t>찾기 </a:t>
-            </a:r>
-            <a:r>
-              <a:rPr lang="en-US" altLang="ko-KR" sz="1200" dirty="0" smtClean="0">
-                <a:solidFill>
-                  <a:schemeClr val="tx1"/>
-                </a:solidFill>
-              </a:rPr>
-              <a:t>(checkPass)</a:t>
-            </a:r>
-            <a:endParaRPr lang="ko-KR" altLang="en-US" sz="1200" dirty="0">
+              <a:t>비밀번호 찾기</a:t>
+            </a:r>
+            <a:endParaRPr lang="ko-KR" altLang="en-US" sz="1100" b="1" dirty="0">
               <a:solidFill>
                 <a:schemeClr val="tx1"/>
               </a:solidFill>
+              <a:latin typeface="+mn-ea"/>
             </a:endParaRPr>
           </a:p>
         </p:txBody>
@@ -12244,33 +13306,19 @@
           <a:p>
             <a:pPr algn="ctr"/>
             <a:r>
-              <a:rPr lang="en-US" altLang="ko-KR" sz="1200" dirty="0" smtClean="0">
+              <a:rPr lang="ko-KR" altLang="en-US" sz="1100" b="1" dirty="0" smtClean="0">
                 <a:solidFill>
                   <a:schemeClr val="tx1"/>
                 </a:solidFill>
+                <a:latin typeface="+mn-ea"/>
               </a:rPr>
-              <a:t>ID</a:t>
-            </a:r>
-            <a:r>
-              <a:rPr lang="ko-KR" altLang="en-US" sz="1200" dirty="0" smtClean="0">
-                <a:solidFill>
-                  <a:schemeClr val="tx1"/>
-                </a:solidFill>
-              </a:rPr>
-              <a:t>결과 </a:t>
-            </a:r>
-            <a:r>
-              <a:rPr lang="en-US" altLang="ko-KR" sz="1200" dirty="0" smtClean="0">
-                <a:solidFill>
-                  <a:schemeClr val="tx1"/>
-                </a:solidFill>
-              </a:rPr>
-              <a:t>(resultId)</a:t>
-            </a:r>
-            <a:endParaRPr lang="ko-KR" altLang="en-US" sz="1200" dirty="0">
+              <a:t>아이디 찾기 결과</a:t>
+            </a:r>
+            <a:endParaRPr lang="ko-KR" altLang="en-US" sz="1100" b="1" dirty="0">
               <a:solidFill>
                 <a:schemeClr val="tx1"/>
               </a:solidFill>
+              <a:latin typeface="+mn-ea"/>
             </a:endParaRPr>
           </a:p>
         </p:txBody>
@@ -12321,33 +13369,19 @@
           <a:p>
             <a:pPr algn="ctr"/>
             <a:r>
-              <a:rPr lang="en-US" altLang="ko-KR" sz="1200" dirty="0" smtClean="0">
+              <a:rPr lang="ko-KR" altLang="en-US" sz="1100" b="1" dirty="0" smtClean="0">
                 <a:solidFill>
                   <a:schemeClr val="tx1"/>
                 </a:solidFill>
+                <a:latin typeface="+mn-ea"/>
               </a:rPr>
-              <a:t>pw</a:t>
-            </a:r>
-            <a:r>
-              <a:rPr lang="ko-KR" altLang="en-US" sz="1200" dirty="0" smtClean="0">
-                <a:solidFill>
-                  <a:schemeClr val="tx1"/>
-                </a:solidFill>
-              </a:rPr>
-              <a:t>결과 </a:t>
-            </a:r>
-            <a:r>
-              <a:rPr lang="en-US" altLang="ko-KR" sz="1200" dirty="0" smtClean="0">
-                <a:solidFill>
-                  <a:schemeClr val="tx1"/>
-                </a:solidFill>
-              </a:rPr>
-              <a:t>(resultPass)</a:t>
-            </a:r>
-            <a:endParaRPr lang="ko-KR" altLang="en-US" sz="1200" dirty="0">
+              <a:t>비밀번호 찾기 결과</a:t>
+            </a:r>
+            <a:endParaRPr lang="ko-KR" altLang="en-US" sz="1100" b="1" dirty="0">
               <a:solidFill>
                 <a:schemeClr val="tx1"/>
               </a:solidFill>
+              <a:latin typeface="+mn-ea"/>
             </a:endParaRPr>
           </a:p>
         </p:txBody>
@@ -12398,25 +13432,19 @@
           <a:p>
             <a:pPr algn="ctr"/>
             <a:r>
-              <a:rPr lang="ko-KR" altLang="en-US" sz="1400" dirty="0" smtClean="0">
+              <a:rPr lang="ko-KR" altLang="en-US" sz="1100" b="1" dirty="0" smtClean="0">
                 <a:solidFill>
                   <a:schemeClr val="tx1"/>
                 </a:solidFill>
+                <a:latin typeface="+mn-ea"/>
               </a:rPr>
-              <a:t>메인 </a:t>
-            </a:r>
-            <a:r>
-              <a:rPr lang="en-US" altLang="ko-KR" sz="1400" dirty="0" smtClean="0">
-                <a:solidFill>
-                  <a:schemeClr val="tx1"/>
-                </a:solidFill>
-              </a:rPr>
-              <a:t>(index)</a:t>
-            </a:r>
-            <a:endParaRPr lang="ko-KR" altLang="en-US" sz="1400" dirty="0">
+              <a:t>메인</a:t>
+            </a:r>
+            <a:endParaRPr lang="ko-KR" altLang="en-US" sz="1100" b="1" dirty="0">
               <a:solidFill>
                 <a:schemeClr val="tx1"/>
               </a:solidFill>
+              <a:latin typeface="+mn-ea"/>
             </a:endParaRPr>
           </a:p>
         </p:txBody>
@@ -12467,25 +13495,19 @@
           <a:p>
             <a:pPr algn="ctr"/>
             <a:r>
-              <a:rPr lang="ko-KR" altLang="en-US" sz="1400" dirty="0" smtClean="0">
+              <a:rPr lang="ko-KR" altLang="en-US" sz="1100" b="1" dirty="0" smtClean="0">
                 <a:solidFill>
                   <a:schemeClr val="tx1"/>
                 </a:solidFill>
+                <a:latin typeface="+mn-ea"/>
               </a:rPr>
-              <a:t>수정 </a:t>
-            </a:r>
-            <a:r>
-              <a:rPr lang="en-US" altLang="ko-KR" sz="1400" dirty="0" smtClean="0">
-                <a:solidFill>
-                  <a:schemeClr val="tx1"/>
-                </a:solidFill>
-              </a:rPr>
-              <a:t>(modify)</a:t>
-            </a:r>
-            <a:endParaRPr lang="ko-KR" altLang="en-US" sz="1400" dirty="0">
+              <a:t>수정</a:t>
+            </a:r>
+            <a:endParaRPr lang="ko-KR" altLang="en-US" sz="1100" b="1" dirty="0">
               <a:solidFill>
                 <a:schemeClr val="tx1"/>
               </a:solidFill>
+              <a:latin typeface="+mn-ea"/>
             </a:endParaRPr>
           </a:p>
         </p:txBody>
@@ -12536,33 +13558,19 @@
           <a:p>
             <a:pPr algn="ctr"/>
             <a:r>
-              <a:rPr lang="en-US" altLang="ko-KR" sz="1200" dirty="0" smtClean="0">
+              <a:rPr lang="ko-KR" altLang="en-US" sz="1100" b="1" dirty="0" smtClean="0">
                 <a:solidFill>
                   <a:schemeClr val="tx1"/>
                 </a:solidFill>
+                <a:latin typeface="+mn-ea"/>
               </a:rPr>
-              <a:t>pw</a:t>
-            </a:r>
-            <a:r>
-              <a:rPr lang="ko-KR" altLang="en-US" sz="1200" dirty="0" smtClean="0">
-                <a:solidFill>
-                  <a:schemeClr val="tx1"/>
-                </a:solidFill>
-              </a:rPr>
-              <a:t>변경</a:t>
-            </a:r>
-            <a:r>
-              <a:rPr lang="en-US" altLang="ko-KR" sz="1200" dirty="0" smtClean="0">
-                <a:solidFill>
-                  <a:schemeClr val="tx1"/>
-                </a:solidFill>
-              </a:rPr>
-              <a:t>(changePass)</a:t>
-            </a:r>
-            <a:endParaRPr lang="ko-KR" altLang="en-US" sz="1200" dirty="0">
+              <a:t>비밀번호 변경</a:t>
+            </a:r>
+            <a:endParaRPr lang="ko-KR" altLang="en-US" sz="1100" b="1" dirty="0">
               <a:solidFill>
                 <a:schemeClr val="tx1"/>
               </a:solidFill>
+              <a:latin typeface="+mn-ea"/>
             </a:endParaRPr>
           </a:p>
         </p:txBody>
@@ -12613,25 +13621,19 @@
           <a:p>
             <a:pPr algn="ctr"/>
             <a:r>
-              <a:rPr lang="ko-KR" altLang="en-US" sz="1400" dirty="0" smtClean="0">
+              <a:rPr lang="ko-KR" altLang="en-US" sz="1100" b="1" dirty="0" smtClean="0">
                 <a:solidFill>
                   <a:schemeClr val="tx1"/>
                 </a:solidFill>
+                <a:latin typeface="+mn-ea"/>
               </a:rPr>
-              <a:t>탈퇴 </a:t>
-            </a:r>
-            <a:r>
-              <a:rPr lang="en-US" altLang="ko-KR" sz="1400" dirty="0" smtClean="0">
-                <a:solidFill>
-                  <a:schemeClr val="tx1"/>
-                </a:solidFill>
-              </a:rPr>
-              <a:t>(deleteUser)</a:t>
-            </a:r>
-            <a:endParaRPr lang="ko-KR" altLang="en-US" sz="1400" dirty="0">
+              <a:t>탈퇴</a:t>
+            </a:r>
+            <a:endParaRPr lang="ko-KR" altLang="en-US" sz="1100" b="1" dirty="0">
               <a:solidFill>
                 <a:schemeClr val="tx1"/>
               </a:solidFill>
+              <a:latin typeface="+mn-ea"/>
             </a:endParaRPr>
           </a:p>
         </p:txBody>
@@ -12682,25 +13684,19 @@
           <a:p>
             <a:pPr algn="ctr"/>
             <a:r>
-              <a:rPr lang="ko-KR" altLang="en-US" sz="1400" dirty="0" smtClean="0">
+              <a:rPr lang="ko-KR" altLang="en-US" sz="1100" b="1" dirty="0" smtClean="0">
                 <a:solidFill>
                   <a:schemeClr val="tx1"/>
                 </a:solidFill>
+                <a:latin typeface="+mn-ea"/>
               </a:rPr>
-              <a:t>메인 </a:t>
-            </a:r>
-            <a:r>
-              <a:rPr lang="en-US" altLang="ko-KR" sz="1400" dirty="0" smtClean="0">
-                <a:solidFill>
-                  <a:schemeClr val="tx1"/>
-                </a:solidFill>
-              </a:rPr>
-              <a:t>(main)</a:t>
-            </a:r>
-            <a:endParaRPr lang="ko-KR" altLang="en-US" sz="1400" dirty="0">
+              <a:t>메인</a:t>
+            </a:r>
+            <a:endParaRPr lang="ko-KR" altLang="en-US" sz="1100" b="1" dirty="0">
               <a:solidFill>
                 <a:schemeClr val="tx1"/>
               </a:solidFill>
+              <a:latin typeface="+mn-ea"/>
             </a:endParaRPr>
           </a:p>
         </p:txBody>
@@ -12751,25 +13747,19 @@
           <a:p>
             <a:pPr algn="ctr"/>
             <a:r>
-              <a:rPr lang="ko-KR" altLang="en-US" sz="1400" dirty="0" smtClean="0">
+              <a:rPr lang="ko-KR" altLang="en-US" sz="1100" b="1" dirty="0" err="1" smtClean="0">
                 <a:solidFill>
                   <a:schemeClr val="tx1"/>
                 </a:solidFill>
+                <a:latin typeface="+mn-ea"/>
               </a:rPr>
-              <a:t>채팅방 </a:t>
-            </a:r>
-            <a:r>
-              <a:rPr lang="en-US" altLang="ko-KR" sz="1400" dirty="0" smtClean="0">
-                <a:solidFill>
-                  <a:schemeClr val="tx1"/>
-                </a:solidFill>
-              </a:rPr>
-              <a:t>(content)</a:t>
-            </a:r>
-            <a:endParaRPr lang="ko-KR" altLang="en-US" sz="1400" dirty="0">
+              <a:t>채팅방</a:t>
+            </a:r>
+            <a:endParaRPr lang="ko-KR" altLang="en-US" sz="1100" b="1" dirty="0">
               <a:solidFill>
                 <a:schemeClr val="tx1"/>
               </a:solidFill>
+              <a:latin typeface="+mn-ea"/>
             </a:endParaRPr>
           </a:p>
         </p:txBody>
@@ -12820,25 +13810,19 @@
           <a:p>
             <a:pPr algn="ctr"/>
             <a:r>
-              <a:rPr lang="ko-KR" altLang="en-US" sz="1400" dirty="0" smtClean="0">
+              <a:rPr lang="ko-KR" altLang="en-US" sz="1100" b="1" dirty="0" smtClean="0">
                 <a:solidFill>
                   <a:schemeClr val="tx1"/>
                 </a:solidFill>
+                <a:latin typeface="+mn-ea"/>
               </a:rPr>
-              <a:t>보기 </a:t>
-            </a:r>
-            <a:r>
-              <a:rPr lang="en-US" altLang="ko-KR" sz="1400" dirty="0" smtClean="0">
-                <a:solidFill>
-                  <a:schemeClr val="tx1"/>
-                </a:solidFill>
-              </a:rPr>
-              <a:t>(post)</a:t>
-            </a:r>
-            <a:endParaRPr lang="ko-KR" altLang="en-US" sz="1400" dirty="0">
+              <a:t>보기</a:t>
+            </a:r>
+            <a:endParaRPr lang="ko-KR" altLang="en-US" sz="1100" b="1" dirty="0">
               <a:solidFill>
                 <a:schemeClr val="tx1"/>
               </a:solidFill>
+              <a:latin typeface="+mn-ea"/>
             </a:endParaRPr>
           </a:p>
         </p:txBody>
@@ -12889,25 +13873,19 @@
           <a:p>
             <a:pPr algn="ctr"/>
             <a:r>
-              <a:rPr lang="ko-KR" altLang="en-US" sz="1400" dirty="0" smtClean="0">
+              <a:rPr lang="ko-KR" altLang="en-US" sz="1100" b="1" dirty="0" smtClean="0">
                 <a:solidFill>
                   <a:schemeClr val="tx1"/>
                 </a:solidFill>
+                <a:latin typeface="+mn-ea"/>
               </a:rPr>
-              <a:t>메인 </a:t>
-            </a:r>
-            <a:r>
-              <a:rPr lang="en-US" altLang="ko-KR" sz="1400" dirty="0" smtClean="0">
-                <a:solidFill>
-                  <a:schemeClr val="tx1"/>
-                </a:solidFill>
-              </a:rPr>
-              <a:t>(index)</a:t>
-            </a:r>
-            <a:endParaRPr lang="ko-KR" altLang="en-US" sz="1400" dirty="0">
+              <a:t>메인</a:t>
+            </a:r>
+            <a:endParaRPr lang="ko-KR" altLang="en-US" sz="1100" b="1" dirty="0">
               <a:solidFill>
                 <a:schemeClr val="tx1"/>
               </a:solidFill>
+              <a:latin typeface="+mn-ea"/>
             </a:endParaRPr>
           </a:p>
         </p:txBody>
@@ -13936,60 +14914,37 @@
           <a:lstStyle/>
           <a:p>
             <a:r>
+              <a:rPr lang="ko-KR" altLang="en-US" sz="2400" b="1" dirty="0" smtClean="0"/>
+              <a:t>기능 소개</a:t>
+            </a:r>
+            <a:r>
               <a:rPr lang="en-US" altLang="ko-KR" sz="2400" b="1" dirty="0" smtClean="0"/>
-              <a:t>Thank you</a:t>
+              <a:t>(</a:t>
+            </a:r>
+            <a:r>
+              <a:rPr lang="ko-KR" altLang="en-US" sz="2400" b="1" dirty="0" smtClean="0"/>
+              <a:t>로그인</a:t>
+            </a:r>
+            <a:r>
+              <a:rPr lang="en-US" altLang="ko-KR" sz="2400" b="1" dirty="0" smtClean="0"/>
+              <a:t>/</a:t>
+            </a:r>
+            <a:r>
+              <a:rPr lang="ko-KR" altLang="en-US" sz="2400" b="1" dirty="0" smtClean="0"/>
+              <a:t>회원가입</a:t>
+            </a:r>
+            <a:r>
+              <a:rPr lang="en-US" altLang="ko-KR" sz="2400" b="1" dirty="0" smtClean="0"/>
+              <a:t>)</a:t>
             </a:r>
             <a:endParaRPr lang="ko-KR" altLang="en-US" sz="2400" b="1" dirty="0"/>
-          </a:p>
-        </p:txBody>
-      </p:sp>
-      <p:sp>
-        <p:nvSpPr>
-          <p:cNvPr id="5" name="TextBox 4"/>
-          <p:cNvSpPr txBox="1"/>
-          <p:nvPr/>
-        </p:nvSpPr>
-        <p:spPr>
-          <a:xfrm>
-            <a:off x="3047539" y="2848565"/>
-            <a:ext cx="6337530" cy="1569660"/>
-          </a:xfrm>
-          <a:prstGeom prst="rect">
-            <a:avLst/>
-          </a:prstGeom>
-          <a:noFill/>
-        </p:spPr>
-        <p:txBody>
-          <a:bodyPr wrap="square" rtlCol="0">
-            <a:spAutoFit/>
-          </a:bodyPr>
-          <a:lstStyle/>
-          <a:p>
-            <a:r>
-              <a:rPr lang="ko-KR" altLang="en-US" sz="9600" dirty="0" smtClean="0">
-                <a:latin typeface="한컴산뜻돋움" panose="02000000000000000000" pitchFamily="2" charset="-127"/>
-                <a:ea typeface="한컴산뜻돋움" panose="02000000000000000000" pitchFamily="2" charset="-127"/>
-              </a:rPr>
-              <a:t>감사합니다</a:t>
-            </a:r>
-            <a:r>
-              <a:rPr lang="en-US" altLang="ko-KR" sz="9600" dirty="0" smtClean="0">
-                <a:latin typeface="한컴산뜻돋움" panose="02000000000000000000" pitchFamily="2" charset="-127"/>
-                <a:ea typeface="한컴산뜻돋움" panose="02000000000000000000" pitchFamily="2" charset="-127"/>
-              </a:rPr>
-              <a:t>.</a:t>
-            </a:r>
-            <a:endParaRPr lang="ko-KR" altLang="en-US" sz="9600" dirty="0">
-              <a:latin typeface="한컴산뜻돋움" panose="02000000000000000000" pitchFamily="2" charset="-127"/>
-              <a:ea typeface="한컴산뜻돋움" panose="02000000000000000000" pitchFamily="2" charset="-127"/>
-            </a:endParaRPr>
           </a:p>
         </p:txBody>
       </p:sp>
     </p:spTree>
     <p:extLst>
       <p:ext uri="{BB962C8B-B14F-4D97-AF65-F5344CB8AC3E}">
-        <p14:creationId xmlns:p14="http://schemas.microsoft.com/office/powerpoint/2010/main" val="2640116960"/>
+        <p14:creationId xmlns:p14="http://schemas.microsoft.com/office/powerpoint/2010/main" val="1327637127"/>
       </p:ext>
     </p:extLst>
   </p:cSld>

--- a/프로젝트 발표 보고서.pptx
+++ b/프로젝트 발표 보고서.pptx
@@ -14,11 +14,12 @@
     <p:sldId id="265" r:id="rId8"/>
     <p:sldId id="263" r:id="rId9"/>
     <p:sldId id="267" r:id="rId10"/>
-    <p:sldId id="268" r:id="rId11"/>
-    <p:sldId id="269" r:id="rId12"/>
-    <p:sldId id="270" r:id="rId13"/>
+    <p:sldId id="273" r:id="rId11"/>
+    <p:sldId id="274" r:id="rId12"/>
+    <p:sldId id="275" r:id="rId13"/>
     <p:sldId id="271" r:id="rId14"/>
-    <p:sldId id="264" r:id="rId15"/>
+    <p:sldId id="277" r:id="rId15"/>
+    <p:sldId id="264" r:id="rId16"/>
   </p:sldIdLst>
   <p:sldSz cx="12192000" cy="6858000"/>
   <p:notesSz cx="6858000" cy="9144000"/>
@@ -167,10 +168,9 @@
           </a:lstStyle>
           <a:p>
             <a:r>
-              <a:rPr lang="ko-KR" altLang="en-US" smtClean="0"/>
+              <a:rPr lang="ko-KR" altLang="en-US"/>
               <a:t>마스터 제목 스타일 편집</a:t>
             </a:r>
-            <a:endParaRPr lang="ko-KR" altLang="en-US"/>
           </a:p>
         </p:txBody>
       </p:sp>
@@ -232,10 +232,9 @@
           </a:lstStyle>
           <a:p>
             <a:r>
-              <a:rPr lang="ko-KR" altLang="en-US" smtClean="0"/>
+              <a:rPr lang="ko-KR" altLang="en-US"/>
               <a:t>클릭하여 마스터 부제목 스타일 편집</a:t>
             </a:r>
-            <a:endParaRPr lang="ko-KR" altLang="en-US"/>
           </a:p>
         </p:txBody>
       </p:sp>
@@ -350,10 +349,9 @@
           <a:lstStyle/>
           <a:p>
             <a:r>
-              <a:rPr lang="ko-KR" altLang="en-US" smtClean="0"/>
+              <a:rPr lang="ko-KR" altLang="en-US"/>
               <a:t>마스터 제목 스타일 편집</a:t>
             </a:r>
-            <a:endParaRPr lang="ko-KR" altLang="en-US"/>
           </a:p>
         </p:txBody>
       </p:sp>
@@ -374,38 +372,37 @@
           <a:p>
             <a:pPr lvl="0"/>
             <a:r>
-              <a:rPr lang="ko-KR" altLang="en-US" smtClean="0"/>
+              <a:rPr lang="ko-KR" altLang="en-US"/>
               <a:t>마스터 텍스트 스타일 편집</a:t>
             </a:r>
           </a:p>
           <a:p>
             <a:pPr lvl="1"/>
             <a:r>
-              <a:rPr lang="ko-KR" altLang="en-US" smtClean="0"/>
+              <a:rPr lang="ko-KR" altLang="en-US"/>
               <a:t>둘째 수준</a:t>
             </a:r>
           </a:p>
           <a:p>
             <a:pPr lvl="2"/>
             <a:r>
-              <a:rPr lang="ko-KR" altLang="en-US" smtClean="0"/>
+              <a:rPr lang="ko-KR" altLang="en-US"/>
               <a:t>셋째 수준</a:t>
             </a:r>
           </a:p>
           <a:p>
             <a:pPr lvl="3"/>
             <a:r>
-              <a:rPr lang="ko-KR" altLang="en-US" smtClean="0"/>
+              <a:rPr lang="ko-KR" altLang="en-US"/>
               <a:t>넷째 수준</a:t>
             </a:r>
           </a:p>
           <a:p>
             <a:pPr lvl="4"/>
             <a:r>
-              <a:rPr lang="ko-KR" altLang="en-US" smtClean="0"/>
+              <a:rPr lang="ko-KR" altLang="en-US"/>
               <a:t>다섯째 수준</a:t>
             </a:r>
-            <a:endParaRPr lang="ko-KR" altLang="en-US"/>
           </a:p>
         </p:txBody>
       </p:sp>
@@ -525,10 +522,9 @@
           <a:lstStyle/>
           <a:p>
             <a:r>
-              <a:rPr lang="ko-KR" altLang="en-US" smtClean="0"/>
+              <a:rPr lang="ko-KR" altLang="en-US"/>
               <a:t>마스터 제목 스타일 편집</a:t>
             </a:r>
-            <a:endParaRPr lang="ko-KR" altLang="en-US"/>
           </a:p>
         </p:txBody>
       </p:sp>
@@ -554,38 +550,37 @@
           <a:p>
             <a:pPr lvl="0"/>
             <a:r>
-              <a:rPr lang="ko-KR" altLang="en-US" smtClean="0"/>
+              <a:rPr lang="ko-KR" altLang="en-US"/>
               <a:t>마스터 텍스트 스타일 편집</a:t>
             </a:r>
           </a:p>
           <a:p>
             <a:pPr lvl="1"/>
             <a:r>
-              <a:rPr lang="ko-KR" altLang="en-US" smtClean="0"/>
+              <a:rPr lang="ko-KR" altLang="en-US"/>
               <a:t>둘째 수준</a:t>
             </a:r>
           </a:p>
           <a:p>
             <a:pPr lvl="2"/>
             <a:r>
-              <a:rPr lang="ko-KR" altLang="en-US" smtClean="0"/>
+              <a:rPr lang="ko-KR" altLang="en-US"/>
               <a:t>셋째 수준</a:t>
             </a:r>
           </a:p>
           <a:p>
             <a:pPr lvl="3"/>
             <a:r>
-              <a:rPr lang="ko-KR" altLang="en-US" smtClean="0"/>
+              <a:rPr lang="ko-KR" altLang="en-US"/>
               <a:t>넷째 수준</a:t>
             </a:r>
           </a:p>
           <a:p>
             <a:pPr lvl="4"/>
             <a:r>
-              <a:rPr lang="ko-KR" altLang="en-US" smtClean="0"/>
+              <a:rPr lang="ko-KR" altLang="en-US"/>
               <a:t>다섯째 수준</a:t>
             </a:r>
-            <a:endParaRPr lang="ko-KR" altLang="en-US"/>
           </a:p>
         </p:txBody>
       </p:sp>
@@ -700,10 +695,9 @@
           <a:lstStyle/>
           <a:p>
             <a:r>
-              <a:rPr lang="ko-KR" altLang="en-US" smtClean="0"/>
+              <a:rPr lang="ko-KR" altLang="en-US"/>
               <a:t>마스터 제목 스타일 편집</a:t>
             </a:r>
-            <a:endParaRPr lang="ko-KR" altLang="en-US"/>
           </a:p>
         </p:txBody>
       </p:sp>
@@ -724,38 +718,37 @@
           <a:p>
             <a:pPr lvl="0"/>
             <a:r>
-              <a:rPr lang="ko-KR" altLang="en-US" smtClean="0"/>
+              <a:rPr lang="ko-KR" altLang="en-US"/>
               <a:t>마스터 텍스트 스타일 편집</a:t>
             </a:r>
           </a:p>
           <a:p>
             <a:pPr lvl="1"/>
             <a:r>
-              <a:rPr lang="ko-KR" altLang="en-US" smtClean="0"/>
+              <a:rPr lang="ko-KR" altLang="en-US"/>
               <a:t>둘째 수준</a:t>
             </a:r>
           </a:p>
           <a:p>
             <a:pPr lvl="2"/>
             <a:r>
-              <a:rPr lang="ko-KR" altLang="en-US" smtClean="0"/>
+              <a:rPr lang="ko-KR" altLang="en-US"/>
               <a:t>셋째 수준</a:t>
             </a:r>
           </a:p>
           <a:p>
             <a:pPr lvl="3"/>
             <a:r>
-              <a:rPr lang="ko-KR" altLang="en-US" smtClean="0"/>
+              <a:rPr lang="ko-KR" altLang="en-US"/>
               <a:t>넷째 수준</a:t>
             </a:r>
           </a:p>
           <a:p>
             <a:pPr lvl="4"/>
             <a:r>
-              <a:rPr lang="ko-KR" altLang="en-US" smtClean="0"/>
+              <a:rPr lang="ko-KR" altLang="en-US"/>
               <a:t>다섯째 수준</a:t>
             </a:r>
-            <a:endParaRPr lang="ko-KR" altLang="en-US"/>
           </a:p>
         </p:txBody>
       </p:sp>
@@ -879,10 +872,9 @@
           </a:lstStyle>
           <a:p>
             <a:r>
-              <a:rPr lang="ko-KR" altLang="en-US" smtClean="0"/>
+              <a:rPr lang="ko-KR" altLang="en-US"/>
               <a:t>마스터 제목 스타일 편집</a:t>
             </a:r>
-            <a:endParaRPr lang="ko-KR" altLang="en-US"/>
           </a:p>
         </p:txBody>
       </p:sp>
@@ -999,7 +991,7 @@
           <a:p>
             <a:pPr lvl="0"/>
             <a:r>
-              <a:rPr lang="ko-KR" altLang="en-US" smtClean="0"/>
+              <a:rPr lang="ko-KR" altLang="en-US"/>
               <a:t>마스터 텍스트 스타일 편집</a:t>
             </a:r>
           </a:p>
@@ -1116,10 +1108,9 @@
           <a:lstStyle/>
           <a:p>
             <a:r>
-              <a:rPr lang="ko-KR" altLang="en-US" smtClean="0"/>
+              <a:rPr lang="ko-KR" altLang="en-US"/>
               <a:t>마스터 제목 스타일 편집</a:t>
             </a:r>
-            <a:endParaRPr lang="ko-KR" altLang="en-US"/>
           </a:p>
         </p:txBody>
       </p:sp>
@@ -1145,38 +1136,37 @@
           <a:p>
             <a:pPr lvl="0"/>
             <a:r>
-              <a:rPr lang="ko-KR" altLang="en-US" smtClean="0"/>
+              <a:rPr lang="ko-KR" altLang="en-US"/>
               <a:t>마스터 텍스트 스타일 편집</a:t>
             </a:r>
           </a:p>
           <a:p>
             <a:pPr lvl="1"/>
             <a:r>
-              <a:rPr lang="ko-KR" altLang="en-US" smtClean="0"/>
+              <a:rPr lang="ko-KR" altLang="en-US"/>
               <a:t>둘째 수준</a:t>
             </a:r>
           </a:p>
           <a:p>
             <a:pPr lvl="2"/>
             <a:r>
-              <a:rPr lang="ko-KR" altLang="en-US" smtClean="0"/>
+              <a:rPr lang="ko-KR" altLang="en-US"/>
               <a:t>셋째 수준</a:t>
             </a:r>
           </a:p>
           <a:p>
             <a:pPr lvl="3"/>
             <a:r>
-              <a:rPr lang="ko-KR" altLang="en-US" smtClean="0"/>
+              <a:rPr lang="ko-KR" altLang="en-US"/>
               <a:t>넷째 수준</a:t>
             </a:r>
           </a:p>
           <a:p>
             <a:pPr lvl="4"/>
             <a:r>
-              <a:rPr lang="ko-KR" altLang="en-US" smtClean="0"/>
+              <a:rPr lang="ko-KR" altLang="en-US"/>
               <a:t>다섯째 수준</a:t>
             </a:r>
-            <a:endParaRPr lang="ko-KR" altLang="en-US"/>
           </a:p>
         </p:txBody>
       </p:sp>
@@ -1202,38 +1192,37 @@
           <a:p>
             <a:pPr lvl="0"/>
             <a:r>
-              <a:rPr lang="ko-KR" altLang="en-US" smtClean="0"/>
+              <a:rPr lang="ko-KR" altLang="en-US"/>
               <a:t>마스터 텍스트 스타일 편집</a:t>
             </a:r>
           </a:p>
           <a:p>
             <a:pPr lvl="1"/>
             <a:r>
-              <a:rPr lang="ko-KR" altLang="en-US" smtClean="0"/>
+              <a:rPr lang="ko-KR" altLang="en-US"/>
               <a:t>둘째 수준</a:t>
             </a:r>
           </a:p>
           <a:p>
             <a:pPr lvl="2"/>
             <a:r>
-              <a:rPr lang="ko-KR" altLang="en-US" smtClean="0"/>
+              <a:rPr lang="ko-KR" altLang="en-US"/>
               <a:t>셋째 수준</a:t>
             </a:r>
           </a:p>
           <a:p>
             <a:pPr lvl="3"/>
             <a:r>
-              <a:rPr lang="ko-KR" altLang="en-US" smtClean="0"/>
+              <a:rPr lang="ko-KR" altLang="en-US"/>
               <a:t>넷째 수준</a:t>
             </a:r>
           </a:p>
           <a:p>
             <a:pPr lvl="4"/>
             <a:r>
-              <a:rPr lang="ko-KR" altLang="en-US" smtClean="0"/>
+              <a:rPr lang="ko-KR" altLang="en-US"/>
               <a:t>다섯째 수준</a:t>
             </a:r>
-            <a:endParaRPr lang="ko-KR" altLang="en-US"/>
           </a:p>
         </p:txBody>
       </p:sp>
@@ -1353,10 +1342,9 @@
           <a:lstStyle/>
           <a:p>
             <a:r>
-              <a:rPr lang="ko-KR" altLang="en-US" smtClean="0"/>
+              <a:rPr lang="ko-KR" altLang="en-US"/>
               <a:t>마스터 제목 스타일 편집</a:t>
             </a:r>
-            <a:endParaRPr lang="ko-KR" altLang="en-US"/>
           </a:p>
         </p:txBody>
       </p:sp>
@@ -1419,7 +1407,7 @@
           <a:p>
             <a:pPr lvl="0"/>
             <a:r>
-              <a:rPr lang="ko-KR" altLang="en-US" smtClean="0"/>
+              <a:rPr lang="ko-KR" altLang="en-US"/>
               <a:t>마스터 텍스트 스타일 편집</a:t>
             </a:r>
           </a:p>
@@ -1447,38 +1435,37 @@
           <a:p>
             <a:pPr lvl="0"/>
             <a:r>
-              <a:rPr lang="ko-KR" altLang="en-US" smtClean="0"/>
+              <a:rPr lang="ko-KR" altLang="en-US"/>
               <a:t>마스터 텍스트 스타일 편집</a:t>
             </a:r>
           </a:p>
           <a:p>
             <a:pPr lvl="1"/>
             <a:r>
-              <a:rPr lang="ko-KR" altLang="en-US" smtClean="0"/>
+              <a:rPr lang="ko-KR" altLang="en-US"/>
               <a:t>둘째 수준</a:t>
             </a:r>
           </a:p>
           <a:p>
             <a:pPr lvl="2"/>
             <a:r>
-              <a:rPr lang="ko-KR" altLang="en-US" smtClean="0"/>
+              <a:rPr lang="ko-KR" altLang="en-US"/>
               <a:t>셋째 수준</a:t>
             </a:r>
           </a:p>
           <a:p>
             <a:pPr lvl="3"/>
             <a:r>
-              <a:rPr lang="ko-KR" altLang="en-US" smtClean="0"/>
+              <a:rPr lang="ko-KR" altLang="en-US"/>
               <a:t>넷째 수준</a:t>
             </a:r>
           </a:p>
           <a:p>
             <a:pPr lvl="4"/>
             <a:r>
-              <a:rPr lang="ko-KR" altLang="en-US" smtClean="0"/>
+              <a:rPr lang="ko-KR" altLang="en-US"/>
               <a:t>다섯째 수준</a:t>
             </a:r>
-            <a:endParaRPr lang="ko-KR" altLang="en-US"/>
           </a:p>
         </p:txBody>
       </p:sp>
@@ -1541,7 +1528,7 @@
           <a:p>
             <a:pPr lvl="0"/>
             <a:r>
-              <a:rPr lang="ko-KR" altLang="en-US" smtClean="0"/>
+              <a:rPr lang="ko-KR" altLang="en-US"/>
               <a:t>마스터 텍스트 스타일 편집</a:t>
             </a:r>
           </a:p>
@@ -1569,38 +1556,37 @@
           <a:p>
             <a:pPr lvl="0"/>
             <a:r>
-              <a:rPr lang="ko-KR" altLang="en-US" smtClean="0"/>
+              <a:rPr lang="ko-KR" altLang="en-US"/>
               <a:t>마스터 텍스트 스타일 편집</a:t>
             </a:r>
           </a:p>
           <a:p>
             <a:pPr lvl="1"/>
             <a:r>
-              <a:rPr lang="ko-KR" altLang="en-US" smtClean="0"/>
+              <a:rPr lang="ko-KR" altLang="en-US"/>
               <a:t>둘째 수준</a:t>
             </a:r>
           </a:p>
           <a:p>
             <a:pPr lvl="2"/>
             <a:r>
-              <a:rPr lang="ko-KR" altLang="en-US" smtClean="0"/>
+              <a:rPr lang="ko-KR" altLang="en-US"/>
               <a:t>셋째 수준</a:t>
             </a:r>
           </a:p>
           <a:p>
             <a:pPr lvl="3"/>
             <a:r>
-              <a:rPr lang="ko-KR" altLang="en-US" smtClean="0"/>
+              <a:rPr lang="ko-KR" altLang="en-US"/>
               <a:t>넷째 수준</a:t>
             </a:r>
           </a:p>
           <a:p>
             <a:pPr lvl="4"/>
             <a:r>
-              <a:rPr lang="ko-KR" altLang="en-US" smtClean="0"/>
+              <a:rPr lang="ko-KR" altLang="en-US"/>
               <a:t>다섯째 수준</a:t>
             </a:r>
-            <a:endParaRPr lang="ko-KR" altLang="en-US"/>
           </a:p>
         </p:txBody>
       </p:sp>
@@ -1715,10 +1701,9 @@
           <a:lstStyle/>
           <a:p>
             <a:r>
-              <a:rPr lang="ko-KR" altLang="en-US" smtClean="0"/>
+              <a:rPr lang="ko-KR" altLang="en-US"/>
               <a:t>마스터 제목 스타일 편집</a:t>
             </a:r>
-            <a:endParaRPr lang="ko-KR" altLang="en-US"/>
           </a:p>
         </p:txBody>
       </p:sp>
@@ -1937,10 +1922,9 @@
           </a:lstStyle>
           <a:p>
             <a:r>
-              <a:rPr lang="ko-KR" altLang="en-US" smtClean="0"/>
+              <a:rPr lang="ko-KR" altLang="en-US"/>
               <a:t>마스터 제목 스타일 편집</a:t>
             </a:r>
-            <a:endParaRPr lang="ko-KR" altLang="en-US"/>
           </a:p>
         </p:txBody>
       </p:sp>
@@ -1994,38 +1978,37 @@
           <a:p>
             <a:pPr lvl="0"/>
             <a:r>
-              <a:rPr lang="ko-KR" altLang="en-US" smtClean="0"/>
+              <a:rPr lang="ko-KR" altLang="en-US"/>
               <a:t>마스터 텍스트 스타일 편집</a:t>
             </a:r>
           </a:p>
           <a:p>
             <a:pPr lvl="1"/>
             <a:r>
-              <a:rPr lang="ko-KR" altLang="en-US" smtClean="0"/>
+              <a:rPr lang="ko-KR" altLang="en-US"/>
               <a:t>둘째 수준</a:t>
             </a:r>
           </a:p>
           <a:p>
             <a:pPr lvl="2"/>
             <a:r>
-              <a:rPr lang="ko-KR" altLang="en-US" smtClean="0"/>
+              <a:rPr lang="ko-KR" altLang="en-US"/>
               <a:t>셋째 수준</a:t>
             </a:r>
           </a:p>
           <a:p>
             <a:pPr lvl="3"/>
             <a:r>
-              <a:rPr lang="ko-KR" altLang="en-US" smtClean="0"/>
+              <a:rPr lang="ko-KR" altLang="en-US"/>
               <a:t>넷째 수준</a:t>
             </a:r>
           </a:p>
           <a:p>
             <a:pPr lvl="4"/>
             <a:r>
-              <a:rPr lang="ko-KR" altLang="en-US" smtClean="0"/>
+              <a:rPr lang="ko-KR" altLang="en-US"/>
               <a:t>다섯째 수준</a:t>
             </a:r>
-            <a:endParaRPr lang="ko-KR" altLang="en-US"/>
           </a:p>
         </p:txBody>
       </p:sp>
@@ -2088,7 +2071,7 @@
           <a:p>
             <a:pPr lvl="0"/>
             <a:r>
-              <a:rPr lang="ko-KR" altLang="en-US" smtClean="0"/>
+              <a:rPr lang="ko-KR" altLang="en-US"/>
               <a:t>마스터 텍스트 스타일 편집</a:t>
             </a:r>
           </a:p>
@@ -2214,10 +2197,9 @@
           </a:lstStyle>
           <a:p>
             <a:r>
-              <a:rPr lang="ko-KR" altLang="en-US" smtClean="0"/>
+              <a:rPr lang="ko-KR" altLang="en-US"/>
               <a:t>마스터 제목 스타일 편집</a:t>
             </a:r>
-            <a:endParaRPr lang="ko-KR" altLang="en-US"/>
           </a:p>
         </p:txBody>
       </p:sp>
@@ -2341,7 +2323,7 @@
           <a:p>
             <a:pPr lvl="0"/>
             <a:r>
-              <a:rPr lang="ko-KR" altLang="en-US" smtClean="0"/>
+              <a:rPr lang="ko-KR" altLang="en-US"/>
               <a:t>마스터 텍스트 스타일 편집</a:t>
             </a:r>
           </a:p>
@@ -2473,10 +2455,9 @@
           <a:lstStyle/>
           <a:p>
             <a:r>
-              <a:rPr lang="ko-KR" altLang="en-US" smtClean="0"/>
+              <a:rPr lang="ko-KR" altLang="en-US"/>
               <a:t>마스터 제목 스타일 편집</a:t>
             </a:r>
-            <a:endParaRPr lang="ko-KR" altLang="en-US"/>
           </a:p>
         </p:txBody>
       </p:sp>
@@ -2507,38 +2488,37 @@
           <a:p>
             <a:pPr lvl="0"/>
             <a:r>
-              <a:rPr lang="ko-KR" altLang="en-US" smtClean="0"/>
+              <a:rPr lang="ko-KR" altLang="en-US"/>
               <a:t>마스터 텍스트 스타일 편집</a:t>
             </a:r>
           </a:p>
           <a:p>
             <a:pPr lvl="1"/>
             <a:r>
-              <a:rPr lang="ko-KR" altLang="en-US" smtClean="0"/>
+              <a:rPr lang="ko-KR" altLang="en-US"/>
               <a:t>둘째 수준</a:t>
             </a:r>
           </a:p>
           <a:p>
             <a:pPr lvl="2"/>
             <a:r>
-              <a:rPr lang="ko-KR" altLang="en-US" smtClean="0"/>
+              <a:rPr lang="ko-KR" altLang="en-US"/>
               <a:t>셋째 수준</a:t>
             </a:r>
           </a:p>
           <a:p>
             <a:pPr lvl="3"/>
             <a:r>
-              <a:rPr lang="ko-KR" altLang="en-US" smtClean="0"/>
+              <a:rPr lang="ko-KR" altLang="en-US"/>
               <a:t>넷째 수준</a:t>
             </a:r>
           </a:p>
           <a:p>
             <a:pPr lvl="4"/>
             <a:r>
-              <a:rPr lang="ko-KR" altLang="en-US" smtClean="0"/>
+              <a:rPr lang="ko-KR" altLang="en-US"/>
               <a:t>다섯째 수준</a:t>
             </a:r>
-            <a:endParaRPr lang="ko-KR" altLang="en-US"/>
           </a:p>
         </p:txBody>
       </p:sp>
@@ -3087,7 +3067,7 @@
           <a:p>
             <a:pPr algn="ctr"/>
             <a:r>
-              <a:rPr lang="ko-KR" altLang="en-US" sz="2400" b="1" dirty="0" smtClean="0">
+              <a:rPr lang="ko-KR" altLang="en-US" sz="2400" b="1" dirty="0">
                 <a:solidFill>
                   <a:srgbClr val="C53FFB"/>
                 </a:solidFill>
@@ -3107,52 +3087,13 @@
               <a:t> </a:t>
             </a:r>
             <a:r>
-              <a:rPr lang="ko-KR" altLang="en-US" sz="2400" b="1" dirty="0" smtClean="0">
+              <a:rPr lang="ko-KR" altLang="en-US" sz="2400" b="1" dirty="0">
                 <a:latin typeface="한컴 고딕" panose="02000500000000000000" pitchFamily="2" charset="-127"/>
                 <a:ea typeface="한컴 고딕" panose="02000500000000000000" pitchFamily="2" charset="-127"/>
               </a:rPr>
               <a:t>박가영</a:t>
             </a:r>
-            <a:endParaRPr lang="en-US" altLang="ko-KR" sz="2400" b="1" dirty="0" smtClean="0">
-              <a:latin typeface="한컴 고딕" panose="02000500000000000000" pitchFamily="2" charset="-127"/>
-              <a:ea typeface="한컴 고딕" panose="02000500000000000000" pitchFamily="2" charset="-127"/>
-            </a:endParaRPr>
-          </a:p>
-          <a:p>
-            <a:pPr algn="ctr"/>
-            <a:r>
-              <a:rPr lang="ko-KR" altLang="en-US" sz="2400" b="1" dirty="0" smtClean="0">
-                <a:solidFill>
-                  <a:schemeClr val="tx1">
-                    <a:lumMod val="50000"/>
-                    <a:lumOff val="50000"/>
-                  </a:schemeClr>
-                </a:solidFill>
-                <a:latin typeface="한컴 고딕" panose="02000500000000000000" pitchFamily="2" charset="-127"/>
-                <a:ea typeface="한컴 고딕" panose="02000500000000000000" pitchFamily="2" charset="-127"/>
-              </a:rPr>
-              <a:t>팀원</a:t>
-            </a:r>
-            <a:r>
-              <a:rPr lang="en-US" altLang="ko-KR" sz="2400" b="1" dirty="0">
-                <a:solidFill>
-                  <a:schemeClr val="bg2">
-                    <a:lumMod val="75000"/>
-                  </a:schemeClr>
-                </a:solidFill>
-                <a:latin typeface="한컴 고딕" panose="02000500000000000000" pitchFamily="2" charset="-127"/>
-                <a:ea typeface="한컴 고딕" panose="02000500000000000000" pitchFamily="2" charset="-127"/>
-              </a:rPr>
-              <a:t> </a:t>
-            </a:r>
-            <a:r>
-              <a:rPr lang="ko-KR" altLang="en-US" sz="2400" b="1" dirty="0" smtClean="0">
-                <a:latin typeface="한컴 고딕" panose="02000500000000000000" pitchFamily="2" charset="-127"/>
-                <a:ea typeface="한컴 고딕" panose="02000500000000000000" pitchFamily="2" charset="-127"/>
-              </a:rPr>
-              <a:t>김진우</a:t>
-            </a:r>
-            <a:endParaRPr lang="en-US" altLang="ko-KR" sz="2400" b="1" dirty="0" smtClean="0">
+            <a:endParaRPr lang="en-US" altLang="ko-KR" sz="2400" b="1" dirty="0">
               <a:latin typeface="한컴 고딕" panose="02000500000000000000" pitchFamily="2" charset="-127"/>
               <a:ea typeface="한컴 고딕" panose="02000500000000000000" pitchFamily="2" charset="-127"/>
             </a:endParaRPr>
@@ -3173,7 +3114,7 @@
               <a:t>팀원</a:t>
             </a:r>
             <a:r>
-              <a:rPr lang="en-US" altLang="ko-KR" sz="2400" b="1" dirty="0" smtClean="0">
+              <a:rPr lang="en-US" altLang="ko-KR" sz="2400" b="1" dirty="0">
                 <a:solidFill>
                   <a:schemeClr val="bg2">
                     <a:lumMod val="75000"/>
@@ -3185,13 +3126,13 @@
               <a:t> </a:t>
             </a:r>
             <a:r>
-              <a:rPr lang="ko-KR" altLang="en-US" sz="2400" b="1" dirty="0" smtClean="0">
+              <a:rPr lang="ko-KR" altLang="en-US" sz="2400" b="1" dirty="0">
                 <a:latin typeface="한컴 고딕" panose="02000500000000000000" pitchFamily="2" charset="-127"/>
                 <a:ea typeface="한컴 고딕" panose="02000500000000000000" pitchFamily="2" charset="-127"/>
               </a:rPr>
-              <a:t>이왕근</a:t>
-            </a:r>
-            <a:endParaRPr lang="en-US" altLang="ko-KR" sz="2400" b="1" dirty="0" smtClean="0">
+              <a:t>김진우</a:t>
+            </a:r>
+            <a:endParaRPr lang="en-US" altLang="ko-KR" sz="2400" b="1" dirty="0">
               <a:latin typeface="한컴 고딕" panose="02000500000000000000" pitchFamily="2" charset="-127"/>
               <a:ea typeface="한컴 고딕" panose="02000500000000000000" pitchFamily="2" charset="-127"/>
             </a:endParaRPr>
@@ -3212,7 +3153,7 @@
               <a:t>팀원</a:t>
             </a:r>
             <a:r>
-              <a:rPr lang="en-US" altLang="ko-KR" sz="2400" b="1" dirty="0" smtClean="0">
+              <a:rPr lang="en-US" altLang="ko-KR" sz="2400" b="1" dirty="0">
                 <a:solidFill>
                   <a:schemeClr val="bg2">
                     <a:lumMod val="75000"/>
@@ -3224,13 +3165,13 @@
               <a:t> </a:t>
             </a:r>
             <a:r>
-              <a:rPr lang="ko-KR" altLang="en-US" sz="2400" b="1" dirty="0" smtClean="0">
+              <a:rPr lang="ko-KR" altLang="en-US" sz="2400" b="1" dirty="0">
                 <a:latin typeface="한컴 고딕" panose="02000500000000000000" pitchFamily="2" charset="-127"/>
                 <a:ea typeface="한컴 고딕" panose="02000500000000000000" pitchFamily="2" charset="-127"/>
               </a:rPr>
-              <a:t>조광호</a:t>
-            </a:r>
-            <a:endParaRPr lang="en-US" altLang="ko-KR" sz="2400" b="1" dirty="0" smtClean="0">
+              <a:t>이왕근</a:t>
+            </a:r>
+            <a:endParaRPr lang="en-US" altLang="ko-KR" sz="2400" b="1" dirty="0">
               <a:latin typeface="한컴 고딕" panose="02000500000000000000" pitchFamily="2" charset="-127"/>
               <a:ea typeface="한컴 고딕" panose="02000500000000000000" pitchFamily="2" charset="-127"/>
             </a:endParaRPr>
@@ -3251,7 +3192,7 @@
               <a:t>팀원</a:t>
             </a:r>
             <a:r>
-              <a:rPr lang="en-US" altLang="ko-KR" sz="2400" b="1" dirty="0" smtClean="0">
+              <a:rPr lang="en-US" altLang="ko-KR" sz="2400" b="1" dirty="0">
                 <a:solidFill>
                   <a:schemeClr val="bg2">
                     <a:lumMod val="75000"/>
@@ -3263,16 +3204,51 @@
               <a:t> </a:t>
             </a:r>
             <a:r>
-              <a:rPr lang="ko-KR" altLang="en-US" sz="2400" b="1" dirty="0" smtClean="0">
+              <a:rPr lang="ko-KR" altLang="en-US" sz="2400" b="1" dirty="0">
+                <a:latin typeface="한컴 고딕" panose="02000500000000000000" pitchFamily="2" charset="-127"/>
+                <a:ea typeface="한컴 고딕" panose="02000500000000000000" pitchFamily="2" charset="-127"/>
+              </a:rPr>
+              <a:t>조광호</a:t>
+            </a:r>
+            <a:endParaRPr lang="en-US" altLang="ko-KR" sz="2400" b="1" dirty="0">
+              <a:latin typeface="한컴 고딕" panose="02000500000000000000" pitchFamily="2" charset="-127"/>
+              <a:ea typeface="한컴 고딕" panose="02000500000000000000" pitchFamily="2" charset="-127"/>
+            </a:endParaRPr>
+          </a:p>
+          <a:p>
+            <a:pPr algn="ctr"/>
+            <a:r>
+              <a:rPr lang="ko-KR" altLang="en-US" sz="2400" b="1" dirty="0">
+                <a:solidFill>
+                  <a:schemeClr val="tx1">
+                    <a:lumMod val="50000"/>
+                    <a:lumOff val="50000"/>
+                  </a:schemeClr>
+                </a:solidFill>
+                <a:latin typeface="한컴 고딕" panose="02000500000000000000" pitchFamily="2" charset="-127"/>
+                <a:ea typeface="한컴 고딕" panose="02000500000000000000" pitchFamily="2" charset="-127"/>
+              </a:rPr>
+              <a:t>팀원</a:t>
+            </a:r>
+            <a:r>
+              <a:rPr lang="en-US" altLang="ko-KR" sz="2400" b="1" dirty="0">
+                <a:solidFill>
+                  <a:schemeClr val="bg2">
+                    <a:lumMod val="75000"/>
+                  </a:schemeClr>
+                </a:solidFill>
+                <a:latin typeface="한컴 고딕" panose="02000500000000000000" pitchFamily="2" charset="-127"/>
+                <a:ea typeface="한컴 고딕" panose="02000500000000000000" pitchFamily="2" charset="-127"/>
+              </a:rPr>
+              <a:t> </a:t>
+            </a:r>
+            <a:r>
+              <a:rPr lang="ko-KR" altLang="en-US" sz="2400" b="1" dirty="0">
                 <a:latin typeface="한컴 고딕" panose="02000500000000000000" pitchFamily="2" charset="-127"/>
                 <a:ea typeface="한컴 고딕" panose="02000500000000000000" pitchFamily="2" charset="-127"/>
               </a:rPr>
               <a:t>조주영</a:t>
             </a:r>
-            <a:endParaRPr lang="ko-KR" altLang="en-US" sz="2400" b="1" dirty="0">
-              <a:latin typeface="한컴 고딕" panose="02000500000000000000" pitchFamily="2" charset="-127"/>
-              <a:ea typeface="한컴 고딕" panose="02000500000000000000" pitchFamily="2" charset="-127"/>
-            </a:endParaRPr>
           </a:p>
         </p:txBody>
       </p:sp>
@@ -3920,7 +3896,7 @@
           <a:p>
             <a:pPr algn="ctr"/>
             <a:r>
-              <a:rPr lang="en-US" altLang="ko-KR" sz="4400" b="1" dirty="0" smtClean="0">
+              <a:rPr lang="en-US" altLang="ko-KR" sz="4400" b="1" dirty="0">
                 <a:latin typeface="한컴 고딕" panose="02000500000000000000" pitchFamily="2" charset="-127"/>
                 <a:ea typeface="한컴 고딕" panose="02000500000000000000" pitchFamily="2" charset="-127"/>
                 <a:cs typeface="함초롬바탕" panose="02030604000101010101" pitchFamily="18" charset="-127"/>
@@ -3928,18 +3904,13 @@
               <a:t>Project </a:t>
             </a:r>
             <a:r>
-              <a:rPr lang="ko-KR" altLang="en-US" sz="4400" b="1" dirty="0" smtClean="0">
+              <a:rPr lang="ko-KR" altLang="en-US" sz="4400" b="1" dirty="0">
                 <a:latin typeface="한컴 고딕" panose="02000500000000000000" pitchFamily="2" charset="-127"/>
                 <a:ea typeface="한컴 고딕" panose="02000500000000000000" pitchFamily="2" charset="-127"/>
                 <a:cs typeface="함초롬바탕" panose="02030604000101010101" pitchFamily="18" charset="-127"/>
               </a:rPr>
               <a:t>발표 보고서</a:t>
             </a:r>
-            <a:endParaRPr lang="ko-KR" altLang="en-US" sz="4400" b="1" dirty="0">
-              <a:latin typeface="한컴 고딕" panose="02000500000000000000" pitchFamily="2" charset="-127"/>
-              <a:ea typeface="한컴 고딕" panose="02000500000000000000" pitchFamily="2" charset="-127"/>
-              <a:cs typeface="함초롬바탕" panose="02030604000101010101" pitchFamily="18" charset="-127"/>
-            </a:endParaRPr>
           </a:p>
         </p:txBody>
       </p:sp>
@@ -4167,37 +4138,114 @@
           <a:lstStyle/>
           <a:p>
             <a:r>
-              <a:rPr lang="ko-KR" altLang="en-US" sz="2400" b="1" dirty="0" smtClean="0"/>
-              <a:t>기능 소개</a:t>
-            </a:r>
-            <a:r>
-              <a:rPr lang="en-US" altLang="ko-KR" sz="2400" b="1" dirty="0" smtClean="0"/>
+              <a:rPr lang="ko-KR" altLang="en-US" sz="2400" b="1" dirty="0"/>
+              <a:t>기능 소개 </a:t>
+            </a:r>
+            <a:r>
+              <a:rPr lang="en-US" altLang="ko-KR" sz="2400" b="1" dirty="0"/>
               <a:t>(</a:t>
             </a:r>
             <a:r>
-              <a:rPr lang="ko-KR" altLang="en-US" sz="2400" b="1" dirty="0" smtClean="0"/>
-              <a:t>로그인</a:t>
-            </a:r>
-            <a:r>
-              <a:rPr lang="en-US" altLang="ko-KR" sz="2400" b="1" dirty="0" smtClean="0"/>
+              <a:rPr lang="ko-KR" altLang="en-US" sz="2400" b="1" dirty="0" err="1"/>
+              <a:t>메인페이지</a:t>
+            </a:r>
+            <a:r>
+              <a:rPr lang="en-US" altLang="ko-KR" sz="2400" b="1" dirty="0"/>
+              <a:t>)</a:t>
+            </a:r>
+            <a:endParaRPr lang="ko-KR" altLang="en-US" sz="2400" b="1" dirty="0"/>
+          </a:p>
+        </p:txBody>
+      </p:sp>
+      <p:sp>
+        <p:nvSpPr>
+          <p:cNvPr id="2" name="TextBox 1">
+            <a:extLst>
+              <a:ext uri="{FF2B5EF4-FFF2-40B4-BE49-F238E27FC236}">
+                <a16:creationId xmlns:a16="http://schemas.microsoft.com/office/drawing/2014/main" id="{34E44EBF-E512-E579-E3C2-0C849CB1344B}"/>
+              </a:ext>
+            </a:extLst>
+          </p:cNvPr>
+          <p:cNvSpPr txBox="1"/>
+          <p:nvPr/>
+        </p:nvSpPr>
+        <p:spPr>
+          <a:xfrm>
+            <a:off x="354214" y="1350800"/>
+            <a:ext cx="6936059" cy="369332"/>
+          </a:xfrm>
+          <a:prstGeom prst="rect">
+            <a:avLst/>
+          </a:prstGeom>
+          <a:noFill/>
+        </p:spPr>
+        <p:txBody>
+          <a:bodyPr wrap="square" rtlCol="0">
+            <a:spAutoFit/>
+          </a:bodyPr>
+          <a:lstStyle/>
+          <a:p>
+            <a:r>
+              <a:rPr lang="en-US" altLang="ko-KR" dirty="0">
+                <a:hlinkClick r:id="rId3"/>
+              </a:rPr>
+              <a:t>https://www.youtube.com/watch?v=6ejdPcCBYKQ</a:t>
+            </a:r>
+            <a:endParaRPr lang="en-US" altLang="ko-KR" dirty="0"/>
+          </a:p>
+        </p:txBody>
+      </p:sp>
+      <p:sp>
+        <p:nvSpPr>
+          <p:cNvPr id="5" name="TextBox 4">
+            <a:extLst>
+              <a:ext uri="{FF2B5EF4-FFF2-40B4-BE49-F238E27FC236}">
+                <a16:creationId xmlns:a16="http://schemas.microsoft.com/office/drawing/2014/main" id="{F5CBFCF7-C510-5581-ED51-300D7EFAF667}"/>
+              </a:ext>
+            </a:extLst>
+          </p:cNvPr>
+          <p:cNvSpPr txBox="1"/>
+          <p:nvPr/>
+        </p:nvSpPr>
+        <p:spPr>
+          <a:xfrm>
+            <a:off x="354214" y="981468"/>
+            <a:ext cx="5207620" cy="369332"/>
+          </a:xfrm>
+          <a:prstGeom prst="rect">
+            <a:avLst/>
+          </a:prstGeom>
+          <a:noFill/>
+        </p:spPr>
+        <p:txBody>
+          <a:bodyPr wrap="square" rtlCol="0">
+            <a:spAutoFit/>
+          </a:bodyPr>
+          <a:lstStyle/>
+          <a:p>
+            <a:pPr marL="285750" indent="-285750">
+              <a:buFont typeface="Arial" panose="020B0604020202020204" pitchFamily="34" charset="0"/>
+              <a:buChar char="•"/>
+            </a:pPr>
+            <a:r>
+              <a:rPr lang="ko-KR" altLang="en-US" dirty="0"/>
+              <a:t>게시글</a:t>
+            </a:r>
+            <a:r>
+              <a:rPr lang="en-US" altLang="ko-KR" dirty="0"/>
               <a:t>/</a:t>
             </a:r>
             <a:r>
-              <a:rPr lang="ko-KR" altLang="en-US" sz="2400" b="1" dirty="0" smtClean="0"/>
-              <a:t>회원가입</a:t>
-            </a:r>
-            <a:r>
-              <a:rPr lang="en-US" altLang="ko-KR" sz="2400" b="1" dirty="0" smtClean="0"/>
-              <a:t>)</a:t>
-            </a:r>
-            <a:endParaRPr lang="ko-KR" altLang="en-US" sz="2400" b="1" dirty="0"/>
+              <a:rPr lang="ko-KR" altLang="en-US" dirty="0"/>
+              <a:t>댓글 좋아요 등 부가적인 기능</a:t>
+            </a:r>
           </a:p>
         </p:txBody>
       </p:sp>
     </p:spTree>
     <p:extLst>
       <p:ext uri="{BB962C8B-B14F-4D97-AF65-F5344CB8AC3E}">
-        <p14:creationId xmlns:p14="http://schemas.microsoft.com/office/powerpoint/2010/main" val="2584986639"/>
+        <p14:creationId xmlns:p14="http://schemas.microsoft.com/office/powerpoint/2010/main" val="1218673670"/>
       </p:ext>
     </p:extLst>
   </p:cSld>
@@ -4323,37 +4371,134 @@
           <a:lstStyle/>
           <a:p>
             <a:r>
-              <a:rPr lang="ko-KR" altLang="en-US" sz="2400" b="1" dirty="0" smtClean="0"/>
-              <a:t>기능 소개</a:t>
-            </a:r>
-            <a:r>
-              <a:rPr lang="en-US" altLang="ko-KR" sz="2400" b="1" dirty="0" smtClean="0"/>
+              <a:rPr lang="ko-KR" altLang="en-US" sz="2400" b="1" dirty="0"/>
+              <a:t>기능 소개 </a:t>
+            </a:r>
+            <a:r>
+              <a:rPr lang="en-US" altLang="ko-KR" sz="2400" b="1" dirty="0"/>
               <a:t>(</a:t>
             </a:r>
             <a:r>
-              <a:rPr lang="ko-KR" altLang="en-US" sz="2400" b="1" dirty="0" smtClean="0"/>
-              <a:t>로그인</a:t>
-            </a:r>
-            <a:r>
-              <a:rPr lang="en-US" altLang="ko-KR" sz="2400" b="1" dirty="0" smtClean="0"/>
+              <a:rPr lang="ko-KR" altLang="en-US" sz="2400" b="1" dirty="0" err="1"/>
+              <a:t>파일업로드</a:t>
+            </a:r>
+            <a:r>
+              <a:rPr lang="ko-KR" altLang="en-US" sz="2400" b="1" dirty="0"/>
+              <a:t> </a:t>
+            </a:r>
+            <a:r>
+              <a:rPr lang="en-US" altLang="ko-KR" sz="2400" b="1" dirty="0"/>
+              <a:t>/ </a:t>
+            </a:r>
+            <a:r>
+              <a:rPr lang="ko-KR" altLang="en-US" sz="2400" b="1" dirty="0"/>
+              <a:t>채팅</a:t>
+            </a:r>
+            <a:r>
+              <a:rPr lang="en-US" altLang="ko-KR" sz="2400" b="1" dirty="0"/>
+              <a:t>)</a:t>
+            </a:r>
+            <a:endParaRPr lang="ko-KR" altLang="en-US" sz="2400" b="1" dirty="0"/>
+          </a:p>
+        </p:txBody>
+      </p:sp>
+      <p:sp>
+        <p:nvSpPr>
+          <p:cNvPr id="2" name="TextBox 1">
+            <a:extLst>
+              <a:ext uri="{FF2B5EF4-FFF2-40B4-BE49-F238E27FC236}">
+                <a16:creationId xmlns:a16="http://schemas.microsoft.com/office/drawing/2014/main" id="{34E44EBF-E512-E579-E3C2-0C849CB1344B}"/>
+              </a:ext>
+            </a:extLst>
+          </p:cNvPr>
+          <p:cNvSpPr txBox="1"/>
+          <p:nvPr/>
+        </p:nvSpPr>
+        <p:spPr>
+          <a:xfrm>
+            <a:off x="354214" y="1350800"/>
+            <a:ext cx="6936059" cy="369332"/>
+          </a:xfrm>
+          <a:prstGeom prst="rect">
+            <a:avLst/>
+          </a:prstGeom>
+          <a:noFill/>
+        </p:spPr>
+        <p:txBody>
+          <a:bodyPr wrap="square" rtlCol="0">
+            <a:spAutoFit/>
+          </a:bodyPr>
+          <a:lstStyle/>
+          <a:p>
+            <a:r>
+              <a:rPr lang="en-US" altLang="ko-KR" dirty="0">
+                <a:hlinkClick r:id="rId3"/>
+              </a:rPr>
+              <a:t>https://www.youtube.com/watch?v=6ejdPcCBYKQ</a:t>
+            </a:r>
+            <a:endParaRPr lang="en-US" altLang="ko-KR" dirty="0"/>
+          </a:p>
+        </p:txBody>
+      </p:sp>
+      <p:sp>
+        <p:nvSpPr>
+          <p:cNvPr id="5" name="TextBox 4">
+            <a:extLst>
+              <a:ext uri="{FF2B5EF4-FFF2-40B4-BE49-F238E27FC236}">
+                <a16:creationId xmlns:a16="http://schemas.microsoft.com/office/drawing/2014/main" id="{F5CBFCF7-C510-5581-ED51-300D7EFAF667}"/>
+              </a:ext>
+            </a:extLst>
+          </p:cNvPr>
+          <p:cNvSpPr txBox="1"/>
+          <p:nvPr/>
+        </p:nvSpPr>
+        <p:spPr>
+          <a:xfrm>
+            <a:off x="354214" y="981468"/>
+            <a:ext cx="5207620" cy="369332"/>
+          </a:xfrm>
+          <a:prstGeom prst="rect">
+            <a:avLst/>
+          </a:prstGeom>
+          <a:noFill/>
+        </p:spPr>
+        <p:txBody>
+          <a:bodyPr wrap="square" rtlCol="0">
+            <a:spAutoFit/>
+          </a:bodyPr>
+          <a:lstStyle/>
+          <a:p>
+            <a:pPr marL="285750" indent="-285750">
+              <a:buFont typeface="Arial" panose="020B0604020202020204" pitchFamily="34" charset="0"/>
+              <a:buChar char="•"/>
+            </a:pPr>
+            <a:r>
+              <a:rPr lang="ko-KR" altLang="en-US" dirty="0"/>
+              <a:t>이미지</a:t>
+            </a:r>
+            <a:r>
+              <a:rPr lang="en-US" altLang="ko-KR" dirty="0"/>
               <a:t>/</a:t>
             </a:r>
             <a:r>
-              <a:rPr lang="ko-KR" altLang="en-US" sz="2400" b="1" dirty="0" smtClean="0"/>
-              <a:t>회원가입</a:t>
-            </a:r>
-            <a:r>
-              <a:rPr lang="en-US" altLang="ko-KR" sz="2400" b="1" dirty="0" smtClean="0"/>
-              <a:t>)</a:t>
-            </a:r>
-            <a:endParaRPr lang="ko-KR" altLang="en-US" sz="2400" b="1" dirty="0"/>
+              <a:rPr lang="ko-KR" altLang="en-US" dirty="0"/>
+              <a:t>영상 업로드</a:t>
+            </a:r>
+            <a:r>
+              <a:rPr lang="en-US" altLang="ko-KR" dirty="0"/>
+              <a:t>, </a:t>
+            </a:r>
+            <a:r>
+              <a:rPr lang="ko-KR" altLang="en-US" dirty="0"/>
+              <a:t>채팅 기능</a:t>
+            </a:r>
           </a:p>
         </p:txBody>
       </p:sp>
     </p:spTree>
     <p:extLst>
       <p:ext uri="{BB962C8B-B14F-4D97-AF65-F5344CB8AC3E}">
-        <p14:creationId xmlns:p14="http://schemas.microsoft.com/office/powerpoint/2010/main" val="1816562471"/>
+        <p14:creationId xmlns:p14="http://schemas.microsoft.com/office/powerpoint/2010/main" val="2023932511"/>
       </p:ext>
     </p:extLst>
   </p:cSld>
@@ -4479,37 +4624,278 @@
           <a:lstStyle/>
           <a:p>
             <a:r>
-              <a:rPr lang="ko-KR" altLang="en-US" sz="2400" b="1" dirty="0" smtClean="0"/>
-              <a:t>기능 소개</a:t>
-            </a:r>
-            <a:r>
-              <a:rPr lang="en-US" altLang="ko-KR" sz="2400" b="1" dirty="0" smtClean="0"/>
+              <a:rPr lang="ko-KR" altLang="en-US" sz="2400" b="1" dirty="0"/>
+              <a:t>기능 소개 </a:t>
+            </a:r>
+            <a:r>
+              <a:rPr lang="en-US" altLang="ko-KR" sz="2400" b="1" dirty="0"/>
               <a:t>(</a:t>
             </a:r>
             <a:r>
-              <a:rPr lang="ko-KR" altLang="en-US" sz="2400" b="1" dirty="0" smtClean="0"/>
-              <a:t>로그인</a:t>
-            </a:r>
-            <a:r>
-              <a:rPr lang="en-US" altLang="ko-KR" sz="2400" b="1" dirty="0" smtClean="0"/>
-              <a:t>/</a:t>
-            </a:r>
-            <a:r>
-              <a:rPr lang="ko-KR" altLang="en-US" sz="2400" b="1" dirty="0" smtClean="0"/>
-              <a:t>회원가입</a:t>
-            </a:r>
-            <a:r>
-              <a:rPr lang="en-US" altLang="ko-KR" sz="2400" b="1" dirty="0" smtClean="0"/>
+              <a:rPr lang="ko-KR" altLang="en-US" sz="2400" b="1" dirty="0"/>
+              <a:t>프로필</a:t>
+            </a:r>
+            <a:r>
+              <a:rPr lang="en-US" altLang="ko-KR" sz="2400" b="1" dirty="0"/>
               <a:t>)</a:t>
             </a:r>
             <a:endParaRPr lang="ko-KR" altLang="en-US" sz="2400" b="1" dirty="0"/>
+          </a:p>
+        </p:txBody>
+      </p:sp>
+      <p:sp>
+        <p:nvSpPr>
+          <p:cNvPr id="2" name="TextBox 1">
+            <a:extLst>
+              <a:ext uri="{FF2B5EF4-FFF2-40B4-BE49-F238E27FC236}">
+                <a16:creationId xmlns:a16="http://schemas.microsoft.com/office/drawing/2014/main" id="{34E44EBF-E512-E579-E3C2-0C849CB1344B}"/>
+              </a:ext>
+            </a:extLst>
+          </p:cNvPr>
+          <p:cNvSpPr txBox="1"/>
+          <p:nvPr/>
+        </p:nvSpPr>
+        <p:spPr>
+          <a:xfrm>
+            <a:off x="354214" y="1350800"/>
+            <a:ext cx="6936059" cy="369332"/>
+          </a:xfrm>
+          <a:prstGeom prst="rect">
+            <a:avLst/>
+          </a:prstGeom>
+          <a:noFill/>
+        </p:spPr>
+        <p:txBody>
+          <a:bodyPr wrap="square" rtlCol="0">
+            <a:spAutoFit/>
+          </a:bodyPr>
+          <a:lstStyle/>
+          <a:p>
+            <a:r>
+              <a:rPr lang="en-US" altLang="ko-KR" dirty="0">
+                <a:hlinkClick r:id="rId3"/>
+              </a:rPr>
+              <a:t>https://www.youtube.com/watch?v=lPT6H191Z8k</a:t>
+            </a:r>
+            <a:r>
+              <a:rPr lang="en-US" altLang="ko-KR" dirty="0"/>
+              <a:t> </a:t>
+            </a:r>
+          </a:p>
+        </p:txBody>
+      </p:sp>
+      <p:sp>
+        <p:nvSpPr>
+          <p:cNvPr id="5" name="TextBox 4">
+            <a:extLst>
+              <a:ext uri="{FF2B5EF4-FFF2-40B4-BE49-F238E27FC236}">
+                <a16:creationId xmlns:a16="http://schemas.microsoft.com/office/drawing/2014/main" id="{F5CBFCF7-C510-5581-ED51-300D7EFAF667}"/>
+              </a:ext>
+            </a:extLst>
+          </p:cNvPr>
+          <p:cNvSpPr txBox="1"/>
+          <p:nvPr/>
+        </p:nvSpPr>
+        <p:spPr>
+          <a:xfrm>
+            <a:off x="354214" y="981468"/>
+            <a:ext cx="5207620" cy="369332"/>
+          </a:xfrm>
+          <a:prstGeom prst="rect">
+            <a:avLst/>
+          </a:prstGeom>
+          <a:noFill/>
+        </p:spPr>
+        <p:txBody>
+          <a:bodyPr wrap="square" rtlCol="0">
+            <a:spAutoFit/>
+          </a:bodyPr>
+          <a:lstStyle/>
+          <a:p>
+            <a:pPr marL="285750" indent="-285750">
+              <a:buFont typeface="Arial" panose="020B0604020202020204" pitchFamily="34" charset="0"/>
+              <a:buChar char="•"/>
+            </a:pPr>
+            <a:r>
+              <a:rPr lang="ko-KR" altLang="en-US" dirty="0" err="1"/>
+              <a:t>팔로잉</a:t>
+            </a:r>
+            <a:r>
+              <a:rPr lang="ko-KR" altLang="en-US" dirty="0"/>
+              <a:t> 기능 </a:t>
+            </a:r>
+            <a:r>
+              <a:rPr lang="en-US" altLang="ko-KR" dirty="0"/>
+              <a:t>(0:28~1:17)</a:t>
+            </a:r>
+            <a:endParaRPr lang="ko-KR" altLang="en-US" dirty="0"/>
+          </a:p>
+        </p:txBody>
+      </p:sp>
+      <p:sp>
+        <p:nvSpPr>
+          <p:cNvPr id="4" name="TextBox 3">
+            <a:extLst>
+              <a:ext uri="{FF2B5EF4-FFF2-40B4-BE49-F238E27FC236}">
+                <a16:creationId xmlns:a16="http://schemas.microsoft.com/office/drawing/2014/main" id="{5D85A19F-D592-6A5D-94E5-C112A082E392}"/>
+              </a:ext>
+            </a:extLst>
+          </p:cNvPr>
+          <p:cNvSpPr txBox="1"/>
+          <p:nvPr/>
+        </p:nvSpPr>
+        <p:spPr>
+          <a:xfrm>
+            <a:off x="354214" y="2526024"/>
+            <a:ext cx="6936059" cy="369332"/>
+          </a:xfrm>
+          <a:prstGeom prst="rect">
+            <a:avLst/>
+          </a:prstGeom>
+          <a:noFill/>
+        </p:spPr>
+        <p:txBody>
+          <a:bodyPr wrap="square" rtlCol="0">
+            <a:spAutoFit/>
+          </a:bodyPr>
+          <a:lstStyle/>
+          <a:p>
+            <a:r>
+              <a:rPr lang="en-US" altLang="ko-KR" dirty="0">
+                <a:hlinkClick r:id="rId4"/>
+              </a:rPr>
+              <a:t>https://www.youtube.com/watch?v=jhsuwJSzvpA</a:t>
+            </a:r>
+            <a:r>
+              <a:rPr lang="en-US" altLang="ko-KR" dirty="0"/>
+              <a:t> </a:t>
+            </a:r>
+          </a:p>
+        </p:txBody>
+      </p:sp>
+      <p:sp>
+        <p:nvSpPr>
+          <p:cNvPr id="6" name="TextBox 5">
+            <a:extLst>
+              <a:ext uri="{FF2B5EF4-FFF2-40B4-BE49-F238E27FC236}">
+                <a16:creationId xmlns:a16="http://schemas.microsoft.com/office/drawing/2014/main" id="{A7B756D9-6EDC-3BFC-F4F5-4054ED78221C}"/>
+              </a:ext>
+            </a:extLst>
+          </p:cNvPr>
+          <p:cNvSpPr txBox="1"/>
+          <p:nvPr/>
+        </p:nvSpPr>
+        <p:spPr>
+          <a:xfrm>
+            <a:off x="354214" y="2156692"/>
+            <a:ext cx="5207620" cy="369332"/>
+          </a:xfrm>
+          <a:prstGeom prst="rect">
+            <a:avLst/>
+          </a:prstGeom>
+          <a:noFill/>
+        </p:spPr>
+        <p:txBody>
+          <a:bodyPr wrap="square" rtlCol="0">
+            <a:spAutoFit/>
+          </a:bodyPr>
+          <a:lstStyle/>
+          <a:p>
+            <a:pPr marL="285750" indent="-285750">
+              <a:buFont typeface="Arial" panose="020B0604020202020204" pitchFamily="34" charset="0"/>
+              <a:buChar char="•"/>
+            </a:pPr>
+            <a:r>
+              <a:rPr lang="ko-KR" altLang="en-US" dirty="0"/>
+              <a:t>마이페이지 정보 수정</a:t>
+            </a:r>
+          </a:p>
+        </p:txBody>
+      </p:sp>
+      <p:sp>
+        <p:nvSpPr>
+          <p:cNvPr id="7" name="TextBox 6">
+            <a:extLst>
+              <a:ext uri="{FF2B5EF4-FFF2-40B4-BE49-F238E27FC236}">
+                <a16:creationId xmlns:a16="http://schemas.microsoft.com/office/drawing/2014/main" id="{63DFEEB0-4ED2-4B0A-49F6-678A1B1B9438}"/>
+              </a:ext>
+            </a:extLst>
+          </p:cNvPr>
+          <p:cNvSpPr txBox="1"/>
+          <p:nvPr/>
+        </p:nvSpPr>
+        <p:spPr>
+          <a:xfrm>
+            <a:off x="354214" y="3707334"/>
+            <a:ext cx="6936059" cy="369332"/>
+          </a:xfrm>
+          <a:prstGeom prst="rect">
+            <a:avLst/>
+          </a:prstGeom>
+          <a:noFill/>
+        </p:spPr>
+        <p:txBody>
+          <a:bodyPr wrap="square" rtlCol="0">
+            <a:spAutoFit/>
+          </a:bodyPr>
+          <a:lstStyle/>
+          <a:p>
+            <a:r>
+              <a:rPr lang="en-US" altLang="ko-KR" dirty="0">
+                <a:hlinkClick r:id="rId5"/>
+              </a:rPr>
+              <a:t>https://www.youtube.com/watch?v=r5VLF3VY3Dg</a:t>
+            </a:r>
+            <a:r>
+              <a:rPr lang="en-US" altLang="ko-KR" dirty="0"/>
+              <a:t> </a:t>
+            </a:r>
+          </a:p>
+        </p:txBody>
+      </p:sp>
+      <p:sp>
+        <p:nvSpPr>
+          <p:cNvPr id="8" name="TextBox 7">
+            <a:extLst>
+              <a:ext uri="{FF2B5EF4-FFF2-40B4-BE49-F238E27FC236}">
+                <a16:creationId xmlns:a16="http://schemas.microsoft.com/office/drawing/2014/main" id="{FB02FCA1-BCA3-BA4B-0336-7EE9D8F9B1F3}"/>
+              </a:ext>
+            </a:extLst>
+          </p:cNvPr>
+          <p:cNvSpPr txBox="1"/>
+          <p:nvPr/>
+        </p:nvSpPr>
+        <p:spPr>
+          <a:xfrm>
+            <a:off x="354214" y="3338002"/>
+            <a:ext cx="5207620" cy="369332"/>
+          </a:xfrm>
+          <a:prstGeom prst="rect">
+            <a:avLst/>
+          </a:prstGeom>
+          <a:noFill/>
+        </p:spPr>
+        <p:txBody>
+          <a:bodyPr wrap="square" rtlCol="0">
+            <a:spAutoFit/>
+          </a:bodyPr>
+          <a:lstStyle/>
+          <a:p>
+            <a:pPr marL="285750" indent="-285750">
+              <a:buFont typeface="Arial" panose="020B0604020202020204" pitchFamily="34" charset="0"/>
+              <a:buChar char="•"/>
+            </a:pPr>
+            <a:r>
+              <a:rPr lang="ko-KR" altLang="en-US" dirty="0"/>
+              <a:t>비밀번호 변경</a:t>
+            </a:r>
           </a:p>
         </p:txBody>
       </p:sp>
     </p:spTree>
     <p:extLst>
       <p:ext uri="{BB962C8B-B14F-4D97-AF65-F5344CB8AC3E}">
-        <p14:creationId xmlns:p14="http://schemas.microsoft.com/office/powerpoint/2010/main" val="621292575"/>
+        <p14:creationId xmlns:p14="http://schemas.microsoft.com/office/powerpoint/2010/main" val="1465188087"/>
       </p:ext>
     </p:extLst>
   </p:cSld>
@@ -4635,13 +5021,42 @@
           <a:lstStyle/>
           <a:p>
             <a:r>
-              <a:rPr lang="ko-KR" altLang="en-US" sz="2400" b="1" dirty="0" smtClean="0"/>
+              <a:rPr lang="ko-KR" altLang="en-US" sz="2400" b="1" dirty="0"/>
               <a:t>소감</a:t>
             </a:r>
-            <a:endParaRPr lang="ko-KR" altLang="en-US" sz="2400" b="1" dirty="0"/>
           </a:p>
         </p:txBody>
       </p:sp>
+      <p:pic>
+        <p:nvPicPr>
+          <p:cNvPr id="6" name="그림 5">
+            <a:extLst>
+              <a:ext uri="{FF2B5EF4-FFF2-40B4-BE49-F238E27FC236}">
+                <a16:creationId xmlns:a16="http://schemas.microsoft.com/office/drawing/2014/main" id="{99191999-AB64-D95D-C2DA-258384E4545B}"/>
+              </a:ext>
+            </a:extLst>
+          </p:cNvPr>
+          <p:cNvPicPr>
+            <a:picLocks noChangeAspect="1"/>
+          </p:cNvPicPr>
+          <p:nvPr/>
+        </p:nvPicPr>
+        <p:blipFill>
+          <a:blip r:embed="rId3"/>
+          <a:stretch>
+            <a:fillRect/>
+          </a:stretch>
+        </p:blipFill>
+        <p:spPr>
+          <a:xfrm>
+            <a:off x="3111600" y="835434"/>
+            <a:ext cx="5968800" cy="5773812"/>
+          </a:xfrm>
+          <a:prstGeom prst="rect">
+            <a:avLst/>
+          </a:prstGeom>
+        </p:spPr>
+      </p:pic>
     </p:spTree>
     <p:extLst>
       <p:ext uri="{BB962C8B-B14F-4D97-AF65-F5344CB8AC3E}">
@@ -4652,10 +5067,918 @@
   <p:clrMapOvr>
     <a:masterClrMapping/>
   </p:clrMapOvr>
+  <p:timing>
+    <p:tnLst>
+      <p:par>
+        <p:cTn id="1" dur="indefinite" restart="never" nodeType="tmRoot">
+          <p:childTnLst>
+            <p:seq concurrent="1" nextAc="seek">
+              <p:cTn id="2" dur="indefinite" nodeType="mainSeq">
+                <p:childTnLst>
+                  <p:par>
+                    <p:cTn id="3" fill="hold">
+                      <p:stCondLst>
+                        <p:cond delay="indefinite"/>
+                      </p:stCondLst>
+                      <p:childTnLst>
+                        <p:par>
+                          <p:cTn id="4" fill="hold">
+                            <p:stCondLst>
+                              <p:cond delay="0"/>
+                            </p:stCondLst>
+                            <p:childTnLst>
+                              <p:par>
+                                <p:cTn id="5" presetID="42" presetClass="entr" presetSubtype="0" fill="hold" nodeType="clickEffect">
+                                  <p:stCondLst>
+                                    <p:cond delay="0"/>
+                                  </p:stCondLst>
+                                  <p:childTnLst>
+                                    <p:set>
+                                      <p:cBhvr>
+                                        <p:cTn id="6" dur="1" fill="hold">
+                                          <p:stCondLst>
+                                            <p:cond delay="0"/>
+                                          </p:stCondLst>
+                                        </p:cTn>
+                                        <p:tgtEl>
+                                          <p:spTgt spid="6"/>
+                                        </p:tgtEl>
+                                        <p:attrNameLst>
+                                          <p:attrName>style.visibility</p:attrName>
+                                        </p:attrNameLst>
+                                      </p:cBhvr>
+                                      <p:to>
+                                        <p:strVal val="visible"/>
+                                      </p:to>
+                                    </p:set>
+                                    <p:animEffect transition="in" filter="fade">
+                                      <p:cBhvr>
+                                        <p:cTn id="7" dur="1000"/>
+                                        <p:tgtEl>
+                                          <p:spTgt spid="6"/>
+                                        </p:tgtEl>
+                                      </p:cBhvr>
+                                    </p:animEffect>
+                                    <p:anim calcmode="lin" valueType="num">
+                                      <p:cBhvr>
+                                        <p:cTn id="8" dur="1000" fill="hold"/>
+                                        <p:tgtEl>
+                                          <p:spTgt spid="6"/>
+                                        </p:tgtEl>
+                                        <p:attrNameLst>
+                                          <p:attrName>ppt_x</p:attrName>
+                                        </p:attrNameLst>
+                                      </p:cBhvr>
+                                      <p:tavLst>
+                                        <p:tav tm="0">
+                                          <p:val>
+                                            <p:strVal val="#ppt_x"/>
+                                          </p:val>
+                                        </p:tav>
+                                        <p:tav tm="100000">
+                                          <p:val>
+                                            <p:strVal val="#ppt_x"/>
+                                          </p:val>
+                                        </p:tav>
+                                      </p:tavLst>
+                                    </p:anim>
+                                    <p:anim calcmode="lin" valueType="num">
+                                      <p:cBhvr>
+                                        <p:cTn id="9" dur="1000" fill="hold"/>
+                                        <p:tgtEl>
+                                          <p:spTgt spid="6"/>
+                                        </p:tgtEl>
+                                        <p:attrNameLst>
+                                          <p:attrName>ppt_y</p:attrName>
+                                        </p:attrNameLst>
+                                      </p:cBhvr>
+                                      <p:tavLst>
+                                        <p:tav tm="0">
+                                          <p:val>
+                                            <p:strVal val="#ppt_y+.1"/>
+                                          </p:val>
+                                        </p:tav>
+                                        <p:tav tm="100000">
+                                          <p:val>
+                                            <p:strVal val="#ppt_y"/>
+                                          </p:val>
+                                        </p:tav>
+                                      </p:tavLst>
+                                    </p:anim>
+                                  </p:childTnLst>
+                                </p:cTn>
+                              </p:par>
+                            </p:childTnLst>
+                          </p:cTn>
+                        </p:par>
+                      </p:childTnLst>
+                    </p:cTn>
+                  </p:par>
+                </p:childTnLst>
+              </p:cTn>
+              <p:prevCondLst>
+                <p:cond evt="onPrev" delay="0">
+                  <p:tgtEl>
+                    <p:sldTgt/>
+                  </p:tgtEl>
+                </p:cond>
+              </p:prevCondLst>
+              <p:nextCondLst>
+                <p:cond evt="onNext" delay="0">
+                  <p:tgtEl>
+                    <p:sldTgt/>
+                  </p:tgtEl>
+                </p:cond>
+              </p:nextCondLst>
+            </p:seq>
+          </p:childTnLst>
+        </p:cTn>
+      </p:par>
+    </p:tnLst>
+  </p:timing>
 </p:sld>
 </file>
 
 <file path=ppt/slides/slide14.xml><?xml version="1.0" encoding="utf-8"?>
+<p:sld xmlns:a="http://schemas.openxmlformats.org/drawingml/2006/main" xmlns:r="http://schemas.openxmlformats.org/officeDocument/2006/relationships" xmlns:p="http://schemas.openxmlformats.org/presentationml/2006/main">
+  <p:cSld>
+    <p:bg>
+      <p:bgPr>
+        <a:solidFill>
+          <a:srgbClr val="FAFAFA"/>
+        </a:solidFill>
+        <a:effectLst/>
+      </p:bgPr>
+    </p:bg>
+    <p:spTree>
+      <p:nvGrpSpPr>
+        <p:cNvPr id="1" name=""/>
+        <p:cNvGrpSpPr/>
+        <p:nvPr/>
+      </p:nvGrpSpPr>
+      <p:grpSpPr>
+        <a:xfrm>
+          <a:off x="0" y="0"/>
+          <a:ext cx="0" cy="0"/>
+          <a:chOff x="0" y="0"/>
+          <a:chExt cx="0" cy="0"/>
+        </a:xfrm>
+      </p:grpSpPr>
+      <p:sp>
+        <p:nvSpPr>
+          <p:cNvPr id="27" name="직사각형 26"/>
+          <p:cNvSpPr/>
+          <p:nvPr/>
+        </p:nvSpPr>
+        <p:spPr>
+          <a:xfrm>
+            <a:off x="52831" y="0"/>
+            <a:ext cx="12112754" cy="6858000"/>
+          </a:xfrm>
+          <a:prstGeom prst="rect">
+            <a:avLst/>
+          </a:prstGeom>
+          <a:solidFill>
+            <a:srgbClr val="F4F4F6"/>
+          </a:solidFill>
+          <a:ln>
+            <a:noFill/>
+          </a:ln>
+        </p:spPr>
+        <p:style>
+          <a:lnRef idx="2">
+            <a:schemeClr val="accent1">
+              <a:shade val="50000"/>
+            </a:schemeClr>
+          </a:lnRef>
+          <a:fillRef idx="1">
+            <a:schemeClr val="accent1"/>
+          </a:fillRef>
+          <a:effectRef idx="0">
+            <a:schemeClr val="accent1"/>
+          </a:effectRef>
+          <a:fontRef idx="minor">
+            <a:schemeClr val="lt1"/>
+          </a:fontRef>
+        </p:style>
+        <p:txBody>
+          <a:bodyPr rtlCol="0" anchor="ctr"/>
+          <a:lstStyle/>
+          <a:p>
+            <a:pPr algn="ctr"/>
+            <a:endParaRPr lang="ko-KR" altLang="en-US"/>
+          </a:p>
+        </p:txBody>
+      </p:sp>
+      <p:grpSp>
+        <p:nvGrpSpPr>
+          <p:cNvPr id="18" name="그룹 17"/>
+          <p:cNvGrpSpPr/>
+          <p:nvPr/>
+        </p:nvGrpSpPr>
+        <p:grpSpPr>
+          <a:xfrm>
+            <a:off x="0" y="0"/>
+            <a:ext cx="12192000" cy="49064"/>
+            <a:chOff x="448542" y="212841"/>
+            <a:chExt cx="11301939" cy="116627"/>
+          </a:xfrm>
+        </p:grpSpPr>
+        <p:sp>
+          <p:nvSpPr>
+            <p:cNvPr id="19" name="직사각형 18"/>
+            <p:cNvSpPr/>
+            <p:nvPr/>
+          </p:nvSpPr>
+          <p:spPr>
+            <a:xfrm>
+              <a:off x="5848482" y="212841"/>
+              <a:ext cx="5901999" cy="116627"/>
+            </a:xfrm>
+            <a:prstGeom prst="rect">
+              <a:avLst/>
+            </a:prstGeom>
+            <a:gradFill flip="none" rotWithShape="1">
+              <a:gsLst>
+                <a:gs pos="0">
+                  <a:srgbClr val="CBA9E5"/>
+                </a:gs>
+                <a:gs pos="32000">
+                  <a:srgbClr val="C53FFB"/>
+                </a:gs>
+                <a:gs pos="60000">
+                  <a:schemeClr val="accent4"/>
+                </a:gs>
+                <a:gs pos="83000">
+                  <a:srgbClr val="F7F9A9"/>
+                </a:gs>
+                <a:gs pos="100000">
+                  <a:schemeClr val="bg1">
+                    <a:lumMod val="72000"/>
+                    <a:lumOff val="28000"/>
+                  </a:schemeClr>
+                </a:gs>
+              </a:gsLst>
+              <a:lin ang="10800000" scaled="1"/>
+              <a:tileRect/>
+            </a:gradFill>
+            <a:ln>
+              <a:noFill/>
+            </a:ln>
+          </p:spPr>
+          <p:style>
+            <a:lnRef idx="2">
+              <a:schemeClr val="accent1">
+                <a:shade val="50000"/>
+              </a:schemeClr>
+            </a:lnRef>
+            <a:fillRef idx="1">
+              <a:schemeClr val="accent1"/>
+            </a:fillRef>
+            <a:effectRef idx="0">
+              <a:schemeClr val="accent1"/>
+            </a:effectRef>
+            <a:fontRef idx="minor">
+              <a:schemeClr val="lt1"/>
+            </a:fontRef>
+          </p:style>
+          <p:txBody>
+            <a:bodyPr rtlCol="0" anchor="ctr"/>
+            <a:lstStyle/>
+            <a:p>
+              <a:pPr algn="ctr"/>
+              <a:endParaRPr lang="ko-KR" altLang="en-US"/>
+            </a:p>
+          </p:txBody>
+        </p:sp>
+        <p:sp>
+          <p:nvSpPr>
+            <p:cNvPr id="20" name="직사각형 19"/>
+            <p:cNvSpPr/>
+            <p:nvPr/>
+          </p:nvSpPr>
+          <p:spPr>
+            <a:xfrm>
+              <a:off x="448542" y="212841"/>
+              <a:ext cx="5901999" cy="116627"/>
+            </a:xfrm>
+            <a:prstGeom prst="rect">
+              <a:avLst/>
+            </a:prstGeom>
+            <a:gradFill flip="none" rotWithShape="1">
+              <a:gsLst>
+                <a:gs pos="0">
+                  <a:schemeClr val="accent4">
+                    <a:lumMod val="20000"/>
+                    <a:lumOff val="80000"/>
+                  </a:schemeClr>
+                </a:gs>
+                <a:gs pos="22000">
+                  <a:srgbClr val="CBA9E5"/>
+                </a:gs>
+                <a:gs pos="43000">
+                  <a:srgbClr val="C53FFB"/>
+                </a:gs>
+                <a:gs pos="60000">
+                  <a:schemeClr val="accent4"/>
+                </a:gs>
+                <a:gs pos="83000">
+                  <a:srgbClr val="F7F9A9"/>
+                </a:gs>
+                <a:gs pos="100000">
+                  <a:schemeClr val="bg1">
+                    <a:lumMod val="72000"/>
+                    <a:lumOff val="28000"/>
+                  </a:schemeClr>
+                </a:gs>
+              </a:gsLst>
+              <a:lin ang="10800000" scaled="1"/>
+              <a:tileRect/>
+            </a:gradFill>
+            <a:ln>
+              <a:noFill/>
+            </a:ln>
+          </p:spPr>
+          <p:style>
+            <a:lnRef idx="2">
+              <a:schemeClr val="accent1">
+                <a:shade val="50000"/>
+              </a:schemeClr>
+            </a:lnRef>
+            <a:fillRef idx="1">
+              <a:schemeClr val="accent1"/>
+            </a:fillRef>
+            <a:effectRef idx="0">
+              <a:schemeClr val="accent1"/>
+            </a:effectRef>
+            <a:fontRef idx="minor">
+              <a:schemeClr val="lt1"/>
+            </a:fontRef>
+          </p:style>
+          <p:txBody>
+            <a:bodyPr rtlCol="0" anchor="ctr"/>
+            <a:lstStyle/>
+            <a:p>
+              <a:pPr algn="ctr"/>
+              <a:endParaRPr lang="ko-KR" altLang="en-US"/>
+            </a:p>
+          </p:txBody>
+        </p:sp>
+      </p:grpSp>
+      <p:grpSp>
+        <p:nvGrpSpPr>
+          <p:cNvPr id="24" name="그룹 23"/>
+          <p:cNvGrpSpPr/>
+          <p:nvPr/>
+        </p:nvGrpSpPr>
+        <p:grpSpPr>
+          <a:xfrm>
+            <a:off x="0" y="6803056"/>
+            <a:ext cx="12192000" cy="49064"/>
+            <a:chOff x="448542" y="212841"/>
+            <a:chExt cx="11301939" cy="116627"/>
+          </a:xfrm>
+        </p:grpSpPr>
+        <p:sp>
+          <p:nvSpPr>
+            <p:cNvPr id="25" name="직사각형 24"/>
+            <p:cNvSpPr/>
+            <p:nvPr/>
+          </p:nvSpPr>
+          <p:spPr>
+            <a:xfrm>
+              <a:off x="5848482" y="212841"/>
+              <a:ext cx="5901999" cy="116627"/>
+            </a:xfrm>
+            <a:prstGeom prst="rect">
+              <a:avLst/>
+            </a:prstGeom>
+            <a:gradFill flip="none" rotWithShape="1">
+              <a:gsLst>
+                <a:gs pos="0">
+                  <a:srgbClr val="CBA9E5"/>
+                </a:gs>
+                <a:gs pos="32000">
+                  <a:srgbClr val="C53FFB"/>
+                </a:gs>
+                <a:gs pos="60000">
+                  <a:schemeClr val="accent4"/>
+                </a:gs>
+                <a:gs pos="83000">
+                  <a:srgbClr val="F7F9A9"/>
+                </a:gs>
+                <a:gs pos="100000">
+                  <a:schemeClr val="bg1">
+                    <a:lumMod val="72000"/>
+                    <a:lumOff val="28000"/>
+                  </a:schemeClr>
+                </a:gs>
+              </a:gsLst>
+              <a:lin ang="10800000" scaled="1"/>
+              <a:tileRect/>
+            </a:gradFill>
+            <a:ln>
+              <a:noFill/>
+            </a:ln>
+          </p:spPr>
+          <p:style>
+            <a:lnRef idx="2">
+              <a:schemeClr val="accent1">
+                <a:shade val="50000"/>
+              </a:schemeClr>
+            </a:lnRef>
+            <a:fillRef idx="1">
+              <a:schemeClr val="accent1"/>
+            </a:fillRef>
+            <a:effectRef idx="0">
+              <a:schemeClr val="accent1"/>
+            </a:effectRef>
+            <a:fontRef idx="minor">
+              <a:schemeClr val="lt1"/>
+            </a:fontRef>
+          </p:style>
+          <p:txBody>
+            <a:bodyPr rtlCol="0" anchor="ctr"/>
+            <a:lstStyle/>
+            <a:p>
+              <a:pPr algn="ctr"/>
+              <a:endParaRPr lang="ko-KR" altLang="en-US"/>
+            </a:p>
+          </p:txBody>
+        </p:sp>
+        <p:sp>
+          <p:nvSpPr>
+            <p:cNvPr id="26" name="직사각형 25"/>
+            <p:cNvSpPr/>
+            <p:nvPr/>
+          </p:nvSpPr>
+          <p:spPr>
+            <a:xfrm>
+              <a:off x="448542" y="212841"/>
+              <a:ext cx="5901999" cy="116627"/>
+            </a:xfrm>
+            <a:prstGeom prst="rect">
+              <a:avLst/>
+            </a:prstGeom>
+            <a:gradFill flip="none" rotWithShape="1">
+              <a:gsLst>
+                <a:gs pos="0">
+                  <a:schemeClr val="accent4">
+                    <a:lumMod val="20000"/>
+                    <a:lumOff val="80000"/>
+                  </a:schemeClr>
+                </a:gs>
+                <a:gs pos="22000">
+                  <a:srgbClr val="CBA9E5"/>
+                </a:gs>
+                <a:gs pos="43000">
+                  <a:srgbClr val="C53FFB"/>
+                </a:gs>
+                <a:gs pos="60000">
+                  <a:schemeClr val="accent4"/>
+                </a:gs>
+                <a:gs pos="83000">
+                  <a:srgbClr val="F7F9A9"/>
+                </a:gs>
+                <a:gs pos="100000">
+                  <a:schemeClr val="bg1">
+                    <a:lumMod val="72000"/>
+                    <a:lumOff val="28000"/>
+                  </a:schemeClr>
+                </a:gs>
+              </a:gsLst>
+              <a:lin ang="10800000" scaled="1"/>
+              <a:tileRect/>
+            </a:gradFill>
+            <a:ln>
+              <a:noFill/>
+            </a:ln>
+          </p:spPr>
+          <p:style>
+            <a:lnRef idx="2">
+              <a:schemeClr val="accent1">
+                <a:shade val="50000"/>
+              </a:schemeClr>
+            </a:lnRef>
+            <a:fillRef idx="1">
+              <a:schemeClr val="accent1"/>
+            </a:fillRef>
+            <a:effectRef idx="0">
+              <a:schemeClr val="accent1"/>
+            </a:effectRef>
+            <a:fontRef idx="minor">
+              <a:schemeClr val="lt1"/>
+            </a:fontRef>
+          </p:style>
+          <p:txBody>
+            <a:bodyPr rtlCol="0" anchor="ctr"/>
+            <a:lstStyle/>
+            <a:p>
+              <a:pPr algn="ctr"/>
+              <a:endParaRPr lang="ko-KR" altLang="en-US"/>
+            </a:p>
+          </p:txBody>
+        </p:sp>
+      </p:grpSp>
+      <p:grpSp>
+        <p:nvGrpSpPr>
+          <p:cNvPr id="28" name="그룹 27"/>
+          <p:cNvGrpSpPr/>
+          <p:nvPr/>
+        </p:nvGrpSpPr>
+        <p:grpSpPr>
+          <a:xfrm rot="5400000" flipV="1">
+            <a:off x="-3277339" y="3521950"/>
+            <a:ext cx="6607508" cy="52830"/>
+            <a:chOff x="448542" y="212841"/>
+            <a:chExt cx="11301939" cy="116627"/>
+          </a:xfrm>
+        </p:grpSpPr>
+        <p:sp>
+          <p:nvSpPr>
+            <p:cNvPr id="29" name="직사각형 28"/>
+            <p:cNvSpPr/>
+            <p:nvPr/>
+          </p:nvSpPr>
+          <p:spPr>
+            <a:xfrm>
+              <a:off x="5848482" y="212841"/>
+              <a:ext cx="5901999" cy="116627"/>
+            </a:xfrm>
+            <a:prstGeom prst="rect">
+              <a:avLst/>
+            </a:prstGeom>
+            <a:gradFill flip="none" rotWithShape="1">
+              <a:gsLst>
+                <a:gs pos="0">
+                  <a:schemeClr val="bg1"/>
+                </a:gs>
+                <a:gs pos="32000">
+                  <a:srgbClr val="C53FFB"/>
+                </a:gs>
+                <a:gs pos="60000">
+                  <a:schemeClr val="accent4"/>
+                </a:gs>
+                <a:gs pos="83000">
+                  <a:srgbClr val="F7F9A9"/>
+                </a:gs>
+                <a:gs pos="100000">
+                  <a:schemeClr val="bg1">
+                    <a:lumMod val="72000"/>
+                    <a:lumOff val="28000"/>
+                  </a:schemeClr>
+                </a:gs>
+              </a:gsLst>
+              <a:lin ang="10800000" scaled="1"/>
+              <a:tileRect/>
+            </a:gradFill>
+            <a:ln>
+              <a:noFill/>
+            </a:ln>
+          </p:spPr>
+          <p:style>
+            <a:lnRef idx="2">
+              <a:schemeClr val="accent1">
+                <a:shade val="50000"/>
+              </a:schemeClr>
+            </a:lnRef>
+            <a:fillRef idx="1">
+              <a:schemeClr val="accent1"/>
+            </a:fillRef>
+            <a:effectRef idx="0">
+              <a:schemeClr val="accent1"/>
+            </a:effectRef>
+            <a:fontRef idx="minor">
+              <a:schemeClr val="lt1"/>
+            </a:fontRef>
+          </p:style>
+          <p:txBody>
+            <a:bodyPr rtlCol="0" anchor="ctr"/>
+            <a:lstStyle/>
+            <a:p>
+              <a:pPr algn="ctr"/>
+              <a:endParaRPr lang="ko-KR" altLang="en-US"/>
+            </a:p>
+          </p:txBody>
+        </p:sp>
+        <p:sp>
+          <p:nvSpPr>
+            <p:cNvPr id="30" name="직사각형 29"/>
+            <p:cNvSpPr/>
+            <p:nvPr/>
+          </p:nvSpPr>
+          <p:spPr>
+            <a:xfrm>
+              <a:off x="448542" y="212841"/>
+              <a:ext cx="5901999" cy="116627"/>
+            </a:xfrm>
+            <a:prstGeom prst="rect">
+              <a:avLst/>
+            </a:prstGeom>
+            <a:gradFill flip="none" rotWithShape="1">
+              <a:gsLst>
+                <a:gs pos="0">
+                  <a:schemeClr val="accent4">
+                    <a:lumMod val="20000"/>
+                    <a:lumOff val="80000"/>
+                  </a:schemeClr>
+                </a:gs>
+                <a:gs pos="22000">
+                  <a:srgbClr val="CBA9E5"/>
+                </a:gs>
+                <a:gs pos="43000">
+                  <a:srgbClr val="C53FFB"/>
+                </a:gs>
+                <a:gs pos="60000">
+                  <a:schemeClr val="accent4"/>
+                </a:gs>
+                <a:gs pos="83000">
+                  <a:srgbClr val="F7F9A9"/>
+                </a:gs>
+                <a:gs pos="100000">
+                  <a:schemeClr val="bg1">
+                    <a:lumMod val="72000"/>
+                    <a:lumOff val="28000"/>
+                  </a:schemeClr>
+                </a:gs>
+              </a:gsLst>
+              <a:lin ang="10800000" scaled="1"/>
+              <a:tileRect/>
+            </a:gradFill>
+            <a:ln>
+              <a:noFill/>
+            </a:ln>
+          </p:spPr>
+          <p:style>
+            <a:lnRef idx="2">
+              <a:schemeClr val="accent1">
+                <a:shade val="50000"/>
+              </a:schemeClr>
+            </a:lnRef>
+            <a:fillRef idx="1">
+              <a:schemeClr val="accent1"/>
+            </a:fillRef>
+            <a:effectRef idx="0">
+              <a:schemeClr val="accent1"/>
+            </a:effectRef>
+            <a:fontRef idx="minor">
+              <a:schemeClr val="lt1"/>
+            </a:fontRef>
+          </p:style>
+          <p:txBody>
+            <a:bodyPr rtlCol="0" anchor="ctr"/>
+            <a:lstStyle/>
+            <a:p>
+              <a:pPr algn="ctr"/>
+              <a:endParaRPr lang="ko-KR" altLang="en-US"/>
+            </a:p>
+          </p:txBody>
+        </p:sp>
+      </p:grpSp>
+      <p:grpSp>
+        <p:nvGrpSpPr>
+          <p:cNvPr id="31" name="그룹 30"/>
+          <p:cNvGrpSpPr/>
+          <p:nvPr/>
+        </p:nvGrpSpPr>
+        <p:grpSpPr>
+          <a:xfrm rot="5400000" flipV="1">
+            <a:off x="8793433" y="3384344"/>
+            <a:ext cx="6744304" cy="52830"/>
+            <a:chOff x="448542" y="212841"/>
+            <a:chExt cx="11301939" cy="116627"/>
+          </a:xfrm>
+        </p:grpSpPr>
+        <p:sp>
+          <p:nvSpPr>
+            <p:cNvPr id="32" name="직사각형 31"/>
+            <p:cNvSpPr/>
+            <p:nvPr/>
+          </p:nvSpPr>
+          <p:spPr>
+            <a:xfrm>
+              <a:off x="5848482" y="212841"/>
+              <a:ext cx="5901999" cy="116627"/>
+            </a:xfrm>
+            <a:prstGeom prst="rect">
+              <a:avLst/>
+            </a:prstGeom>
+            <a:gradFill flip="none" rotWithShape="1">
+              <a:gsLst>
+                <a:gs pos="0">
+                  <a:schemeClr val="bg1"/>
+                </a:gs>
+                <a:gs pos="32000">
+                  <a:srgbClr val="C53FFB"/>
+                </a:gs>
+                <a:gs pos="60000">
+                  <a:schemeClr val="accent4"/>
+                </a:gs>
+                <a:gs pos="83000">
+                  <a:srgbClr val="F7F9A9"/>
+                </a:gs>
+                <a:gs pos="100000">
+                  <a:schemeClr val="bg1">
+                    <a:lumMod val="72000"/>
+                    <a:lumOff val="28000"/>
+                  </a:schemeClr>
+                </a:gs>
+              </a:gsLst>
+              <a:lin ang="10800000" scaled="1"/>
+              <a:tileRect/>
+            </a:gradFill>
+            <a:ln>
+              <a:noFill/>
+            </a:ln>
+          </p:spPr>
+          <p:style>
+            <a:lnRef idx="2">
+              <a:schemeClr val="accent1">
+                <a:shade val="50000"/>
+              </a:schemeClr>
+            </a:lnRef>
+            <a:fillRef idx="1">
+              <a:schemeClr val="accent1"/>
+            </a:fillRef>
+            <a:effectRef idx="0">
+              <a:schemeClr val="accent1"/>
+            </a:effectRef>
+            <a:fontRef idx="minor">
+              <a:schemeClr val="lt1"/>
+            </a:fontRef>
+          </p:style>
+          <p:txBody>
+            <a:bodyPr rtlCol="0" anchor="ctr"/>
+            <a:lstStyle/>
+            <a:p>
+              <a:pPr algn="ctr"/>
+              <a:endParaRPr lang="ko-KR" altLang="en-US"/>
+            </a:p>
+          </p:txBody>
+        </p:sp>
+        <p:sp>
+          <p:nvSpPr>
+            <p:cNvPr id="33" name="직사각형 32"/>
+            <p:cNvSpPr/>
+            <p:nvPr/>
+          </p:nvSpPr>
+          <p:spPr>
+            <a:xfrm>
+              <a:off x="448542" y="212841"/>
+              <a:ext cx="5901999" cy="116627"/>
+            </a:xfrm>
+            <a:prstGeom prst="rect">
+              <a:avLst/>
+            </a:prstGeom>
+            <a:gradFill flip="none" rotWithShape="1">
+              <a:gsLst>
+                <a:gs pos="0">
+                  <a:schemeClr val="accent4">
+                    <a:lumMod val="20000"/>
+                    <a:lumOff val="80000"/>
+                  </a:schemeClr>
+                </a:gs>
+                <a:gs pos="22000">
+                  <a:srgbClr val="CBA9E5"/>
+                </a:gs>
+                <a:gs pos="43000">
+                  <a:srgbClr val="C53FFB"/>
+                </a:gs>
+                <a:gs pos="60000">
+                  <a:schemeClr val="accent4"/>
+                </a:gs>
+                <a:gs pos="83000">
+                  <a:srgbClr val="F7F9A9"/>
+                </a:gs>
+                <a:gs pos="100000">
+                  <a:schemeClr val="bg1">
+                    <a:lumMod val="72000"/>
+                    <a:lumOff val="28000"/>
+                  </a:schemeClr>
+                </a:gs>
+              </a:gsLst>
+              <a:lin ang="10800000" scaled="1"/>
+              <a:tileRect/>
+            </a:gradFill>
+            <a:ln>
+              <a:noFill/>
+            </a:ln>
+          </p:spPr>
+          <p:style>
+            <a:lnRef idx="2">
+              <a:schemeClr val="accent1">
+                <a:shade val="50000"/>
+              </a:schemeClr>
+            </a:lnRef>
+            <a:fillRef idx="1">
+              <a:schemeClr val="accent1"/>
+            </a:fillRef>
+            <a:effectRef idx="0">
+              <a:schemeClr val="accent1"/>
+            </a:effectRef>
+            <a:fontRef idx="minor">
+              <a:schemeClr val="lt1"/>
+            </a:fontRef>
+          </p:style>
+          <p:txBody>
+            <a:bodyPr rtlCol="0" anchor="ctr"/>
+            <a:lstStyle/>
+            <a:p>
+              <a:pPr algn="ctr"/>
+              <a:endParaRPr lang="ko-KR" altLang="en-US"/>
+            </a:p>
+          </p:txBody>
+        </p:sp>
+      </p:grpSp>
+      <p:sp>
+        <p:nvSpPr>
+          <p:cNvPr id="6" name="TextBox 5"/>
+          <p:cNvSpPr txBox="1"/>
+          <p:nvPr/>
+        </p:nvSpPr>
+        <p:spPr>
+          <a:xfrm>
+            <a:off x="3082866" y="3560559"/>
+            <a:ext cx="5463792" cy="769441"/>
+          </a:xfrm>
+          <a:prstGeom prst="rect">
+            <a:avLst/>
+          </a:prstGeom>
+          <a:noFill/>
+        </p:spPr>
+        <p:txBody>
+          <a:bodyPr wrap="square" rtlCol="0">
+            <a:spAutoFit/>
+          </a:bodyPr>
+          <a:lstStyle/>
+          <a:p>
+            <a:pPr algn="ctr"/>
+            <a:r>
+              <a:rPr lang="en-US" altLang="ko-KR" sz="4400" b="1" dirty="0" err="1">
+                <a:latin typeface="맑은 고딕" panose="020B0503020000020004" pitchFamily="50" charset="-127"/>
+                <a:ea typeface="맑은 고딕" panose="020B0503020000020004" pitchFamily="50" charset="-127"/>
+                <a:cs typeface="함초롬바탕" panose="02030604000101010101" pitchFamily="18" charset="-127"/>
+              </a:rPr>
+              <a:t>QnA</a:t>
+            </a:r>
+            <a:endParaRPr lang="ko-KR" altLang="en-US" sz="4400" b="1" dirty="0">
+              <a:latin typeface="맑은 고딕" panose="020B0503020000020004" pitchFamily="50" charset="-127"/>
+              <a:ea typeface="맑은 고딕" panose="020B0503020000020004" pitchFamily="50" charset="-127"/>
+              <a:cs typeface="함초롬바탕" panose="02030604000101010101" pitchFamily="18" charset="-127"/>
+            </a:endParaRPr>
+          </a:p>
+        </p:txBody>
+      </p:sp>
+      <p:pic>
+        <p:nvPicPr>
+          <p:cNvPr id="8" name="그림 7">
+            <a:extLst>
+              <a:ext uri="{FF2B5EF4-FFF2-40B4-BE49-F238E27FC236}">
+                <a16:creationId xmlns:a16="http://schemas.microsoft.com/office/drawing/2014/main" id="{B02FA2F9-3B29-BF0F-E77E-CAEDABFAB930}"/>
+              </a:ext>
+            </a:extLst>
+          </p:cNvPr>
+          <p:cNvPicPr>
+            <a:picLocks noChangeAspect="1"/>
+          </p:cNvPicPr>
+          <p:nvPr/>
+        </p:nvPicPr>
+        <p:blipFill>
+          <a:blip r:embed="rId2" cstate="print">
+            <a:extLst>
+              <a:ext uri="{28A0092B-C50C-407E-A947-70E740481C1C}">
+                <a14:useLocalDpi xmlns:a14="http://schemas.microsoft.com/office/drawing/2010/main" val="0"/>
+              </a:ext>
+            </a:extLst>
+          </a:blip>
+          <a:stretch>
+            <a:fillRect/>
+          </a:stretch>
+        </p:blipFill>
+        <p:spPr>
+          <a:xfrm flipH="1">
+            <a:off x="5286799" y="1900232"/>
+            <a:ext cx="1080000" cy="1080000"/>
+          </a:xfrm>
+          <a:prstGeom prst="rect">
+            <a:avLst/>
+          </a:prstGeom>
+        </p:spPr>
+      </p:pic>
+    </p:spTree>
+    <p:extLst>
+      <p:ext uri="{BB962C8B-B14F-4D97-AF65-F5344CB8AC3E}">
+        <p14:creationId xmlns:p14="http://schemas.microsoft.com/office/powerpoint/2010/main" val="432659343"/>
+      </p:ext>
+    </p:extLst>
+  </p:cSld>
+  <p:clrMapOvr>
+    <a:masterClrMapping/>
+  </p:clrMapOvr>
+</p:sld>
+</file>
+
+<file path=ppt/slides/slide15.xml><?xml version="1.0" encoding="utf-8"?>
 <p:sld xmlns:a="http://schemas.openxmlformats.org/drawingml/2006/main" xmlns:r="http://schemas.openxmlformats.org/officeDocument/2006/relationships" xmlns:p="http://schemas.openxmlformats.org/presentationml/2006/main">
   <p:cSld>
     <p:spTree>
@@ -4771,7 +6094,7 @@
           <a:lstStyle/>
           <a:p>
             <a:r>
-              <a:rPr lang="en-US" altLang="ko-KR" sz="2400" b="1" dirty="0" smtClean="0"/>
+              <a:rPr lang="en-US" altLang="ko-KR" sz="2400" b="1" dirty="0"/>
               <a:t>Thank you</a:t>
             </a:r>
             <a:endParaRPr lang="ko-KR" altLang="en-US" sz="2400" b="1" dirty="0"/>
@@ -4801,14 +6124,14 @@
           <a:lstStyle/>
           <a:p>
             <a:r>
-              <a:rPr lang="ko-KR" altLang="en-US" sz="9600" dirty="0" smtClean="0">
+              <a:rPr lang="ko-KR" altLang="en-US" sz="9600" dirty="0">
                 <a:latin typeface="한컴산뜻돋움" panose="02000000000000000000" pitchFamily="2" charset="-127"/>
                 <a:ea typeface="한컴산뜻돋움" panose="02000000000000000000" pitchFamily="2" charset="-127"/>
               </a:rPr>
               <a:t>감사합니다</a:t>
             </a:r>
             <a:r>
-              <a:rPr lang="en-US" altLang="ko-KR" sz="9600" dirty="0" smtClean="0">
+              <a:rPr lang="en-US" altLang="ko-KR" sz="9600" dirty="0">
                 <a:latin typeface="한컴산뜻돋움" panose="02000000000000000000" pitchFamily="2" charset="-127"/>
                 <a:ea typeface="한컴산뜻돋움" panose="02000000000000000000" pitchFamily="2" charset="-127"/>
               </a:rPr>
@@ -4950,7 +6273,7 @@
           <a:lstStyle/>
           <a:p>
             <a:r>
-              <a:rPr lang="en-US" altLang="ko-KR" sz="2400" b="1" dirty="0" smtClean="0"/>
+              <a:rPr lang="en-US" altLang="ko-KR" sz="2400" b="1" dirty="0"/>
               <a:t>CONTENTS</a:t>
             </a:r>
             <a:endParaRPr lang="ko-KR" altLang="en-US" sz="2400" b="1" dirty="0"/>
@@ -5135,14 +6458,13 @@
           <a:lstStyle/>
           <a:p>
             <a:r>
-              <a:rPr lang="en-US" altLang="ko-KR" sz="2400" b="1" dirty="0" smtClean="0"/>
+              <a:rPr lang="en-US" altLang="ko-KR" sz="2400" b="1" dirty="0"/>
               <a:t>1    </a:t>
             </a:r>
             <a:r>
-              <a:rPr lang="ko-KR" altLang="en-US" sz="2400" b="1" dirty="0" smtClean="0"/>
+              <a:rPr lang="ko-KR" altLang="en-US" sz="2400" b="1" dirty="0"/>
               <a:t>프로젝트 개요</a:t>
             </a:r>
-            <a:endParaRPr lang="ko-KR" altLang="en-US" sz="2400" b="1" dirty="0"/>
           </a:p>
         </p:txBody>
       </p:sp>
@@ -5324,14 +6646,13 @@
           <a:lstStyle/>
           <a:p>
             <a:r>
-              <a:rPr lang="en-US" altLang="ko-KR" sz="2400" b="1" dirty="0" smtClean="0"/>
+              <a:rPr lang="en-US" altLang="ko-KR" sz="2400" b="1" dirty="0"/>
               <a:t>2    </a:t>
             </a:r>
             <a:r>
-              <a:rPr lang="ko-KR" altLang="en-US" sz="2400" b="1" dirty="0" smtClean="0"/>
+              <a:rPr lang="ko-KR" altLang="en-US" sz="2400" b="1" dirty="0"/>
               <a:t>팀 구성</a:t>
             </a:r>
-            <a:endParaRPr lang="ko-KR" altLang="en-US" sz="2400" b="1" dirty="0"/>
           </a:p>
         </p:txBody>
       </p:sp>
@@ -5513,12 +6834,16 @@
           <a:lstStyle/>
           <a:p>
             <a:r>
-              <a:rPr lang="en-US" altLang="ko-KR" sz="2400" b="1" dirty="0" smtClean="0"/>
+              <a:rPr lang="en-US" altLang="ko-KR" sz="2400" b="1" dirty="0"/>
               <a:t>3    </a:t>
             </a:r>
             <a:r>
-              <a:rPr lang="ko-KR" altLang="en-US" sz="2400" b="1" dirty="0" smtClean="0"/>
-              <a:t>개발 환경</a:t>
+              <a:rPr lang="ko-KR" altLang="en-US" sz="2400" b="1" dirty="0"/>
+              <a:t>개발 환경 및 </a:t>
+            </a:r>
+            <a:r>
+              <a:rPr lang="ko-KR" altLang="en-US" sz="2400" b="1" dirty="0" err="1"/>
+              <a:t>아키텍쳐</a:t>
             </a:r>
             <a:endParaRPr lang="ko-KR" altLang="en-US" sz="2400" b="1" dirty="0"/>
           </a:p>
@@ -5702,8 +7027,8 @@
           <a:lstStyle/>
           <a:p>
             <a:r>
-              <a:rPr lang="en-US" altLang="ko-KR" sz="2400" b="1" dirty="0" smtClean="0"/>
-              <a:t>4    Information Architecture &amp; View</a:t>
+              <a:rPr lang="en-US" altLang="ko-KR" sz="2400" b="1" dirty="0"/>
+              <a:t>4    Information View</a:t>
             </a:r>
             <a:endParaRPr lang="ko-KR" altLang="en-US" sz="2400" b="1" dirty="0"/>
           </a:p>
@@ -5887,7 +7212,7 @@
           <a:lstStyle/>
           <a:p>
             <a:r>
-              <a:rPr lang="en-US" altLang="ko-KR" sz="2400" b="1" dirty="0" smtClean="0"/>
+              <a:rPr lang="en-US" altLang="ko-KR" sz="2400" b="1" dirty="0"/>
               <a:t>5    ERD &amp; Table</a:t>
             </a:r>
             <a:endParaRPr lang="ko-KR" altLang="en-US" sz="2400" b="1" dirty="0"/>
@@ -6073,17 +7398,12 @@
           <a:p>
             <a:r>
               <a:rPr lang="en-US" altLang="ko-KR" sz="2400" b="1" dirty="0"/>
-              <a:t>6</a:t>
-            </a:r>
-            <a:r>
-              <a:rPr lang="en-US" altLang="ko-KR" sz="2400" b="1" dirty="0" smtClean="0"/>
-              <a:t>    </a:t>
-            </a:r>
-            <a:r>
-              <a:rPr lang="ko-KR" altLang="en-US" sz="2400" b="1" dirty="0" smtClean="0"/>
+              <a:t>6    </a:t>
+            </a:r>
+            <a:r>
+              <a:rPr lang="ko-KR" altLang="en-US" sz="2400" b="1" dirty="0"/>
               <a:t>기능 소개</a:t>
             </a:r>
-            <a:endParaRPr lang="ko-KR" altLang="en-US" sz="2400" b="1" dirty="0"/>
           </a:p>
         </p:txBody>
       </p:sp>
@@ -6216,16 +7536,12 @@
           <a:lstStyle/>
           <a:p>
             <a:r>
-              <a:rPr lang="ko-KR" altLang="en-US" sz="2400" b="1" dirty="0" smtClean="0">
+              <a:rPr lang="ko-KR" altLang="en-US" sz="2400" b="1" dirty="0">
                 <a:latin typeface="한컴산뜻돋움" panose="02000000000000000000" pitchFamily="2" charset="-127"/>
                 <a:ea typeface="한컴산뜻돋움" panose="02000000000000000000" pitchFamily="2" charset="-127"/>
               </a:rPr>
               <a:t>프로젝트 개요</a:t>
             </a:r>
-            <a:endParaRPr lang="ko-KR" altLang="en-US" sz="2400" b="1" dirty="0">
-              <a:latin typeface="한컴산뜻돋움" panose="02000000000000000000" pitchFamily="2" charset="-127"/>
-              <a:ea typeface="한컴산뜻돋움" panose="02000000000000000000" pitchFamily="2" charset="-127"/>
-            </a:endParaRPr>
           </a:p>
         </p:txBody>
       </p:sp>
@@ -6277,16 +7593,12 @@
                     <a:p>
                       <a:pPr latinLnBrk="1"/>
                       <a:r>
-                        <a:rPr lang="ko-KR" altLang="en-US" sz="1600" dirty="0" smtClean="0">
+                        <a:rPr lang="ko-KR" altLang="en-US" sz="1600" dirty="0">
                           <a:latin typeface="한컴산뜻돋움" panose="02000000000000000000" pitchFamily="2" charset="-127"/>
                           <a:ea typeface="한컴산뜻돋움" panose="02000000000000000000" pitchFamily="2" charset="-127"/>
                         </a:rPr>
                         <a:t>프로젝트 구분</a:t>
                       </a:r>
-                      <a:endParaRPr lang="ko-KR" altLang="en-US" sz="1600" dirty="0">
-                        <a:latin typeface="한컴산뜻돋움" panose="02000000000000000000" pitchFamily="2" charset="-127"/>
-                        <a:ea typeface="한컴산뜻돋움" panose="02000000000000000000" pitchFamily="2" charset="-127"/>
-                      </a:endParaRPr>
                     </a:p>
                   </a:txBody>
                   <a:tcPr anchor="ctr">
@@ -6331,14 +7643,14 @@
                     <a:p>
                       <a:pPr latinLnBrk="1"/>
                       <a:r>
-                        <a:rPr lang="ko-KR" altLang="en-US" sz="1600" dirty="0" smtClean="0">
+                        <a:rPr lang="ko-KR" altLang="en-US" sz="1600" dirty="0">
                           <a:latin typeface="한컴산뜻돋움" panose="02000000000000000000" pitchFamily="2" charset="-127"/>
                           <a:ea typeface="한컴산뜻돋움" panose="02000000000000000000" pitchFamily="2" charset="-127"/>
                         </a:rPr>
                         <a:t>소셜 네트워크 서비스 </a:t>
                       </a:r>
                       <a:r>
-                        <a:rPr lang="en-US" altLang="ko-KR" sz="1600" dirty="0" smtClean="0">
+                        <a:rPr lang="en-US" altLang="ko-KR" sz="1600" dirty="0">
                           <a:latin typeface="한컴산뜻돋움" panose="02000000000000000000" pitchFamily="2" charset="-127"/>
                           <a:ea typeface="한컴산뜻돋움" panose="02000000000000000000" pitchFamily="2" charset="-127"/>
                         </a:rPr>
@@ -6399,16 +7711,12 @@
                     <a:p>
                       <a:pPr latinLnBrk="1"/>
                       <a:r>
-                        <a:rPr lang="ko-KR" altLang="en-US" sz="1600" dirty="0" smtClean="0">
+                        <a:rPr lang="ko-KR" altLang="en-US" sz="1600" dirty="0">
                           <a:latin typeface="한컴산뜻돋움" panose="02000000000000000000" pitchFamily="2" charset="-127"/>
                           <a:ea typeface="한컴산뜻돋움" panose="02000000000000000000" pitchFamily="2" charset="-127"/>
                         </a:rPr>
                         <a:t>프로젝트 이름</a:t>
                       </a:r>
-                      <a:endParaRPr lang="ko-KR" altLang="en-US" sz="1600" dirty="0">
-                        <a:latin typeface="한컴산뜻돋움" panose="02000000000000000000" pitchFamily="2" charset="-127"/>
-                        <a:ea typeface="한컴산뜻돋움" panose="02000000000000000000" pitchFamily="2" charset="-127"/>
-                      </a:endParaRPr>
                     </a:p>
                   </a:txBody>
                   <a:tcPr anchor="ctr">
@@ -6453,7 +7761,7 @@
                     <a:p>
                       <a:pPr latinLnBrk="1"/>
                       <a:r>
-                        <a:rPr lang="en-US" altLang="ko-KR" sz="1600" dirty="0" smtClean="0">
+                        <a:rPr lang="en-US" altLang="ko-KR" sz="1600" dirty="0">
                           <a:latin typeface="한컴산뜻돋움" panose="02000000000000000000" pitchFamily="2" charset="-127"/>
                           <a:ea typeface="한컴산뜻돋움" panose="02000000000000000000" pitchFamily="2" charset="-127"/>
                         </a:rPr>
@@ -6514,16 +7822,12 @@
                     <a:p>
                       <a:pPr latinLnBrk="1"/>
                       <a:r>
-                        <a:rPr lang="ko-KR" altLang="en-US" sz="1600" dirty="0" smtClean="0">
+                        <a:rPr lang="ko-KR" altLang="en-US" sz="1600" dirty="0">
                           <a:latin typeface="한컴산뜻돋움" panose="02000000000000000000" pitchFamily="2" charset="-127"/>
                           <a:ea typeface="한컴산뜻돋움" panose="02000000000000000000" pitchFamily="2" charset="-127"/>
                         </a:rPr>
                         <a:t>배포 주소</a:t>
                       </a:r>
-                      <a:endParaRPr lang="ko-KR" altLang="en-US" sz="1600" dirty="0">
-                        <a:latin typeface="한컴산뜻돋움" panose="02000000000000000000" pitchFamily="2" charset="-127"/>
-                        <a:ea typeface="한컴산뜻돋움" panose="02000000000000000000" pitchFamily="2" charset="-127"/>
-                      </a:endParaRPr>
                     </a:p>
                   </a:txBody>
                   <a:tcPr anchor="ctr">
@@ -6568,7 +7872,7 @@
                     <a:p>
                       <a:pPr latinLnBrk="1"/>
                       <a:r>
-                        <a:rPr lang="en-US" altLang="ko-KR" sz="1600" dirty="0" smtClean="0">
+                        <a:rPr lang="en-US" altLang="ko-KR" sz="1600" dirty="0">
                           <a:latin typeface="한컴산뜻돋움" panose="02000000000000000000" pitchFamily="2" charset="-127"/>
                           <a:ea typeface="한컴산뜻돋움" panose="02000000000000000000" pitchFamily="2" charset="-127"/>
                           <a:hlinkClick r:id="rId3"/>
@@ -6576,13 +7880,13 @@
                         <a:t>http://15.164.225.180:8081/Photostagram</a:t>
                       </a:r>
                       <a:r>
-                        <a:rPr lang="en-US" altLang="ko-KR" sz="1600" baseline="0" dirty="0" smtClean="0">
+                        <a:rPr lang="en-US" altLang="ko-KR" sz="1600" baseline="0" dirty="0">
                           <a:latin typeface="한컴산뜻돋움" panose="02000000000000000000" pitchFamily="2" charset="-127"/>
                           <a:ea typeface="한컴산뜻돋움" panose="02000000000000000000" pitchFamily="2" charset="-127"/>
                         </a:rPr>
                         <a:t> </a:t>
                       </a:r>
-                      <a:endParaRPr lang="en-US" altLang="ko-KR" sz="1600" dirty="0" smtClean="0">
+                      <a:endParaRPr lang="en-US" altLang="ko-KR" sz="1600" dirty="0">
                         <a:latin typeface="한컴산뜻돋움" panose="02000000000000000000" pitchFamily="2" charset="-127"/>
                         <a:ea typeface="한컴산뜻돋움" panose="02000000000000000000" pitchFamily="2" charset="-127"/>
                       </a:endParaRPr>
@@ -6637,16 +7941,12 @@
                     <a:p>
                       <a:pPr latinLnBrk="1"/>
                       <a:r>
-                        <a:rPr lang="ko-KR" altLang="en-US" sz="1600" dirty="0" smtClean="0">
+                        <a:rPr lang="ko-KR" altLang="en-US" sz="1600" dirty="0">
                           <a:latin typeface="한컴산뜻돋움" panose="02000000000000000000" pitchFamily="2" charset="-127"/>
                           <a:ea typeface="한컴산뜻돋움" panose="02000000000000000000" pitchFamily="2" charset="-127"/>
                         </a:rPr>
                         <a:t>개발 기간</a:t>
                       </a:r>
-                      <a:endParaRPr lang="ko-KR" altLang="en-US" sz="1600" dirty="0">
-                        <a:latin typeface="한컴산뜻돋움" panose="02000000000000000000" pitchFamily="2" charset="-127"/>
-                        <a:ea typeface="한컴산뜻돋움" panose="02000000000000000000" pitchFamily="2" charset="-127"/>
-                      </a:endParaRPr>
                     </a:p>
                   </a:txBody>
                   <a:tcPr anchor="ctr">
@@ -6691,7 +7991,7 @@
                     <a:p>
                       <a:pPr latinLnBrk="1"/>
                       <a:r>
-                        <a:rPr lang="en-US" altLang="ko-KR" sz="1600" dirty="0" smtClean="0">
+                        <a:rPr lang="en-US" altLang="ko-KR" sz="1600" dirty="0">
                           <a:latin typeface="한컴산뜻돋움" panose="02000000000000000000" pitchFamily="2" charset="-127"/>
                           <a:ea typeface="한컴산뜻돋움" panose="02000000000000000000" pitchFamily="2" charset="-127"/>
                         </a:rPr>
@@ -6771,23 +8071,19 @@
           <a:lstStyle/>
           <a:p>
             <a:r>
-              <a:rPr lang="en-US" altLang="ko-KR" sz="2000" dirty="0" smtClean="0">
+              <a:rPr lang="en-US" altLang="ko-KR" sz="2000" dirty="0">
                 <a:latin typeface="한컴산뜻돋움" panose="02000000000000000000" pitchFamily="2" charset="-127"/>
                 <a:ea typeface="한컴산뜻돋움" panose="02000000000000000000" pitchFamily="2" charset="-127"/>
               </a:rPr>
               <a:t>1) </a:t>
             </a:r>
             <a:r>
-              <a:rPr lang="ko-KR" altLang="en-US" sz="2000" dirty="0" smtClean="0">
+              <a:rPr lang="ko-KR" altLang="en-US" sz="2000" dirty="0">
                 <a:latin typeface="한컴산뜻돋움" panose="02000000000000000000" pitchFamily="2" charset="-127"/>
                 <a:ea typeface="한컴산뜻돋움" panose="02000000000000000000" pitchFamily="2" charset="-127"/>
               </a:rPr>
               <a:t>프로젝트 요약</a:t>
             </a:r>
-            <a:endParaRPr lang="ko-KR" altLang="en-US" sz="2000" dirty="0">
-              <a:latin typeface="한컴산뜻돋움" panose="02000000000000000000" pitchFamily="2" charset="-127"/>
-              <a:ea typeface="한컴산뜻돋움" panose="02000000000000000000" pitchFamily="2" charset="-127"/>
-            </a:endParaRPr>
           </a:p>
         </p:txBody>
       </p:sp>
@@ -6814,23 +8110,19 @@
           <a:lstStyle/>
           <a:p>
             <a:r>
-              <a:rPr lang="en-US" altLang="ko-KR" sz="2000" dirty="0" smtClean="0">
+              <a:rPr lang="en-US" altLang="ko-KR" sz="2000" dirty="0">
                 <a:latin typeface="한컴산뜻돋움" panose="02000000000000000000" pitchFamily="2" charset="-127"/>
                 <a:ea typeface="한컴산뜻돋움" panose="02000000000000000000" pitchFamily="2" charset="-127"/>
               </a:rPr>
               <a:t>2) </a:t>
             </a:r>
             <a:r>
-              <a:rPr lang="ko-KR" altLang="en-US" sz="2000" dirty="0" smtClean="0">
+              <a:rPr lang="ko-KR" altLang="en-US" sz="2000" dirty="0">
                 <a:latin typeface="한컴산뜻돋움" panose="02000000000000000000" pitchFamily="2" charset="-127"/>
                 <a:ea typeface="한컴산뜻돋움" panose="02000000000000000000" pitchFamily="2" charset="-127"/>
               </a:rPr>
               <a:t>배경 및 목적</a:t>
             </a:r>
-            <a:endParaRPr lang="ko-KR" altLang="en-US" sz="2000" dirty="0">
-              <a:latin typeface="한컴산뜻돋움" panose="02000000000000000000" pitchFamily="2" charset="-127"/>
-              <a:ea typeface="한컴산뜻돋움" panose="02000000000000000000" pitchFamily="2" charset="-127"/>
-            </a:endParaRPr>
           </a:p>
         </p:txBody>
       </p:sp>
@@ -6857,23 +8149,19 @@
           <a:lstStyle/>
           <a:p>
             <a:r>
-              <a:rPr lang="en-US" altLang="ko-KR" sz="2000" dirty="0" smtClean="0">
+              <a:rPr lang="en-US" altLang="ko-KR" sz="2000" dirty="0">
                 <a:latin typeface="한컴산뜻돋움" panose="02000000000000000000" pitchFamily="2" charset="-127"/>
                 <a:ea typeface="한컴산뜻돋움" panose="02000000000000000000" pitchFamily="2" charset="-127"/>
               </a:rPr>
               <a:t>3) </a:t>
             </a:r>
             <a:r>
-              <a:rPr lang="ko-KR" altLang="en-US" sz="2000" dirty="0" smtClean="0">
+              <a:rPr lang="ko-KR" altLang="en-US" sz="2000" dirty="0">
                 <a:latin typeface="한컴산뜻돋움" panose="02000000000000000000" pitchFamily="2" charset="-127"/>
                 <a:ea typeface="한컴산뜻돋움" panose="02000000000000000000" pitchFamily="2" charset="-127"/>
               </a:rPr>
               <a:t>기대 효과</a:t>
             </a:r>
-            <a:endParaRPr lang="ko-KR" altLang="en-US" sz="2000" dirty="0">
-              <a:latin typeface="한컴산뜻돋움" panose="02000000000000000000" pitchFamily="2" charset="-127"/>
-              <a:ea typeface="한컴산뜻돋움" panose="02000000000000000000" pitchFamily="2" charset="-127"/>
-            </a:endParaRPr>
           </a:p>
         </p:txBody>
       </p:sp>
@@ -6900,63 +8188,34 @@
           <a:lstStyle/>
           <a:p>
             <a:r>
-              <a:rPr lang="ko-KR" altLang="en-US" dirty="0" smtClean="0">
+              <a:rPr lang="ko-KR" altLang="en-US" dirty="0">
                 <a:latin typeface="한컴산뜻돋움" panose="02000000000000000000" pitchFamily="2" charset="-127"/>
                 <a:ea typeface="한컴산뜻돋움" panose="02000000000000000000" pitchFamily="2" charset="-127"/>
               </a:rPr>
               <a:t>다양한 사람들과 사진과 동영상으로 일상을 공유하고</a:t>
             </a:r>
             <a:r>
-              <a:rPr lang="en-US" altLang="ko-KR" dirty="0" smtClean="0">
+              <a:rPr lang="en-US" altLang="ko-KR" dirty="0">
                 <a:latin typeface="한컴산뜻돋움" panose="02000000000000000000" pitchFamily="2" charset="-127"/>
                 <a:ea typeface="한컴산뜻돋움" panose="02000000000000000000" pitchFamily="2" charset="-127"/>
               </a:rPr>
               <a:t>, </a:t>
             </a:r>
-            <a:endParaRPr lang="en-US" altLang="ko-KR" dirty="0" smtClean="0">
+          </a:p>
+          <a:p>
+            <a:endParaRPr lang="en-US" altLang="ko-KR" dirty="0">
               <a:latin typeface="한컴산뜻돋움" panose="02000000000000000000" pitchFamily="2" charset="-127"/>
               <a:ea typeface="한컴산뜻돋움" panose="02000000000000000000" pitchFamily="2" charset="-127"/>
             </a:endParaRPr>
           </a:p>
           <a:p>
-            <a:endParaRPr lang="en-US" altLang="ko-KR" dirty="0" smtClean="0">
-              <a:latin typeface="한컴산뜻돋움" panose="02000000000000000000" pitchFamily="2" charset="-127"/>
-              <a:ea typeface="한컴산뜻돋움" panose="02000000000000000000" pitchFamily="2" charset="-127"/>
-            </a:endParaRPr>
-          </a:p>
-          <a:p>
-            <a:r>
-              <a:rPr lang="ko-KR" altLang="en-US" dirty="0" smtClean="0">
+            <a:r>
+              <a:rPr lang="ko-KR" altLang="en-US" dirty="0">
                 <a:latin typeface="한컴산뜻돋움" panose="02000000000000000000" pitchFamily="2" charset="-127"/>
                 <a:ea typeface="한컴산뜻돋움" panose="02000000000000000000" pitchFamily="2" charset="-127"/>
               </a:rPr>
-              <a:t>유저 </a:t>
-            </a:r>
-            <a:r>
-              <a:rPr lang="ko-KR" altLang="en-US" dirty="0" smtClean="0">
-                <a:latin typeface="한컴산뜻돋움" panose="02000000000000000000" pitchFamily="2" charset="-127"/>
-                <a:ea typeface="한컴산뜻돋움" panose="02000000000000000000" pitchFamily="2" charset="-127"/>
-              </a:rPr>
-              <a:t>간 채팅을 통해 소통할 수 있는 </a:t>
-            </a:r>
-            <a:r>
-              <a:rPr lang="ko-KR" altLang="en-US" dirty="0" smtClean="0">
-                <a:latin typeface="한컴산뜻돋움" panose="02000000000000000000" pitchFamily="2" charset="-127"/>
-                <a:ea typeface="한컴산뜻돋움" panose="02000000000000000000" pitchFamily="2" charset="-127"/>
-              </a:rPr>
-              <a:t>소셜 미디어 </a:t>
-            </a:r>
-            <a:r>
-              <a:rPr lang="ko-KR" altLang="en-US" dirty="0" smtClean="0">
-                <a:latin typeface="한컴산뜻돋움" panose="02000000000000000000" pitchFamily="2" charset="-127"/>
-                <a:ea typeface="한컴산뜻돋움" panose="02000000000000000000" pitchFamily="2" charset="-127"/>
-              </a:rPr>
-              <a:t>플랫폼</a:t>
-            </a:r>
-            <a:endParaRPr lang="ko-KR" altLang="en-US" dirty="0">
-              <a:latin typeface="한컴산뜻돋움" panose="02000000000000000000" pitchFamily="2" charset="-127"/>
-              <a:ea typeface="한컴산뜻돋움" panose="02000000000000000000" pitchFamily="2" charset="-127"/>
-            </a:endParaRPr>
+              <a:t>유저 간 채팅을 통해 소통할 수 있는 소셜 미디어 플랫폼</a:t>
+            </a:r>
           </a:p>
         </p:txBody>
       </p:sp>
@@ -6983,14 +8242,14 @@
           <a:lstStyle/>
           <a:p>
             <a:r>
-              <a:rPr lang="ko-KR" altLang="en-US" dirty="0" smtClean="0">
+              <a:rPr lang="ko-KR" altLang="en-US" dirty="0">
                 <a:latin typeface="한컴산뜻돋움" panose="02000000000000000000" pitchFamily="2" charset="-127"/>
                 <a:ea typeface="한컴산뜻돋움" panose="02000000000000000000" pitchFamily="2" charset="-127"/>
               </a:rPr>
               <a:t>사용자들이 서로를 팔로우하고 소통하며</a:t>
             </a:r>
             <a:r>
-              <a:rPr lang="en-US" altLang="ko-KR" dirty="0" smtClean="0">
+              <a:rPr lang="en-US" altLang="ko-KR" dirty="0">
                 <a:latin typeface="한컴산뜻돋움" panose="02000000000000000000" pitchFamily="2" charset="-127"/>
                 <a:ea typeface="한컴산뜻돋움" panose="02000000000000000000" pitchFamily="2" charset="-127"/>
               </a:rPr>
@@ -6999,7 +8258,7 @@
           </a:p>
           <a:p>
             <a:r>
-              <a:rPr lang="en-US" altLang="ko-KR" dirty="0" smtClean="0">
+              <a:rPr lang="en-US" altLang="ko-KR" dirty="0">
                 <a:latin typeface="한컴산뜻돋움" panose="02000000000000000000" pitchFamily="2" charset="-127"/>
                 <a:ea typeface="한컴산뜻돋움" panose="02000000000000000000" pitchFamily="2" charset="-127"/>
               </a:rPr>
@@ -7008,21 +8267,14 @@
           </a:p>
           <a:p>
             <a:r>
-              <a:rPr lang="ko-KR" altLang="en-US" dirty="0" smtClean="0">
+              <a:rPr lang="ko-KR" altLang="en-US" dirty="0">
                 <a:latin typeface="한컴산뜻돋움" panose="02000000000000000000" pitchFamily="2" charset="-127"/>
                 <a:ea typeface="한컴산뜻돋움" panose="02000000000000000000" pitchFamily="2" charset="-127"/>
               </a:rPr>
-              <a:t>콘텐츠를 </a:t>
-            </a:r>
-            <a:r>
-              <a:rPr lang="ko-KR" altLang="en-US" dirty="0" smtClean="0">
-                <a:latin typeface="한컴산뜻돋움" panose="02000000000000000000" pitchFamily="2" charset="-127"/>
-                <a:ea typeface="한컴산뜻돋움" panose="02000000000000000000" pitchFamily="2" charset="-127"/>
-              </a:rPr>
-              <a:t>공유하는 플랫폼으로서 소셜 네트워크를 형성할 수 있다</a:t>
-            </a:r>
-            <a:r>
-              <a:rPr lang="en-US" altLang="ko-KR" dirty="0" smtClean="0">
+              <a:t>콘텐츠를 공유하는 플랫폼으로서 소셜 네트워크를 형성할 수 있다</a:t>
+            </a:r>
+            <a:r>
+              <a:rPr lang="en-US" altLang="ko-KR" dirty="0">
                 <a:latin typeface="한컴산뜻돋움" panose="02000000000000000000" pitchFamily="2" charset="-127"/>
                 <a:ea typeface="한컴산뜻돋움" panose="02000000000000000000" pitchFamily="2" charset="-127"/>
               </a:rPr>
@@ -7164,16 +8416,12 @@
           <a:lstStyle/>
           <a:p>
             <a:r>
-              <a:rPr lang="ko-KR" altLang="en-US" sz="2400" b="1" dirty="0" smtClean="0">
+              <a:rPr lang="ko-KR" altLang="en-US" sz="2400" b="1" dirty="0">
                 <a:latin typeface="한컴산뜻돋움" panose="02000000000000000000" pitchFamily="2" charset="-127"/>
                 <a:ea typeface="한컴산뜻돋움" panose="02000000000000000000" pitchFamily="2" charset="-127"/>
               </a:rPr>
               <a:t>프로젝트 개요</a:t>
             </a:r>
-            <a:endParaRPr lang="ko-KR" altLang="en-US" sz="2400" b="1" dirty="0">
-              <a:latin typeface="한컴산뜻돋움" panose="02000000000000000000" pitchFamily="2" charset="-127"/>
-              <a:ea typeface="한컴산뜻돋움" panose="02000000000000000000" pitchFamily="2" charset="-127"/>
-            </a:endParaRPr>
           </a:p>
         </p:txBody>
       </p:sp>
@@ -7200,23 +8448,19 @@
           <a:lstStyle/>
           <a:p>
             <a:r>
-              <a:rPr lang="en-US" altLang="ko-KR" sz="2000" dirty="0" smtClean="0">
+              <a:rPr lang="en-US" altLang="ko-KR" sz="2000" dirty="0">
                 <a:latin typeface="한컴산뜻돋움" panose="02000000000000000000" pitchFamily="2" charset="-127"/>
                 <a:ea typeface="한컴산뜻돋움" panose="02000000000000000000" pitchFamily="2" charset="-127"/>
               </a:rPr>
               <a:t>4) </a:t>
             </a:r>
             <a:r>
-              <a:rPr lang="ko-KR" altLang="en-US" sz="2000" dirty="0" smtClean="0">
+              <a:rPr lang="ko-KR" altLang="en-US" sz="2000" dirty="0">
                 <a:latin typeface="한컴산뜻돋움" panose="02000000000000000000" pitchFamily="2" charset="-127"/>
                 <a:ea typeface="한컴산뜻돋움" panose="02000000000000000000" pitchFamily="2" charset="-127"/>
               </a:rPr>
               <a:t>주요 기능</a:t>
             </a:r>
-            <a:endParaRPr lang="ko-KR" altLang="en-US" sz="2000" dirty="0">
-              <a:latin typeface="한컴산뜻돋움" panose="02000000000000000000" pitchFamily="2" charset="-127"/>
-              <a:ea typeface="한컴산뜻돋움" panose="02000000000000000000" pitchFamily="2" charset="-127"/>
-            </a:endParaRPr>
           </a:p>
         </p:txBody>
       </p:sp>
@@ -7242,37 +8486,26 @@
           </a:bodyPr>
           <a:lstStyle/>
           <a:p>
-            <a:endParaRPr lang="en-US" altLang="ko-KR" sz="2000" dirty="0" smtClean="0">
+            <a:endParaRPr lang="en-US" altLang="ko-KR" sz="2000" dirty="0">
               <a:latin typeface="한컴산뜻돋움" panose="02000000000000000000" pitchFamily="2" charset="-127"/>
               <a:ea typeface="한컴산뜻돋움" panose="02000000000000000000" pitchFamily="2" charset="-127"/>
             </a:endParaRPr>
           </a:p>
           <a:p>
             <a:r>
-              <a:rPr lang="en-US" altLang="ko-KR" sz="2000" dirty="0" smtClean="0">
+              <a:rPr lang="en-US" altLang="ko-KR" sz="2000" dirty="0">
                 <a:latin typeface="한컴산뜻돋움" panose="02000000000000000000" pitchFamily="2" charset="-127"/>
                 <a:ea typeface="한컴산뜻돋움" panose="02000000000000000000" pitchFamily="2" charset="-127"/>
               </a:rPr>
-              <a:t>5</a:t>
-            </a:r>
-            <a:r>
-              <a:rPr lang="en-US" altLang="ko-KR" sz="2000" dirty="0" smtClean="0">
-                <a:latin typeface="한컴산뜻돋움" panose="02000000000000000000" pitchFamily="2" charset="-127"/>
-                <a:ea typeface="한컴산뜻돋움" panose="02000000000000000000" pitchFamily="2" charset="-127"/>
-              </a:rPr>
-              <a:t>) </a:t>
-            </a:r>
-            <a:r>
-              <a:rPr lang="ko-KR" altLang="en-US" sz="2000" dirty="0" smtClean="0">
+              <a:t>5) </a:t>
+            </a:r>
+            <a:r>
+              <a:rPr lang="ko-KR" altLang="en-US" sz="2000" dirty="0">
                 <a:latin typeface="한컴산뜻돋움" panose="02000000000000000000" pitchFamily="2" charset="-127"/>
                 <a:ea typeface="한컴산뜻돋움" panose="02000000000000000000" pitchFamily="2" charset="-127"/>
               </a:rPr>
               <a:t>서비스 채널</a:t>
             </a:r>
-            <a:endParaRPr lang="ko-KR" altLang="en-US" sz="2000" dirty="0">
-              <a:latin typeface="한컴산뜻돋움" panose="02000000000000000000" pitchFamily="2" charset="-127"/>
-              <a:ea typeface="한컴산뜻돋움" panose="02000000000000000000" pitchFamily="2" charset="-127"/>
-            </a:endParaRPr>
           </a:p>
         </p:txBody>
       </p:sp>
@@ -7299,23 +8532,19 @@
           <a:lstStyle/>
           <a:p>
             <a:r>
-              <a:rPr lang="en-US" altLang="ko-KR" sz="2000" dirty="0" smtClean="0">
+              <a:rPr lang="en-US" altLang="ko-KR" sz="2000" dirty="0">
                 <a:latin typeface="한컴산뜻돋움" panose="02000000000000000000" pitchFamily="2" charset="-127"/>
                 <a:ea typeface="한컴산뜻돋움" panose="02000000000000000000" pitchFamily="2" charset="-127"/>
               </a:rPr>
               <a:t>6) </a:t>
             </a:r>
             <a:r>
-              <a:rPr lang="ko-KR" altLang="en-US" sz="2000" dirty="0" smtClean="0">
+              <a:rPr lang="ko-KR" altLang="en-US" sz="2000" dirty="0">
                 <a:latin typeface="한컴산뜻돋움" panose="02000000000000000000" pitchFamily="2" charset="-127"/>
                 <a:ea typeface="한컴산뜻돋움" panose="02000000000000000000" pitchFamily="2" charset="-127"/>
               </a:rPr>
               <a:t>개발 방식</a:t>
             </a:r>
-            <a:endParaRPr lang="ko-KR" altLang="en-US" sz="2000" dirty="0">
-              <a:latin typeface="한컴산뜻돋움" panose="02000000000000000000" pitchFamily="2" charset="-127"/>
-              <a:ea typeface="한컴산뜻돋움" panose="02000000000000000000" pitchFamily="2" charset="-127"/>
-            </a:endParaRPr>
           </a:p>
         </p:txBody>
       </p:sp>
@@ -7341,30 +8570,26 @@
           </a:bodyPr>
           <a:lstStyle/>
           <a:p>
-            <a:endParaRPr lang="en-US" altLang="ko-KR" dirty="0" smtClean="0">
+            <a:endParaRPr lang="en-US" altLang="ko-KR" dirty="0">
               <a:latin typeface="한컴산뜻돋움" panose="02000000000000000000" pitchFamily="2" charset="-127"/>
               <a:ea typeface="한컴산뜻돋움" panose="02000000000000000000" pitchFamily="2" charset="-127"/>
             </a:endParaRPr>
           </a:p>
           <a:p>
             <a:r>
-              <a:rPr lang="en-US" altLang="ko-KR" dirty="0" smtClean="0">
+              <a:rPr lang="en-US" altLang="ko-KR" dirty="0">
                 <a:latin typeface="한컴산뜻돋움" panose="02000000000000000000" pitchFamily="2" charset="-127"/>
                 <a:ea typeface="한컴산뜻돋움" panose="02000000000000000000" pitchFamily="2" charset="-127"/>
               </a:rPr>
               <a:t>PC </a:t>
             </a:r>
             <a:r>
-              <a:rPr lang="ko-KR" altLang="en-US" dirty="0" smtClean="0">
+              <a:rPr lang="ko-KR" altLang="en-US" dirty="0">
                 <a:latin typeface="한컴산뜻돋움" panose="02000000000000000000" pitchFamily="2" charset="-127"/>
                 <a:ea typeface="한컴산뜻돋움" panose="02000000000000000000" pitchFamily="2" charset="-127"/>
               </a:rPr>
               <a:t>웹</a:t>
             </a:r>
-            <a:endParaRPr lang="ko-KR" altLang="en-US" dirty="0">
-              <a:latin typeface="한컴산뜻돋움" panose="02000000000000000000" pitchFamily="2" charset="-127"/>
-              <a:ea typeface="한컴산뜻돋움" panose="02000000000000000000" pitchFamily="2" charset="-127"/>
-            </a:endParaRPr>
           </a:p>
         </p:txBody>
       </p:sp>
@@ -7391,92 +8616,81 @@
           <a:lstStyle/>
           <a:p>
             <a:r>
-              <a:rPr lang="ko-KR" altLang="en-US" dirty="0" smtClean="0">
+              <a:rPr lang="ko-KR" altLang="en-US" dirty="0">
                 <a:latin typeface="한컴산뜻돋움" panose="02000000000000000000" pitchFamily="2" charset="-127"/>
                 <a:ea typeface="한컴산뜻돋움" panose="02000000000000000000" pitchFamily="2" charset="-127"/>
               </a:rPr>
               <a:t>사용자의 요구사항이 빈번하게 변경됨에 따라 요구사항</a:t>
             </a:r>
             <a:r>
-              <a:rPr lang="en-US" altLang="ko-KR" dirty="0" smtClean="0">
+              <a:rPr lang="en-US" altLang="ko-KR" dirty="0">
                 <a:latin typeface="한컴산뜻돋움" panose="02000000000000000000" pitchFamily="2" charset="-127"/>
                 <a:ea typeface="한컴산뜻돋움" panose="02000000000000000000" pitchFamily="2" charset="-127"/>
               </a:rPr>
               <a:t>, </a:t>
             </a:r>
             <a:r>
-              <a:rPr lang="ko-KR" altLang="en-US" dirty="0" smtClean="0">
+              <a:rPr lang="ko-KR" altLang="en-US" dirty="0">
                 <a:latin typeface="한컴산뜻돋움" panose="02000000000000000000" pitchFamily="2" charset="-127"/>
                 <a:ea typeface="한컴산뜻돋움" panose="02000000000000000000" pitchFamily="2" charset="-127"/>
               </a:rPr>
               <a:t>설계</a:t>
             </a:r>
             <a:r>
-              <a:rPr lang="en-US" altLang="ko-KR" dirty="0" smtClean="0">
+              <a:rPr lang="en-US" altLang="ko-KR" dirty="0">
                 <a:latin typeface="한컴산뜻돋움" panose="02000000000000000000" pitchFamily="2" charset="-127"/>
                 <a:ea typeface="한컴산뜻돋움" panose="02000000000000000000" pitchFamily="2" charset="-127"/>
               </a:rPr>
               <a:t>, </a:t>
             </a:r>
             <a:r>
-              <a:rPr lang="ko-KR" altLang="en-US" dirty="0" smtClean="0">
+              <a:rPr lang="ko-KR" altLang="en-US" dirty="0">
                 <a:latin typeface="한컴산뜻돋움" panose="02000000000000000000" pitchFamily="2" charset="-127"/>
                 <a:ea typeface="한컴산뜻돋움" panose="02000000000000000000" pitchFamily="2" charset="-127"/>
               </a:rPr>
               <a:t>개발</a:t>
             </a:r>
             <a:r>
-              <a:rPr lang="en-US" altLang="ko-KR" dirty="0" smtClean="0">
+              <a:rPr lang="en-US" altLang="ko-KR" dirty="0">
                 <a:latin typeface="한컴산뜻돋움" panose="02000000000000000000" pitchFamily="2" charset="-127"/>
                 <a:ea typeface="한컴산뜻돋움" panose="02000000000000000000" pitchFamily="2" charset="-127"/>
               </a:rPr>
               <a:t>, </a:t>
             </a:r>
             <a:r>
-              <a:rPr lang="ko-KR" altLang="en-US" dirty="0" smtClean="0">
+              <a:rPr lang="ko-KR" altLang="en-US" dirty="0">
                 <a:latin typeface="한컴산뜻돋움" panose="02000000000000000000" pitchFamily="2" charset="-127"/>
                 <a:ea typeface="한컴산뜻돋움" panose="02000000000000000000" pitchFamily="2" charset="-127"/>
               </a:rPr>
               <a:t>시험의 단계를 </a:t>
             </a:r>
-            <a:endParaRPr lang="en-US" altLang="ko-KR" dirty="0" smtClean="0">
+            <a:endParaRPr lang="en-US" altLang="ko-KR" dirty="0">
               <a:latin typeface="한컴산뜻돋움" panose="02000000000000000000" pitchFamily="2" charset="-127"/>
               <a:ea typeface="한컴산뜻돋움" panose="02000000000000000000" pitchFamily="2" charset="-127"/>
             </a:endParaRPr>
           </a:p>
           <a:p>
             <a:r>
-              <a:rPr lang="ko-KR" altLang="en-US" dirty="0" smtClean="0">
+              <a:rPr lang="ko-KR" altLang="en-US" dirty="0">
                 <a:latin typeface="한컴산뜻돋움" panose="02000000000000000000" pitchFamily="2" charset="-127"/>
                 <a:ea typeface="한컴산뜻돋움" panose="02000000000000000000" pitchFamily="2" charset="-127"/>
               </a:rPr>
-              <a:t>반복적으로 </a:t>
-            </a:r>
-            <a:r>
-              <a:rPr lang="ko-KR" altLang="en-US" dirty="0" smtClean="0">
-                <a:latin typeface="한컴산뜻돋움" panose="02000000000000000000" pitchFamily="2" charset="-127"/>
-                <a:ea typeface="한컴산뜻돋움" panose="02000000000000000000" pitchFamily="2" charset="-127"/>
-              </a:rPr>
-              <a:t>수행하여 개발을 진행하는 </a:t>
-            </a:r>
-            <a:r>
-              <a:rPr lang="en-US" altLang="ko-KR" dirty="0" smtClean="0">
+              <a:t>반복적으로 수행하여 개발을 진행하는 </a:t>
+            </a:r>
+            <a:r>
+              <a:rPr lang="en-US" altLang="ko-KR" dirty="0">
                 <a:latin typeface="한컴산뜻돋움" panose="02000000000000000000" pitchFamily="2" charset="-127"/>
                 <a:ea typeface="한컴산뜻돋움" panose="02000000000000000000" pitchFamily="2" charset="-127"/>
               </a:rPr>
               <a:t>Agile </a:t>
             </a:r>
             <a:r>
-              <a:rPr lang="ko-KR" altLang="en-US" dirty="0" smtClean="0">
+              <a:rPr lang="ko-KR" altLang="en-US" dirty="0">
                 <a:latin typeface="한컴산뜻돋움" panose="02000000000000000000" pitchFamily="2" charset="-127"/>
                 <a:ea typeface="한컴산뜻돋움" panose="02000000000000000000" pitchFamily="2" charset="-127"/>
               </a:rPr>
               <a:t>개발 방법론 채택</a:t>
             </a:r>
-            <a:endParaRPr lang="ko-KR" altLang="en-US" dirty="0">
-              <a:latin typeface="한컴산뜻돋움" panose="02000000000000000000" pitchFamily="2" charset="-127"/>
-              <a:ea typeface="한컴산뜻돋움" panose="02000000000000000000" pitchFamily="2" charset="-127"/>
-            </a:endParaRPr>
           </a:p>
         </p:txBody>
       </p:sp>
@@ -7489,7 +8703,7 @@
         <p:spPr>
           <a:xfrm>
             <a:off x="633614" y="1617645"/>
-            <a:ext cx="9495181" cy="923330"/>
+            <a:ext cx="9495181" cy="1200329"/>
           </a:xfrm>
           <a:prstGeom prst="rect">
             <a:avLst/>
@@ -7507,27 +8721,27 @@
               <a:buChar char="-"/>
             </a:pPr>
             <a:r>
-              <a:rPr lang="ko-KR" altLang="en-US" dirty="0" smtClean="0">
+              <a:rPr lang="ko-KR" altLang="en-US" dirty="0">
                 <a:latin typeface="한컴산뜻돋움" panose="02000000000000000000" pitchFamily="2" charset="-127"/>
                 <a:ea typeface="한컴산뜻돋움" panose="02000000000000000000" pitchFamily="2" charset="-127"/>
               </a:rPr>
               <a:t>회원가입 </a:t>
             </a:r>
             <a:r>
-              <a:rPr lang="en-US" altLang="ko-KR" dirty="0" smtClean="0">
+              <a:rPr lang="en-US" altLang="ko-KR" dirty="0">
                 <a:latin typeface="한컴산뜻돋움" panose="02000000000000000000" pitchFamily="2" charset="-127"/>
                 <a:ea typeface="한컴산뜻돋움" panose="02000000000000000000" pitchFamily="2" charset="-127"/>
               </a:rPr>
               <a:t>/ </a:t>
             </a:r>
             <a:r>
-              <a:rPr lang="ko-KR" altLang="en-US" dirty="0" smtClean="0">
+              <a:rPr lang="ko-KR" altLang="en-US" dirty="0">
                 <a:latin typeface="한컴산뜻돋움" panose="02000000000000000000" pitchFamily="2" charset="-127"/>
                 <a:ea typeface="한컴산뜻돋움" panose="02000000000000000000" pitchFamily="2" charset="-127"/>
               </a:rPr>
               <a:t>로그인</a:t>
             </a:r>
-            <a:endParaRPr lang="en-US" altLang="ko-KR" dirty="0" smtClean="0">
+            <a:endParaRPr lang="en-US" altLang="ko-KR" dirty="0">
               <a:latin typeface="한컴산뜻돋움" panose="02000000000000000000" pitchFamily="2" charset="-127"/>
               <a:ea typeface="한컴산뜻돋움" panose="02000000000000000000" pitchFamily="2" charset="-127"/>
             </a:endParaRPr>
@@ -7538,62 +8752,58 @@
               <a:buChar char="-"/>
             </a:pPr>
             <a:r>
-              <a:rPr lang="ko-KR" altLang="en-US" dirty="0" smtClean="0">
+              <a:rPr lang="ko-KR" altLang="en-US" dirty="0">
                 <a:latin typeface="한컴산뜻돋움" panose="02000000000000000000" pitchFamily="2" charset="-127"/>
                 <a:ea typeface="한컴산뜻돋움" panose="02000000000000000000" pitchFamily="2" charset="-127"/>
               </a:rPr>
-              <a:t>콘텐츠 보기 </a:t>
-            </a:r>
-            <a:r>
-              <a:rPr lang="en-US" altLang="ko-KR" dirty="0" smtClean="0">
+              <a:t>콘텐츠 보기</a:t>
+            </a:r>
+            <a:endParaRPr lang="en-US" altLang="ko-KR" dirty="0">
+              <a:latin typeface="한컴산뜻돋움" panose="02000000000000000000" pitchFamily="2" charset="-127"/>
+              <a:ea typeface="한컴산뜻돋움" panose="02000000000000000000" pitchFamily="2" charset="-127"/>
+            </a:endParaRPr>
+          </a:p>
+          <a:p>
+            <a:pPr marL="285750" indent="-285750">
+              <a:buFontTx/>
+              <a:buChar char="-"/>
+            </a:pPr>
+            <a:r>
+              <a:rPr lang="ko-KR" altLang="en-US" dirty="0">
+                <a:latin typeface="한컴산뜻돋움" panose="02000000000000000000" pitchFamily="2" charset="-127"/>
+                <a:ea typeface="한컴산뜻돋움" panose="02000000000000000000" pitchFamily="2" charset="-127"/>
+              </a:rPr>
+              <a:t>사진</a:t>
+            </a:r>
+            <a:r>
+              <a:rPr lang="en-US" altLang="ko-KR" dirty="0">
+                <a:latin typeface="한컴산뜻돋움" panose="02000000000000000000" pitchFamily="2" charset="-127"/>
+                <a:ea typeface="한컴산뜻돋움" panose="02000000000000000000" pitchFamily="2" charset="-127"/>
+              </a:rPr>
+              <a:t>, </a:t>
+            </a:r>
+            <a:r>
+              <a:rPr lang="ko-KR" altLang="en-US" dirty="0">
+                <a:latin typeface="한컴산뜻돋움" panose="02000000000000000000" pitchFamily="2" charset="-127"/>
+                <a:ea typeface="한컴산뜻돋움" panose="02000000000000000000" pitchFamily="2" charset="-127"/>
+              </a:rPr>
+              <a:t>동영상 업로드 </a:t>
+            </a:r>
+            <a:r>
+              <a:rPr lang="en-US" altLang="ko-KR" dirty="0">
                 <a:latin typeface="한컴산뜻돋움" panose="02000000000000000000" pitchFamily="2" charset="-127"/>
                 <a:ea typeface="한컴산뜻돋움" panose="02000000000000000000" pitchFamily="2" charset="-127"/>
               </a:rPr>
               <a:t>/ </a:t>
             </a:r>
             <a:r>
-              <a:rPr lang="ko-KR" altLang="en-US" dirty="0" smtClean="0">
+              <a:rPr lang="ko-KR" altLang="en-US" dirty="0">
                 <a:latin typeface="한컴산뜻돋움" panose="02000000000000000000" pitchFamily="2" charset="-127"/>
                 <a:ea typeface="한컴산뜻돋움" panose="02000000000000000000" pitchFamily="2" charset="-127"/>
               </a:rPr>
-              <a:t>사진</a:t>
-            </a:r>
-            <a:r>
-              <a:rPr lang="en-US" altLang="ko-KR" dirty="0" smtClean="0">
-                <a:latin typeface="한컴산뜻돋움" panose="02000000000000000000" pitchFamily="2" charset="-127"/>
-                <a:ea typeface="한컴산뜻돋움" panose="02000000000000000000" pitchFamily="2" charset="-127"/>
-              </a:rPr>
-              <a:t>, </a:t>
-            </a:r>
-            <a:r>
-              <a:rPr lang="ko-KR" altLang="en-US" dirty="0" smtClean="0">
-                <a:latin typeface="한컴산뜻돋움" panose="02000000000000000000" pitchFamily="2" charset="-127"/>
-                <a:ea typeface="한컴산뜻돋움" panose="02000000000000000000" pitchFamily="2" charset="-127"/>
-              </a:rPr>
-              <a:t>동영상 업로드 </a:t>
-            </a:r>
-            <a:r>
-              <a:rPr lang="en-US" altLang="ko-KR" dirty="0" smtClean="0">
-                <a:latin typeface="한컴산뜻돋움" panose="02000000000000000000" pitchFamily="2" charset="-127"/>
-                <a:ea typeface="한컴산뜻돋움" panose="02000000000000000000" pitchFamily="2" charset="-127"/>
-              </a:rPr>
-              <a:t>/ </a:t>
-            </a:r>
-            <a:r>
-              <a:rPr lang="ko-KR" altLang="en-US" dirty="0" smtClean="0">
-                <a:latin typeface="한컴산뜻돋움" panose="02000000000000000000" pitchFamily="2" charset="-127"/>
-                <a:ea typeface="한컴산뜻돋움" panose="02000000000000000000" pitchFamily="2" charset="-127"/>
-              </a:rPr>
-              <a:t>실시간 </a:t>
-            </a:r>
-            <a:r>
-              <a:rPr lang="ko-KR" altLang="en-US" dirty="0" smtClean="0">
-                <a:latin typeface="한컴산뜻돋움" panose="02000000000000000000" pitchFamily="2" charset="-127"/>
-                <a:ea typeface="한컴산뜻돋움" panose="02000000000000000000" pitchFamily="2" charset="-127"/>
-              </a:rPr>
-              <a:t>채팅</a:t>
-            </a:r>
-            <a:endParaRPr lang="en-US" altLang="ko-KR" dirty="0" smtClean="0">
+              <a:t>실시간 채팅</a:t>
+            </a:r>
+            <a:endParaRPr lang="en-US" altLang="ko-KR" dirty="0">
               <a:latin typeface="한컴산뜻돋움" panose="02000000000000000000" pitchFamily="2" charset="-127"/>
               <a:ea typeface="한컴산뜻돋움" panose="02000000000000000000" pitchFamily="2" charset="-127"/>
             </a:endParaRPr>
@@ -7604,33 +8814,44 @@
               <a:buChar char="-"/>
             </a:pPr>
             <a:r>
-              <a:rPr lang="ko-KR" altLang="en-US" dirty="0" smtClean="0">
+              <a:rPr lang="ko-KR" altLang="en-US" dirty="0">
                 <a:latin typeface="한컴산뜻돋움" panose="02000000000000000000" pitchFamily="2" charset="-127"/>
                 <a:ea typeface="한컴산뜻돋움" panose="02000000000000000000" pitchFamily="2" charset="-127"/>
               </a:rPr>
-              <a:t>커뮤니티 활동 </a:t>
-            </a:r>
-            <a:r>
-              <a:rPr lang="en-US" altLang="ko-KR" dirty="0" smtClean="0">
+              <a:t>프로필</a:t>
+            </a:r>
+            <a:r>
+              <a:rPr lang="en-US" altLang="ko-KR" dirty="0">
                 <a:latin typeface="한컴산뜻돋움" panose="02000000000000000000" pitchFamily="2" charset="-127"/>
                 <a:ea typeface="한컴산뜻돋움" panose="02000000000000000000" pitchFamily="2" charset="-127"/>
               </a:rPr>
               <a:t>(</a:t>
             </a:r>
             <a:r>
-              <a:rPr lang="ko-KR" altLang="en-US" dirty="0" smtClean="0">
+              <a:rPr lang="ko-KR" altLang="en-US" dirty="0">
                 <a:latin typeface="한컴산뜻돋움" panose="02000000000000000000" pitchFamily="2" charset="-127"/>
                 <a:ea typeface="한컴산뜻돋움" panose="02000000000000000000" pitchFamily="2" charset="-127"/>
               </a:rPr>
-              <a:t>댓글 남기기</a:t>
-            </a:r>
-            <a:r>
-              <a:rPr lang="en-US" altLang="ko-KR" dirty="0" smtClean="0">
+              <a:t>마이페이지</a:t>
+            </a:r>
+            <a:r>
+              <a:rPr lang="en-US" altLang="ko-KR" dirty="0">
                 <a:latin typeface="한컴산뜻돋움" panose="02000000000000000000" pitchFamily="2" charset="-127"/>
                 <a:ea typeface="한컴산뜻돋움" panose="02000000000000000000" pitchFamily="2" charset="-127"/>
               </a:rPr>
-              <a:t>)</a:t>
-            </a:r>
+              <a:t>) </a:t>
+            </a:r>
+            <a:r>
+              <a:rPr lang="ko-KR" altLang="en-US" dirty="0">
+                <a:latin typeface="한컴산뜻돋움" panose="02000000000000000000" pitchFamily="2" charset="-127"/>
+                <a:ea typeface="한컴산뜻돋움" panose="02000000000000000000" pitchFamily="2" charset="-127"/>
+              </a:rPr>
+              <a:t>관리</a:t>
+            </a:r>
+            <a:endParaRPr lang="en-US" altLang="ko-KR" dirty="0">
+              <a:latin typeface="한컴산뜻돋움" panose="02000000000000000000" pitchFamily="2" charset="-127"/>
+              <a:ea typeface="한컴산뜻돋움" panose="02000000000000000000" pitchFamily="2" charset="-127"/>
+            </a:endParaRPr>
           </a:p>
         </p:txBody>
       </p:sp>
@@ -7763,16 +8984,12 @@
           <a:lstStyle/>
           <a:p>
             <a:r>
-              <a:rPr lang="ko-KR" altLang="en-US" sz="2400" b="1" dirty="0" smtClean="0">
+              <a:rPr lang="ko-KR" altLang="en-US" sz="2400" b="1" dirty="0">
                 <a:latin typeface="한컴산뜻돋움" panose="02000000000000000000" pitchFamily="2" charset="-127"/>
                 <a:ea typeface="한컴산뜻돋움" panose="02000000000000000000" pitchFamily="2" charset="-127"/>
               </a:rPr>
               <a:t>팀 구성</a:t>
             </a:r>
-            <a:endParaRPr lang="ko-KR" altLang="en-US" sz="2400" b="1" dirty="0">
-              <a:latin typeface="한컴산뜻돋움" panose="02000000000000000000" pitchFamily="2" charset="-127"/>
-              <a:ea typeface="한컴산뜻돋움" panose="02000000000000000000" pitchFamily="2" charset="-127"/>
-            </a:endParaRPr>
           </a:p>
         </p:txBody>
       </p:sp>
@@ -7784,7 +9001,7 @@
         </p:nvGrpSpPr>
         <p:grpSpPr>
           <a:xfrm>
-            <a:off x="4185313" y="694752"/>
+            <a:off x="3842584" y="653491"/>
             <a:ext cx="3821373" cy="2485176"/>
             <a:chOff x="4185313" y="694752"/>
             <a:chExt cx="3821373" cy="2485176"/>
@@ -7877,7 +9094,7 @@
             <a:bodyPr rtlCol="0" anchor="ctr"/>
             <a:lstStyle/>
             <a:p>
-              <a:endParaRPr lang="en-US" altLang="ko-KR" dirty="0" smtClean="0">
+              <a:endParaRPr lang="en-US" altLang="ko-KR" dirty="0">
                 <a:solidFill>
                   <a:schemeClr val="tx1">
                     <a:lumMod val="50000"/>
@@ -7912,7 +9129,7 @@
             <a:p>
               <a:pPr algn="ctr"/>
               <a:r>
-                <a:rPr lang="en-US" altLang="ko-KR" sz="1400" b="1" dirty="0" smtClean="0">
+                <a:rPr lang="en-US" altLang="ko-KR" sz="1400" b="1" dirty="0">
                   <a:solidFill>
                     <a:srgbClr val="35038F"/>
                   </a:solidFill>
@@ -7922,7 +9139,7 @@
                 <a:t>PM, </a:t>
               </a:r>
               <a:r>
-                <a:rPr lang="ko-KR" altLang="en-US" sz="1400" b="1" dirty="0" smtClean="0">
+                <a:rPr lang="ko-KR" altLang="en-US" sz="1400" b="1" dirty="0">
                   <a:solidFill>
                     <a:srgbClr val="35038F"/>
                   </a:solidFill>
@@ -7931,7 +9148,7 @@
                 </a:rPr>
                 <a:t>책임 개발자</a:t>
               </a:r>
-              <a:endParaRPr lang="en-US" altLang="ko-KR" sz="1400" b="1" dirty="0" smtClean="0">
+              <a:endParaRPr lang="en-US" altLang="ko-KR" sz="1400" b="1" dirty="0">
                 <a:solidFill>
                   <a:srgbClr val="35038F"/>
                 </a:solidFill>
@@ -7964,10 +9181,10 @@
             <a:lstStyle/>
             <a:p>
               <a:r>
-                <a:rPr lang="ko-KR" altLang="en-US" b="1" dirty="0" smtClean="0"/>
+                <a:rPr lang="ko-KR" altLang="en-US" b="1" dirty="0"/>
                 <a:t>박가영</a:t>
               </a:r>
-              <a:endParaRPr lang="en-US" altLang="ko-KR" b="1" dirty="0" smtClean="0"/>
+              <a:endParaRPr lang="en-US" altLang="ko-KR" b="1" dirty="0"/>
             </a:p>
           </p:txBody>
         </p:sp>
@@ -7993,136 +9210,130 @@
             </a:bodyPr>
             <a:lstStyle/>
             <a:p>
+              <a:pPr algn="ctr"/>
               <a:r>
-                <a:rPr lang="en-US" altLang="ko-KR" dirty="0" smtClean="0"/>
+                <a:rPr lang="en-US" altLang="ko-KR" dirty="0"/>
                 <a:t>- </a:t>
               </a:r>
               <a:r>
-                <a:rPr lang="ko-KR" altLang="en-US" sz="1600" dirty="0" smtClean="0">
+                <a:rPr lang="ko-KR" altLang="en-US" sz="1600" dirty="0">
                   <a:latin typeface="한컴산뜻돋움" panose="02000000000000000000" pitchFamily="2" charset="-127"/>
                   <a:ea typeface="한컴산뜻돋움" panose="02000000000000000000" pitchFamily="2" charset="-127"/>
                 </a:rPr>
-                <a:t>데이터베이스 </a:t>
+                <a:t>데이터베이스 설계</a:t>
               </a:r>
-              <a:r>
-                <a:rPr lang="ko-KR" altLang="en-US" sz="1600" dirty="0" smtClean="0">
-                  <a:latin typeface="한컴산뜻돋움" panose="02000000000000000000" pitchFamily="2" charset="-127"/>
-                  <a:ea typeface="한컴산뜻돋움" panose="02000000000000000000" pitchFamily="2" charset="-127"/>
-                </a:rPr>
-                <a:t>설계</a:t>
-              </a:r>
-              <a:endParaRPr lang="en-US" altLang="ko-KR" sz="1600" dirty="0" smtClean="0">
+              <a:endParaRPr lang="en-US" altLang="ko-KR" sz="1600" dirty="0">
                 <a:latin typeface="한컴산뜻돋움" panose="02000000000000000000" pitchFamily="2" charset="-127"/>
                 <a:ea typeface="한컴산뜻돋움" panose="02000000000000000000" pitchFamily="2" charset="-127"/>
               </a:endParaRPr>
             </a:p>
             <a:p>
+              <a:pPr algn="ctr"/>
               <a:r>
-                <a:rPr lang="en-US" altLang="ko-KR" sz="1600" dirty="0" smtClean="0">
+                <a:rPr lang="en-US" altLang="ko-KR" sz="1600" dirty="0">
                   <a:latin typeface="한컴산뜻돋움" panose="02000000000000000000" pitchFamily="2" charset="-127"/>
                   <a:ea typeface="한컴산뜻돋움" panose="02000000000000000000" pitchFamily="2" charset="-127"/>
                 </a:rPr>
                 <a:t>- </a:t>
               </a:r>
               <a:r>
-                <a:rPr lang="ko-KR" altLang="en-US" sz="1600" dirty="0" smtClean="0">
+                <a:rPr lang="ko-KR" altLang="en-US" sz="1600" dirty="0">
                   <a:latin typeface="한컴산뜻돋움" panose="02000000000000000000" pitchFamily="2" charset="-127"/>
                   <a:ea typeface="한컴산뜻돋움" panose="02000000000000000000" pitchFamily="2" charset="-127"/>
                 </a:rPr>
                 <a:t>파일 업로드</a:t>
               </a:r>
               <a:r>
-                <a:rPr lang="en-US" altLang="ko-KR" sz="1600" dirty="0" smtClean="0">
+                <a:rPr lang="en-US" altLang="ko-KR" sz="1600" dirty="0">
                   <a:latin typeface="한컴산뜻돋움" panose="02000000000000000000" pitchFamily="2" charset="-127"/>
                   <a:ea typeface="한컴산뜻돋움" panose="02000000000000000000" pitchFamily="2" charset="-127"/>
                 </a:rPr>
                 <a:t>/</a:t>
               </a:r>
               <a:r>
-                <a:rPr lang="ko-KR" altLang="en-US" sz="1600" dirty="0" smtClean="0">
+                <a:rPr lang="ko-KR" altLang="en-US" sz="1600" dirty="0">
                   <a:latin typeface="한컴산뜻돋움" panose="02000000000000000000" pitchFamily="2" charset="-127"/>
                   <a:ea typeface="한컴산뜻돋움" panose="02000000000000000000" pitchFamily="2" charset="-127"/>
                 </a:rPr>
                 <a:t>해시태그 기능 구현</a:t>
               </a:r>
-              <a:endParaRPr lang="en-US" altLang="ko-KR" sz="1600" dirty="0" smtClean="0">
+              <a:endParaRPr lang="en-US" altLang="ko-KR" sz="1600" dirty="0">
                 <a:latin typeface="한컴산뜻돋움" panose="02000000000000000000" pitchFamily="2" charset="-127"/>
                 <a:ea typeface="한컴산뜻돋움" panose="02000000000000000000" pitchFamily="2" charset="-127"/>
               </a:endParaRPr>
             </a:p>
             <a:p>
+              <a:pPr algn="ctr"/>
               <a:r>
-                <a:rPr lang="en-US" altLang="ko-KR" sz="1600" dirty="0" smtClean="0">
+                <a:rPr lang="en-US" altLang="ko-KR" sz="1600" dirty="0">
                   <a:latin typeface="한컴산뜻돋움" panose="02000000000000000000" pitchFamily="2" charset="-127"/>
                   <a:ea typeface="한컴산뜻돋움" panose="02000000000000000000" pitchFamily="2" charset="-127"/>
                 </a:rPr>
                 <a:t>- </a:t>
               </a:r>
               <a:r>
-                <a:rPr lang="ko-KR" altLang="en-US" sz="1600" dirty="0" smtClean="0">
+                <a:rPr lang="ko-KR" altLang="en-US" sz="1600" dirty="0">
                   <a:latin typeface="한컴산뜻돋움" panose="02000000000000000000" pitchFamily="2" charset="-127"/>
                   <a:ea typeface="한컴산뜻돋움" panose="02000000000000000000" pitchFamily="2" charset="-127"/>
                 </a:rPr>
                 <a:t>검색</a:t>
               </a:r>
               <a:r>
-                <a:rPr lang="en-US" altLang="ko-KR" sz="1600" dirty="0" smtClean="0">
+                <a:rPr lang="en-US" altLang="ko-KR" sz="1600" dirty="0">
                   <a:latin typeface="한컴산뜻돋움" panose="02000000000000000000" pitchFamily="2" charset="-127"/>
                   <a:ea typeface="한컴산뜻돋움" panose="02000000000000000000" pitchFamily="2" charset="-127"/>
                 </a:rPr>
                 <a:t> </a:t>
               </a:r>
               <a:r>
-                <a:rPr lang="ko-KR" altLang="en-US" sz="1600" dirty="0" smtClean="0">
+                <a:rPr lang="ko-KR" altLang="en-US" sz="1600" dirty="0">
                   <a:latin typeface="한컴산뜻돋움" panose="02000000000000000000" pitchFamily="2" charset="-127"/>
                   <a:ea typeface="한컴산뜻돋움" panose="02000000000000000000" pitchFamily="2" charset="-127"/>
                 </a:rPr>
                 <a:t>기능 구현</a:t>
               </a:r>
-              <a:endParaRPr lang="en-US" altLang="ko-KR" sz="1600" dirty="0" smtClean="0">
+              <a:endParaRPr lang="en-US" altLang="ko-KR" sz="1600" dirty="0">
                 <a:latin typeface="한컴산뜻돋움" panose="02000000000000000000" pitchFamily="2" charset="-127"/>
                 <a:ea typeface="한컴산뜻돋움" panose="02000000000000000000" pitchFamily="2" charset="-127"/>
               </a:endParaRPr>
             </a:p>
             <a:p>
+              <a:pPr algn="ctr"/>
               <a:r>
-                <a:rPr lang="en-US" altLang="ko-KR" sz="1600" dirty="0" smtClean="0">
+                <a:rPr lang="en-US" altLang="ko-KR" sz="1600" dirty="0">
                   <a:latin typeface="한컴산뜻돋움" panose="02000000000000000000" pitchFamily="2" charset="-127"/>
                   <a:ea typeface="한컴산뜻돋움" panose="02000000000000000000" pitchFamily="2" charset="-127"/>
                 </a:rPr>
                 <a:t>- </a:t>
               </a:r>
               <a:r>
-                <a:rPr lang="ko-KR" altLang="en-US" sz="1600" dirty="0" smtClean="0">
+                <a:rPr lang="ko-KR" altLang="en-US" sz="1600" dirty="0">
                   <a:latin typeface="한컴산뜻돋움" panose="02000000000000000000" pitchFamily="2" charset="-127"/>
                   <a:ea typeface="한컴산뜻돋움" panose="02000000000000000000" pitchFamily="2" charset="-127"/>
                 </a:rPr>
                 <a:t>채팅 기능 구현</a:t>
               </a:r>
-              <a:endParaRPr lang="en-US" altLang="ko-KR" sz="1600" dirty="0" smtClean="0">
+              <a:endParaRPr lang="en-US" altLang="ko-KR" sz="1600" dirty="0">
                 <a:latin typeface="한컴산뜻돋움" panose="02000000000000000000" pitchFamily="2" charset="-127"/>
                 <a:ea typeface="한컴산뜻돋움" panose="02000000000000000000" pitchFamily="2" charset="-127"/>
               </a:endParaRPr>
             </a:p>
             <a:p>
+              <a:pPr algn="ctr"/>
               <a:r>
-                <a:rPr lang="en-US" altLang="ko-KR" sz="1600" dirty="0" smtClean="0">
+                <a:rPr lang="en-US" altLang="ko-KR" sz="1600" dirty="0">
                   <a:latin typeface="한컴산뜻돋움" panose="02000000000000000000" pitchFamily="2" charset="-127"/>
                   <a:ea typeface="한컴산뜻돋움" panose="02000000000000000000" pitchFamily="2" charset="-127"/>
                 </a:rPr>
                 <a:t>- </a:t>
               </a:r>
               <a:r>
-                <a:rPr lang="ko-KR" altLang="en-US" sz="1600" dirty="0" smtClean="0">
+                <a:rPr lang="ko-KR" altLang="en-US" sz="1600" dirty="0">
                   <a:latin typeface="한컴산뜻돋움" panose="02000000000000000000" pitchFamily="2" charset="-127"/>
                   <a:ea typeface="한컴산뜻돋움" panose="02000000000000000000" pitchFamily="2" charset="-127"/>
                 </a:rPr>
                 <a:t>통합 및 형상관리</a:t>
               </a:r>
-              <a:endParaRPr lang="ko-KR" altLang="en-US" sz="1600" dirty="0">
-                <a:latin typeface="한컴산뜻돋움" panose="02000000000000000000" pitchFamily="2" charset="-127"/>
-                <a:ea typeface="한컴산뜻돋움" panose="02000000000000000000" pitchFamily="2" charset="-127"/>
-              </a:endParaRPr>
             </a:p>
           </p:txBody>
         </p:sp>
@@ -8233,7 +9444,7 @@
             <a:bodyPr rtlCol="0" anchor="ctr"/>
             <a:lstStyle/>
             <a:p>
-              <a:endParaRPr lang="en-US" altLang="ko-KR" dirty="0" smtClean="0">
+              <a:endParaRPr lang="en-US" altLang="ko-KR" dirty="0">
                 <a:solidFill>
                   <a:schemeClr val="tx1">
                     <a:lumMod val="50000"/>
@@ -8268,7 +9479,7 @@
             <a:p>
               <a:pPr algn="r"/>
               <a:r>
-                <a:rPr lang="ko-KR" altLang="en-US" sz="1400" b="1" dirty="0" smtClean="0">
+                <a:rPr lang="ko-KR" altLang="en-US" sz="1400" b="1" dirty="0">
                   <a:solidFill>
                     <a:schemeClr val="tx1">
                       <a:lumMod val="65000"/>
@@ -8278,7 +9489,7 @@
                 </a:rPr>
                 <a:t>팀원</a:t>
               </a:r>
-              <a:endParaRPr lang="en-US" altLang="ko-KR" sz="1400" b="1" dirty="0" smtClean="0">
+              <a:endParaRPr lang="en-US" altLang="ko-KR" sz="1400" b="1" dirty="0">
                 <a:solidFill>
                   <a:schemeClr val="tx1">
                     <a:lumMod val="65000"/>
@@ -8312,10 +9523,10 @@
             <a:lstStyle/>
             <a:p>
               <a:r>
-                <a:rPr lang="ko-KR" altLang="en-US" b="1" dirty="0" smtClean="0"/>
+                <a:rPr lang="ko-KR" altLang="en-US" b="1" dirty="0"/>
                 <a:t>김진우</a:t>
               </a:r>
-              <a:endParaRPr lang="en-US" altLang="ko-KR" b="1" dirty="0" smtClean="0"/>
+              <a:endParaRPr lang="en-US" altLang="ko-KR" b="1" dirty="0"/>
             </a:p>
           </p:txBody>
         </p:sp>
@@ -8342,30 +9553,30 @@
             <a:lstStyle/>
             <a:p>
               <a:r>
-                <a:rPr lang="en-US" altLang="ko-KR" sz="1600" dirty="0" smtClean="0">
+                <a:rPr lang="en-US" altLang="ko-KR" sz="1600" dirty="0">
                   <a:latin typeface="+mn-ea"/>
                 </a:rPr>
                 <a:t>- </a:t>
               </a:r>
               <a:r>
-                <a:rPr lang="ko-KR" altLang="en-US" sz="1600" dirty="0" smtClean="0">
+                <a:rPr lang="ko-KR" altLang="en-US" sz="1600" dirty="0">
                   <a:latin typeface="+mn-ea"/>
                 </a:rPr>
                 <a:t>로그인</a:t>
               </a:r>
               <a:r>
-                <a:rPr lang="en-US" altLang="ko-KR" sz="1600" dirty="0" smtClean="0">
+                <a:rPr lang="en-US" altLang="ko-KR" sz="1600" dirty="0">
                   <a:latin typeface="+mn-ea"/>
                 </a:rPr>
                 <a:t>/</a:t>
               </a:r>
               <a:r>
-                <a:rPr lang="ko-KR" altLang="en-US" sz="1600" dirty="0" smtClean="0">
+                <a:rPr lang="ko-KR" altLang="en-US" sz="1600" dirty="0">
                   <a:latin typeface="+mn-ea"/>
                 </a:rPr>
                 <a:t>회원가입 구현</a:t>
               </a:r>
-              <a:endParaRPr lang="en-US" altLang="ko-KR" sz="1600" dirty="0" smtClean="0">
+              <a:endParaRPr lang="en-US" altLang="ko-KR" sz="1600" dirty="0">
                 <a:latin typeface="+mn-ea"/>
               </a:endParaRPr>
             </a:p>
@@ -8374,26 +9585,23 @@
                 <a:buFontTx/>
                 <a:buChar char="-"/>
               </a:pPr>
-              <a:endParaRPr lang="en-US" altLang="ko-KR" sz="1600" dirty="0" smtClean="0">
+              <a:endParaRPr lang="en-US" altLang="ko-KR" sz="1600" dirty="0">
                 <a:latin typeface="+mn-ea"/>
               </a:endParaRPr>
             </a:p>
             <a:p>
               <a:r>
-                <a:rPr lang="en-US" altLang="ko-KR" sz="1600" dirty="0" smtClean="0">
+                <a:rPr lang="en-US" altLang="ko-KR" sz="1600" dirty="0">
                   <a:latin typeface="+mn-ea"/>
                 </a:rPr>
                 <a:t>- chat(websocket) </a:t>
               </a:r>
               <a:r>
-                <a:rPr lang="ko-KR" altLang="en-US" sz="1600" dirty="0" smtClean="0">
+                <a:rPr lang="ko-KR" altLang="en-US" sz="1600" dirty="0">
                   <a:latin typeface="+mn-ea"/>
                 </a:rPr>
                 <a:t>기능 구현</a:t>
               </a:r>
-              <a:endParaRPr lang="ko-KR" altLang="en-US" sz="1600" dirty="0">
-                <a:latin typeface="+mn-ea"/>
-              </a:endParaRPr>
             </a:p>
           </p:txBody>
         </p:sp>
@@ -8504,7 +9712,7 @@
             <a:bodyPr rtlCol="0" anchor="ctr"/>
             <a:lstStyle/>
             <a:p>
-              <a:endParaRPr lang="en-US" altLang="ko-KR" dirty="0" smtClean="0">
+              <a:endParaRPr lang="en-US" altLang="ko-KR" dirty="0">
                 <a:solidFill>
                   <a:schemeClr val="tx1">
                     <a:lumMod val="50000"/>
@@ -8539,7 +9747,7 @@
             <a:p>
               <a:pPr algn="r"/>
               <a:r>
-                <a:rPr lang="ko-KR" altLang="en-US" sz="1400" b="1" dirty="0" smtClean="0">
+                <a:rPr lang="ko-KR" altLang="en-US" sz="1400" b="1" dirty="0">
                   <a:solidFill>
                     <a:schemeClr val="tx1">
                       <a:lumMod val="65000"/>
@@ -8549,7 +9757,7 @@
                 </a:rPr>
                 <a:t>팀원</a:t>
               </a:r>
-              <a:endParaRPr lang="en-US" altLang="ko-KR" sz="1400" b="1" dirty="0" smtClean="0">
+              <a:endParaRPr lang="en-US" altLang="ko-KR" sz="1400" b="1" dirty="0">
                 <a:solidFill>
                   <a:schemeClr val="tx1">
                     <a:lumMod val="65000"/>
@@ -8583,10 +9791,10 @@
             <a:lstStyle/>
             <a:p>
               <a:r>
-                <a:rPr lang="ko-KR" altLang="en-US" b="1" dirty="0" smtClean="0"/>
+                <a:rPr lang="ko-KR" altLang="en-US" b="1" dirty="0"/>
                 <a:t>이왕근</a:t>
               </a:r>
-              <a:endParaRPr lang="en-US" altLang="ko-KR" b="1" dirty="0" smtClean="0"/>
+              <a:endParaRPr lang="en-US" altLang="ko-KR" b="1" dirty="0"/>
             </a:p>
           </p:txBody>
         </p:sp>
@@ -8613,30 +9821,18 @@
             <a:lstStyle/>
             <a:p>
               <a:r>
-                <a:rPr lang="en-US" altLang="ko-KR" sz="1600" dirty="0" smtClean="0">
+                <a:rPr lang="en-US" altLang="ko-KR" sz="1600" dirty="0">
                   <a:latin typeface="+mn-ea"/>
                 </a:rPr>
                 <a:t>- chat</a:t>
               </a:r>
               <a:r>
-                <a:rPr lang="ko-KR" altLang="en-US" sz="1600" dirty="0" smtClean="0">
+                <a:rPr lang="ko-KR" altLang="en-US" sz="1600" dirty="0">
                   <a:latin typeface="+mn-ea"/>
                 </a:rPr>
-                <a:t> </a:t>
+                <a:t> 화면 구현</a:t>
               </a:r>
-              <a:r>
-                <a:rPr lang="ko-KR" altLang="en-US" sz="1600" dirty="0" smtClean="0">
-                  <a:latin typeface="+mn-ea"/>
-                </a:rPr>
-                <a:t>화면 </a:t>
-              </a:r>
-              <a:r>
-                <a:rPr lang="ko-KR" altLang="en-US" sz="1600" dirty="0" smtClean="0">
-                  <a:latin typeface="+mn-ea"/>
-                </a:rPr>
-                <a:t>구현</a:t>
-              </a:r>
-              <a:endParaRPr lang="en-US" altLang="ko-KR" sz="1600" dirty="0" smtClean="0">
+              <a:endParaRPr lang="en-US" altLang="ko-KR" sz="1600" dirty="0">
                 <a:latin typeface="+mn-ea"/>
               </a:endParaRPr>
             </a:p>
@@ -8645,26 +9841,23 @@
                 <a:buFontTx/>
                 <a:buChar char="-"/>
               </a:pPr>
-              <a:endParaRPr lang="en-US" altLang="ko-KR" sz="1600" dirty="0" smtClean="0">
+              <a:endParaRPr lang="en-US" altLang="ko-KR" sz="1600" dirty="0">
                 <a:latin typeface="+mn-ea"/>
               </a:endParaRPr>
             </a:p>
             <a:p>
               <a:r>
-                <a:rPr lang="en-US" altLang="ko-KR" sz="1600" dirty="0" smtClean="0">
+                <a:rPr lang="en-US" altLang="ko-KR" sz="1600" dirty="0">
                   <a:latin typeface="+mn-ea"/>
                 </a:rPr>
                 <a:t>- post </a:t>
               </a:r>
               <a:r>
-                <a:rPr lang="ko-KR" altLang="en-US" sz="1600" dirty="0" smtClean="0">
+                <a:rPr lang="ko-KR" altLang="en-US" sz="1600" dirty="0">
                   <a:latin typeface="+mn-ea"/>
                 </a:rPr>
                 <a:t>기능 구현</a:t>
               </a:r>
-              <a:endParaRPr lang="ko-KR" altLang="en-US" sz="1600" dirty="0">
-                <a:latin typeface="+mn-ea"/>
-              </a:endParaRPr>
             </a:p>
           </p:txBody>
         </p:sp>
@@ -8775,7 +9968,7 @@
             <a:bodyPr rtlCol="0" anchor="ctr"/>
             <a:lstStyle/>
             <a:p>
-              <a:endParaRPr lang="en-US" altLang="ko-KR" dirty="0" smtClean="0">
+              <a:endParaRPr lang="en-US" altLang="ko-KR" dirty="0">
                 <a:solidFill>
                   <a:schemeClr val="tx1">
                     <a:lumMod val="50000"/>
@@ -8810,7 +10003,7 @@
             <a:p>
               <a:pPr algn="r"/>
               <a:r>
-                <a:rPr lang="ko-KR" altLang="en-US" sz="1400" b="1" dirty="0" smtClean="0">
+                <a:rPr lang="ko-KR" altLang="en-US" sz="1400" b="1" dirty="0">
                   <a:solidFill>
                     <a:schemeClr val="tx1">
                       <a:lumMod val="65000"/>
@@ -8820,7 +10013,7 @@
                 </a:rPr>
                 <a:t>팀원</a:t>
               </a:r>
-              <a:endParaRPr lang="en-US" altLang="ko-KR" sz="1400" b="1" dirty="0" smtClean="0">
+              <a:endParaRPr lang="en-US" altLang="ko-KR" sz="1400" b="1" dirty="0">
                 <a:solidFill>
                   <a:schemeClr val="tx1">
                     <a:lumMod val="65000"/>
@@ -8854,10 +10047,10 @@
             <a:lstStyle/>
             <a:p>
               <a:r>
-                <a:rPr lang="ko-KR" altLang="en-US" b="1" dirty="0" smtClean="0"/>
+                <a:rPr lang="ko-KR" altLang="en-US" b="1" dirty="0"/>
                 <a:t>조광호</a:t>
               </a:r>
-              <a:endParaRPr lang="en-US" altLang="ko-KR" b="1" dirty="0" smtClean="0"/>
+              <a:endParaRPr lang="en-US" altLang="ko-KR" b="1" dirty="0"/>
             </a:p>
           </p:txBody>
         </p:sp>
@@ -8884,18 +10077,18 @@
             <a:lstStyle/>
             <a:p>
               <a:r>
-                <a:rPr lang="en-US" altLang="ko-KR" sz="1600" dirty="0" smtClean="0">
+                <a:rPr lang="en-US" altLang="ko-KR" sz="1600" dirty="0">
                   <a:latin typeface="+mn-ea"/>
                 </a:rPr>
                 <a:t>- </a:t>
               </a:r>
               <a:r>
-                <a:rPr lang="ko-KR" altLang="en-US" sz="1600" dirty="0" smtClean="0">
+                <a:rPr lang="ko-KR" altLang="en-US" sz="1600" dirty="0">
                   <a:latin typeface="+mn-ea"/>
                 </a:rPr>
                 <a:t>메인 페이지 기능 구현</a:t>
               </a:r>
-              <a:endParaRPr lang="en-US" altLang="ko-KR" sz="1600" dirty="0" smtClean="0">
+              <a:endParaRPr lang="en-US" altLang="ko-KR" sz="1600" dirty="0">
                 <a:latin typeface="+mn-ea"/>
               </a:endParaRPr>
             </a:p>
@@ -8910,18 +10103,18 @@
             </a:p>
             <a:p>
               <a:r>
-                <a:rPr lang="en-US" altLang="ko-KR" sz="1600" dirty="0" smtClean="0">
+                <a:rPr lang="en-US" altLang="ko-KR" sz="1600" dirty="0">
                   <a:latin typeface="+mn-ea"/>
                 </a:rPr>
                 <a:t>- </a:t>
               </a:r>
               <a:r>
-                <a:rPr lang="ko-KR" altLang="en-US" sz="1600" dirty="0" smtClean="0">
+                <a:rPr lang="ko-KR" altLang="en-US" sz="1600" dirty="0">
                   <a:latin typeface="+mn-ea"/>
                 </a:rPr>
                 <a:t>유저 추천 기능 구현</a:t>
               </a:r>
-              <a:endParaRPr lang="en-US" altLang="ko-KR" sz="1600" dirty="0" smtClean="0">
+              <a:endParaRPr lang="en-US" altLang="ko-KR" sz="1600" dirty="0">
                 <a:latin typeface="+mn-ea"/>
               </a:endParaRPr>
             </a:p>
@@ -8930,24 +10123,24 @@
                 <a:buFontTx/>
                 <a:buChar char="-"/>
               </a:pPr>
-              <a:endParaRPr lang="en-US" altLang="ko-KR" sz="1600" dirty="0" smtClean="0">
+              <a:endParaRPr lang="en-US" altLang="ko-KR" sz="1600" dirty="0">
                 <a:latin typeface="+mn-ea"/>
               </a:endParaRPr>
             </a:p>
             <a:p>
               <a:r>
-                <a:rPr lang="en-US" altLang="ko-KR" sz="1600" dirty="0" smtClean="0">
+                <a:rPr lang="en-US" altLang="ko-KR" sz="1600" dirty="0">
                   <a:latin typeface="+mn-ea"/>
                 </a:rPr>
                 <a:t>- </a:t>
               </a:r>
               <a:r>
-                <a:rPr lang="ko-KR" altLang="en-US" sz="1600" dirty="0" smtClean="0">
+                <a:rPr lang="ko-KR" altLang="en-US" sz="1600" dirty="0">
                   <a:latin typeface="+mn-ea"/>
                 </a:rPr>
                 <a:t>통합 및 형상관리</a:t>
               </a:r>
-              <a:endParaRPr lang="en-US" altLang="ko-KR" sz="1600" dirty="0" smtClean="0">
+              <a:endParaRPr lang="en-US" altLang="ko-KR" sz="1600" dirty="0">
                 <a:latin typeface="+mn-ea"/>
               </a:endParaRPr>
             </a:p>
@@ -9060,7 +10253,7 @@
             <a:bodyPr rtlCol="0" anchor="ctr"/>
             <a:lstStyle/>
             <a:p>
-              <a:endParaRPr lang="en-US" altLang="ko-KR" dirty="0" smtClean="0">
+              <a:endParaRPr lang="en-US" altLang="ko-KR" dirty="0">
                 <a:solidFill>
                   <a:schemeClr val="tx1">
                     <a:lumMod val="50000"/>
@@ -9095,7 +10288,7 @@
             <a:p>
               <a:pPr algn="r"/>
               <a:r>
-                <a:rPr lang="ko-KR" altLang="en-US" sz="1400" b="1" dirty="0" smtClean="0">
+                <a:rPr lang="ko-KR" altLang="en-US" sz="1400" b="1" dirty="0">
                   <a:solidFill>
                     <a:schemeClr val="tx1">
                       <a:lumMod val="65000"/>
@@ -9105,7 +10298,7 @@
                 </a:rPr>
                 <a:t>팀원</a:t>
               </a:r>
-              <a:endParaRPr lang="en-US" altLang="ko-KR" sz="1400" b="1" dirty="0" smtClean="0">
+              <a:endParaRPr lang="en-US" altLang="ko-KR" sz="1400" b="1" dirty="0">
                 <a:solidFill>
                   <a:schemeClr val="tx1">
                     <a:lumMod val="65000"/>
@@ -9139,10 +10332,10 @@
             <a:lstStyle/>
             <a:p>
               <a:r>
-                <a:rPr lang="ko-KR" altLang="en-US" b="1" dirty="0" smtClean="0"/>
+                <a:rPr lang="ko-KR" altLang="en-US" b="1" dirty="0"/>
                 <a:t>조주영</a:t>
               </a:r>
-              <a:endParaRPr lang="en-US" altLang="ko-KR" b="1" dirty="0" smtClean="0"/>
+              <a:endParaRPr lang="en-US" altLang="ko-KR" b="1" dirty="0"/>
             </a:p>
           </p:txBody>
         </p:sp>
@@ -9169,82 +10362,30 @@
             <a:lstStyle/>
             <a:p>
               <a:r>
-                <a:rPr lang="en-US" altLang="ko-KR" sz="1600" dirty="0" smtClean="0">
+                <a:rPr lang="en-US" altLang="ko-KR" sz="1600" dirty="0">
                   <a:latin typeface="+mn-ea"/>
                 </a:rPr>
                 <a:t>- </a:t>
               </a:r>
               <a:r>
-                <a:rPr lang="ko-KR" altLang="en-US" sz="1600" dirty="0" smtClean="0">
+                <a:rPr lang="ko-KR" altLang="en-US" sz="1600" dirty="0">
                   <a:latin typeface="+mn-ea"/>
                 </a:rPr>
                 <a:t>프로필 화면 </a:t>
               </a:r>
               <a:r>
-                <a:rPr lang="en-US" altLang="ko-KR" sz="1600" dirty="0" smtClean="0">
+                <a:rPr lang="en-US" altLang="ko-KR" sz="1600" dirty="0">
                   <a:latin typeface="+mn-ea"/>
                 </a:rPr>
                 <a:t>/ </a:t>
               </a:r>
               <a:r>
-                <a:rPr lang="ko-KR" altLang="en-US" sz="1600" dirty="0" smtClean="0">
+                <a:rPr lang="ko-KR" altLang="en-US" sz="1600" dirty="0">
                   <a:latin typeface="+mn-ea"/>
                 </a:rPr>
-                <a:t>기능 </a:t>
+                <a:t>기능 구현</a:t>
               </a:r>
-              <a:r>
-                <a:rPr lang="ko-KR" altLang="en-US" sz="1600" dirty="0" smtClean="0">
-                  <a:latin typeface="+mn-ea"/>
-                </a:rPr>
-                <a:t>구현</a:t>
-              </a:r>
-              <a:endParaRPr lang="en-US" altLang="ko-KR" sz="1600" dirty="0" smtClean="0">
-                <a:latin typeface="+mn-ea"/>
-              </a:endParaRPr>
-            </a:p>
-            <a:p>
-              <a:endParaRPr lang="en-US" altLang="ko-KR" sz="1600" dirty="0" smtClean="0">
-                <a:latin typeface="+mn-ea"/>
-              </a:endParaRPr>
-            </a:p>
-            <a:p>
-              <a:r>
-                <a:rPr lang="en-US" altLang="ko-KR" sz="1600" dirty="0" smtClean="0">
-                  <a:latin typeface="+mn-ea"/>
-                </a:rPr>
-                <a:t>- </a:t>
-              </a:r>
-              <a:r>
-                <a:rPr lang="ko-KR" altLang="en-US" sz="1600" dirty="0" err="1" smtClean="0">
-                  <a:latin typeface="+mn-ea"/>
-                </a:rPr>
-                <a:t>게시글</a:t>
-              </a:r>
-              <a:r>
-                <a:rPr lang="ko-KR" altLang="en-US" sz="1600" dirty="0" smtClean="0">
-                  <a:latin typeface="+mn-ea"/>
-                </a:rPr>
-                <a:t> 상세보기</a:t>
-              </a:r>
-              <a:r>
-                <a:rPr lang="en-US" altLang="ko-KR" sz="1600" dirty="0" smtClean="0">
-                  <a:latin typeface="+mn-ea"/>
-                </a:rPr>
-                <a:t> </a:t>
-              </a:r>
-              <a:r>
-                <a:rPr lang="ko-KR" altLang="en-US" sz="1600" dirty="0" smtClean="0">
-                  <a:latin typeface="+mn-ea"/>
-                </a:rPr>
-                <a:t>화면 </a:t>
-              </a:r>
-              <a:r>
-                <a:rPr lang="ko-KR" altLang="en-US" sz="1600" dirty="0" smtClean="0">
-                  <a:latin typeface="+mn-ea"/>
-                </a:rPr>
-                <a:t>구현</a:t>
-              </a:r>
-              <a:endParaRPr lang="en-US" altLang="ko-KR" sz="1600" dirty="0" smtClean="0">
+              <a:endParaRPr lang="en-US" altLang="ko-KR" sz="1600" dirty="0">
                 <a:latin typeface="+mn-ea"/>
               </a:endParaRPr>
             </a:p>
@@ -9255,20 +10396,57 @@
             </a:p>
             <a:p>
               <a:r>
-                <a:rPr lang="en-US" altLang="ko-KR" sz="1600" dirty="0" smtClean="0">
+                <a:rPr lang="en-US" altLang="ko-KR" sz="1600" dirty="0">
+                  <a:latin typeface="+mn-ea"/>
+                </a:rPr>
+                <a:t>- </a:t>
+              </a:r>
+              <a:r>
+                <a:rPr lang="ko-KR" altLang="en-US" sz="1600" dirty="0" err="1">
+                  <a:latin typeface="+mn-ea"/>
+                </a:rPr>
+                <a:t>게시글</a:t>
+              </a:r>
+              <a:r>
+                <a:rPr lang="ko-KR" altLang="en-US" sz="1600" dirty="0">
+                  <a:latin typeface="+mn-ea"/>
+                </a:rPr>
+                <a:t> 상세보기</a:t>
+              </a:r>
+              <a:r>
+                <a:rPr lang="en-US" altLang="ko-KR" sz="1600" dirty="0">
+                  <a:latin typeface="+mn-ea"/>
+                </a:rPr>
+                <a:t> </a:t>
+              </a:r>
+              <a:r>
+                <a:rPr lang="ko-KR" altLang="en-US" sz="1600" dirty="0">
+                  <a:latin typeface="+mn-ea"/>
+                </a:rPr>
+                <a:t>화면 구현</a:t>
+              </a:r>
+              <a:endParaRPr lang="en-US" altLang="ko-KR" sz="1600" dirty="0">
+                <a:latin typeface="+mn-ea"/>
+              </a:endParaRPr>
+            </a:p>
+            <a:p>
+              <a:endParaRPr lang="en-US" altLang="ko-KR" sz="1600" dirty="0">
+                <a:latin typeface="+mn-ea"/>
+              </a:endParaRPr>
+            </a:p>
+            <a:p>
+              <a:r>
+                <a:rPr lang="en-US" altLang="ko-KR" sz="1600" dirty="0">
                   <a:latin typeface="+mn-ea"/>
                 </a:rPr>
                 <a:t>- search follow </a:t>
               </a:r>
               <a:r>
-                <a:rPr lang="ko-KR" altLang="en-US" sz="1600" dirty="0" smtClean="0">
+                <a:rPr lang="ko-KR" altLang="en-US" sz="1600" dirty="0">
                   <a:latin typeface="+mn-ea"/>
                 </a:rPr>
                 <a:t>기능 구현</a:t>
               </a:r>
-              <a:endParaRPr lang="ko-KR" altLang="en-US" sz="1600" dirty="0">
-                <a:latin typeface="+mn-ea"/>
-              </a:endParaRPr>
             </a:p>
           </p:txBody>
         </p:sp>
@@ -9281,7 +10459,7 @@
         </p:nvCxnSpPr>
         <p:spPr>
           <a:xfrm flipH="1">
-            <a:off x="2292824" y="2483893"/>
+            <a:off x="1700428" y="2321844"/>
             <a:ext cx="1722222" cy="1434005"/>
           </a:xfrm>
           <a:prstGeom prst="straightConnector1">
@@ -9349,7 +10527,7 @@
         </p:nvCxnSpPr>
         <p:spPr>
           <a:xfrm>
-            <a:off x="5063572" y="3302758"/>
+            <a:off x="4732913" y="3302758"/>
             <a:ext cx="0" cy="769028"/>
           </a:xfrm>
           <a:prstGeom prst="straightConnector1">
@@ -9640,16 +10818,12 @@
           <a:lstStyle/>
           <a:p>
             <a:r>
-              <a:rPr lang="ko-KR" altLang="en-US" sz="2400" b="1" dirty="0" smtClean="0">
+              <a:rPr lang="ko-KR" altLang="en-US" sz="2400" b="1" dirty="0">
                 <a:latin typeface="한컴산뜻돋움" panose="02000000000000000000" pitchFamily="2" charset="-127"/>
                 <a:ea typeface="한컴산뜻돋움" panose="02000000000000000000" pitchFamily="2" charset="-127"/>
               </a:rPr>
               <a:t>개발 환경</a:t>
             </a:r>
-            <a:endParaRPr lang="ko-KR" altLang="en-US" sz="2400" b="1" dirty="0">
-              <a:latin typeface="한컴산뜻돋움" panose="02000000000000000000" pitchFamily="2" charset="-127"/>
-              <a:ea typeface="한컴산뜻돋움" panose="02000000000000000000" pitchFamily="2" charset="-127"/>
-            </a:endParaRPr>
           </a:p>
         </p:txBody>
       </p:sp>
@@ -9722,7 +10896,7 @@
                     <a:p>
                       <a:pPr algn="ctr" latinLnBrk="1"/>
                       <a:r>
-                        <a:rPr lang="ko-KR" altLang="en-US" sz="1600" dirty="0" smtClean="0"/>
+                        <a:rPr lang="ko-KR" altLang="en-US" sz="1600" dirty="0"/>
                         <a:t>유형</a:t>
                       </a:r>
                       <a:endParaRPr lang="ko-KR" altLang="en-US" sz="1600" dirty="0">
@@ -9763,7 +10937,7 @@
                     <a:p>
                       <a:pPr algn="ctr" latinLnBrk="1"/>
                       <a:r>
-                        <a:rPr lang="ko-KR" altLang="en-US" sz="1600" dirty="0" smtClean="0"/>
+                        <a:rPr lang="ko-KR" altLang="en-US" sz="1600" dirty="0"/>
                         <a:t>구분</a:t>
                       </a:r>
                       <a:endParaRPr lang="ko-KR" altLang="en-US" sz="1600" dirty="0">
@@ -9815,7 +10989,7 @@
                     <a:p>
                       <a:pPr algn="ctr" latinLnBrk="1"/>
                       <a:r>
-                        <a:rPr lang="ko-KR" altLang="en-US" sz="1600" dirty="0" smtClean="0"/>
+                        <a:rPr lang="ko-KR" altLang="en-US" sz="1600" dirty="0"/>
                         <a:t>개발 환경</a:t>
                       </a:r>
                       <a:endParaRPr lang="ko-KR" altLang="en-US" sz="1600" dirty="0">
@@ -9878,7 +11052,7 @@
                     <a:p>
                       <a:pPr algn="ctr" latinLnBrk="1"/>
                       <a:r>
-                        <a:rPr lang="ko-KR" altLang="en-US" sz="1600" dirty="0" smtClean="0"/>
+                        <a:rPr lang="ko-KR" altLang="en-US" sz="1600" dirty="0"/>
                         <a:t>서비스 환경</a:t>
                       </a:r>
                       <a:endParaRPr lang="ko-KR" altLang="en-US" sz="1600" dirty="0">
@@ -9926,7 +11100,7 @@
                     <a:p>
                       <a:pPr algn="ctr" latinLnBrk="1"/>
                       <a:r>
-                        <a:rPr lang="en-US" altLang="ko-KR" sz="1400" dirty="0" smtClean="0">
+                        <a:rPr lang="en-US" altLang="ko-KR" sz="1400" dirty="0">
                           <a:latin typeface="한컴산뜻돋움" panose="02000000000000000000" pitchFamily="2" charset="-127"/>
                           <a:ea typeface="한컴산뜻돋움" panose="02000000000000000000" pitchFamily="2" charset="-127"/>
                         </a:rPr>
@@ -9970,7 +11144,7 @@
                     <a:p>
                       <a:pPr algn="l" latinLnBrk="1"/>
                       <a:r>
-                        <a:rPr lang="en-US" altLang="ko-KR" sz="1400" dirty="0" smtClean="0">
+                        <a:rPr lang="en-US" altLang="ko-KR" sz="1400" dirty="0">
                           <a:latin typeface="한컴산뜻돋움" panose="02000000000000000000" pitchFamily="2" charset="-127"/>
                           <a:ea typeface="한컴산뜻돋움" panose="02000000000000000000" pitchFamily="2" charset="-127"/>
                         </a:rPr>
@@ -10036,7 +11210,7 @@
                     <a:p>
                       <a:pPr algn="l" latinLnBrk="1"/>
                       <a:r>
-                        <a:rPr lang="en-US" altLang="ko-KR" sz="1400" dirty="0" smtClean="0">
+                        <a:rPr lang="en-US" altLang="ko-KR" sz="1400" dirty="0">
                           <a:latin typeface="한컴산뜻돋움" panose="02000000000000000000" pitchFamily="2" charset="-127"/>
                           <a:ea typeface="한컴산뜻돋움" panose="02000000000000000000" pitchFamily="2" charset="-127"/>
                         </a:rPr>
@@ -10113,7 +11287,7 @@
                     <a:p>
                       <a:pPr algn="l" latinLnBrk="1"/>
                       <a:r>
-                        <a:rPr lang="en-US" altLang="ko-KR" sz="1400" dirty="0" smtClean="0">
+                        <a:rPr lang="en-US" altLang="ko-KR" sz="1400" dirty="0">
                           <a:latin typeface="한컴산뜻돋움" panose="02000000000000000000" pitchFamily="2" charset="-127"/>
                           <a:ea typeface="한컴산뜻돋움" panose="02000000000000000000" pitchFamily="2" charset="-127"/>
                         </a:rPr>
@@ -10223,7 +11397,7 @@
                     <a:p>
                       <a:pPr algn="l" latinLnBrk="1"/>
                       <a:r>
-                        <a:rPr lang="en-US" altLang="ko-KR" sz="1400" dirty="0" smtClean="0">
+                        <a:rPr lang="en-US" altLang="ko-KR" sz="1400" dirty="0">
                           <a:latin typeface="한컴산뜻돋움" panose="02000000000000000000" pitchFamily="2" charset="-127"/>
                           <a:ea typeface="한컴산뜻돋움" panose="02000000000000000000" pitchFamily="2" charset="-127"/>
                         </a:rPr>
@@ -10289,7 +11463,7 @@
                     <a:p>
                       <a:pPr algn="l" latinLnBrk="1"/>
                       <a:r>
-                        <a:rPr lang="en-US" altLang="ko-KR" sz="1400" dirty="0" smtClean="0">
+                        <a:rPr lang="en-US" altLang="ko-KR" sz="1400" dirty="0">
                           <a:latin typeface="한컴산뜻돋움" panose="02000000000000000000" pitchFamily="2" charset="-127"/>
                           <a:ea typeface="한컴산뜻돋움" panose="02000000000000000000" pitchFamily="2" charset="-127"/>
                         </a:rPr>
@@ -10366,7 +11540,7 @@
                     <a:p>
                       <a:pPr algn="l" latinLnBrk="1"/>
                       <a:r>
-                        <a:rPr lang="en-US" altLang="ko-KR" sz="1400" dirty="0" smtClean="0">
+                        <a:rPr lang="en-US" altLang="ko-KR" sz="1400" dirty="0">
                           <a:latin typeface="한컴산뜻돋움" panose="02000000000000000000" pitchFamily="2" charset="-127"/>
                           <a:ea typeface="한컴산뜻돋움" panose="02000000000000000000" pitchFamily="2" charset="-127"/>
                         </a:rPr>
@@ -10476,7 +11650,7 @@
                     <a:p>
                       <a:pPr algn="l" latinLnBrk="1"/>
                       <a:r>
-                        <a:rPr lang="en-US" altLang="ko-KR" sz="1400" dirty="0" smtClean="0">
+                        <a:rPr lang="en-US" altLang="ko-KR" sz="1400" dirty="0">
                           <a:latin typeface="한컴산뜻돋움" panose="02000000000000000000" pitchFamily="2" charset="-127"/>
                           <a:ea typeface="한컴산뜻돋움" panose="02000000000000000000" pitchFamily="2" charset="-127"/>
                         </a:rPr>
@@ -10542,7 +11716,7 @@
                     <a:p>
                       <a:pPr algn="l" latinLnBrk="1"/>
                       <a:r>
-                        <a:rPr lang="en-US" altLang="ko-KR" sz="1400" dirty="0" smtClean="0">
+                        <a:rPr lang="en-US" altLang="ko-KR" sz="1400" dirty="0">
                           <a:latin typeface="한컴산뜻돋움" panose="02000000000000000000" pitchFamily="2" charset="-127"/>
                           <a:ea typeface="한컴산뜻돋움" panose="02000000000000000000" pitchFamily="2" charset="-127"/>
                         </a:rPr>
@@ -10619,7 +11793,7 @@
                     <a:p>
                       <a:pPr algn="l" latinLnBrk="1"/>
                       <a:r>
-                        <a:rPr lang="en-US" altLang="ko-KR" sz="1400" dirty="0" smtClean="0">
+                        <a:rPr lang="en-US" altLang="ko-KR" sz="1400" dirty="0">
                           <a:latin typeface="한컴산뜻돋움" panose="02000000000000000000" pitchFamily="2" charset="-127"/>
                           <a:ea typeface="한컴산뜻돋움" panose="02000000000000000000" pitchFamily="2" charset="-127"/>
                         </a:rPr>
@@ -10729,7 +11903,7 @@
                     <a:p>
                       <a:pPr algn="l" latinLnBrk="1"/>
                       <a:r>
-                        <a:rPr lang="en-US" altLang="ko-KR" sz="1400" dirty="0" smtClean="0">
+                        <a:rPr lang="en-US" altLang="ko-KR" sz="1400" dirty="0">
                           <a:latin typeface="한컴산뜻돋움" panose="02000000000000000000" pitchFamily="2" charset="-127"/>
                           <a:ea typeface="한컴산뜻돋움" panose="02000000000000000000" pitchFamily="2" charset="-127"/>
                         </a:rPr>
@@ -10795,7 +11969,7 @@
                     <a:p>
                       <a:pPr algn="l" latinLnBrk="1"/>
                       <a:r>
-                        <a:rPr lang="en-US" altLang="ko-KR" sz="1400" dirty="0" smtClean="0">
+                        <a:rPr lang="en-US" altLang="ko-KR" sz="1400" dirty="0">
                           <a:latin typeface="한컴산뜻돋움" panose="02000000000000000000" pitchFamily="2" charset="-127"/>
                           <a:ea typeface="한컴산뜻돋움" panose="02000000000000000000" pitchFamily="2" charset="-127"/>
                         </a:rPr>
@@ -10861,7 +12035,7 @@
                     <a:p>
                       <a:pPr algn="l" latinLnBrk="1"/>
                       <a:r>
-                        <a:rPr lang="en-US" altLang="ko-KR" sz="1400" dirty="0" smtClean="0">
+                        <a:rPr lang="en-US" altLang="ko-KR" sz="1400" dirty="0">
                           <a:latin typeface="한컴산뜻돋움" panose="02000000000000000000" pitchFamily="2" charset="-127"/>
                           <a:ea typeface="한컴산뜻돋움" panose="02000000000000000000" pitchFamily="2" charset="-127"/>
                         </a:rPr>
@@ -10871,7 +12045,7 @@
                     <a:p>
                       <a:pPr algn="l" latinLnBrk="1"/>
                       <a:r>
-                        <a:rPr lang="en-US" altLang="ko-KR" sz="1400" dirty="0" smtClean="0">
+                        <a:rPr lang="en-US" altLang="ko-KR" sz="1400" dirty="0">
                           <a:latin typeface="한컴산뜻돋움" panose="02000000000000000000" pitchFamily="2" charset="-127"/>
                           <a:ea typeface="한컴산뜻돋움" panose="02000000000000000000" pitchFamily="2" charset="-127"/>
                         </a:rPr>
@@ -10937,16 +12111,12 @@
                     <a:p>
                       <a:pPr algn="l" latinLnBrk="1"/>
                       <a:r>
-                        <a:rPr lang="ko-KR" altLang="en-US" sz="1400" dirty="0" smtClean="0">
+                        <a:rPr lang="ko-KR" altLang="en-US" sz="1400" dirty="0">
                           <a:latin typeface="한컴산뜻돋움" panose="02000000000000000000" pitchFamily="2" charset="-127"/>
                           <a:ea typeface="한컴산뜻돋움" panose="02000000000000000000" pitchFamily="2" charset="-127"/>
                         </a:rPr>
                         <a:t>개발 환경과 동일</a:t>
                       </a:r>
-                      <a:endParaRPr lang="ko-KR" altLang="en-US" sz="1400" dirty="0">
-                        <a:latin typeface="한컴산뜻돋움" panose="02000000000000000000" pitchFamily="2" charset="-127"/>
-                        <a:ea typeface="한컴산뜻돋움" panose="02000000000000000000" pitchFamily="2" charset="-127"/>
-                      </a:endParaRPr>
                     </a:p>
                   </a:txBody>
                   <a:tcPr anchor="ctr">
@@ -11106,7 +12276,7 @@
                     <a:p>
                       <a:pPr algn="l" latinLnBrk="1"/>
                       <a:r>
-                        <a:rPr lang="en-US" altLang="ko-KR" sz="1400" dirty="0" smtClean="0">
+                        <a:rPr lang="en-US" altLang="ko-KR" sz="1400" dirty="0">
                           <a:latin typeface="한컴산뜻돋움" panose="02000000000000000000" pitchFamily="2" charset="-127"/>
                           <a:ea typeface="한컴산뜻돋움" panose="02000000000000000000" pitchFamily="2" charset="-127"/>
                         </a:rPr>
@@ -11172,7 +12342,7 @@
                     <a:p>
                       <a:pPr algn="l" latinLnBrk="1"/>
                       <a:r>
-                        <a:rPr lang="en-US" altLang="ko-KR" sz="1400" dirty="0" smtClean="0">
+                        <a:rPr lang="en-US" altLang="ko-KR" sz="1400" dirty="0">
                           <a:latin typeface="한컴산뜻돋움" panose="02000000000000000000" pitchFamily="2" charset="-127"/>
                           <a:ea typeface="한컴산뜻돋움" panose="02000000000000000000" pitchFamily="2" charset="-127"/>
                         </a:rPr>
@@ -11182,7 +12352,7 @@
                     <a:p>
                       <a:pPr algn="l" latinLnBrk="1"/>
                       <a:r>
-                        <a:rPr lang="en-US" altLang="ko-KR" sz="1400" dirty="0" smtClean="0">
+                        <a:rPr lang="en-US" altLang="ko-KR" sz="1400" dirty="0">
                           <a:latin typeface="한컴산뜻돋움" panose="02000000000000000000" pitchFamily="2" charset="-127"/>
                           <a:ea typeface="한컴산뜻돋움" panose="02000000000000000000" pitchFamily="2" charset="-127"/>
                         </a:rPr>
@@ -11192,7 +12362,7 @@
                     <a:p>
                       <a:pPr algn="l" latinLnBrk="1"/>
                       <a:r>
-                        <a:rPr lang="en-US" altLang="ko-KR" sz="1400" dirty="0" smtClean="0">
+                        <a:rPr lang="en-US" altLang="ko-KR" sz="1400" dirty="0">
                           <a:latin typeface="한컴산뜻돋움" panose="02000000000000000000" pitchFamily="2" charset="-127"/>
                           <a:ea typeface="한컴산뜻돋움" panose="02000000000000000000" pitchFamily="2" charset="-127"/>
                         </a:rPr>
@@ -11202,7 +12372,7 @@
                     <a:p>
                       <a:pPr algn="l" latinLnBrk="1"/>
                       <a:r>
-                        <a:rPr lang="en-US" altLang="ko-KR" sz="1400" dirty="0" smtClean="0">
+                        <a:rPr lang="en-US" altLang="ko-KR" sz="1400" dirty="0">
                           <a:latin typeface="한컴산뜻돋움" panose="02000000000000000000" pitchFamily="2" charset="-127"/>
                           <a:ea typeface="한컴산뜻돋움" panose="02000000000000000000" pitchFamily="2" charset="-127"/>
                         </a:rPr>
@@ -11371,7 +12541,7 @@
                     <a:p>
                       <a:pPr algn="l" latinLnBrk="1"/>
                       <a:r>
-                        <a:rPr lang="en-US" altLang="ko-KR" sz="1400" dirty="0" smtClean="0">
+                        <a:rPr lang="en-US" altLang="ko-KR" sz="1400" dirty="0">
                           <a:latin typeface="한컴산뜻돋움" panose="02000000000000000000" pitchFamily="2" charset="-127"/>
                           <a:ea typeface="한컴산뜻돋움" panose="02000000000000000000" pitchFamily="2" charset="-127"/>
                         </a:rPr>
@@ -11437,7 +12607,7 @@
                     <a:p>
                       <a:pPr algn="l" latinLnBrk="1"/>
                       <a:r>
-                        <a:rPr lang="en-US" altLang="ko-KR" sz="1400" dirty="0" smtClean="0">
+                        <a:rPr lang="en-US" altLang="ko-KR" sz="1400" dirty="0">
                           <a:latin typeface="한컴산뜻돋움" panose="02000000000000000000" pitchFamily="2" charset="-127"/>
                           <a:ea typeface="한컴산뜻돋움" panose="02000000000000000000" pitchFamily="2" charset="-127"/>
                         </a:rPr>
@@ -11447,93 +12617,61 @@
                     <a:p>
                       <a:pPr algn="l" latinLnBrk="1"/>
                       <a:r>
-                        <a:rPr lang="en-US" altLang="ko-KR" sz="1400" dirty="0" smtClean="0">
+                        <a:rPr lang="en-US" altLang="ko-KR" sz="1400" dirty="0">
                           <a:latin typeface="한컴산뜻돋움" panose="02000000000000000000" pitchFamily="2" charset="-127"/>
                           <a:ea typeface="한컴산뜻돋움" panose="02000000000000000000" pitchFamily="2" charset="-127"/>
                         </a:rPr>
-                        <a:t>MySQL Driver / Spring Data JPA </a:t>
+                        <a:t>MySQL Driver / Spring Data JPA /</a:t>
                       </a:r>
                       <a:r>
-                        <a:rPr lang="en-US" altLang="ko-KR" sz="1400" dirty="0" smtClean="0">
+                        <a:rPr lang="en-US" altLang="ko-KR" sz="1400" baseline="0" dirty="0">
+                          <a:latin typeface="한컴산뜻돋움" panose="02000000000000000000" pitchFamily="2" charset="-127"/>
+                          <a:ea typeface="한컴산뜻돋움" panose="02000000000000000000" pitchFamily="2" charset="-127"/>
+                        </a:rPr>
+                        <a:t> </a:t>
+                      </a:r>
+                      <a:r>
+                        <a:rPr lang="en-US" altLang="ko-KR" sz="1400" dirty="0">
+                          <a:latin typeface="한컴산뜻돋움" panose="02000000000000000000" pitchFamily="2" charset="-127"/>
+                          <a:ea typeface="한컴산뜻돋움" panose="02000000000000000000" pitchFamily="2" charset="-127"/>
+                        </a:rPr>
+                        <a:t>Spring Security / </a:t>
+                      </a:r>
+                      <a:r>
+                        <a:rPr lang="en-US" altLang="ko-KR" sz="1400" dirty="0" err="1">
+                          <a:latin typeface="한컴산뜻돋움" panose="02000000000000000000" pitchFamily="2" charset="-127"/>
+                          <a:ea typeface="한컴산뜻돋움" panose="02000000000000000000" pitchFamily="2" charset="-127"/>
+                        </a:rPr>
+                        <a:t>Thymeleaf</a:t>
+                      </a:r>
+                      <a:r>
+                        <a:rPr lang="en-US" altLang="ko-KR" sz="1400" baseline="0" dirty="0">
+                          <a:latin typeface="한컴산뜻돋움" panose="02000000000000000000" pitchFamily="2" charset="-127"/>
+                          <a:ea typeface="한컴산뜻돋움" panose="02000000000000000000" pitchFamily="2" charset="-127"/>
+                        </a:rPr>
+                        <a:t> </a:t>
+                      </a:r>
+                      <a:r>
+                        <a:rPr lang="en-US" altLang="ko-KR" sz="1400" dirty="0">
                           <a:latin typeface="한컴산뜻돋움" panose="02000000000000000000" pitchFamily="2" charset="-127"/>
                           <a:ea typeface="한컴산뜻돋움" panose="02000000000000000000" pitchFamily="2" charset="-127"/>
                         </a:rPr>
                         <a:t>/</a:t>
                       </a:r>
                       <a:r>
-                        <a:rPr lang="en-US" altLang="ko-KR" sz="1400" baseline="0" dirty="0" smtClean="0">
+                        <a:rPr lang="en-US" altLang="ko-KR" sz="1400" baseline="0" dirty="0">
                           <a:latin typeface="한컴산뜻돋움" panose="02000000000000000000" pitchFamily="2" charset="-127"/>
                           <a:ea typeface="한컴산뜻돋움" panose="02000000000000000000" pitchFamily="2" charset="-127"/>
                         </a:rPr>
                         <a:t> </a:t>
                       </a:r>
                       <a:r>
-                        <a:rPr lang="en-US" altLang="ko-KR" sz="1400" dirty="0" smtClean="0">
+                        <a:rPr lang="en-US" altLang="ko-KR" sz="1400" dirty="0">
                           <a:latin typeface="한컴산뜻돋움" panose="02000000000000000000" pitchFamily="2" charset="-127"/>
                           <a:ea typeface="한컴산뜻돋움" panose="02000000000000000000" pitchFamily="2" charset="-127"/>
                         </a:rPr>
-                        <a:t>Spring </a:t>
+                        <a:t>Java Mail Sender / Validation / Web Socket</a:t>
                       </a:r>
-                      <a:r>
-                        <a:rPr lang="en-US" altLang="ko-KR" sz="1400" dirty="0" smtClean="0">
-                          <a:latin typeface="한컴산뜻돋움" panose="02000000000000000000" pitchFamily="2" charset="-127"/>
-                          <a:ea typeface="한컴산뜻돋움" panose="02000000000000000000" pitchFamily="2" charset="-127"/>
-                        </a:rPr>
-                        <a:t>Security / </a:t>
-                      </a:r>
-                      <a:r>
-                        <a:rPr lang="en-US" altLang="ko-KR" sz="1400" dirty="0" err="1" smtClean="0">
-                          <a:latin typeface="한컴산뜻돋움" panose="02000000000000000000" pitchFamily="2" charset="-127"/>
-                          <a:ea typeface="한컴산뜻돋움" panose="02000000000000000000" pitchFamily="2" charset="-127"/>
-                        </a:rPr>
-                        <a:t>Thymeleaf</a:t>
-                      </a:r>
-                      <a:r>
-                        <a:rPr lang="en-US" altLang="ko-KR" sz="1400" baseline="0" dirty="0" smtClean="0">
-                          <a:latin typeface="한컴산뜻돋움" panose="02000000000000000000" pitchFamily="2" charset="-127"/>
-                          <a:ea typeface="한컴산뜻돋움" panose="02000000000000000000" pitchFamily="2" charset="-127"/>
-                        </a:rPr>
-                        <a:t> </a:t>
-                      </a:r>
-                      <a:r>
-                        <a:rPr lang="en-US" altLang="ko-KR" sz="1400" dirty="0" smtClean="0">
-                          <a:latin typeface="한컴산뜻돋움" panose="02000000000000000000" pitchFamily="2" charset="-127"/>
-                          <a:ea typeface="한컴산뜻돋움" panose="02000000000000000000" pitchFamily="2" charset="-127"/>
-                        </a:rPr>
-                        <a:t>/</a:t>
-                      </a:r>
-                      <a:r>
-                        <a:rPr lang="en-US" altLang="ko-KR" sz="1400" baseline="0" dirty="0" smtClean="0">
-                          <a:latin typeface="한컴산뜻돋움" panose="02000000000000000000" pitchFamily="2" charset="-127"/>
-                          <a:ea typeface="한컴산뜻돋움" panose="02000000000000000000" pitchFamily="2" charset="-127"/>
-                        </a:rPr>
-                        <a:t> </a:t>
-                      </a:r>
-                      <a:r>
-                        <a:rPr lang="en-US" altLang="ko-KR" sz="1400" dirty="0" smtClean="0">
-                          <a:latin typeface="한컴산뜻돋움" panose="02000000000000000000" pitchFamily="2" charset="-127"/>
-                          <a:ea typeface="한컴산뜻돋움" panose="02000000000000000000" pitchFamily="2" charset="-127"/>
-                        </a:rPr>
-                        <a:t>Java </a:t>
-                      </a:r>
-                      <a:r>
-                        <a:rPr lang="en-US" altLang="ko-KR" sz="1400" dirty="0" smtClean="0">
-                          <a:latin typeface="한컴산뜻돋움" panose="02000000000000000000" pitchFamily="2" charset="-127"/>
-                          <a:ea typeface="한컴산뜻돋움" panose="02000000000000000000" pitchFamily="2" charset="-127"/>
-                        </a:rPr>
-                        <a:t>Mail Sender / Validation / </a:t>
-                      </a:r>
-                      <a:r>
-                        <a:rPr lang="en-US" altLang="ko-KR" sz="1400" dirty="0" smtClean="0">
-                          <a:latin typeface="한컴산뜻돋움" panose="02000000000000000000" pitchFamily="2" charset="-127"/>
-                          <a:ea typeface="한컴산뜻돋움" panose="02000000000000000000" pitchFamily="2" charset="-127"/>
-                        </a:rPr>
-                        <a:t>Web Socket</a:t>
-                      </a:r>
-                      <a:endParaRPr lang="en-US" altLang="ko-KR" sz="1400" dirty="0" smtClean="0">
-                        <a:latin typeface="한컴산뜻돋움" panose="02000000000000000000" pitchFamily="2" charset="-127"/>
-                        <a:ea typeface="한컴산뜻돋움" panose="02000000000000000000" pitchFamily="2" charset="-127"/>
-                      </a:endParaRPr>
                     </a:p>
                   </a:txBody>
                   <a:tcPr anchor="ctr">
@@ -11601,16 +12739,12 @@
                     <a:p>
                       <a:pPr algn="l" latinLnBrk="1"/>
                       <a:r>
-                        <a:rPr lang="ko-KR" altLang="en-US" sz="1400" dirty="0" smtClean="0">
+                        <a:rPr lang="ko-KR" altLang="en-US" sz="1400" dirty="0">
                           <a:latin typeface="한컴산뜻돋움" panose="02000000000000000000" pitchFamily="2" charset="-127"/>
                           <a:ea typeface="한컴산뜻돋움" panose="02000000000000000000" pitchFamily="2" charset="-127"/>
                         </a:rPr>
                         <a:t>개발 환경과 동일</a:t>
                       </a:r>
-                      <a:endParaRPr lang="ko-KR" altLang="en-US" sz="1400" dirty="0">
-                        <a:latin typeface="한컴산뜻돋움" panose="02000000000000000000" pitchFamily="2" charset="-127"/>
-                        <a:ea typeface="한컴산뜻돋움" panose="02000000000000000000" pitchFamily="2" charset="-127"/>
-                      </a:endParaRPr>
                     </a:p>
                   </a:txBody>
                   <a:tcPr anchor="ctr">
@@ -11711,7 +12845,7 @@
                     <a:p>
                       <a:pPr algn="l" latinLnBrk="1"/>
                       <a:r>
-                        <a:rPr lang="en-US" altLang="ko-KR" sz="1400" dirty="0" smtClean="0">
+                        <a:rPr lang="en-US" altLang="ko-KR" sz="1400" dirty="0">
                           <a:latin typeface="한컴산뜻돋움" panose="02000000000000000000" pitchFamily="2" charset="-127"/>
                           <a:ea typeface="한컴산뜻돋움" panose="02000000000000000000" pitchFamily="2" charset="-127"/>
                         </a:rPr>
@@ -11777,7 +12911,7 @@
                     <a:p>
                       <a:pPr algn="l" latinLnBrk="1"/>
                       <a:r>
-                        <a:rPr lang="en-US" altLang="ko-KR" sz="1400" dirty="0" smtClean="0">
+                        <a:rPr lang="en-US" altLang="ko-KR" sz="1400" dirty="0">
                           <a:latin typeface="한컴산뜻돋움" panose="02000000000000000000" pitchFamily="2" charset="-127"/>
                           <a:ea typeface="한컴산뜻돋움" panose="02000000000000000000" pitchFamily="2" charset="-127"/>
                         </a:rPr>
@@ -11854,7 +12988,7 @@
                     <a:p>
                       <a:pPr algn="l" latinLnBrk="1"/>
                       <a:r>
-                        <a:rPr lang="en-US" altLang="ko-KR" sz="1400" dirty="0" smtClean="0">
+                        <a:rPr lang="en-US" altLang="ko-KR" sz="1400" dirty="0">
                           <a:latin typeface="한컴산뜻돋움" panose="02000000000000000000" pitchFamily="2" charset="-127"/>
                           <a:ea typeface="한컴산뜻돋움" panose="02000000000000000000" pitchFamily="2" charset="-127"/>
                         </a:rPr>
@@ -11953,7 +13087,7 @@
                     <a:p>
                       <a:pPr algn="l" latinLnBrk="1"/>
                       <a:r>
-                        <a:rPr lang="en-US" altLang="ko-KR" sz="1400" dirty="0" smtClean="0">
+                        <a:rPr lang="en-US" altLang="ko-KR" sz="1400" dirty="0">
                           <a:latin typeface="한컴산뜻돋움" panose="02000000000000000000" pitchFamily="2" charset="-127"/>
                           <a:ea typeface="한컴산뜻돋움" panose="02000000000000000000" pitchFamily="2" charset="-127"/>
                         </a:rPr>
@@ -12008,7 +13142,7 @@
                     <a:p>
                       <a:pPr algn="l" latinLnBrk="1"/>
                       <a:r>
-                        <a:rPr lang="en-US" altLang="ko-KR" sz="1400" dirty="0" smtClean="0">
+                        <a:rPr lang="en-US" altLang="ko-KR" sz="1400" dirty="0">
                           <a:latin typeface="한컴산뜻돋움" panose="02000000000000000000" pitchFamily="2" charset="-127"/>
                           <a:ea typeface="한컴산뜻돋움" panose="02000000000000000000" pitchFamily="2" charset="-127"/>
                         </a:rPr>
@@ -12018,7 +13152,7 @@
                     <a:p>
                       <a:pPr algn="l" latinLnBrk="1"/>
                       <a:r>
-                        <a:rPr lang="en-US" altLang="ko-KR" sz="1400" dirty="0" smtClean="0">
+                        <a:rPr lang="en-US" altLang="ko-KR" sz="1400" dirty="0">
                           <a:latin typeface="한컴산뜻돋움" panose="02000000000000000000" pitchFamily="2" charset="-127"/>
                           <a:ea typeface="한컴산뜻돋움" panose="02000000000000000000" pitchFamily="2" charset="-127"/>
                         </a:rPr>
@@ -12028,7 +13162,7 @@
                     <a:p>
                       <a:pPr algn="l" latinLnBrk="1"/>
                       <a:r>
-                        <a:rPr lang="en-US" altLang="ko-KR" sz="1400" dirty="0" smtClean="0">
+                        <a:rPr lang="en-US" altLang="ko-KR" sz="1400" dirty="0">
                           <a:latin typeface="한컴산뜻돋움" panose="02000000000000000000" pitchFamily="2" charset="-127"/>
                           <a:ea typeface="한컴산뜻돋움" panose="02000000000000000000" pitchFamily="2" charset="-127"/>
                         </a:rPr>
@@ -12038,7 +13172,7 @@
                     <a:p>
                       <a:pPr algn="l" latinLnBrk="1"/>
                       <a:r>
-                        <a:rPr lang="en-US" altLang="ko-KR" sz="1400" dirty="0" smtClean="0">
+                        <a:rPr lang="en-US" altLang="ko-KR" sz="1400" dirty="0">
                           <a:latin typeface="한컴산뜻돋움" panose="02000000000000000000" pitchFamily="2" charset="-127"/>
                           <a:ea typeface="한컴산뜻돋움" panose="02000000000000000000" pitchFamily="2" charset="-127"/>
                         </a:rPr>
@@ -12048,7 +13182,7 @@
                     <a:p>
                       <a:pPr algn="l" latinLnBrk="1"/>
                       <a:r>
-                        <a:rPr lang="en-US" altLang="ko-KR" sz="1400" dirty="0" smtClean="0">
+                        <a:rPr lang="en-US" altLang="ko-KR" sz="1400" dirty="0">
                           <a:latin typeface="한컴산뜻돋움" panose="02000000000000000000" pitchFamily="2" charset="-127"/>
                           <a:ea typeface="한컴산뜻돋움" panose="02000000000000000000" pitchFamily="2" charset="-127"/>
                         </a:rPr>
@@ -12114,7 +13248,7 @@
                     <a:p>
                       <a:pPr algn="l" latinLnBrk="1"/>
                       <a:r>
-                        <a:rPr lang="en-US" altLang="ko-KR" sz="1400" dirty="0" smtClean="0">
+                        <a:rPr lang="en-US" altLang="ko-KR" sz="1400" dirty="0">
                           <a:latin typeface="한컴산뜻돋움" panose="02000000000000000000" pitchFamily="2" charset="-127"/>
                           <a:ea typeface="한컴산뜻돋움" panose="02000000000000000000" pitchFamily="2" charset="-127"/>
                         </a:rPr>
@@ -12314,8 +13448,8 @@
           <a:lstStyle/>
           <a:p>
             <a:r>
-              <a:rPr lang="en-US" altLang="ko-KR" sz="2400" b="1" dirty="0" smtClean="0"/>
-              <a:t>Information Architecture &amp; View</a:t>
+              <a:rPr lang="en-US" altLang="ko-KR" sz="2400" b="1" dirty="0"/>
+              <a:t>Information View</a:t>
             </a:r>
             <a:endParaRPr lang="ko-KR" altLang="en-US" sz="2400" b="1" dirty="0"/>
           </a:p>
@@ -12364,7 +13498,7 @@
           <a:p>
             <a:pPr algn="ctr"/>
             <a:r>
-              <a:rPr lang="en-US" altLang="ko-KR" sz="1600" dirty="0" smtClean="0">
+              <a:rPr lang="en-US" altLang="ko-KR" sz="1600" dirty="0">
                 <a:solidFill>
                   <a:schemeClr val="tx1"/>
                 </a:solidFill>
@@ -12425,7 +13559,7 @@
           <a:p>
             <a:pPr algn="ctr"/>
             <a:r>
-              <a:rPr lang="ko-KR" altLang="en-US" sz="1300" dirty="0" smtClean="0">
+              <a:rPr lang="ko-KR" altLang="en-US" sz="1300" dirty="0">
                 <a:solidFill>
                   <a:schemeClr val="tx1"/>
                 </a:solidFill>
@@ -12433,7 +13567,7 @@
               <a:t>메인 </a:t>
             </a:r>
             <a:r>
-              <a:rPr lang="en-US" altLang="ko-KR" sz="1300" dirty="0" smtClean="0">
+              <a:rPr lang="en-US" altLang="ko-KR" sz="1300" dirty="0">
                 <a:solidFill>
                   <a:schemeClr val="tx1"/>
                 </a:solidFill>
@@ -12494,7 +13628,7 @@
           <a:p>
             <a:pPr algn="ctr"/>
             <a:r>
-              <a:rPr lang="ko-KR" altLang="en-US" sz="1300" dirty="0" smtClean="0">
+              <a:rPr lang="ko-KR" altLang="en-US" sz="1300" dirty="0">
                 <a:solidFill>
                   <a:schemeClr val="tx1"/>
                 </a:solidFill>
@@ -12502,7 +13636,7 @@
               <a:t>회원 </a:t>
             </a:r>
             <a:r>
-              <a:rPr lang="en-US" altLang="ko-KR" sz="1300" dirty="0" smtClean="0">
+              <a:rPr lang="en-US" altLang="ko-KR" sz="1300" dirty="0">
                 <a:solidFill>
                   <a:schemeClr val="tx1"/>
                 </a:solidFill>
@@ -12563,7 +13697,7 @@
           <a:p>
             <a:pPr algn="ctr"/>
             <a:r>
-              <a:rPr lang="ko-KR" altLang="en-US" sz="1300" dirty="0" smtClean="0">
+              <a:rPr lang="ko-KR" altLang="en-US" sz="1300" dirty="0">
                 <a:solidFill>
                   <a:schemeClr val="tx1"/>
                 </a:solidFill>
@@ -12571,7 +13705,7 @@
               <a:t>프로필 </a:t>
             </a:r>
             <a:r>
-              <a:rPr lang="en-US" altLang="ko-KR" sz="1300" dirty="0" smtClean="0">
+              <a:rPr lang="en-US" altLang="ko-KR" sz="1300" dirty="0">
                 <a:solidFill>
                   <a:schemeClr val="tx1"/>
                 </a:solidFill>
@@ -12632,7 +13766,7 @@
           <a:p>
             <a:pPr algn="ctr"/>
             <a:r>
-              <a:rPr lang="ko-KR" altLang="en-US" sz="1300" dirty="0" smtClean="0">
+              <a:rPr lang="ko-KR" altLang="en-US" sz="1300" dirty="0">
                 <a:solidFill>
                   <a:schemeClr val="tx1"/>
                 </a:solidFill>
@@ -12640,7 +13774,7 @@
               <a:t>채팅 </a:t>
             </a:r>
             <a:r>
-              <a:rPr lang="en-US" altLang="ko-KR" sz="1300" dirty="0" smtClean="0">
+              <a:rPr lang="en-US" altLang="ko-KR" sz="1300" dirty="0">
                 <a:solidFill>
                   <a:schemeClr val="tx1"/>
                 </a:solidFill>
@@ -12701,7 +13835,7 @@
           <a:p>
             <a:pPr algn="ctr"/>
             <a:r>
-              <a:rPr lang="ko-KR" altLang="en-US" sz="1300" dirty="0" smtClean="0">
+              <a:rPr lang="ko-KR" altLang="en-US" sz="1300" dirty="0">
                 <a:solidFill>
                   <a:schemeClr val="tx1"/>
                 </a:solidFill>
@@ -12709,7 +13843,7 @@
               <a:t>게시물</a:t>
             </a:r>
             <a:r>
-              <a:rPr lang="ko-KR" altLang="en-US" sz="1400" dirty="0" smtClean="0">
+              <a:rPr lang="ko-KR" altLang="en-US" sz="1400" dirty="0">
                 <a:solidFill>
                   <a:schemeClr val="tx1"/>
                 </a:solidFill>
@@ -12717,7 +13851,7 @@
               <a:t> </a:t>
             </a:r>
             <a:r>
-              <a:rPr lang="en-US" altLang="ko-KR" sz="1400" dirty="0" smtClean="0">
+              <a:rPr lang="en-US" altLang="ko-KR" sz="1400" dirty="0">
                 <a:solidFill>
                   <a:schemeClr val="tx1"/>
                 </a:solidFill>
@@ -12778,7 +13912,7 @@
           <a:p>
             <a:pPr algn="ctr"/>
             <a:r>
-              <a:rPr lang="ko-KR" altLang="en-US" sz="1300" dirty="0" smtClean="0">
+              <a:rPr lang="ko-KR" altLang="en-US" sz="1300" dirty="0">
                 <a:solidFill>
                   <a:schemeClr val="tx1"/>
                 </a:solidFill>
@@ -12786,7 +13920,7 @@
               <a:t>검색 </a:t>
             </a:r>
             <a:r>
-              <a:rPr lang="en-US" altLang="ko-KR" sz="1300" dirty="0" smtClean="0">
+              <a:rPr lang="en-US" altLang="ko-KR" sz="1300" dirty="0">
                 <a:solidFill>
                   <a:schemeClr val="tx1"/>
                 </a:solidFill>
@@ -12847,7 +13981,7 @@
           <a:p>
             <a:pPr algn="ctr"/>
             <a:r>
-              <a:rPr lang="ko-KR" altLang="en-US" sz="1100" b="1" dirty="0" smtClean="0">
+              <a:rPr lang="ko-KR" altLang="en-US" sz="1100" b="1" dirty="0">
                 <a:solidFill>
                   <a:schemeClr val="tx1"/>
                 </a:solidFill>
@@ -12855,12 +13989,6 @@
               </a:rPr>
               <a:t>로그인</a:t>
             </a:r>
-            <a:endParaRPr lang="ko-KR" altLang="en-US" sz="1100" b="1" dirty="0">
-              <a:solidFill>
-                <a:schemeClr val="tx1"/>
-              </a:solidFill>
-              <a:latin typeface="+mn-ea"/>
-            </a:endParaRPr>
           </a:p>
         </p:txBody>
       </p:sp>
@@ -12910,7 +14038,7 @@
           <a:p>
             <a:pPr algn="ctr"/>
             <a:r>
-              <a:rPr lang="ko-KR" altLang="en-US" sz="1100" b="1" dirty="0" smtClean="0">
+              <a:rPr lang="ko-KR" altLang="en-US" sz="1100" b="1" dirty="0">
                 <a:solidFill>
                   <a:schemeClr val="tx1"/>
                 </a:solidFill>
@@ -12918,12 +14046,6 @@
               </a:rPr>
               <a:t>가입</a:t>
             </a:r>
-            <a:endParaRPr lang="ko-KR" altLang="en-US" sz="1100" b="1" dirty="0">
-              <a:solidFill>
-                <a:schemeClr val="tx1"/>
-              </a:solidFill>
-              <a:latin typeface="+mn-ea"/>
-            </a:endParaRPr>
           </a:p>
         </p:txBody>
       </p:sp>
@@ -12973,7 +14095,7 @@
           <a:p>
             <a:pPr algn="ctr"/>
             <a:r>
-              <a:rPr lang="ko-KR" altLang="en-US" sz="1100" b="1" dirty="0" smtClean="0">
+              <a:rPr lang="ko-KR" altLang="en-US" sz="1100" b="1" dirty="0">
                 <a:solidFill>
                   <a:schemeClr val="tx1"/>
                 </a:solidFill>
@@ -12981,12 +14103,6 @@
               </a:rPr>
               <a:t>약관</a:t>
             </a:r>
-            <a:endParaRPr lang="ko-KR" altLang="en-US" sz="1100" b="1" dirty="0">
-              <a:solidFill>
-                <a:schemeClr val="tx1"/>
-              </a:solidFill>
-              <a:latin typeface="+mn-ea"/>
-            </a:endParaRPr>
           </a:p>
         </p:txBody>
       </p:sp>
@@ -13036,29 +14152,14 @@
           <a:p>
             <a:pPr algn="ctr"/>
             <a:r>
-              <a:rPr lang="ko-KR" altLang="en-US" sz="1100" b="1" dirty="0" smtClean="0">
+              <a:rPr lang="ko-KR" altLang="en-US" sz="1100" b="1" dirty="0">
                 <a:solidFill>
                   <a:schemeClr val="tx1"/>
                 </a:solidFill>
                 <a:latin typeface="+mn-ea"/>
               </a:rPr>
-              <a:t>생일 </a:t>
-            </a:r>
-            <a:r>
-              <a:rPr lang="ko-KR" altLang="en-US" sz="1100" b="1" dirty="0" smtClean="0">
-                <a:solidFill>
-                  <a:schemeClr val="tx1"/>
-                </a:solidFill>
-                <a:latin typeface="+mn-ea"/>
-              </a:rPr>
-              <a:t>입력</a:t>
-            </a:r>
-            <a:endParaRPr lang="ko-KR" altLang="en-US" sz="1100" b="1" dirty="0">
-              <a:solidFill>
-                <a:schemeClr val="tx1"/>
-              </a:solidFill>
-              <a:latin typeface="+mn-ea"/>
-            </a:endParaRPr>
+              <a:t>생일 입력</a:t>
+            </a:r>
           </a:p>
         </p:txBody>
       </p:sp>
@@ -13108,29 +14209,14 @@
           <a:p>
             <a:pPr algn="ctr"/>
             <a:r>
-              <a:rPr lang="ko-KR" altLang="en-US" sz="1100" b="1" dirty="0" smtClean="0">
+              <a:rPr lang="ko-KR" altLang="en-US" sz="1100" b="1" dirty="0">
                 <a:solidFill>
                   <a:schemeClr val="tx1"/>
                 </a:solidFill>
                 <a:latin typeface="+mn-ea"/>
               </a:rPr>
-              <a:t>메일 </a:t>
-            </a:r>
-            <a:r>
-              <a:rPr lang="ko-KR" altLang="en-US" sz="1100" b="1" dirty="0" smtClean="0">
-                <a:solidFill>
-                  <a:schemeClr val="tx1"/>
-                </a:solidFill>
-                <a:latin typeface="+mn-ea"/>
-              </a:rPr>
-              <a:t>인증</a:t>
-            </a:r>
-            <a:endParaRPr lang="ko-KR" altLang="en-US" sz="1100" b="1" dirty="0">
-              <a:solidFill>
-                <a:schemeClr val="tx1"/>
-              </a:solidFill>
-              <a:latin typeface="+mn-ea"/>
-            </a:endParaRPr>
+              <a:t>메일 인증</a:t>
+            </a:r>
           </a:p>
         </p:txBody>
       </p:sp>
@@ -13180,7 +14266,7 @@
           <a:p>
             <a:pPr algn="ctr"/>
             <a:r>
-              <a:rPr lang="ko-KR" altLang="en-US" sz="1100" b="1" dirty="0" smtClean="0">
+              <a:rPr lang="ko-KR" altLang="en-US" sz="1100" b="1" dirty="0">
                 <a:solidFill>
                   <a:schemeClr val="tx1"/>
                 </a:solidFill>
@@ -13188,12 +14274,6 @@
               </a:rPr>
               <a:t>아이디 찾기</a:t>
             </a:r>
-            <a:endParaRPr lang="ko-KR" altLang="en-US" sz="1100" b="1" dirty="0">
-              <a:solidFill>
-                <a:schemeClr val="tx1"/>
-              </a:solidFill>
-              <a:latin typeface="+mn-ea"/>
-            </a:endParaRPr>
           </a:p>
         </p:txBody>
       </p:sp>
@@ -13243,7 +14323,7 @@
           <a:p>
             <a:pPr algn="ctr"/>
             <a:r>
-              <a:rPr lang="ko-KR" altLang="en-US" sz="1100" b="1" dirty="0" smtClean="0">
+              <a:rPr lang="ko-KR" altLang="en-US" sz="1100" b="1" dirty="0">
                 <a:solidFill>
                   <a:schemeClr val="tx1"/>
                 </a:solidFill>
@@ -13251,12 +14331,6 @@
               </a:rPr>
               <a:t>비밀번호 찾기</a:t>
             </a:r>
-            <a:endParaRPr lang="ko-KR" altLang="en-US" sz="1100" b="1" dirty="0">
-              <a:solidFill>
-                <a:schemeClr val="tx1"/>
-              </a:solidFill>
-              <a:latin typeface="+mn-ea"/>
-            </a:endParaRPr>
           </a:p>
         </p:txBody>
       </p:sp>
@@ -13306,7 +14380,7 @@
           <a:p>
             <a:pPr algn="ctr"/>
             <a:r>
-              <a:rPr lang="ko-KR" altLang="en-US" sz="1100" b="1" dirty="0" smtClean="0">
+              <a:rPr lang="ko-KR" altLang="en-US" sz="1100" b="1" dirty="0">
                 <a:solidFill>
                   <a:schemeClr val="tx1"/>
                 </a:solidFill>
@@ -13314,12 +14388,6 @@
               </a:rPr>
               <a:t>아이디 찾기 결과</a:t>
             </a:r>
-            <a:endParaRPr lang="ko-KR" altLang="en-US" sz="1100" b="1" dirty="0">
-              <a:solidFill>
-                <a:schemeClr val="tx1"/>
-              </a:solidFill>
-              <a:latin typeface="+mn-ea"/>
-            </a:endParaRPr>
           </a:p>
         </p:txBody>
       </p:sp>
@@ -13369,7 +14437,7 @@
           <a:p>
             <a:pPr algn="ctr"/>
             <a:r>
-              <a:rPr lang="ko-KR" altLang="en-US" sz="1100" b="1" dirty="0" smtClean="0">
+              <a:rPr lang="ko-KR" altLang="en-US" sz="1100" b="1" dirty="0">
                 <a:solidFill>
                   <a:schemeClr val="tx1"/>
                 </a:solidFill>
@@ -13377,12 +14445,6 @@
               </a:rPr>
               <a:t>비밀번호 찾기 결과</a:t>
             </a:r>
-            <a:endParaRPr lang="ko-KR" altLang="en-US" sz="1100" b="1" dirty="0">
-              <a:solidFill>
-                <a:schemeClr val="tx1"/>
-              </a:solidFill>
-              <a:latin typeface="+mn-ea"/>
-            </a:endParaRPr>
           </a:p>
         </p:txBody>
       </p:sp>
@@ -13432,7 +14494,7 @@
           <a:p>
             <a:pPr algn="ctr"/>
             <a:r>
-              <a:rPr lang="ko-KR" altLang="en-US" sz="1100" b="1" dirty="0" smtClean="0">
+              <a:rPr lang="ko-KR" altLang="en-US" sz="1100" b="1" dirty="0">
                 <a:solidFill>
                   <a:schemeClr val="tx1"/>
                 </a:solidFill>
@@ -13440,12 +14502,6 @@
               </a:rPr>
               <a:t>메인</a:t>
             </a:r>
-            <a:endParaRPr lang="ko-KR" altLang="en-US" sz="1100" b="1" dirty="0">
-              <a:solidFill>
-                <a:schemeClr val="tx1"/>
-              </a:solidFill>
-              <a:latin typeface="+mn-ea"/>
-            </a:endParaRPr>
           </a:p>
         </p:txBody>
       </p:sp>
@@ -13495,7 +14551,7 @@
           <a:p>
             <a:pPr algn="ctr"/>
             <a:r>
-              <a:rPr lang="ko-KR" altLang="en-US" sz="1100" b="1" dirty="0" smtClean="0">
+              <a:rPr lang="ko-KR" altLang="en-US" sz="1100" b="1" dirty="0">
                 <a:solidFill>
                   <a:schemeClr val="tx1"/>
                 </a:solidFill>
@@ -13503,12 +14559,6 @@
               </a:rPr>
               <a:t>수정</a:t>
             </a:r>
-            <a:endParaRPr lang="ko-KR" altLang="en-US" sz="1100" b="1" dirty="0">
-              <a:solidFill>
-                <a:schemeClr val="tx1"/>
-              </a:solidFill>
-              <a:latin typeface="+mn-ea"/>
-            </a:endParaRPr>
           </a:p>
         </p:txBody>
       </p:sp>
@@ -13558,7 +14608,7 @@
           <a:p>
             <a:pPr algn="ctr"/>
             <a:r>
-              <a:rPr lang="ko-KR" altLang="en-US" sz="1100" b="1" dirty="0" smtClean="0">
+              <a:rPr lang="ko-KR" altLang="en-US" sz="1100" b="1" dirty="0">
                 <a:solidFill>
                   <a:schemeClr val="tx1"/>
                 </a:solidFill>
@@ -13566,12 +14616,6 @@
               </a:rPr>
               <a:t>비밀번호 변경</a:t>
             </a:r>
-            <a:endParaRPr lang="ko-KR" altLang="en-US" sz="1100" b="1" dirty="0">
-              <a:solidFill>
-                <a:schemeClr val="tx1"/>
-              </a:solidFill>
-              <a:latin typeface="+mn-ea"/>
-            </a:endParaRPr>
           </a:p>
         </p:txBody>
       </p:sp>
@@ -13621,7 +14665,7 @@
           <a:p>
             <a:pPr algn="ctr"/>
             <a:r>
-              <a:rPr lang="ko-KR" altLang="en-US" sz="1100" b="1" dirty="0" smtClean="0">
+              <a:rPr lang="ko-KR" altLang="en-US" sz="1100" b="1" dirty="0">
                 <a:solidFill>
                   <a:schemeClr val="tx1"/>
                 </a:solidFill>
@@ -13629,12 +14673,6 @@
               </a:rPr>
               <a:t>탈퇴</a:t>
             </a:r>
-            <a:endParaRPr lang="ko-KR" altLang="en-US" sz="1100" b="1" dirty="0">
-              <a:solidFill>
-                <a:schemeClr val="tx1"/>
-              </a:solidFill>
-              <a:latin typeface="+mn-ea"/>
-            </a:endParaRPr>
           </a:p>
         </p:txBody>
       </p:sp>
@@ -13684,7 +14722,7 @@
           <a:p>
             <a:pPr algn="ctr"/>
             <a:r>
-              <a:rPr lang="ko-KR" altLang="en-US" sz="1100" b="1" dirty="0" smtClean="0">
+              <a:rPr lang="ko-KR" altLang="en-US" sz="1100" b="1" dirty="0">
                 <a:solidFill>
                   <a:schemeClr val="tx1"/>
                 </a:solidFill>
@@ -13692,12 +14730,6 @@
               </a:rPr>
               <a:t>메인</a:t>
             </a:r>
-            <a:endParaRPr lang="ko-KR" altLang="en-US" sz="1100" b="1" dirty="0">
-              <a:solidFill>
-                <a:schemeClr val="tx1"/>
-              </a:solidFill>
-              <a:latin typeface="+mn-ea"/>
-            </a:endParaRPr>
           </a:p>
         </p:txBody>
       </p:sp>
@@ -13747,7 +14779,7 @@
           <a:p>
             <a:pPr algn="ctr"/>
             <a:r>
-              <a:rPr lang="ko-KR" altLang="en-US" sz="1100" b="1" dirty="0" err="1" smtClean="0">
+              <a:rPr lang="ko-KR" altLang="en-US" sz="1100" b="1" dirty="0" err="1">
                 <a:solidFill>
                   <a:schemeClr val="tx1"/>
                 </a:solidFill>
@@ -13810,7 +14842,7 @@
           <a:p>
             <a:pPr algn="ctr"/>
             <a:r>
-              <a:rPr lang="ko-KR" altLang="en-US" sz="1100" b="1" dirty="0" smtClean="0">
+              <a:rPr lang="ko-KR" altLang="en-US" sz="1100" b="1" dirty="0">
                 <a:solidFill>
                   <a:schemeClr val="tx1"/>
                 </a:solidFill>
@@ -13818,12 +14850,6 @@
               </a:rPr>
               <a:t>보기</a:t>
             </a:r>
-            <a:endParaRPr lang="ko-KR" altLang="en-US" sz="1100" b="1" dirty="0">
-              <a:solidFill>
-                <a:schemeClr val="tx1"/>
-              </a:solidFill>
-              <a:latin typeface="+mn-ea"/>
-            </a:endParaRPr>
           </a:p>
         </p:txBody>
       </p:sp>
@@ -13873,7 +14899,7 @@
           <a:p>
             <a:pPr algn="ctr"/>
             <a:r>
-              <a:rPr lang="ko-KR" altLang="en-US" sz="1100" b="1" dirty="0" smtClean="0">
+              <a:rPr lang="ko-KR" altLang="en-US" sz="1100" b="1" dirty="0">
                 <a:solidFill>
                   <a:schemeClr val="tx1"/>
                 </a:solidFill>
@@ -13881,12 +14907,6 @@
               </a:rPr>
               <a:t>메인</a:t>
             </a:r>
-            <a:endParaRPr lang="ko-KR" altLang="en-US" sz="1100" b="1" dirty="0">
-              <a:solidFill>
-                <a:schemeClr val="tx1"/>
-              </a:solidFill>
-              <a:latin typeface="+mn-ea"/>
-            </a:endParaRPr>
           </a:p>
         </p:txBody>
       </p:sp>
@@ -14465,7 +15485,7 @@
           <a:lstStyle/>
           <a:p>
             <a:r>
-              <a:rPr lang="en-US" altLang="ko-KR" sz="2400" b="1" dirty="0" smtClean="0"/>
+              <a:rPr lang="en-US" altLang="ko-KR" sz="2400" b="1" dirty="0"/>
               <a:t>ERD &amp; TABLE</a:t>
             </a:r>
             <a:endParaRPr lang="ko-KR" altLang="en-US" sz="2400" b="1" dirty="0"/>
@@ -14524,15 +15544,15 @@
               </a:lnSpc>
             </a:pPr>
             <a:r>
-              <a:rPr lang="en-US" altLang="ko-KR" dirty="0" smtClean="0"/>
+              <a:rPr lang="en-US" altLang="ko-KR" dirty="0"/>
               <a:t>user 		</a:t>
             </a:r>
             <a:r>
-              <a:rPr lang="ko-KR" altLang="en-US" dirty="0" smtClean="0"/>
+              <a:rPr lang="ko-KR" altLang="en-US" dirty="0"/>
               <a:t>회원 </a:t>
             </a:r>
             <a:r>
-              <a:rPr lang="en-US" altLang="ko-KR" dirty="0" smtClean="0"/>
+              <a:rPr lang="en-US" altLang="ko-KR" dirty="0"/>
               <a:t>Table</a:t>
             </a:r>
           </a:p>
@@ -14543,15 +15563,15 @@
               </a:lnSpc>
             </a:pPr>
             <a:r>
-              <a:rPr lang="en-US" altLang="ko-KR" dirty="0" smtClean="0"/>
+              <a:rPr lang="en-US" altLang="ko-KR" dirty="0"/>
               <a:t>searchList 	</a:t>
             </a:r>
             <a:r>
-              <a:rPr lang="ko-KR" altLang="en-US" dirty="0" smtClean="0"/>
+              <a:rPr lang="ko-KR" altLang="en-US" dirty="0"/>
               <a:t>검색 </a:t>
             </a:r>
             <a:r>
-              <a:rPr lang="en-US" altLang="ko-KR" dirty="0" smtClean="0"/>
+              <a:rPr lang="en-US" altLang="ko-KR" dirty="0"/>
               <a:t>Table</a:t>
             </a:r>
           </a:p>
@@ -14562,15 +15582,15 @@
               </a:lnSpc>
             </a:pPr>
             <a:r>
-              <a:rPr lang="en-US" altLang="ko-KR" dirty="0" smtClean="0"/>
+              <a:rPr lang="en-US" altLang="ko-KR" dirty="0"/>
               <a:t>follow		</a:t>
             </a:r>
             <a:r>
-              <a:rPr lang="ko-KR" altLang="en-US" dirty="0" smtClean="0"/>
+              <a:rPr lang="ko-KR" altLang="en-US" dirty="0"/>
               <a:t>팔로우 </a:t>
             </a:r>
             <a:r>
-              <a:rPr lang="en-US" altLang="ko-KR" dirty="0" smtClean="0"/>
+              <a:rPr lang="en-US" altLang="ko-KR" dirty="0"/>
               <a:t>Table</a:t>
             </a:r>
           </a:p>
@@ -14581,15 +15601,15 @@
               </a:lnSpc>
             </a:pPr>
             <a:r>
-              <a:rPr lang="en-US" altLang="ko-KR" dirty="0" smtClean="0"/>
+              <a:rPr lang="en-US" altLang="ko-KR" dirty="0"/>
               <a:t>hashtag		</a:t>
             </a:r>
             <a:r>
-              <a:rPr lang="ko-KR" altLang="en-US" dirty="0" smtClean="0"/>
+              <a:rPr lang="ko-KR" altLang="en-US" dirty="0"/>
               <a:t>해시태그 </a:t>
             </a:r>
             <a:r>
-              <a:rPr lang="en-US" altLang="ko-KR" dirty="0" smtClean="0"/>
+              <a:rPr lang="en-US" altLang="ko-KR" dirty="0"/>
               <a:t>Table</a:t>
             </a:r>
           </a:p>
@@ -14600,15 +15620,15 @@
               </a:lnSpc>
             </a:pPr>
             <a:r>
-              <a:rPr lang="en-US" altLang="ko-KR" dirty="0" smtClean="0"/>
+              <a:rPr lang="en-US" altLang="ko-KR" dirty="0"/>
               <a:t>follow_hashtag	</a:t>
             </a:r>
             <a:r>
-              <a:rPr lang="ko-KR" altLang="en-US" dirty="0" smtClean="0"/>
+              <a:rPr lang="ko-KR" altLang="en-US" dirty="0"/>
               <a:t>해시태그 팔로우 </a:t>
             </a:r>
             <a:r>
-              <a:rPr lang="en-US" altLang="ko-KR" dirty="0" smtClean="0"/>
+              <a:rPr lang="en-US" altLang="ko-KR" dirty="0"/>
               <a:t>Table</a:t>
             </a:r>
           </a:p>
@@ -14619,15 +15639,15 @@
               </a:lnSpc>
             </a:pPr>
             <a:r>
-              <a:rPr lang="en-US" altLang="ko-KR" dirty="0" smtClean="0"/>
+              <a:rPr lang="en-US" altLang="ko-KR" dirty="0"/>
               <a:t>post		</a:t>
             </a:r>
             <a:r>
-              <a:rPr lang="ko-KR" altLang="en-US" dirty="0" smtClean="0"/>
+              <a:rPr lang="ko-KR" altLang="en-US" dirty="0"/>
               <a:t>게시글 </a:t>
             </a:r>
             <a:r>
-              <a:rPr lang="en-US" altLang="ko-KR" dirty="0" smtClean="0"/>
+              <a:rPr lang="en-US" altLang="ko-KR" dirty="0"/>
               <a:t>Table</a:t>
             </a:r>
           </a:p>
@@ -14638,15 +15658,15 @@
               </a:lnSpc>
             </a:pPr>
             <a:r>
-              <a:rPr lang="en-US" altLang="ko-KR" dirty="0" smtClean="0"/>
+              <a:rPr lang="en-US" altLang="ko-KR" dirty="0"/>
               <a:t>post_hashtag	</a:t>
             </a:r>
             <a:r>
-              <a:rPr lang="ko-KR" altLang="en-US" dirty="0" smtClean="0"/>
+              <a:rPr lang="ko-KR" altLang="en-US" dirty="0"/>
               <a:t>게시글 해시태그 </a:t>
             </a:r>
             <a:r>
-              <a:rPr lang="en-US" altLang="ko-KR" dirty="0" smtClean="0"/>
+              <a:rPr lang="en-US" altLang="ko-KR" dirty="0"/>
               <a:t>Table</a:t>
             </a:r>
           </a:p>
@@ -14657,15 +15677,15 @@
               </a:lnSpc>
             </a:pPr>
             <a:r>
-              <a:rPr lang="en-US" altLang="ko-KR" dirty="0" smtClean="0"/>
+              <a:rPr lang="en-US" altLang="ko-KR" dirty="0"/>
               <a:t>post_like		</a:t>
             </a:r>
             <a:r>
-              <a:rPr lang="ko-KR" altLang="en-US" dirty="0" smtClean="0"/>
+              <a:rPr lang="ko-KR" altLang="en-US" dirty="0"/>
               <a:t>게시글 좋아요 </a:t>
             </a:r>
             <a:r>
-              <a:rPr lang="en-US" altLang="ko-KR" dirty="0" smtClean="0"/>
+              <a:rPr lang="en-US" altLang="ko-KR" dirty="0"/>
               <a:t>Table</a:t>
             </a:r>
           </a:p>
@@ -14676,15 +15696,15 @@
               </a:lnSpc>
             </a:pPr>
             <a:r>
-              <a:rPr lang="en-US" altLang="ko-KR" dirty="0" smtClean="0"/>
+              <a:rPr lang="en-US" altLang="ko-KR" dirty="0"/>
               <a:t>image		</a:t>
             </a:r>
             <a:r>
-              <a:rPr lang="ko-KR" altLang="en-US" dirty="0" smtClean="0"/>
+              <a:rPr lang="ko-KR" altLang="en-US" dirty="0"/>
               <a:t>게시글 이미지 </a:t>
             </a:r>
             <a:r>
-              <a:rPr lang="en-US" altLang="ko-KR" dirty="0" smtClean="0"/>
+              <a:rPr lang="en-US" altLang="ko-KR" dirty="0"/>
               <a:t>Table</a:t>
             </a:r>
           </a:p>
@@ -14695,15 +15715,15 @@
               </a:lnSpc>
             </a:pPr>
             <a:r>
-              <a:rPr lang="en-US" altLang="ko-KR" dirty="0" smtClean="0"/>
+              <a:rPr lang="en-US" altLang="ko-KR" dirty="0"/>
               <a:t>comment	</a:t>
             </a:r>
             <a:r>
-              <a:rPr lang="ko-KR" altLang="en-US" dirty="0" smtClean="0"/>
+              <a:rPr lang="ko-KR" altLang="en-US" dirty="0"/>
               <a:t>댓글 </a:t>
             </a:r>
             <a:r>
-              <a:rPr lang="en-US" altLang="ko-KR" dirty="0" smtClean="0"/>
+              <a:rPr lang="en-US" altLang="ko-KR" dirty="0"/>
               <a:t>Table</a:t>
             </a:r>
           </a:p>
@@ -14714,15 +15734,15 @@
               </a:lnSpc>
             </a:pPr>
             <a:r>
-              <a:rPr lang="en-US" altLang="ko-KR" dirty="0" smtClean="0"/>
+              <a:rPr lang="en-US" altLang="ko-KR" dirty="0"/>
               <a:t>comment_like	</a:t>
             </a:r>
             <a:r>
-              <a:rPr lang="ko-KR" altLang="en-US" dirty="0" smtClean="0"/>
+              <a:rPr lang="ko-KR" altLang="en-US" dirty="0"/>
               <a:t>댓글 좋아요 </a:t>
             </a:r>
             <a:r>
-              <a:rPr lang="en-US" altLang="ko-KR" dirty="0" smtClean="0"/>
+              <a:rPr lang="en-US" altLang="ko-KR" dirty="0"/>
               <a:t>Table</a:t>
             </a:r>
           </a:p>
@@ -14733,15 +15753,15 @@
               </a:lnSpc>
             </a:pPr>
             <a:r>
-              <a:rPr lang="en-US" altLang="ko-KR" dirty="0" smtClean="0"/>
+              <a:rPr lang="en-US" altLang="ko-KR" dirty="0"/>
               <a:t>room		</a:t>
             </a:r>
             <a:r>
-              <a:rPr lang="ko-KR" altLang="en-US" dirty="0" smtClean="0"/>
+              <a:rPr lang="ko-KR" altLang="en-US" dirty="0"/>
               <a:t>채팅룸 </a:t>
             </a:r>
             <a:r>
-              <a:rPr lang="en-US" altLang="ko-KR" dirty="0" smtClean="0"/>
+              <a:rPr lang="en-US" altLang="ko-KR" dirty="0"/>
               <a:t>Table</a:t>
             </a:r>
           </a:p>
@@ -14752,15 +15772,15 @@
               </a:lnSpc>
             </a:pPr>
             <a:r>
-              <a:rPr lang="en-US" altLang="ko-KR" dirty="0" smtClean="0"/>
+              <a:rPr lang="en-US" altLang="ko-KR" dirty="0"/>
               <a:t>room_member	</a:t>
             </a:r>
             <a:r>
-              <a:rPr lang="ko-KR" altLang="en-US" dirty="0" smtClean="0"/>
+              <a:rPr lang="ko-KR" altLang="en-US" dirty="0"/>
               <a:t>채팅룸 참여 멤버 </a:t>
             </a:r>
             <a:r>
-              <a:rPr lang="en-US" altLang="ko-KR" dirty="0" smtClean="0"/>
+              <a:rPr lang="en-US" altLang="ko-KR" dirty="0"/>
               <a:t>Table</a:t>
             </a:r>
           </a:p>
@@ -14771,15 +15791,15 @@
               </a:lnSpc>
             </a:pPr>
             <a:r>
-              <a:rPr lang="en-US" altLang="ko-KR" dirty="0" smtClean="0"/>
+              <a:rPr lang="en-US" altLang="ko-KR" dirty="0"/>
               <a:t>chatting		</a:t>
             </a:r>
             <a:r>
-              <a:rPr lang="ko-KR" altLang="en-US" dirty="0" smtClean="0"/>
+              <a:rPr lang="ko-KR" altLang="en-US" dirty="0"/>
               <a:t>채팅 기록 </a:t>
             </a:r>
             <a:r>
-              <a:rPr lang="en-US" altLang="ko-KR" dirty="0" smtClean="0"/>
+              <a:rPr lang="en-US" altLang="ko-KR" dirty="0"/>
               <a:t>Table</a:t>
             </a:r>
           </a:p>
@@ -14914,30 +15934,127 @@
           <a:lstStyle/>
           <a:p>
             <a:r>
-              <a:rPr lang="ko-KR" altLang="en-US" sz="2400" b="1" dirty="0" smtClean="0"/>
-              <a:t>기능 소개</a:t>
-            </a:r>
-            <a:r>
-              <a:rPr lang="en-US" altLang="ko-KR" sz="2400" b="1" dirty="0" smtClean="0"/>
+              <a:rPr lang="ko-KR" altLang="en-US" sz="2400" b="1" dirty="0"/>
+              <a:t>기능 소개 </a:t>
+            </a:r>
+            <a:r>
+              <a:rPr lang="en-US" altLang="ko-KR" sz="2400" b="1" dirty="0"/>
               <a:t>(</a:t>
             </a:r>
             <a:r>
-              <a:rPr lang="ko-KR" altLang="en-US" sz="2400" b="1" dirty="0" smtClean="0"/>
+              <a:rPr lang="ko-KR" altLang="en-US" sz="2400" b="1" dirty="0"/>
               <a:t>로그인</a:t>
             </a:r>
             <a:r>
-              <a:rPr lang="en-US" altLang="ko-KR" sz="2400" b="1" dirty="0" smtClean="0"/>
+              <a:rPr lang="en-US" altLang="ko-KR" sz="2400" b="1" dirty="0"/>
               <a:t>/</a:t>
             </a:r>
             <a:r>
-              <a:rPr lang="ko-KR" altLang="en-US" sz="2400" b="1" dirty="0" smtClean="0"/>
+              <a:rPr lang="ko-KR" altLang="en-US" sz="2400" b="1" dirty="0"/>
               <a:t>회원가입</a:t>
             </a:r>
             <a:r>
-              <a:rPr lang="en-US" altLang="ko-KR" sz="2400" b="1" dirty="0" smtClean="0"/>
+              <a:rPr lang="en-US" altLang="ko-KR" sz="2400" b="1" dirty="0"/>
               <a:t>)</a:t>
             </a:r>
             <a:endParaRPr lang="ko-KR" altLang="en-US" sz="2400" b="1" dirty="0"/>
+          </a:p>
+        </p:txBody>
+      </p:sp>
+      <p:sp>
+        <p:nvSpPr>
+          <p:cNvPr id="2" name="TextBox 1">
+            <a:extLst>
+              <a:ext uri="{FF2B5EF4-FFF2-40B4-BE49-F238E27FC236}">
+                <a16:creationId xmlns:a16="http://schemas.microsoft.com/office/drawing/2014/main" id="{34E44EBF-E512-E579-E3C2-0C849CB1344B}"/>
+              </a:ext>
+            </a:extLst>
+          </p:cNvPr>
+          <p:cNvSpPr txBox="1"/>
+          <p:nvPr/>
+        </p:nvSpPr>
+        <p:spPr>
+          <a:xfrm>
+            <a:off x="354214" y="1350800"/>
+            <a:ext cx="6936059" cy="369332"/>
+          </a:xfrm>
+          <a:prstGeom prst="rect">
+            <a:avLst/>
+          </a:prstGeom>
+          <a:noFill/>
+        </p:spPr>
+        <p:txBody>
+          <a:bodyPr wrap="square" rtlCol="0">
+            <a:spAutoFit/>
+          </a:bodyPr>
+          <a:lstStyle/>
+          <a:p>
+            <a:r>
+              <a:rPr lang="en-US" altLang="ko-KR" dirty="0">
+                <a:hlinkClick r:id="rId3"/>
+              </a:rPr>
+              <a:t>https://www.youtube.com/watch?v=4bwgKEtKQTU</a:t>
+            </a:r>
+            <a:r>
+              <a:rPr lang="ko-KR" altLang="en-US" dirty="0"/>
+              <a:t> </a:t>
+            </a:r>
+            <a:endParaRPr lang="en-US" altLang="ko-KR" dirty="0"/>
+          </a:p>
+        </p:txBody>
+      </p:sp>
+      <p:sp>
+        <p:nvSpPr>
+          <p:cNvPr id="5" name="TextBox 4">
+            <a:extLst>
+              <a:ext uri="{FF2B5EF4-FFF2-40B4-BE49-F238E27FC236}">
+                <a16:creationId xmlns:a16="http://schemas.microsoft.com/office/drawing/2014/main" id="{F5CBFCF7-C510-5581-ED51-300D7EFAF667}"/>
+              </a:ext>
+            </a:extLst>
+          </p:cNvPr>
+          <p:cNvSpPr txBox="1"/>
+          <p:nvPr/>
+        </p:nvSpPr>
+        <p:spPr>
+          <a:xfrm>
+            <a:off x="354214" y="981468"/>
+            <a:ext cx="5207620" cy="369332"/>
+          </a:xfrm>
+          <a:prstGeom prst="rect">
+            <a:avLst/>
+          </a:prstGeom>
+          <a:noFill/>
+        </p:spPr>
+        <p:txBody>
+          <a:bodyPr wrap="square" rtlCol="0">
+            <a:spAutoFit/>
+          </a:bodyPr>
+          <a:lstStyle/>
+          <a:p>
+            <a:pPr marL="285750" indent="-285750">
+              <a:buFont typeface="Arial" panose="020B0604020202020204" pitchFamily="34" charset="0"/>
+              <a:buChar char="•"/>
+            </a:pPr>
+            <a:r>
+              <a:rPr lang="ko-KR" altLang="en-US" dirty="0"/>
+              <a:t>회원가입</a:t>
+            </a:r>
+            <a:r>
+              <a:rPr lang="en-US" altLang="ko-KR" dirty="0"/>
+              <a:t>, </a:t>
+            </a:r>
+            <a:r>
+              <a:rPr lang="ko-KR" altLang="en-US" dirty="0"/>
+              <a:t>유효성 검사</a:t>
+            </a:r>
+            <a:r>
+              <a:rPr lang="en-US" altLang="ko-KR" dirty="0"/>
+              <a:t>, </a:t>
+            </a:r>
+            <a:r>
+              <a:rPr lang="ko-KR" altLang="en-US" dirty="0"/>
+              <a:t>이메일 인증</a:t>
+            </a:r>
           </a:p>
         </p:txBody>
       </p:sp>

--- a/프로젝트 발표 보고서.pptx
+++ b/프로젝트 발표 보고서.pptx
@@ -255,7 +255,7 @@
           <a:p>
             <a:fld id="{BA639F62-6D77-47D9-8BCF-A2FB957B0FDE}" type="datetimeFigureOut">
               <a:rPr lang="ko-KR" altLang="en-US" smtClean="0"/>
-              <a:t>2023-05-08</a:t>
+              <a:t>2023-05-09</a:t>
             </a:fld>
             <a:endParaRPr lang="ko-KR" altLang="en-US"/>
           </a:p>
@@ -423,7 +423,7 @@
           <a:p>
             <a:fld id="{BA639F62-6D77-47D9-8BCF-A2FB957B0FDE}" type="datetimeFigureOut">
               <a:rPr lang="ko-KR" altLang="en-US" smtClean="0"/>
-              <a:t>2023-05-08</a:t>
+              <a:t>2023-05-09</a:t>
             </a:fld>
             <a:endParaRPr lang="ko-KR" altLang="en-US"/>
           </a:p>
@@ -601,7 +601,7 @@
           <a:p>
             <a:fld id="{BA639F62-6D77-47D9-8BCF-A2FB957B0FDE}" type="datetimeFigureOut">
               <a:rPr lang="ko-KR" altLang="en-US" smtClean="0"/>
-              <a:t>2023-05-08</a:t>
+              <a:t>2023-05-09</a:t>
             </a:fld>
             <a:endParaRPr lang="ko-KR" altLang="en-US"/>
           </a:p>
@@ -769,7 +769,7 @@
           <a:p>
             <a:fld id="{BA639F62-6D77-47D9-8BCF-A2FB957B0FDE}" type="datetimeFigureOut">
               <a:rPr lang="ko-KR" altLang="en-US" smtClean="0"/>
-              <a:t>2023-05-08</a:t>
+              <a:t>2023-05-09</a:t>
             </a:fld>
             <a:endParaRPr lang="ko-KR" altLang="en-US"/>
           </a:p>
@@ -1014,7 +1014,7 @@
           <a:p>
             <a:fld id="{BA639F62-6D77-47D9-8BCF-A2FB957B0FDE}" type="datetimeFigureOut">
               <a:rPr lang="ko-KR" altLang="en-US" smtClean="0"/>
-              <a:t>2023-05-08</a:t>
+              <a:t>2023-05-09</a:t>
             </a:fld>
             <a:endParaRPr lang="ko-KR" altLang="en-US"/>
           </a:p>
@@ -1243,7 +1243,7 @@
           <a:p>
             <a:fld id="{BA639F62-6D77-47D9-8BCF-A2FB957B0FDE}" type="datetimeFigureOut">
               <a:rPr lang="ko-KR" altLang="en-US" smtClean="0"/>
-              <a:t>2023-05-08</a:t>
+              <a:t>2023-05-09</a:t>
             </a:fld>
             <a:endParaRPr lang="ko-KR" altLang="en-US"/>
           </a:p>
@@ -1607,7 +1607,7 @@
           <a:p>
             <a:fld id="{BA639F62-6D77-47D9-8BCF-A2FB957B0FDE}" type="datetimeFigureOut">
               <a:rPr lang="ko-KR" altLang="en-US" smtClean="0"/>
-              <a:t>2023-05-08</a:t>
+              <a:t>2023-05-09</a:t>
             </a:fld>
             <a:endParaRPr lang="ko-KR" altLang="en-US"/>
           </a:p>
@@ -1724,7 +1724,7 @@
           <a:p>
             <a:fld id="{BA639F62-6D77-47D9-8BCF-A2FB957B0FDE}" type="datetimeFigureOut">
               <a:rPr lang="ko-KR" altLang="en-US" smtClean="0"/>
-              <a:t>2023-05-08</a:t>
+              <a:t>2023-05-09</a:t>
             </a:fld>
             <a:endParaRPr lang="ko-KR" altLang="en-US"/>
           </a:p>
@@ -1819,7 +1819,7 @@
           <a:p>
             <a:fld id="{BA639F62-6D77-47D9-8BCF-A2FB957B0FDE}" type="datetimeFigureOut">
               <a:rPr lang="ko-KR" altLang="en-US" smtClean="0"/>
-              <a:t>2023-05-08</a:t>
+              <a:t>2023-05-09</a:t>
             </a:fld>
             <a:endParaRPr lang="ko-KR" altLang="en-US"/>
           </a:p>
@@ -2094,7 +2094,7 @@
           <a:p>
             <a:fld id="{BA639F62-6D77-47D9-8BCF-A2FB957B0FDE}" type="datetimeFigureOut">
               <a:rPr lang="ko-KR" altLang="en-US" smtClean="0"/>
-              <a:t>2023-05-08</a:t>
+              <a:t>2023-05-09</a:t>
             </a:fld>
             <a:endParaRPr lang="ko-KR" altLang="en-US"/>
           </a:p>
@@ -2346,7 +2346,7 @@
           <a:p>
             <a:fld id="{BA639F62-6D77-47D9-8BCF-A2FB957B0FDE}" type="datetimeFigureOut">
               <a:rPr lang="ko-KR" altLang="en-US" smtClean="0"/>
-              <a:t>2023-05-08</a:t>
+              <a:t>2023-05-09</a:t>
             </a:fld>
             <a:endParaRPr lang="ko-KR" altLang="en-US"/>
           </a:p>
@@ -2557,7 +2557,7 @@
           <a:p>
             <a:fld id="{BA639F62-6D77-47D9-8BCF-A2FB957B0FDE}" type="datetimeFigureOut">
               <a:rPr lang="ko-KR" altLang="en-US" smtClean="0"/>
-              <a:t>2023-05-08</a:t>
+              <a:t>2023-05-09</a:t>
             </a:fld>
             <a:endParaRPr lang="ko-KR" altLang="en-US"/>
           </a:p>
@@ -4252,6 +4252,13 @@
   <p:clrMapOvr>
     <a:masterClrMapping/>
   </p:clrMapOvr>
+  <p:timing>
+    <p:tnLst>
+      <p:par>
+        <p:cTn id="1" dur="indefinite" restart="never" nodeType="tmRoot"/>
+      </p:par>
+    </p:tnLst>
+  </p:timing>
 </p:sld>
 </file>
 
@@ -4505,6 +4512,13 @@
   <p:clrMapOvr>
     <a:masterClrMapping/>
   </p:clrMapOvr>
+  <p:timing>
+    <p:tnLst>
+      <p:par>
+        <p:cTn id="1" dur="indefinite" restart="never" nodeType="tmRoot"/>
+      </p:par>
+    </p:tnLst>
+  </p:timing>
 </p:sld>
 </file>
 
@@ -8210,12 +8224,30 @@
           </a:p>
           <a:p>
             <a:r>
+              <a:rPr lang="ko-KR" altLang="en-US" dirty="0" smtClean="0">
+                <a:latin typeface="한컴산뜻돋움" panose="02000000000000000000" pitchFamily="2" charset="-127"/>
+                <a:ea typeface="한컴산뜻돋움" panose="02000000000000000000" pitchFamily="2" charset="-127"/>
+              </a:rPr>
+              <a:t>채팅을 통한 소셜 </a:t>
+            </a:r>
+            <a:r>
               <a:rPr lang="ko-KR" altLang="en-US" dirty="0">
                 <a:latin typeface="한컴산뜻돋움" panose="02000000000000000000" pitchFamily="2" charset="-127"/>
                 <a:ea typeface="한컴산뜻돋움" panose="02000000000000000000" pitchFamily="2" charset="-127"/>
               </a:rPr>
-              <a:t>유저 간 채팅을 통해 소통할 수 있는 소셜 미디어 플랫폼</a:t>
-            </a:r>
+              <a:t>미디어 </a:t>
+            </a:r>
+            <a:r>
+              <a:rPr lang="ko-KR" altLang="en-US" dirty="0" smtClean="0">
+                <a:latin typeface="한컴산뜻돋움" panose="02000000000000000000" pitchFamily="2" charset="-127"/>
+                <a:ea typeface="한컴산뜻돋움" panose="02000000000000000000" pitchFamily="2" charset="-127"/>
+              </a:rPr>
+              <a:t>플랫폼을 제작</a:t>
+            </a:r>
+            <a:endParaRPr lang="ko-KR" altLang="en-US" dirty="0">
+              <a:latin typeface="한컴산뜻돋움" panose="02000000000000000000" pitchFamily="2" charset="-127"/>
+              <a:ea typeface="한컴산뜻돋움" panose="02000000000000000000" pitchFamily="2" charset="-127"/>
+            </a:endParaRPr>
           </a:p>
         </p:txBody>
       </p:sp>
@@ -13797,7 +13829,7 @@
         </p:nvSpPr>
         <p:spPr>
           <a:xfrm>
-            <a:off x="5969702" y="1414929"/>
+            <a:off x="5991066" y="1396979"/>
             <a:ext cx="1579419" cy="269549"/>
           </a:xfrm>
           <a:prstGeom prst="rect">
@@ -13840,25 +13872,17 @@
                   <a:schemeClr val="tx1"/>
                 </a:solidFill>
               </a:rPr>
-              <a:t>게시물</a:t>
-            </a:r>
-            <a:r>
-              <a:rPr lang="ko-KR" altLang="en-US" sz="1400" dirty="0">
-                <a:solidFill>
-                  <a:schemeClr val="tx1"/>
-                </a:solidFill>
-              </a:rPr>
-              <a:t> </a:t>
-            </a:r>
-            <a:r>
-              <a:rPr lang="en-US" altLang="ko-KR" sz="1400" dirty="0">
+              <a:t>게시물 </a:t>
+            </a:r>
+            <a:r>
+              <a:rPr lang="en-US" altLang="ko-KR" sz="1300" dirty="0">
                 <a:solidFill>
                   <a:schemeClr val="tx1"/>
                 </a:solidFill>
               </a:rPr>
               <a:t>(board)</a:t>
             </a:r>
-            <a:endParaRPr lang="ko-KR" altLang="en-US" sz="1400" dirty="0">
+            <a:endParaRPr lang="ko-KR" altLang="en-US" sz="1300" dirty="0">
               <a:solidFill>
                 <a:schemeClr val="tx1"/>
               </a:solidFill>
@@ -15815,6 +15839,13 @@
   <p:clrMapOvr>
     <a:masterClrMapping/>
   </p:clrMapOvr>
+  <p:timing>
+    <p:tnLst>
+      <p:par>
+        <p:cTn id="1" dur="indefinite" restart="never" nodeType="tmRoot"/>
+      </p:par>
+    </p:tnLst>
+  </p:timing>
 </p:sld>
 </file>
 
@@ -15990,13 +16021,15 @@
           <a:lstStyle/>
           <a:p>
             <a:r>
-              <a:rPr lang="en-US" altLang="ko-KR" dirty="0">
+              <a:rPr lang="en-US" altLang="ko-KR" dirty="0" smtClean="0">
                 <a:hlinkClick r:id="rId3"/>
               </a:rPr>
               <a:t>https://www.youtube.com/watch?v=4bwgKEtKQTU</a:t>
             </a:r>
             <a:r>
-              <a:rPr lang="ko-KR" altLang="en-US" dirty="0"/>
+              <a:rPr lang="ko-KR" altLang="en-US" dirty="0" smtClean="0">
+                <a:hlinkClick r:id="rId3"/>
+              </a:rPr>
               <a:t> </a:t>
             </a:r>
             <a:endParaRPr lang="en-US" altLang="ko-KR" dirty="0"/>
@@ -16068,6 +16101,13 @@
   <p:clrMapOvr>
     <a:masterClrMapping/>
   </p:clrMapOvr>
+  <p:timing>
+    <p:tnLst>
+      <p:par>
+        <p:cTn id="1" dur="indefinite" restart="never" nodeType="tmRoot"/>
+      </p:par>
+    </p:tnLst>
+  </p:timing>
 </p:sld>
 </file>
 
